--- a/progress/flowchart.pptx
+++ b/progress/flowchart.pptx
@@ -4474,9 +4474,9 @@
         <p:grpSpPr>
           <a:xfrm>
             <a:off x="7767145" y="645423"/>
-            <a:ext cx="1912883" cy="5815643"/>
+            <a:ext cx="1744717" cy="5815643"/>
             <a:chOff x="2648294" y="729501"/>
-            <a:chExt cx="3083827" cy="5815643"/>
+            <a:chExt cx="2812720" cy="5815643"/>
           </a:xfrm>
         </p:grpSpPr>
         <p:grpSp>
@@ -4572,8 +4572,8 @@
           </p:nvCxnSpPr>
           <p:spPr>
             <a:xfrm flipV="1">
-              <a:off x="3996776" y="733550"/>
-              <a:ext cx="1735345" cy="23190"/>
+              <a:off x="3996776" y="737173"/>
+              <a:ext cx="1464238" cy="19567"/>
             </a:xfrm>
             <a:prstGeom prst="straightConnector1">
               <a:avLst/>
@@ -4648,8 +4648,8 @@
         </p:nvGrpSpPr>
         <p:grpSpPr>
           <a:xfrm>
-            <a:off x="8771898" y="1448647"/>
-            <a:ext cx="3099057" cy="1139858"/>
+            <a:off x="9533706" y="427574"/>
+            <a:ext cx="2488588" cy="537808"/>
             <a:chOff x="959803" y="737894"/>
             <a:chExt cx="3011305" cy="6549410"/>
           </a:xfrm>
@@ -4703,7 +4703,7 @@
           <p:spPr>
             <a:xfrm>
               <a:off x="996681" y="1221381"/>
-              <a:ext cx="2974427" cy="1591584"/>
+              <a:ext cx="2974427" cy="2652640"/>
             </a:xfrm>
             <a:prstGeom prst="rect">
               <a:avLst/>
@@ -4727,17 +4727,83 @@
               </a:r>
               <a:r>
                 <a:rPr lang="en-US" sz="1200" dirty="0" smtClean="0"/>
-                <a:t> output data </a:t>
-              </a:r>
-              <a:r>
-                <a:rPr lang="en-US" sz="1200" smtClean="0"/>
-                <a:t>(name.</a:t>
+                <a:t> output data (name.matches.tsv.gz)</a:t>
               </a:r>
               <a:endParaRPr lang="en-US" sz="1200" dirty="0"/>
             </a:p>
           </p:txBody>
         </p:sp>
       </p:grpSp>
+      <p:cxnSp>
+        <p:nvCxnSpPr>
+          <p:cNvPr id="107" name="Straight Arrow Connector 106"/>
+          <p:cNvCxnSpPr/>
+          <p:nvPr/>
+        </p:nvCxnSpPr>
+        <p:spPr>
+          <a:xfrm>
+            <a:off x="9541121" y="1205346"/>
+            <a:ext cx="0" cy="580689"/>
+          </a:xfrm>
+          <a:prstGeom prst="straightConnector1">
+            <a:avLst/>
+          </a:prstGeom>
+          <a:ln w="76200">
+            <a:solidFill>
+              <a:schemeClr val="tx1"/>
+            </a:solidFill>
+            <a:tailEnd type="triangle"/>
+          </a:ln>
+        </p:spPr>
+        <p:style>
+          <a:lnRef idx="3">
+            <a:schemeClr val="dk1"/>
+          </a:lnRef>
+          <a:fillRef idx="0">
+            <a:schemeClr val="dk1"/>
+          </a:fillRef>
+          <a:effectRef idx="2">
+            <a:schemeClr val="dk1"/>
+          </a:effectRef>
+          <a:fontRef idx="minor">
+            <a:schemeClr val="tx1"/>
+          </a:fontRef>
+        </p:style>
+      </p:cxnSp>
+      <p:sp>
+        <p:nvSpPr>
+          <p:cNvPr id="108" name="TextBox 107"/>
+          <p:cNvSpPr txBox="1"/>
+          <p:nvPr/>
+        </p:nvSpPr>
+        <p:spPr>
+          <a:xfrm>
+            <a:off x="9681959" y="1053819"/>
+            <a:ext cx="2436469" cy="338554"/>
+          </a:xfrm>
+          <a:prstGeom prst="rect">
+            <a:avLst/>
+          </a:prstGeom>
+          <a:noFill/>
+        </p:spPr>
+        <p:txBody>
+          <a:bodyPr wrap="square" rtlCol="0">
+            <a:spAutoFit/>
+          </a:bodyPr>
+          <a:lstStyle/>
+          <a:p>
+            <a:r>
+              <a:rPr lang="en-US" sz="1600" dirty="0" smtClean="0"/>
+              <a:t>Run </a:t>
+            </a:r>
+            <a:r>
+              <a:rPr lang="en-US" sz="1600" smtClean="0"/>
+              <a:t>`populations` to </a:t>
+            </a:r>
+            <a:endParaRPr lang="en-US" sz="1600" dirty="0"/>
+          </a:p>
+        </p:txBody>
+      </p:sp>
     </p:spTree>
     <p:extLst>
       <p:ext uri="{BB962C8B-B14F-4D97-AF65-F5344CB8AC3E}">

--- a/progress/flowchart.pptx
+++ b/progress/flowchart.pptx
@@ -2980,38 +2980,8 @@
         </p:blipFill>
         <p:spPr>
           <a:xfrm>
-            <a:off x="4503558" y="2332667"/>
+            <a:off x="3934630" y="1567249"/>
             <a:ext cx="3478366" cy="2485463"/>
-          </a:xfrm>
-          <a:prstGeom prst="rect">
-            <a:avLst/>
-          </a:prstGeom>
-        </p:spPr>
-      </p:pic>
-      <p:pic>
-        <p:nvPicPr>
-          <p:cNvPr id="7" name="Picture 6"/>
-          <p:cNvPicPr>
-            <a:picLocks noChangeAspect="1"/>
-          </p:cNvPicPr>
-          <p:nvPr/>
-        </p:nvPicPr>
-        <p:blipFill>
-          <a:blip r:embed="rId3">
-            <a:extLst>
-              <a:ext uri="{28A0092B-C50C-407E-A947-70E740481C1C}">
-                <a14:useLocalDpi xmlns:a14="http://schemas.microsoft.com/office/drawing/2010/main" val="0"/>
-              </a:ext>
-            </a:extLst>
-          </a:blip>
-          <a:stretch>
-            <a:fillRect/>
-          </a:stretch>
-        </p:blipFill>
-        <p:spPr>
-          <a:xfrm>
-            <a:off x="4627555" y="16349"/>
-            <a:ext cx="2988194" cy="1687776"/>
           </a:xfrm>
           <a:prstGeom prst="rect">
             <a:avLst/>
@@ -3026,8 +2996,8 @@
         </p:nvGrpSpPr>
         <p:grpSpPr>
           <a:xfrm>
-            <a:off x="212868" y="96285"/>
-            <a:ext cx="3468603" cy="1249922"/>
+            <a:off x="406611" y="16349"/>
+            <a:ext cx="2490117" cy="1013282"/>
             <a:chOff x="388882" y="705666"/>
             <a:chExt cx="3277480" cy="1135117"/>
           </a:xfrm>
@@ -3161,451 +3131,16 @@
       </p:grpSp>
       <p:grpSp>
         <p:nvGrpSpPr>
-          <p:cNvPr id="11" name="Group 10"/>
-          <p:cNvGrpSpPr/>
-          <p:nvPr/>
-        </p:nvGrpSpPr>
-        <p:grpSpPr>
-          <a:xfrm>
-            <a:off x="583323" y="3177970"/>
-            <a:ext cx="1457856" cy="281554"/>
-            <a:chOff x="959803" y="736590"/>
-            <a:chExt cx="2974427" cy="1136425"/>
-          </a:xfrm>
-        </p:grpSpPr>
-        <p:sp>
-          <p:nvSpPr>
-            <p:cNvPr id="12" name="Flowchart: Alternate Process 11"/>
-            <p:cNvSpPr/>
-            <p:nvPr/>
-          </p:nvSpPr>
-          <p:spPr>
-            <a:xfrm>
-              <a:off x="959803" y="737898"/>
-              <a:ext cx="2974427" cy="1135117"/>
-            </a:xfrm>
-            <a:prstGeom prst="flowChartAlternateProcess">
-              <a:avLst/>
-            </a:prstGeom>
-          </p:spPr>
-          <p:style>
-            <a:lnRef idx="2">
-              <a:schemeClr val="accent1">
-                <a:shade val="50000"/>
-              </a:schemeClr>
-            </a:lnRef>
-            <a:fillRef idx="1">
-              <a:schemeClr val="accent1"/>
-            </a:fillRef>
-            <a:effectRef idx="0">
-              <a:schemeClr val="accent1"/>
-            </a:effectRef>
-            <a:fontRef idx="minor">
-              <a:schemeClr val="lt1"/>
-            </a:fontRef>
-          </p:style>
-          <p:txBody>
-            <a:bodyPr rtlCol="0" anchor="ctr"/>
-            <a:lstStyle/>
-            <a:p>
-              <a:pPr algn="ctr"/>
-              <a:endParaRPr lang="en-US"/>
-            </a:p>
-          </p:txBody>
-        </p:sp>
-        <p:sp>
-          <p:nvSpPr>
-            <p:cNvPr id="13" name="TextBox 12"/>
-            <p:cNvSpPr txBox="1"/>
-            <p:nvPr/>
-          </p:nvSpPr>
-          <p:spPr>
-            <a:xfrm>
-              <a:off x="1206795" y="736590"/>
-              <a:ext cx="2480442" cy="647811"/>
-            </a:xfrm>
-            <a:prstGeom prst="rect">
-              <a:avLst/>
-            </a:prstGeom>
-            <a:noFill/>
-          </p:spPr>
-          <p:txBody>
-            <a:bodyPr wrap="square" rtlCol="0">
-              <a:spAutoFit/>
-            </a:bodyPr>
-            <a:lstStyle/>
-            <a:p>
-              <a:pPr algn="ctr"/>
-              <a:r>
-                <a:rPr lang="en-US" sz="1200" dirty="0" smtClean="0"/>
-                <a:t>Ajordan86(f</a:t>
-              </a:r>
-              <a:r>
-                <a:rPr lang="en-US" sz="1050" dirty="0" smtClean="0"/>
-                <a:t>q.gz</a:t>
-              </a:r>
-              <a:r>
-                <a:rPr lang="en-US" sz="1200" dirty="0" smtClean="0"/>
-                <a:t>)</a:t>
-              </a:r>
-              <a:endParaRPr lang="en-US" sz="1200" dirty="0"/>
-            </a:p>
-          </p:txBody>
-        </p:sp>
-      </p:grpSp>
-      <p:grpSp>
-        <p:nvGrpSpPr>
-          <p:cNvPr id="24" name="Group 23"/>
-          <p:cNvGrpSpPr/>
-          <p:nvPr/>
-        </p:nvGrpSpPr>
-        <p:grpSpPr>
-          <a:xfrm>
-            <a:off x="583322" y="3498824"/>
-            <a:ext cx="1457856" cy="281554"/>
-            <a:chOff x="959803" y="736590"/>
-            <a:chExt cx="2974427" cy="1136425"/>
-          </a:xfrm>
-        </p:grpSpPr>
-        <p:sp>
-          <p:nvSpPr>
-            <p:cNvPr id="25" name="Flowchart: Alternate Process 24"/>
-            <p:cNvSpPr/>
-            <p:nvPr/>
-          </p:nvSpPr>
-          <p:spPr>
-            <a:xfrm>
-              <a:off x="959803" y="737898"/>
-              <a:ext cx="2974427" cy="1135117"/>
-            </a:xfrm>
-            <a:prstGeom prst="flowChartAlternateProcess">
-              <a:avLst/>
-            </a:prstGeom>
-          </p:spPr>
-          <p:style>
-            <a:lnRef idx="2">
-              <a:schemeClr val="accent1">
-                <a:shade val="50000"/>
-              </a:schemeClr>
-            </a:lnRef>
-            <a:fillRef idx="1">
-              <a:schemeClr val="accent1"/>
-            </a:fillRef>
-            <a:effectRef idx="0">
-              <a:schemeClr val="accent1"/>
-            </a:effectRef>
-            <a:fontRef idx="minor">
-              <a:schemeClr val="lt1"/>
-            </a:fontRef>
-          </p:style>
-          <p:txBody>
-            <a:bodyPr rtlCol="0" anchor="ctr"/>
-            <a:lstStyle/>
-            <a:p>
-              <a:pPr algn="ctr"/>
-              <a:endParaRPr lang="en-US"/>
-            </a:p>
-          </p:txBody>
-        </p:sp>
-        <p:sp>
-          <p:nvSpPr>
-            <p:cNvPr id="26" name="TextBox 25"/>
-            <p:cNvSpPr txBox="1"/>
-            <p:nvPr/>
-          </p:nvSpPr>
-          <p:spPr>
-            <a:xfrm>
-              <a:off x="1022852" y="736590"/>
-              <a:ext cx="2664387" cy="1118040"/>
-            </a:xfrm>
-            <a:prstGeom prst="rect">
-              <a:avLst/>
-            </a:prstGeom>
-            <a:noFill/>
-          </p:spPr>
-          <p:txBody>
-            <a:bodyPr wrap="square" rtlCol="0">
-              <a:spAutoFit/>
-            </a:bodyPr>
-            <a:lstStyle/>
-            <a:p>
-              <a:pPr algn="ctr"/>
-              <a:r>
-                <a:rPr lang="en-US" sz="1200" dirty="0" smtClean="0"/>
-                <a:t>Cmelanu89</a:t>
-              </a:r>
-              <a:r>
-                <a:rPr lang="en-US" sz="1200" dirty="0" smtClean="0"/>
-                <a:t>(fq.gz)</a:t>
-              </a:r>
-              <a:endParaRPr lang="en-US" sz="1200" dirty="0"/>
-            </a:p>
-          </p:txBody>
-        </p:sp>
-      </p:grpSp>
-      <p:grpSp>
-        <p:nvGrpSpPr>
-          <p:cNvPr id="27" name="Group 26"/>
-          <p:cNvGrpSpPr/>
-          <p:nvPr/>
-        </p:nvGrpSpPr>
-        <p:grpSpPr>
-          <a:xfrm>
-            <a:off x="583321" y="3820002"/>
-            <a:ext cx="1457856" cy="281554"/>
-            <a:chOff x="959803" y="736590"/>
-            <a:chExt cx="2974427" cy="1136425"/>
-          </a:xfrm>
-        </p:grpSpPr>
-        <p:sp>
-          <p:nvSpPr>
-            <p:cNvPr id="28" name="Flowchart: Alternate Process 27"/>
-            <p:cNvSpPr/>
-            <p:nvPr/>
-          </p:nvSpPr>
-          <p:spPr>
-            <a:xfrm>
-              <a:off x="959803" y="737898"/>
-              <a:ext cx="2974427" cy="1135117"/>
-            </a:xfrm>
-            <a:prstGeom prst="flowChartAlternateProcess">
-              <a:avLst/>
-            </a:prstGeom>
-          </p:spPr>
-          <p:style>
-            <a:lnRef idx="2">
-              <a:schemeClr val="accent1">
-                <a:shade val="50000"/>
-              </a:schemeClr>
-            </a:lnRef>
-            <a:fillRef idx="1">
-              <a:schemeClr val="accent1"/>
-            </a:fillRef>
-            <a:effectRef idx="0">
-              <a:schemeClr val="accent1"/>
-            </a:effectRef>
-            <a:fontRef idx="minor">
-              <a:schemeClr val="lt1"/>
-            </a:fontRef>
-          </p:style>
-          <p:txBody>
-            <a:bodyPr rtlCol="0" anchor="ctr"/>
-            <a:lstStyle/>
-            <a:p>
-              <a:pPr algn="ctr"/>
-              <a:endParaRPr lang="en-US"/>
-            </a:p>
-          </p:txBody>
-        </p:sp>
-        <p:sp>
-          <p:nvSpPr>
-            <p:cNvPr id="29" name="TextBox 28"/>
-            <p:cNvSpPr txBox="1"/>
-            <p:nvPr/>
-          </p:nvSpPr>
-          <p:spPr>
-            <a:xfrm>
-              <a:off x="1022852" y="736590"/>
-              <a:ext cx="2664389" cy="1118040"/>
-            </a:xfrm>
-            <a:prstGeom prst="rect">
-              <a:avLst/>
-            </a:prstGeom>
-            <a:noFill/>
-          </p:spPr>
-          <p:txBody>
-            <a:bodyPr wrap="square" rtlCol="0">
-              <a:spAutoFit/>
-            </a:bodyPr>
-            <a:lstStyle/>
-            <a:p>
-              <a:pPr algn="ctr"/>
-              <a:r>
-                <a:rPr lang="en-US" sz="1200" dirty="0" smtClean="0"/>
-                <a:t>Lflorae666(fq.gz)</a:t>
-              </a:r>
-              <a:endParaRPr lang="en-US" sz="1200" dirty="0"/>
-            </a:p>
-          </p:txBody>
-        </p:sp>
-      </p:grpSp>
-      <p:grpSp>
-        <p:nvGrpSpPr>
-          <p:cNvPr id="30" name="Group 29"/>
-          <p:cNvGrpSpPr/>
-          <p:nvPr/>
-        </p:nvGrpSpPr>
-        <p:grpSpPr>
-          <a:xfrm>
-            <a:off x="614223" y="4341302"/>
-            <a:ext cx="1457856" cy="281554"/>
-            <a:chOff x="959803" y="736590"/>
-            <a:chExt cx="2974427" cy="1136425"/>
-          </a:xfrm>
-        </p:grpSpPr>
-        <p:sp>
-          <p:nvSpPr>
-            <p:cNvPr id="31" name="Flowchart: Alternate Process 30"/>
-            <p:cNvSpPr/>
-            <p:nvPr/>
-          </p:nvSpPr>
-          <p:spPr>
-            <a:xfrm>
-              <a:off x="959803" y="737898"/>
-              <a:ext cx="2974427" cy="1135117"/>
-            </a:xfrm>
-            <a:prstGeom prst="flowChartAlternateProcess">
-              <a:avLst/>
-            </a:prstGeom>
-          </p:spPr>
-          <p:style>
-            <a:lnRef idx="2">
-              <a:schemeClr val="accent1">
-                <a:shade val="50000"/>
-              </a:schemeClr>
-            </a:lnRef>
-            <a:fillRef idx="1">
-              <a:schemeClr val="accent1"/>
-            </a:fillRef>
-            <a:effectRef idx="0">
-              <a:schemeClr val="accent1"/>
-            </a:effectRef>
-            <a:fontRef idx="minor">
-              <a:schemeClr val="lt1"/>
-            </a:fontRef>
-          </p:style>
-          <p:txBody>
-            <a:bodyPr rtlCol="0" anchor="ctr"/>
-            <a:lstStyle/>
-            <a:p>
-              <a:pPr algn="ctr"/>
-              <a:endParaRPr lang="en-US"/>
-            </a:p>
-          </p:txBody>
-        </p:sp>
-        <p:sp>
-          <p:nvSpPr>
-            <p:cNvPr id="32" name="TextBox 31"/>
-            <p:cNvSpPr txBox="1"/>
-            <p:nvPr/>
-          </p:nvSpPr>
-          <p:spPr>
-            <a:xfrm>
-              <a:off x="1143750" y="736590"/>
-              <a:ext cx="2543486" cy="1118040"/>
-            </a:xfrm>
-            <a:prstGeom prst="rect">
-              <a:avLst/>
-            </a:prstGeom>
-            <a:noFill/>
-          </p:spPr>
-          <p:txBody>
-            <a:bodyPr wrap="square" rtlCol="0">
-              <a:spAutoFit/>
-            </a:bodyPr>
-            <a:lstStyle/>
-            <a:p>
-              <a:pPr algn="ctr"/>
-              <a:r>
-                <a:rPr lang="en-US" sz="1200" dirty="0" err="1" smtClean="0"/>
-                <a:t>Rattenuatu</a:t>
-              </a:r>
-              <a:r>
-                <a:rPr lang="en-US" sz="1200" dirty="0" smtClean="0"/>
-                <a:t>(f</a:t>
-              </a:r>
-              <a:r>
-                <a:rPr lang="en-US" sz="1050" dirty="0" smtClean="0"/>
-                <a:t>q.gz</a:t>
-              </a:r>
-              <a:r>
-                <a:rPr lang="en-US" sz="1200" dirty="0" smtClean="0"/>
-                <a:t>)</a:t>
-              </a:r>
-              <a:endParaRPr lang="en-US" sz="1200" dirty="0"/>
-            </a:p>
-          </p:txBody>
-        </p:sp>
-      </p:grpSp>
-      <p:sp>
-        <p:nvSpPr>
-          <p:cNvPr id="33" name="TextBox 32"/>
-          <p:cNvSpPr txBox="1"/>
-          <p:nvPr/>
-        </p:nvSpPr>
-        <p:spPr>
-          <a:xfrm>
-            <a:off x="1107297" y="3922245"/>
-            <a:ext cx="409903" cy="461665"/>
-          </a:xfrm>
-          <a:prstGeom prst="rect">
-            <a:avLst/>
-          </a:prstGeom>
-          <a:noFill/>
-        </p:spPr>
-        <p:txBody>
-          <a:bodyPr wrap="square" rtlCol="0">
-            <a:spAutoFit/>
-          </a:bodyPr>
-          <a:lstStyle/>
-          <a:p>
-            <a:r>
-              <a:rPr lang="en-US" sz="2400" b="1" dirty="0" smtClean="0"/>
-              <a:t>…</a:t>
-            </a:r>
-          </a:p>
-        </p:txBody>
-      </p:sp>
-      <p:sp>
-        <p:nvSpPr>
-          <p:cNvPr id="34" name="Right Brace 33"/>
-          <p:cNvSpPr/>
-          <p:nvPr/>
-        </p:nvSpPr>
-        <p:spPr>
-          <a:xfrm>
-            <a:off x="2115495" y="3177970"/>
-            <a:ext cx="437144" cy="1440331"/>
-          </a:xfrm>
-          <a:prstGeom prst="rightBrace">
-            <a:avLst/>
-          </a:prstGeom>
-        </p:spPr>
-        <p:style>
-          <a:lnRef idx="1">
-            <a:schemeClr val="dk1"/>
-          </a:lnRef>
-          <a:fillRef idx="0">
-            <a:schemeClr val="dk1"/>
-          </a:fillRef>
-          <a:effectRef idx="0">
-            <a:schemeClr val="dk1"/>
-          </a:effectRef>
-          <a:fontRef idx="minor">
-            <a:schemeClr val="tx1"/>
-          </a:fontRef>
-        </p:style>
-        <p:txBody>
-          <a:bodyPr rtlCol="0" anchor="ctr"/>
-          <a:lstStyle/>
-          <a:p>
-            <a:pPr algn="ctr"/>
-            <a:endParaRPr lang="en-US"/>
-          </a:p>
-        </p:txBody>
-      </p:sp>
-      <p:grpSp>
-        <p:nvGrpSpPr>
           <p:cNvPr id="35" name="Group 34"/>
           <p:cNvGrpSpPr/>
           <p:nvPr/>
         </p:nvGrpSpPr>
         <p:grpSpPr>
           <a:xfrm>
-            <a:off x="294300" y="6298654"/>
-            <a:ext cx="3099057" cy="426935"/>
-            <a:chOff x="959803" y="737894"/>
-            <a:chExt cx="3011305" cy="2453089"/>
+            <a:off x="399580" y="3885006"/>
+            <a:ext cx="2339069" cy="536638"/>
+            <a:chOff x="996681" y="790623"/>
+            <a:chExt cx="3022950" cy="2453089"/>
           </a:xfrm>
         </p:grpSpPr>
         <p:sp>
@@ -3616,7 +3151,7 @@
           </p:nvSpPr>
           <p:spPr>
             <a:xfrm>
-              <a:off x="959803" y="737894"/>
+              <a:off x="1045204" y="790623"/>
               <a:ext cx="2974427" cy="2453089"/>
             </a:xfrm>
             <a:prstGeom prst="flowChartAlternateProcess">
@@ -3656,8 +3191,8 @@
           </p:nvSpPr>
           <p:spPr>
             <a:xfrm>
-              <a:off x="996681" y="1221381"/>
-              <a:ext cx="2974427" cy="1591585"/>
+              <a:off x="996681" y="1221382"/>
+              <a:ext cx="2974427" cy="1700527"/>
             </a:xfrm>
             <a:prstGeom prst="rect">
               <a:avLst/>
@@ -3673,7 +3208,14 @@
               <a:pPr algn="ctr"/>
               <a:r>
                 <a:rPr lang="en-US" sz="1200" dirty="0" smtClean="0"/>
-                <a:t>Directory with 44 fq.gz files. 1e5&lt;n-reads&lt;2e6</a:t>
+                <a:t>Directory with 44 fq.gz files.</a:t>
+              </a:r>
+            </a:p>
+            <a:p>
+              <a:pPr algn="ctr"/>
+              <a:r>
+                <a:rPr lang="en-US" sz="1200" dirty="0" smtClean="0"/>
+                <a:t> 1e5&lt;n-reads&lt;2e6</a:t>
               </a:r>
               <a:endParaRPr lang="en-US" sz="1200" dirty="0"/>
             </a:p>
@@ -3688,7 +3230,7 @@
         </p:nvSpPr>
         <p:spPr>
           <a:xfrm>
-            <a:off x="1517200" y="1731410"/>
+            <a:off x="731769" y="1141204"/>
             <a:ext cx="2089834" cy="584775"/>
           </a:xfrm>
           <a:prstGeom prst="rect">
@@ -3730,7 +3272,7 @@
         </p:nvSpPr>
         <p:spPr>
           <a:xfrm>
-            <a:off x="1249992" y="4887145"/>
+            <a:off x="700778" y="2756110"/>
             <a:ext cx="2105411" cy="830997"/>
           </a:xfrm>
           <a:prstGeom prst="rect">
@@ -3751,92 +3293,6 @@
           </a:p>
         </p:txBody>
       </p:sp>
-      <p:grpSp>
-        <p:nvGrpSpPr>
-          <p:cNvPr id="41" name="Group 40"/>
-          <p:cNvGrpSpPr/>
-          <p:nvPr/>
-        </p:nvGrpSpPr>
-        <p:grpSpPr>
-          <a:xfrm>
-            <a:off x="2639472" y="3553245"/>
-            <a:ext cx="1041999" cy="787701"/>
-            <a:chOff x="959803" y="737894"/>
-            <a:chExt cx="2974427" cy="2453089"/>
-          </a:xfrm>
-        </p:grpSpPr>
-        <p:sp>
-          <p:nvSpPr>
-            <p:cNvPr id="42" name="Flowchart: Alternate Process 41"/>
-            <p:cNvSpPr/>
-            <p:nvPr/>
-          </p:nvSpPr>
-          <p:spPr>
-            <a:xfrm>
-              <a:off x="959803" y="737894"/>
-              <a:ext cx="2974427" cy="2453089"/>
-            </a:xfrm>
-            <a:prstGeom prst="flowChartAlternateProcess">
-              <a:avLst/>
-            </a:prstGeom>
-          </p:spPr>
-          <p:style>
-            <a:lnRef idx="2">
-              <a:schemeClr val="accent1">
-                <a:shade val="50000"/>
-              </a:schemeClr>
-            </a:lnRef>
-            <a:fillRef idx="1">
-              <a:schemeClr val="accent1"/>
-            </a:fillRef>
-            <a:effectRef idx="0">
-              <a:schemeClr val="accent1"/>
-            </a:effectRef>
-            <a:fontRef idx="minor">
-              <a:schemeClr val="lt1"/>
-            </a:fontRef>
-          </p:style>
-          <p:txBody>
-            <a:bodyPr rtlCol="0" anchor="ctr"/>
-            <a:lstStyle/>
-            <a:p>
-              <a:pPr algn="ctr"/>
-              <a:endParaRPr lang="en-US"/>
-            </a:p>
-          </p:txBody>
-        </p:sp>
-        <p:sp>
-          <p:nvSpPr>
-            <p:cNvPr id="43" name="TextBox 42"/>
-            <p:cNvSpPr txBox="1"/>
-            <p:nvPr/>
-          </p:nvSpPr>
-          <p:spPr>
-            <a:xfrm>
-              <a:off x="959803" y="1034382"/>
-              <a:ext cx="2974427" cy="1437735"/>
-            </a:xfrm>
-            <a:prstGeom prst="rect">
-              <a:avLst/>
-            </a:prstGeom>
-            <a:noFill/>
-          </p:spPr>
-          <p:txBody>
-            <a:bodyPr wrap="square" rtlCol="0">
-              <a:spAutoFit/>
-            </a:bodyPr>
-            <a:lstStyle/>
-            <a:p>
-              <a:pPr algn="ctr"/>
-              <a:r>
-                <a:rPr lang="en-US" sz="1200" dirty="0" smtClean="0"/>
-                <a:t>1 fq.gz per specimen (48 total)</a:t>
-              </a:r>
-              <a:endParaRPr lang="en-US" sz="1200" dirty="0"/>
-            </a:p>
-          </p:txBody>
-        </p:sp>
-      </p:grpSp>
       <p:cxnSp>
         <p:nvCxnSpPr>
           <p:cNvPr id="45" name="Straight Arrow Connector 44"/>
@@ -3844,9 +3300,9 @@
           <p:nvPr/>
         </p:nvCxnSpPr>
         <p:spPr>
-          <a:xfrm>
-            <a:off x="1132028" y="1426349"/>
-            <a:ext cx="0" cy="1588806"/>
+          <a:xfrm flipH="1">
+            <a:off x="568985" y="1069609"/>
+            <a:ext cx="7421" cy="962010"/>
           </a:xfrm>
           <a:prstGeom prst="straightConnector1">
             <a:avLst/>
@@ -3881,8 +3337,8 @@
         </p:nvCxnSpPr>
         <p:spPr>
           <a:xfrm>
-            <a:off x="1132028" y="4618301"/>
-            <a:ext cx="0" cy="1588806"/>
+            <a:off x="546302" y="2695862"/>
+            <a:ext cx="0" cy="1104959"/>
           </a:xfrm>
           <a:prstGeom prst="straightConnector1">
             <a:avLst/>
@@ -3917,10 +3373,10 @@
         </p:nvGrpSpPr>
         <p:grpSpPr>
           <a:xfrm>
-            <a:off x="3607034" y="729501"/>
-            <a:ext cx="1035371" cy="5815643"/>
+            <a:off x="3102244" y="346841"/>
+            <a:ext cx="891687" cy="6148087"/>
             <a:chOff x="3607034" y="729501"/>
-            <a:chExt cx="1669159" cy="5815643"/>
+            <a:chExt cx="1437521" cy="5815643"/>
           </a:xfrm>
         </p:grpSpPr>
         <p:grpSp>
@@ -4016,8 +3472,8 @@
           </p:nvCxnSpPr>
           <p:spPr>
             <a:xfrm flipV="1">
-              <a:off x="3996776" y="756738"/>
-              <a:ext cx="1279417" cy="1"/>
+              <a:off x="3996776" y="756739"/>
+              <a:ext cx="1047779" cy="1"/>
             </a:xfrm>
             <a:prstGeom prst="straightConnector1">
               <a:avLst/>
@@ -4045,75 +3501,6 @@
           </p:style>
         </p:cxnSp>
       </p:grpSp>
-      <p:sp>
-        <p:nvSpPr>
-          <p:cNvPr id="77" name="TextBox 76"/>
-          <p:cNvSpPr txBox="1"/>
-          <p:nvPr/>
-        </p:nvSpPr>
-        <p:spPr>
-          <a:xfrm>
-            <a:off x="3531051" y="110088"/>
-            <a:ext cx="1020521" cy="523220"/>
-          </a:xfrm>
-          <a:prstGeom prst="rect">
-            <a:avLst/>
-          </a:prstGeom>
-          <a:noFill/>
-        </p:spPr>
-        <p:txBody>
-          <a:bodyPr wrap="square" rtlCol="0">
-            <a:spAutoFit/>
-          </a:bodyPr>
-          <a:lstStyle/>
-          <a:p>
-            <a:pPr algn="r"/>
-            <a:r>
-              <a:rPr lang="en-US" sz="1400" dirty="0" smtClean="0"/>
-              <a:t>Stacks pipeline</a:t>
-            </a:r>
-            <a:endParaRPr lang="en-US" sz="1400" dirty="0"/>
-          </a:p>
-        </p:txBody>
-      </p:sp>
-      <p:sp>
-        <p:nvSpPr>
-          <p:cNvPr id="78" name="TextBox 77"/>
-          <p:cNvSpPr txBox="1"/>
-          <p:nvPr/>
-        </p:nvSpPr>
-        <p:spPr>
-          <a:xfrm>
-            <a:off x="7615749" y="142091"/>
-            <a:ext cx="1050177" cy="1323439"/>
-          </a:xfrm>
-          <a:prstGeom prst="rect">
-            <a:avLst/>
-          </a:prstGeom>
-          <a:noFill/>
-        </p:spPr>
-        <p:txBody>
-          <a:bodyPr wrap="square" rtlCol="0">
-            <a:spAutoFit/>
-          </a:bodyPr>
-          <a:lstStyle/>
-          <a:p>
-            <a:r>
-              <a:rPr lang="en-US" sz="1600" dirty="0" smtClean="0"/>
-              <a:t>Run `</a:t>
-            </a:r>
-            <a:r>
-              <a:rPr lang="en-US" sz="1600" dirty="0" err="1" smtClean="0"/>
-              <a:t>ustacks</a:t>
-            </a:r>
-            <a:r>
-              <a:rPr lang="en-US" sz="1600" dirty="0" smtClean="0"/>
-              <a:t>` on each sample to find loci</a:t>
-            </a:r>
-            <a:endParaRPr lang="en-US" sz="1600" dirty="0"/>
-          </a:p>
-        </p:txBody>
-      </p:sp>
       <p:cxnSp>
         <p:nvCxnSpPr>
           <p:cNvPr id="79" name="Straight Arrow Connector 78"/>
@@ -4122,7 +3509,7 @@
         </p:nvCxnSpPr>
         <p:spPr>
           <a:xfrm>
-            <a:off x="4822033" y="1881910"/>
+            <a:off x="4249366" y="965382"/>
             <a:ext cx="0" cy="580689"/>
           </a:xfrm>
           <a:prstGeom prst="straightConnector1">
@@ -4158,7 +3545,7 @@
         </p:nvSpPr>
         <p:spPr>
           <a:xfrm>
-            <a:off x="4962871" y="1730383"/>
+            <a:off x="4376164" y="930708"/>
             <a:ext cx="3198559" cy="584775"/>
           </a:xfrm>
           <a:prstGeom prst="rect">
@@ -4190,13 +3577,13 @@
       </p:sp>
       <p:sp>
         <p:nvSpPr>
-          <p:cNvPr id="85" name="TextBox 84"/>
+          <p:cNvPr id="87" name="TextBox 86"/>
           <p:cNvSpPr txBox="1"/>
           <p:nvPr/>
         </p:nvSpPr>
         <p:spPr>
           <a:xfrm>
-            <a:off x="4743352" y="1610364"/>
+            <a:off x="4080361" y="3925434"/>
             <a:ext cx="2869324" cy="215444"/>
           </a:xfrm>
           <a:prstGeom prst="rect">
@@ -4216,7 +3603,7 @@
             </a:r>
             <a:r>
               <a:rPr lang="en-US" sz="800" dirty="0" smtClean="0">
-                <a:hlinkClick r:id="rId4"/>
+                <a:hlinkClick r:id="rId3"/>
               </a:rPr>
               <a:t>http://catchenlab.life.illinois.edu/stacks/param_tut.php</a:t>
             </a:r>
@@ -4224,78 +3611,6 @@
           </a:p>
         </p:txBody>
       </p:sp>
-      <p:sp>
-        <p:nvSpPr>
-          <p:cNvPr id="87" name="TextBox 86"/>
-          <p:cNvSpPr txBox="1"/>
-          <p:nvPr/>
-        </p:nvSpPr>
-        <p:spPr>
-          <a:xfrm>
-            <a:off x="4743352" y="4746752"/>
-            <a:ext cx="2869324" cy="215444"/>
-          </a:xfrm>
-          <a:prstGeom prst="rect">
-            <a:avLst/>
-          </a:prstGeom>
-          <a:noFill/>
-        </p:spPr>
-        <p:txBody>
-          <a:bodyPr wrap="square" rtlCol="0">
-            <a:spAutoFit/>
-          </a:bodyPr>
-          <a:lstStyle/>
-          <a:p>
-            <a:r>
-              <a:rPr lang="en-US" sz="800" dirty="0" smtClean="0"/>
-              <a:t>Figure  </a:t>
-            </a:r>
-            <a:r>
-              <a:rPr lang="en-US" sz="800" dirty="0" smtClean="0">
-                <a:hlinkClick r:id="rId4"/>
-              </a:rPr>
-              <a:t>http://catchenlab.life.illinois.edu/stacks/param_tut.php</a:t>
-            </a:r>
-            <a:endParaRPr lang="en-US" sz="800" dirty="0"/>
-          </a:p>
-        </p:txBody>
-      </p:sp>
-      <p:cxnSp>
-        <p:nvCxnSpPr>
-          <p:cNvPr id="88" name="Straight Arrow Connector 87"/>
-          <p:cNvCxnSpPr/>
-          <p:nvPr/>
-        </p:nvCxnSpPr>
-        <p:spPr>
-          <a:xfrm>
-            <a:off x="4743352" y="4962196"/>
-            <a:ext cx="0" cy="580689"/>
-          </a:xfrm>
-          <a:prstGeom prst="straightConnector1">
-            <a:avLst/>
-          </a:prstGeom>
-          <a:ln w="76200">
-            <a:solidFill>
-              <a:schemeClr val="tx1"/>
-            </a:solidFill>
-            <a:tailEnd type="triangle"/>
-          </a:ln>
-        </p:spPr>
-        <p:style>
-          <a:lnRef idx="3">
-            <a:schemeClr val="dk1"/>
-          </a:lnRef>
-          <a:fillRef idx="0">
-            <a:schemeClr val="dk1"/>
-          </a:fillRef>
-          <a:effectRef idx="2">
-            <a:schemeClr val="dk1"/>
-          </a:effectRef>
-          <a:fontRef idx="minor">
-            <a:schemeClr val="tx1"/>
-          </a:fontRef>
-        </p:style>
-      </p:cxnSp>
       <p:grpSp>
         <p:nvGrpSpPr>
           <p:cNvPr id="89" name="Group 88"/>
@@ -4304,8 +3619,8 @@
         </p:nvGrpSpPr>
         <p:grpSpPr>
           <a:xfrm>
-            <a:off x="4513619" y="5588210"/>
-            <a:ext cx="3099057" cy="1139858"/>
+            <a:off x="4118314" y="4174495"/>
+            <a:ext cx="3099057" cy="460712"/>
             <a:chOff x="959803" y="737894"/>
             <a:chExt cx="3011305" cy="6549410"/>
           </a:xfrm>
@@ -4359,7 +3674,7 @@
           <p:spPr>
             <a:xfrm>
               <a:off x="996681" y="1221381"/>
-              <a:ext cx="2974427" cy="5835809"/>
+              <a:ext cx="2974427" cy="2652640"/>
             </a:xfrm>
             <a:prstGeom prst="rect">
               <a:avLst/>
@@ -4391,28 +3706,15 @@
               </a:r>
               <a:r>
                 <a:rPr lang="en-US" sz="1200" dirty="0" smtClean="0"/>
-                <a:t> output data (Name.tags.tsv.gz,</a:t>
+                <a:t> output data (same format as </a:t>
               </a:r>
-            </a:p>
-            <a:p>
-              <a:pPr algn="ctr"/>
+              <a:r>
+                <a:rPr lang="en-US" sz="1200" dirty="0" err="1" smtClean="0"/>
+                <a:t>ustack</a:t>
+              </a:r>
               <a:r>
                 <a:rPr lang="en-US" sz="1200" dirty="0" smtClean="0"/>
-                <a:t>Name.snps.tsv.gz,</a:t>
-              </a:r>
-            </a:p>
-            <a:p>
-              <a:pPr algn="ctr"/>
-              <a:r>
-                <a:rPr lang="en-US" sz="1200" dirty="0" smtClean="0"/>
-                <a:t>Name.alleles.tsv.gz</a:t>
-              </a:r>
-            </a:p>
-            <a:p>
-              <a:pPr algn="ctr"/>
-              <a:r>
-                <a:rPr lang="en-US" sz="1200" dirty="0" smtClean="0"/>
-                <a:t>&amp; Catalog.tags.tsv.gz…)</a:t>
+                <a:t> but name is Catalog)</a:t>
               </a:r>
               <a:endParaRPr lang="en-US" sz="1200" dirty="0"/>
             </a:p>
@@ -4427,8 +3729,8 @@
         </p:nvSpPr>
         <p:spPr>
           <a:xfrm>
-            <a:off x="5001917" y="4938212"/>
-            <a:ext cx="3446002" cy="584775"/>
+            <a:off x="4417142" y="4727600"/>
+            <a:ext cx="2995854" cy="584775"/>
           </a:xfrm>
           <a:prstGeom prst="rect">
             <a:avLst/>
@@ -4447,194 +3749,11 @@
             </a:r>
             <a:r>
               <a:rPr lang="en-US" sz="1600" dirty="0" err="1" smtClean="0"/>
-              <a:t>csstacks</a:t>
+              <a:t>sstacks</a:t>
             </a:r>
             <a:r>
               <a:rPr lang="en-US" sz="1600" dirty="0" smtClean="0"/>
-              <a:t>` on all samples to </a:t>
-            </a:r>
-            <a:r>
-              <a:rPr lang="en-US" sz="1600" dirty="0" err="1" smtClean="0"/>
-              <a:t>algin</a:t>
-            </a:r>
-            <a:r>
-              <a:rPr lang="en-US" sz="1600" dirty="0" smtClean="0"/>
-              <a:t> against the catalog</a:t>
-            </a:r>
-            <a:endParaRPr lang="en-US" sz="1600" dirty="0"/>
-          </a:p>
-        </p:txBody>
-      </p:sp>
-      <p:grpSp>
-        <p:nvGrpSpPr>
-          <p:cNvPr id="94" name="Group 93"/>
-          <p:cNvGrpSpPr/>
-          <p:nvPr/>
-        </p:nvGrpSpPr>
-        <p:grpSpPr>
-          <a:xfrm>
-            <a:off x="7767145" y="645423"/>
-            <a:ext cx="1744717" cy="5815643"/>
-            <a:chOff x="2648294" y="729501"/>
-            <a:chExt cx="2812720" cy="5815643"/>
-          </a:xfrm>
-        </p:grpSpPr>
-        <p:grpSp>
-          <p:nvGrpSpPr>
-            <p:cNvPr id="95" name="Group 94"/>
-            <p:cNvGrpSpPr/>
-            <p:nvPr/>
-          </p:nvGrpSpPr>
-          <p:grpSpPr>
-            <a:xfrm>
-              <a:off x="2648294" y="729501"/>
-              <a:ext cx="1371362" cy="5815643"/>
-              <a:chOff x="2648294" y="729501"/>
-              <a:chExt cx="1371362" cy="5815643"/>
-            </a:xfrm>
-          </p:grpSpPr>
-          <p:cxnSp>
-            <p:nvCxnSpPr>
-              <p:cNvPr id="97" name="Straight Connector 96"/>
-              <p:cNvCxnSpPr/>
-              <p:nvPr/>
-            </p:nvCxnSpPr>
-            <p:spPr>
-              <a:xfrm>
-                <a:off x="2648294" y="6512121"/>
-                <a:ext cx="1371362" cy="0"/>
-              </a:xfrm>
-              <a:prstGeom prst="line">
-                <a:avLst/>
-              </a:prstGeom>
-              <a:ln w="76200">
-                <a:solidFill>
-                  <a:schemeClr val="tx1"/>
-                </a:solidFill>
-              </a:ln>
-            </p:spPr>
-            <p:style>
-              <a:lnRef idx="1">
-                <a:schemeClr val="accent1"/>
-              </a:lnRef>
-              <a:fillRef idx="0">
-                <a:schemeClr val="accent1"/>
-              </a:fillRef>
-              <a:effectRef idx="0">
-                <a:schemeClr val="accent1"/>
-              </a:effectRef>
-              <a:fontRef idx="minor">
-                <a:schemeClr val="tx1"/>
-              </a:fontRef>
-            </p:style>
-          </p:cxnSp>
-          <p:cxnSp>
-            <p:nvCxnSpPr>
-              <p:cNvPr id="98" name="Straight Connector 97"/>
-              <p:cNvCxnSpPr/>
-              <p:nvPr/>
-            </p:nvCxnSpPr>
-            <p:spPr>
-              <a:xfrm flipV="1">
-                <a:off x="4013850" y="729501"/>
-                <a:ext cx="0" cy="5815643"/>
-              </a:xfrm>
-              <a:prstGeom prst="line">
-                <a:avLst/>
-              </a:prstGeom>
-              <a:ln w="76200">
-                <a:solidFill>
-                  <a:schemeClr val="tx1"/>
-                </a:solidFill>
-              </a:ln>
-            </p:spPr>
-            <p:style>
-              <a:lnRef idx="1">
-                <a:schemeClr val="accent1"/>
-              </a:lnRef>
-              <a:fillRef idx="0">
-                <a:schemeClr val="accent1"/>
-              </a:fillRef>
-              <a:effectRef idx="0">
-                <a:schemeClr val="accent1"/>
-              </a:effectRef>
-              <a:fontRef idx="minor">
-                <a:schemeClr val="tx1"/>
-              </a:fontRef>
-            </p:style>
-          </p:cxnSp>
-        </p:grpSp>
-        <p:cxnSp>
-          <p:nvCxnSpPr>
-            <p:cNvPr id="96" name="Straight Arrow Connector 95"/>
-            <p:cNvCxnSpPr/>
-            <p:nvPr/>
-          </p:nvCxnSpPr>
-          <p:spPr>
-            <a:xfrm flipV="1">
-              <a:off x="3996776" y="737173"/>
-              <a:ext cx="1464238" cy="19567"/>
-            </a:xfrm>
-            <a:prstGeom prst="straightConnector1">
-              <a:avLst/>
-            </a:prstGeom>
-            <a:ln w="76200">
-              <a:solidFill>
-                <a:schemeClr val="tx1"/>
-              </a:solidFill>
-              <a:tailEnd type="triangle"/>
-            </a:ln>
-          </p:spPr>
-          <p:style>
-            <a:lnRef idx="3">
-              <a:schemeClr val="dk1"/>
-            </a:lnRef>
-            <a:fillRef idx="0">
-              <a:schemeClr val="dk1"/>
-            </a:fillRef>
-            <a:effectRef idx="2">
-              <a:schemeClr val="dk1"/>
-            </a:effectRef>
-            <a:fontRef idx="minor">
-              <a:schemeClr val="tx1"/>
-            </a:fontRef>
-          </p:style>
-        </p:cxnSp>
-      </p:grpSp>
-      <p:sp>
-        <p:nvSpPr>
-          <p:cNvPr id="99" name="TextBox 98"/>
-          <p:cNvSpPr txBox="1"/>
-          <p:nvPr/>
-        </p:nvSpPr>
-        <p:spPr>
-          <a:xfrm>
-            <a:off x="8161430" y="-67729"/>
-            <a:ext cx="1220937" cy="769441"/>
-          </a:xfrm>
-          <a:prstGeom prst="rect">
-            <a:avLst/>
-          </a:prstGeom>
-          <a:noFill/>
-        </p:spPr>
-        <p:txBody>
-          <a:bodyPr wrap="square" rtlCol="0">
-            <a:spAutoFit/>
-          </a:bodyPr>
-          <a:lstStyle/>
-          <a:p>
-            <a:pPr algn="r"/>
-            <a:r>
-              <a:rPr lang="en-US" sz="1400" dirty="0" smtClean="0"/>
-              <a:t>Stacks pipeline (</a:t>
-            </a:r>
-            <a:r>
-              <a:rPr lang="en-US" sz="1400" dirty="0" err="1" smtClean="0"/>
-              <a:t>cont</a:t>
-            </a:r>
-            <a:r>
-              <a:rPr lang="en-US" sz="1600" dirty="0" smtClean="0"/>
-              <a:t>)</a:t>
+              <a:t>` on all samples to align against the catalog</a:t>
             </a:r>
             <a:endParaRPr lang="en-US" sz="1600" dirty="0"/>
           </a:p>
@@ -4648,15 +3767,406 @@
         </p:nvGrpSpPr>
         <p:grpSpPr>
           <a:xfrm>
-            <a:off x="9533706" y="427574"/>
-            <a:ext cx="2488588" cy="537808"/>
-            <a:chOff x="959803" y="737894"/>
-            <a:chExt cx="3011305" cy="6549410"/>
+            <a:off x="4057464" y="5643012"/>
+            <a:ext cx="3065147" cy="825130"/>
+            <a:chOff x="967990" y="411556"/>
+            <a:chExt cx="2984759" cy="6614543"/>
           </a:xfrm>
         </p:grpSpPr>
         <p:sp>
           <p:nvSpPr>
             <p:cNvPr id="104" name="Flowchart: Alternate Process 103"/>
+            <p:cNvSpPr/>
+            <p:nvPr/>
+          </p:nvSpPr>
+          <p:spPr>
+            <a:xfrm>
+              <a:off x="967990" y="411556"/>
+              <a:ext cx="2974427" cy="6549410"/>
+            </a:xfrm>
+            <a:prstGeom prst="flowChartAlternateProcess">
+              <a:avLst/>
+            </a:prstGeom>
+          </p:spPr>
+          <p:style>
+            <a:lnRef idx="2">
+              <a:schemeClr val="accent1">
+                <a:shade val="50000"/>
+              </a:schemeClr>
+            </a:lnRef>
+            <a:fillRef idx="1">
+              <a:schemeClr val="accent1"/>
+            </a:fillRef>
+            <a:effectRef idx="0">
+              <a:schemeClr val="accent1"/>
+            </a:effectRef>
+            <a:fontRef idx="minor">
+              <a:schemeClr val="lt1"/>
+            </a:fontRef>
+          </p:style>
+          <p:txBody>
+            <a:bodyPr rtlCol="0" anchor="ctr"/>
+            <a:lstStyle/>
+            <a:p>
+              <a:pPr algn="ctr"/>
+              <a:endParaRPr lang="en-US"/>
+            </a:p>
+          </p:txBody>
+        </p:sp>
+        <p:sp>
+          <p:nvSpPr>
+            <p:cNvPr id="105" name="TextBox 104"/>
+            <p:cNvSpPr txBox="1"/>
+            <p:nvPr/>
+          </p:nvSpPr>
+          <p:spPr>
+            <a:xfrm>
+              <a:off x="978322" y="1844874"/>
+              <a:ext cx="2974427" cy="5181225"/>
+            </a:xfrm>
+            <a:prstGeom prst="rect">
+              <a:avLst/>
+            </a:prstGeom>
+            <a:noFill/>
+          </p:spPr>
+          <p:txBody>
+            <a:bodyPr wrap="square" rtlCol="0">
+              <a:spAutoFit/>
+            </a:bodyPr>
+            <a:lstStyle/>
+            <a:p>
+              <a:pPr algn="ctr"/>
+              <a:r>
+                <a:rPr lang="en-US" sz="1200" dirty="0" smtClean="0"/>
+                <a:t>Adds </a:t>
+              </a:r>
+              <a:r>
+                <a:rPr lang="en-US" sz="1200" dirty="0" err="1" smtClean="0"/>
+                <a:t>sstacks</a:t>
+              </a:r>
+              <a:r>
+                <a:rPr lang="en-US" sz="1200" dirty="0" smtClean="0"/>
+                <a:t> output data to same directory as </a:t>
+              </a:r>
+              <a:r>
+                <a:rPr lang="en-US" sz="1200" dirty="0" err="1" smtClean="0"/>
+                <a:t>ustacks</a:t>
+              </a:r>
+              <a:r>
+                <a:rPr lang="en-US" sz="1200" dirty="0" smtClean="0"/>
+                <a:t> and </a:t>
+              </a:r>
+              <a:r>
+                <a:rPr lang="en-US" sz="1200" dirty="0" err="1" smtClean="0"/>
+                <a:t>ccstacks</a:t>
+              </a:r>
+              <a:r>
+                <a:rPr lang="en-US" sz="1200" dirty="0" smtClean="0"/>
+                <a:t> data (name.matches.tsv.gz)</a:t>
+              </a:r>
+              <a:endParaRPr lang="en-US" sz="1200" dirty="0"/>
+            </a:p>
+          </p:txBody>
+        </p:sp>
+      </p:grpSp>
+      <p:cxnSp>
+        <p:nvCxnSpPr>
+          <p:cNvPr id="107" name="Straight Arrow Connector 106"/>
+          <p:cNvCxnSpPr/>
+          <p:nvPr/>
+        </p:nvCxnSpPr>
+        <p:spPr>
+          <a:xfrm flipH="1">
+            <a:off x="4249366" y="4744196"/>
+            <a:ext cx="14611" cy="830536"/>
+          </a:xfrm>
+          <a:prstGeom prst="straightConnector1">
+            <a:avLst/>
+          </a:prstGeom>
+          <a:ln w="76200">
+            <a:solidFill>
+              <a:schemeClr val="tx1"/>
+            </a:solidFill>
+            <a:tailEnd type="triangle"/>
+          </a:ln>
+        </p:spPr>
+        <p:style>
+          <a:lnRef idx="3">
+            <a:schemeClr val="dk1"/>
+          </a:lnRef>
+          <a:fillRef idx="0">
+            <a:schemeClr val="dk1"/>
+          </a:fillRef>
+          <a:effectRef idx="2">
+            <a:schemeClr val="dk1"/>
+          </a:effectRef>
+          <a:fontRef idx="minor">
+            <a:schemeClr val="tx1"/>
+          </a:fontRef>
+        </p:style>
+      </p:cxnSp>
+      <p:sp>
+        <p:nvSpPr>
+          <p:cNvPr id="108" name="TextBox 107"/>
+          <p:cNvSpPr txBox="1"/>
+          <p:nvPr/>
+        </p:nvSpPr>
+        <p:spPr>
+          <a:xfrm>
+            <a:off x="8245842" y="104929"/>
+            <a:ext cx="2436469" cy="830997"/>
+          </a:xfrm>
+          <a:prstGeom prst="rect">
+            <a:avLst/>
+          </a:prstGeom>
+          <a:noFill/>
+        </p:spPr>
+        <p:txBody>
+          <a:bodyPr wrap="square" rtlCol="0">
+            <a:spAutoFit/>
+          </a:bodyPr>
+          <a:lstStyle/>
+          <a:p>
+            <a:r>
+              <a:rPr lang="en-US" sz="1600" dirty="0" smtClean="0"/>
+              <a:t>Run `tsv2bam` to transpose data to a </a:t>
+            </a:r>
+            <a:r>
+              <a:rPr lang="en-US" sz="1600" smtClean="0"/>
+              <a:t>bam alignment by  </a:t>
+            </a:r>
+            <a:endParaRPr lang="en-US" sz="1600" dirty="0"/>
+          </a:p>
+        </p:txBody>
+      </p:sp>
+      <p:sp>
+        <p:nvSpPr>
+          <p:cNvPr id="113" name="Flowchart: Alternate Process 112"/>
+          <p:cNvSpPr/>
+          <p:nvPr/>
+        </p:nvSpPr>
+        <p:spPr>
+          <a:xfrm>
+            <a:off x="370832" y="2055851"/>
+            <a:ext cx="2313888" cy="546411"/>
+          </a:xfrm>
+          <a:prstGeom prst="flowChartAlternateProcess">
+            <a:avLst/>
+          </a:prstGeom>
+        </p:spPr>
+        <p:style>
+          <a:lnRef idx="2">
+            <a:schemeClr val="accent1">
+              <a:shade val="50000"/>
+            </a:schemeClr>
+          </a:lnRef>
+          <a:fillRef idx="1">
+            <a:schemeClr val="accent1"/>
+          </a:fillRef>
+          <a:effectRef idx="0">
+            <a:schemeClr val="accent1"/>
+          </a:effectRef>
+          <a:fontRef idx="minor">
+            <a:schemeClr val="lt1"/>
+          </a:fontRef>
+        </p:style>
+        <p:txBody>
+          <a:bodyPr rtlCol="0" anchor="ctr"/>
+          <a:lstStyle/>
+          <a:p>
+            <a:pPr algn="ctr"/>
+            <a:endParaRPr lang="en-US"/>
+          </a:p>
+        </p:txBody>
+      </p:sp>
+      <p:sp>
+        <p:nvSpPr>
+          <p:cNvPr id="114" name="TextBox 113"/>
+          <p:cNvSpPr txBox="1"/>
+          <p:nvPr/>
+        </p:nvSpPr>
+        <p:spPr>
+          <a:xfrm>
+            <a:off x="384488" y="2150012"/>
+            <a:ext cx="2442468" cy="461665"/>
+          </a:xfrm>
+          <a:prstGeom prst="rect">
+            <a:avLst/>
+          </a:prstGeom>
+          <a:noFill/>
+        </p:spPr>
+        <p:txBody>
+          <a:bodyPr wrap="square" rtlCol="0">
+            <a:spAutoFit/>
+          </a:bodyPr>
+          <a:lstStyle/>
+          <a:p>
+            <a:pPr algn="ctr"/>
+            <a:r>
+              <a:rPr lang="en-US" sz="1200" dirty="0" smtClean="0"/>
+              <a:t>Directory with 48 fq.gz files, 1 per specimen</a:t>
+            </a:r>
+            <a:endParaRPr lang="en-US" sz="1200" dirty="0"/>
+          </a:p>
+        </p:txBody>
+      </p:sp>
+      <p:pic>
+        <p:nvPicPr>
+          <p:cNvPr id="115" name="Picture 114"/>
+          <p:cNvPicPr>
+            <a:picLocks noChangeAspect="1"/>
+          </p:cNvPicPr>
+          <p:nvPr/>
+        </p:nvPicPr>
+        <p:blipFill>
+          <a:blip r:embed="rId4">
+            <a:extLst>
+              <a:ext uri="{28A0092B-C50C-407E-A947-70E740481C1C}">
+                <a14:useLocalDpi xmlns:a14="http://schemas.microsoft.com/office/drawing/2010/main" val="0"/>
+              </a:ext>
+            </a:extLst>
+          </a:blip>
+          <a:stretch>
+            <a:fillRect/>
+          </a:stretch>
+        </p:blipFill>
+        <p:spPr>
+          <a:xfrm>
+            <a:off x="40411" y="4938212"/>
+            <a:ext cx="2988194" cy="1687776"/>
+          </a:xfrm>
+          <a:prstGeom prst="rect">
+            <a:avLst/>
+          </a:prstGeom>
+        </p:spPr>
+      </p:pic>
+      <p:sp>
+        <p:nvSpPr>
+          <p:cNvPr id="116" name="TextBox 115"/>
+          <p:cNvSpPr txBox="1"/>
+          <p:nvPr/>
+        </p:nvSpPr>
+        <p:spPr>
+          <a:xfrm>
+            <a:off x="770587" y="4515877"/>
+            <a:ext cx="2268609" cy="584775"/>
+          </a:xfrm>
+          <a:prstGeom prst="rect">
+            <a:avLst/>
+          </a:prstGeom>
+          <a:noFill/>
+        </p:spPr>
+        <p:txBody>
+          <a:bodyPr wrap="square" rtlCol="0">
+            <a:spAutoFit/>
+          </a:bodyPr>
+          <a:lstStyle/>
+          <a:p>
+            <a:r>
+              <a:rPr lang="en-US" sz="1600" dirty="0" smtClean="0"/>
+              <a:t>Run `</a:t>
+            </a:r>
+            <a:r>
+              <a:rPr lang="en-US" sz="1600" dirty="0" err="1" smtClean="0"/>
+              <a:t>ustacks</a:t>
+            </a:r>
+            <a:r>
+              <a:rPr lang="en-US" sz="1600" dirty="0" smtClean="0"/>
+              <a:t>` on each sample to find loci</a:t>
+            </a:r>
+            <a:endParaRPr lang="en-US" sz="1600" dirty="0"/>
+          </a:p>
+        </p:txBody>
+      </p:sp>
+      <p:sp>
+        <p:nvSpPr>
+          <p:cNvPr id="117" name="TextBox 116"/>
+          <p:cNvSpPr txBox="1"/>
+          <p:nvPr/>
+        </p:nvSpPr>
+        <p:spPr>
+          <a:xfrm>
+            <a:off x="156208" y="6532227"/>
+            <a:ext cx="2869324" cy="215444"/>
+          </a:xfrm>
+          <a:prstGeom prst="rect">
+            <a:avLst/>
+          </a:prstGeom>
+          <a:noFill/>
+        </p:spPr>
+        <p:txBody>
+          <a:bodyPr wrap="square" rtlCol="0">
+            <a:spAutoFit/>
+          </a:bodyPr>
+          <a:lstStyle/>
+          <a:p>
+            <a:r>
+              <a:rPr lang="en-US" sz="800" dirty="0" smtClean="0"/>
+              <a:t>Figure  </a:t>
+            </a:r>
+            <a:r>
+              <a:rPr lang="en-US" sz="800" dirty="0" smtClean="0">
+                <a:hlinkClick r:id="rId3"/>
+              </a:rPr>
+              <a:t>http://catchenlab.life.illinois.edu/stacks/param_tut.php</a:t>
+            </a:r>
+            <a:endParaRPr lang="en-US" sz="800" dirty="0"/>
+          </a:p>
+        </p:txBody>
+      </p:sp>
+      <p:cxnSp>
+        <p:nvCxnSpPr>
+          <p:cNvPr id="118" name="Straight Arrow Connector 117"/>
+          <p:cNvCxnSpPr/>
+          <p:nvPr/>
+        </p:nvCxnSpPr>
+        <p:spPr>
+          <a:xfrm>
+            <a:off x="568985" y="4498428"/>
+            <a:ext cx="7421" cy="491537"/>
+          </a:xfrm>
+          <a:prstGeom prst="straightConnector1">
+            <a:avLst/>
+          </a:prstGeom>
+          <a:ln w="76200">
+            <a:solidFill>
+              <a:schemeClr val="tx1"/>
+            </a:solidFill>
+            <a:tailEnd type="triangle"/>
+          </a:ln>
+        </p:spPr>
+        <p:style>
+          <a:lnRef idx="3">
+            <a:schemeClr val="dk1"/>
+          </a:lnRef>
+          <a:fillRef idx="0">
+            <a:schemeClr val="dk1"/>
+          </a:fillRef>
+          <a:effectRef idx="2">
+            <a:schemeClr val="dk1"/>
+          </a:effectRef>
+          <a:fontRef idx="minor">
+            <a:schemeClr val="tx1"/>
+          </a:fontRef>
+        </p:style>
+      </p:cxnSp>
+      <p:grpSp>
+        <p:nvGrpSpPr>
+          <p:cNvPr id="121" name="Group 120"/>
+          <p:cNvGrpSpPr/>
+          <p:nvPr/>
+        </p:nvGrpSpPr>
+        <p:grpSpPr>
+          <a:xfrm>
+            <a:off x="4080361" y="75494"/>
+            <a:ext cx="3099057" cy="841420"/>
+            <a:chOff x="959803" y="737894"/>
+            <a:chExt cx="3011305" cy="6549410"/>
+          </a:xfrm>
+        </p:grpSpPr>
+        <p:sp>
+          <p:nvSpPr>
+            <p:cNvPr id="122" name="Flowchart: Alternate Process 121"/>
             <p:cNvSpPr/>
             <p:nvPr/>
           </p:nvSpPr>
@@ -4696,14 +4206,14 @@
         </p:sp>
         <p:sp>
           <p:nvSpPr>
-            <p:cNvPr id="105" name="TextBox 104"/>
+            <p:cNvPr id="123" name="TextBox 122"/>
             <p:cNvSpPr txBox="1"/>
             <p:nvPr/>
           </p:nvSpPr>
           <p:spPr>
             <a:xfrm>
               <a:off x="996681" y="1221381"/>
-              <a:ext cx="2974427" cy="2652640"/>
+              <a:ext cx="2974427" cy="4774753"/>
             </a:xfrm>
             <a:prstGeom prst="rect">
               <a:avLst/>
@@ -4723,87 +4233,166 @@
               </a:r>
               <a:r>
                 <a:rPr lang="en-US" sz="1200" dirty="0" err="1" smtClean="0"/>
-                <a:t>sstacks</a:t>
+                <a:t>ustacks</a:t>
               </a:r>
               <a:r>
                 <a:rPr lang="en-US" sz="1200" dirty="0" smtClean="0"/>
-                <a:t> output data (name.matches.tsv.gz)</a:t>
+                <a:t> output (Name.tags.tsv.gz,</a:t>
               </a:r>
-              <a:endParaRPr lang="en-US" sz="1200" dirty="0"/>
+            </a:p>
+            <a:p>
+              <a:pPr algn="ctr"/>
+              <a:r>
+                <a:rPr lang="en-US" sz="1200" dirty="0" smtClean="0"/>
+                <a:t>Name.snps.tsv.gz,</a:t>
+              </a:r>
+            </a:p>
+            <a:p>
+              <a:pPr algn="ctr"/>
+              <a:r>
+                <a:rPr lang="en-US" sz="1200" dirty="0" smtClean="0"/>
+                <a:t>Name.alleles.tsv.gz</a:t>
+              </a:r>
             </a:p>
           </p:txBody>
         </p:sp>
       </p:grpSp>
-      <p:cxnSp>
-        <p:nvCxnSpPr>
-          <p:cNvPr id="107" name="Straight Arrow Connector 106"/>
-          <p:cNvCxnSpPr/>
+      <p:grpSp>
+        <p:nvGrpSpPr>
+          <p:cNvPr id="126" name="Group 125"/>
+          <p:cNvGrpSpPr/>
           <p:nvPr/>
-        </p:nvCxnSpPr>
-        <p:spPr>
+        </p:nvGrpSpPr>
+        <p:grpSpPr>
           <a:xfrm>
-            <a:off x="9541121" y="1205346"/>
-            <a:ext cx="0" cy="580689"/>
-          </a:xfrm>
-          <a:prstGeom prst="straightConnector1">
-            <a:avLst/>
-          </a:prstGeom>
-          <a:ln w="76200">
-            <a:solidFill>
+            <a:off x="7354156" y="240900"/>
+            <a:ext cx="891687" cy="5950380"/>
+            <a:chOff x="3607034" y="729501"/>
+            <a:chExt cx="1437521" cy="5815643"/>
+          </a:xfrm>
+        </p:grpSpPr>
+        <p:grpSp>
+          <p:nvGrpSpPr>
+            <p:cNvPr id="127" name="Group 126"/>
+            <p:cNvGrpSpPr/>
+            <p:nvPr/>
+          </p:nvGrpSpPr>
+          <p:grpSpPr>
+            <a:xfrm>
+              <a:off x="3607034" y="729501"/>
+              <a:ext cx="412622" cy="5815643"/>
+              <a:chOff x="3607034" y="729501"/>
+              <a:chExt cx="412622" cy="5815643"/>
+            </a:xfrm>
+          </p:grpSpPr>
+          <p:cxnSp>
+            <p:nvCxnSpPr>
+              <p:cNvPr id="129" name="Straight Connector 128"/>
+              <p:cNvCxnSpPr/>
+              <p:nvPr/>
+            </p:nvCxnSpPr>
+            <p:spPr>
+              <a:xfrm>
+                <a:off x="3607034" y="6512121"/>
+                <a:ext cx="412622" cy="0"/>
+              </a:xfrm>
+              <a:prstGeom prst="line">
+                <a:avLst/>
+              </a:prstGeom>
+              <a:ln w="76200">
+                <a:solidFill>
+                  <a:schemeClr val="tx1"/>
+                </a:solidFill>
+              </a:ln>
+            </p:spPr>
+            <p:style>
+              <a:lnRef idx="1">
+                <a:schemeClr val="accent1"/>
+              </a:lnRef>
+              <a:fillRef idx="0">
+                <a:schemeClr val="accent1"/>
+              </a:fillRef>
+              <a:effectRef idx="0">
+                <a:schemeClr val="accent1"/>
+              </a:effectRef>
+              <a:fontRef idx="minor">
+                <a:schemeClr val="tx1"/>
+              </a:fontRef>
+            </p:style>
+          </p:cxnSp>
+          <p:cxnSp>
+            <p:nvCxnSpPr>
+              <p:cNvPr id="130" name="Straight Connector 129"/>
+              <p:cNvCxnSpPr/>
+              <p:nvPr/>
+            </p:nvCxnSpPr>
+            <p:spPr>
+              <a:xfrm flipV="1">
+                <a:off x="4013850" y="729501"/>
+                <a:ext cx="0" cy="5815643"/>
+              </a:xfrm>
+              <a:prstGeom prst="line">
+                <a:avLst/>
+              </a:prstGeom>
+              <a:ln w="76200">
+                <a:solidFill>
+                  <a:schemeClr val="tx1"/>
+                </a:solidFill>
+              </a:ln>
+            </p:spPr>
+            <p:style>
+              <a:lnRef idx="1">
+                <a:schemeClr val="accent1"/>
+              </a:lnRef>
+              <a:fillRef idx="0">
+                <a:schemeClr val="accent1"/>
+              </a:fillRef>
+              <a:effectRef idx="0">
+                <a:schemeClr val="accent1"/>
+              </a:effectRef>
+              <a:fontRef idx="minor">
+                <a:schemeClr val="tx1"/>
+              </a:fontRef>
+            </p:style>
+          </p:cxnSp>
+        </p:grpSp>
+        <p:cxnSp>
+          <p:nvCxnSpPr>
+            <p:cNvPr id="128" name="Straight Arrow Connector 127"/>
+            <p:cNvCxnSpPr/>
+            <p:nvPr/>
+          </p:nvCxnSpPr>
+          <p:spPr>
+            <a:xfrm flipV="1">
+              <a:off x="3996776" y="756739"/>
+              <a:ext cx="1047779" cy="1"/>
+            </a:xfrm>
+            <a:prstGeom prst="straightConnector1">
+              <a:avLst/>
+            </a:prstGeom>
+            <a:ln w="76200">
+              <a:solidFill>
+                <a:schemeClr val="tx1"/>
+              </a:solidFill>
+              <a:tailEnd type="triangle"/>
+            </a:ln>
+          </p:spPr>
+          <p:style>
+            <a:lnRef idx="3">
+              <a:schemeClr val="dk1"/>
+            </a:lnRef>
+            <a:fillRef idx="0">
+              <a:schemeClr val="dk1"/>
+            </a:fillRef>
+            <a:effectRef idx="2">
+              <a:schemeClr val="dk1"/>
+            </a:effectRef>
+            <a:fontRef idx="minor">
               <a:schemeClr val="tx1"/>
-            </a:solidFill>
-            <a:tailEnd type="triangle"/>
-          </a:ln>
-        </p:spPr>
-        <p:style>
-          <a:lnRef idx="3">
-            <a:schemeClr val="dk1"/>
-          </a:lnRef>
-          <a:fillRef idx="0">
-            <a:schemeClr val="dk1"/>
-          </a:fillRef>
-          <a:effectRef idx="2">
-            <a:schemeClr val="dk1"/>
-          </a:effectRef>
-          <a:fontRef idx="minor">
-            <a:schemeClr val="tx1"/>
-          </a:fontRef>
-        </p:style>
-      </p:cxnSp>
-      <p:sp>
-        <p:nvSpPr>
-          <p:cNvPr id="108" name="TextBox 107"/>
-          <p:cNvSpPr txBox="1"/>
-          <p:nvPr/>
-        </p:nvSpPr>
-        <p:spPr>
-          <a:xfrm>
-            <a:off x="9681959" y="1053819"/>
-            <a:ext cx="2436469" cy="338554"/>
-          </a:xfrm>
-          <a:prstGeom prst="rect">
-            <a:avLst/>
-          </a:prstGeom>
-          <a:noFill/>
-        </p:spPr>
-        <p:txBody>
-          <a:bodyPr wrap="square" rtlCol="0">
-            <a:spAutoFit/>
-          </a:bodyPr>
-          <a:lstStyle/>
-          <a:p>
-            <a:r>
-              <a:rPr lang="en-US" sz="1600" dirty="0" smtClean="0"/>
-              <a:t>Run </a:t>
-            </a:r>
-            <a:r>
-              <a:rPr lang="en-US" sz="1600" smtClean="0"/>
-              <a:t>`populations` to </a:t>
-            </a:r>
-            <a:endParaRPr lang="en-US" sz="1600" dirty="0"/>
-          </a:p>
-        </p:txBody>
-      </p:sp>
+            </a:fontRef>
+          </p:style>
+        </p:cxnSp>
+      </p:grpSp>
     </p:spTree>
     <p:extLst>
       <p:ext uri="{BB962C8B-B14F-4D97-AF65-F5344CB8AC3E}">

--- a/progress/flowchart.pptx
+++ b/progress/flowchart.pptx
@@ -3913,8 +3913,8 @@
         </p:nvSpPr>
         <p:spPr>
           <a:xfrm>
-            <a:off x="8245842" y="104929"/>
-            <a:ext cx="2436469" cy="830997"/>
+            <a:off x="8501278" y="672994"/>
+            <a:ext cx="3737622" cy="584775"/>
           </a:xfrm>
           <a:prstGeom prst="rect">
             <a:avLst/>
@@ -3929,11 +3929,7 @@
           <a:p>
             <a:r>
               <a:rPr lang="en-US" sz="1600" dirty="0" smtClean="0"/>
-              <a:t>Run `tsv2bam` to transpose data to a </a:t>
-            </a:r>
-            <a:r>
-              <a:rPr lang="en-US" sz="1600" smtClean="0"/>
-              <a:t>bam alignment by  </a:t>
+              <a:t>Run `tsv2bam` to transpose data to a bam alignment by loci instead of by specimen </a:t>
             </a:r>
             <a:endParaRPr lang="en-US" sz="1600" dirty="0"/>
           </a:p>
@@ -4393,6 +4389,482 @@
           </p:style>
         </p:cxnSp>
       </p:grpSp>
+      <p:grpSp>
+        <p:nvGrpSpPr>
+          <p:cNvPr id="131" name="Group 130"/>
+          <p:cNvGrpSpPr/>
+          <p:nvPr/>
+        </p:nvGrpSpPr>
+        <p:grpSpPr>
+          <a:xfrm>
+            <a:off x="8277622" y="51781"/>
+            <a:ext cx="3065147" cy="610371"/>
+            <a:chOff x="967990" y="411556"/>
+            <a:chExt cx="2984759" cy="6549410"/>
+          </a:xfrm>
+        </p:grpSpPr>
+        <p:sp>
+          <p:nvSpPr>
+            <p:cNvPr id="132" name="Flowchart: Alternate Process 131"/>
+            <p:cNvSpPr/>
+            <p:nvPr/>
+          </p:nvSpPr>
+          <p:spPr>
+            <a:xfrm>
+              <a:off x="967990" y="411556"/>
+              <a:ext cx="2974427" cy="6549410"/>
+            </a:xfrm>
+            <a:prstGeom prst="flowChartAlternateProcess">
+              <a:avLst/>
+            </a:prstGeom>
+          </p:spPr>
+          <p:style>
+            <a:lnRef idx="2">
+              <a:schemeClr val="accent1">
+                <a:shade val="50000"/>
+              </a:schemeClr>
+            </a:lnRef>
+            <a:fillRef idx="1">
+              <a:schemeClr val="accent1"/>
+            </a:fillRef>
+            <a:effectRef idx="0">
+              <a:schemeClr val="accent1"/>
+            </a:effectRef>
+            <a:fontRef idx="minor">
+              <a:schemeClr val="lt1"/>
+            </a:fontRef>
+          </p:style>
+          <p:txBody>
+            <a:bodyPr rtlCol="0" anchor="ctr"/>
+            <a:lstStyle/>
+            <a:p>
+              <a:pPr algn="ctr"/>
+              <a:endParaRPr lang="en-US"/>
+            </a:p>
+          </p:txBody>
+        </p:sp>
+        <p:sp>
+          <p:nvSpPr>
+            <p:cNvPr id="133" name="TextBox 132"/>
+            <p:cNvSpPr txBox="1"/>
+            <p:nvPr/>
+          </p:nvSpPr>
+          <p:spPr>
+            <a:xfrm>
+              <a:off x="978322" y="1844874"/>
+              <a:ext cx="2974427" cy="3700875"/>
+            </a:xfrm>
+            <a:prstGeom prst="rect">
+              <a:avLst/>
+            </a:prstGeom>
+            <a:noFill/>
+          </p:spPr>
+          <p:txBody>
+            <a:bodyPr wrap="square" rtlCol="0">
+              <a:spAutoFit/>
+            </a:bodyPr>
+            <a:lstStyle/>
+            <a:p>
+              <a:pPr algn="ctr"/>
+              <a:r>
+                <a:rPr lang="en-US" sz="1200" dirty="0" smtClean="0"/>
+                <a:t>Directory with </a:t>
+              </a:r>
+              <a:r>
+                <a:rPr lang="en-US" sz="1200" dirty="0" err="1" smtClean="0"/>
+                <a:t>ustack</a:t>
+              </a:r>
+              <a:r>
+                <a:rPr lang="en-US" sz="1200" dirty="0" smtClean="0"/>
+                <a:t>, </a:t>
+              </a:r>
+              <a:r>
+                <a:rPr lang="en-US" sz="1200" dirty="0" err="1" smtClean="0"/>
+                <a:t>cstacks</a:t>
+              </a:r>
+              <a:r>
+                <a:rPr lang="en-US" sz="1200" dirty="0" smtClean="0"/>
+                <a:t>, and </a:t>
+              </a:r>
+              <a:r>
+                <a:rPr lang="en-US" sz="1200" dirty="0" err="1" smtClean="0"/>
+                <a:t>sstacks</a:t>
+              </a:r>
+              <a:r>
+                <a:rPr lang="en-US" sz="1200" dirty="0" smtClean="0"/>
+                <a:t> outputs</a:t>
+              </a:r>
+              <a:endParaRPr lang="en-US" sz="1200" dirty="0"/>
+            </a:p>
+          </p:txBody>
+        </p:sp>
+      </p:grpSp>
+      <p:cxnSp>
+        <p:nvCxnSpPr>
+          <p:cNvPr id="134" name="Straight Arrow Connector 133"/>
+          <p:cNvCxnSpPr/>
+          <p:nvPr/>
+        </p:nvCxnSpPr>
+        <p:spPr>
+          <a:xfrm>
+            <a:off x="8395697" y="703823"/>
+            <a:ext cx="0" cy="580689"/>
+          </a:xfrm>
+          <a:prstGeom prst="straightConnector1">
+            <a:avLst/>
+          </a:prstGeom>
+          <a:ln w="76200">
+            <a:solidFill>
+              <a:schemeClr val="tx1"/>
+            </a:solidFill>
+            <a:tailEnd type="triangle"/>
+          </a:ln>
+        </p:spPr>
+        <p:style>
+          <a:lnRef idx="3">
+            <a:schemeClr val="dk1"/>
+          </a:lnRef>
+          <a:fillRef idx="0">
+            <a:schemeClr val="dk1"/>
+          </a:fillRef>
+          <a:effectRef idx="2">
+            <a:schemeClr val="dk1"/>
+          </a:effectRef>
+          <a:fontRef idx="minor">
+            <a:schemeClr val="tx1"/>
+          </a:fontRef>
+        </p:style>
+      </p:cxnSp>
+      <p:grpSp>
+        <p:nvGrpSpPr>
+          <p:cNvPr id="135" name="Group 134"/>
+          <p:cNvGrpSpPr/>
+          <p:nvPr/>
+        </p:nvGrpSpPr>
+        <p:grpSpPr>
+          <a:xfrm>
+            <a:off x="8307771" y="1429884"/>
+            <a:ext cx="3065147" cy="817005"/>
+            <a:chOff x="967990" y="411556"/>
+            <a:chExt cx="2984759" cy="6549410"/>
+          </a:xfrm>
+        </p:grpSpPr>
+        <p:sp>
+          <p:nvSpPr>
+            <p:cNvPr id="136" name="Flowchart: Alternate Process 135"/>
+            <p:cNvSpPr/>
+            <p:nvPr/>
+          </p:nvSpPr>
+          <p:spPr>
+            <a:xfrm>
+              <a:off x="967990" y="411556"/>
+              <a:ext cx="2974427" cy="6549410"/>
+            </a:xfrm>
+            <a:prstGeom prst="flowChartAlternateProcess">
+              <a:avLst/>
+            </a:prstGeom>
+          </p:spPr>
+          <p:style>
+            <a:lnRef idx="2">
+              <a:schemeClr val="accent1">
+                <a:shade val="50000"/>
+              </a:schemeClr>
+            </a:lnRef>
+            <a:fillRef idx="1">
+              <a:schemeClr val="accent1"/>
+            </a:fillRef>
+            <a:effectRef idx="0">
+              <a:schemeClr val="accent1"/>
+            </a:effectRef>
+            <a:fontRef idx="minor">
+              <a:schemeClr val="lt1"/>
+            </a:fontRef>
+          </p:style>
+          <p:txBody>
+            <a:bodyPr rtlCol="0" anchor="ctr"/>
+            <a:lstStyle/>
+            <a:p>
+              <a:pPr algn="ctr"/>
+              <a:endParaRPr lang="en-US"/>
+            </a:p>
+          </p:txBody>
+        </p:sp>
+        <p:sp>
+          <p:nvSpPr>
+            <p:cNvPr id="137" name="TextBox 136"/>
+            <p:cNvSpPr txBox="1"/>
+            <p:nvPr/>
+          </p:nvSpPr>
+          <p:spPr>
+            <a:xfrm>
+              <a:off x="978322" y="1844874"/>
+              <a:ext cx="2974427" cy="3700875"/>
+            </a:xfrm>
+            <a:prstGeom prst="rect">
+              <a:avLst/>
+            </a:prstGeom>
+            <a:noFill/>
+          </p:spPr>
+          <p:txBody>
+            <a:bodyPr wrap="square" rtlCol="0">
+              <a:spAutoFit/>
+            </a:bodyPr>
+            <a:lstStyle/>
+            <a:p>
+              <a:pPr algn="ctr"/>
+              <a:r>
+                <a:rPr lang="en-US" sz="1200" dirty="0" smtClean="0"/>
+                <a:t>Adds bam files to same directory (</a:t>
+              </a:r>
+              <a:r>
+                <a:rPr lang="en-US" sz="1200" dirty="0" err="1" smtClean="0"/>
+                <a:t>name.matches.bam</a:t>
+              </a:r>
+              <a:r>
+                <a:rPr lang="en-US" sz="1200" dirty="0" smtClean="0"/>
+                <a:t>)</a:t>
+              </a:r>
+              <a:endParaRPr lang="en-US" sz="1200" dirty="0"/>
+            </a:p>
+          </p:txBody>
+        </p:sp>
+      </p:grpSp>
+      <p:sp>
+        <p:nvSpPr>
+          <p:cNvPr id="138" name="TextBox 137"/>
+          <p:cNvSpPr txBox="1"/>
+          <p:nvPr/>
+        </p:nvSpPr>
+        <p:spPr>
+          <a:xfrm>
+            <a:off x="8501278" y="2305415"/>
+            <a:ext cx="3737622" cy="338554"/>
+          </a:xfrm>
+          <a:prstGeom prst="rect">
+            <a:avLst/>
+          </a:prstGeom>
+          <a:noFill/>
+        </p:spPr>
+        <p:txBody>
+          <a:bodyPr wrap="square" rtlCol="0">
+            <a:spAutoFit/>
+          </a:bodyPr>
+          <a:lstStyle/>
+          <a:p>
+            <a:r>
+              <a:rPr lang="en-US" sz="1600" dirty="0" smtClean="0"/>
+              <a:t>Run `</a:t>
+            </a:r>
+            <a:r>
+              <a:rPr lang="en-US" sz="1600" dirty="0" err="1" smtClean="0"/>
+              <a:t>gstacks</a:t>
+            </a:r>
+            <a:r>
+              <a:rPr lang="en-US" sz="1600" dirty="0" smtClean="0"/>
+              <a:t>` to do something?</a:t>
+            </a:r>
+            <a:endParaRPr lang="en-US" sz="1600" dirty="0"/>
+          </a:p>
+        </p:txBody>
+      </p:sp>
+      <p:cxnSp>
+        <p:nvCxnSpPr>
+          <p:cNvPr id="139" name="Straight Arrow Connector 138"/>
+          <p:cNvCxnSpPr/>
+          <p:nvPr/>
+        </p:nvCxnSpPr>
+        <p:spPr>
+          <a:xfrm>
+            <a:off x="8395697" y="2336244"/>
+            <a:ext cx="0" cy="580689"/>
+          </a:xfrm>
+          <a:prstGeom prst="straightConnector1">
+            <a:avLst/>
+          </a:prstGeom>
+          <a:ln w="76200">
+            <a:solidFill>
+              <a:schemeClr val="tx1"/>
+            </a:solidFill>
+            <a:tailEnd type="triangle"/>
+          </a:ln>
+        </p:spPr>
+        <p:style>
+          <a:lnRef idx="3">
+            <a:schemeClr val="dk1"/>
+          </a:lnRef>
+          <a:fillRef idx="0">
+            <a:schemeClr val="dk1"/>
+          </a:fillRef>
+          <a:effectRef idx="2">
+            <a:schemeClr val="dk1"/>
+          </a:effectRef>
+          <a:fontRef idx="minor">
+            <a:schemeClr val="tx1"/>
+          </a:fontRef>
+        </p:style>
+      </p:cxnSp>
+      <p:sp>
+        <p:nvSpPr>
+          <p:cNvPr id="140" name="TextBox 139"/>
+          <p:cNvSpPr txBox="1"/>
+          <p:nvPr/>
+        </p:nvSpPr>
+        <p:spPr>
+          <a:xfrm>
+            <a:off x="9017876" y="1117755"/>
+            <a:ext cx="1711646" cy="400110"/>
+          </a:xfrm>
+          <a:prstGeom prst="rect">
+            <a:avLst/>
+          </a:prstGeom>
+          <a:noFill/>
+        </p:spPr>
+        <p:txBody>
+          <a:bodyPr wrap="square" rtlCol="0">
+            <a:spAutoFit/>
+          </a:bodyPr>
+          <a:lstStyle/>
+          <a:p>
+            <a:r>
+              <a:rPr lang="en-US" sz="2000" b="1" dirty="0" smtClean="0">
+                <a:solidFill>
+                  <a:srgbClr val="FF0000"/>
+                </a:solidFill>
+              </a:rPr>
+              <a:t>STUCK HERE</a:t>
+            </a:r>
+            <a:endParaRPr lang="en-US" sz="2000" b="1" dirty="0">
+              <a:solidFill>
+                <a:srgbClr val="FF0000"/>
+              </a:solidFill>
+            </a:endParaRPr>
+          </a:p>
+        </p:txBody>
+      </p:sp>
+      <p:grpSp>
+        <p:nvGrpSpPr>
+          <p:cNvPr id="141" name="Group 140"/>
+          <p:cNvGrpSpPr/>
+          <p:nvPr/>
+        </p:nvGrpSpPr>
+        <p:grpSpPr>
+          <a:xfrm>
+            <a:off x="8318381" y="3015221"/>
+            <a:ext cx="3065147" cy="817005"/>
+            <a:chOff x="967990" y="411556"/>
+            <a:chExt cx="2984759" cy="6549410"/>
+          </a:xfrm>
+        </p:grpSpPr>
+        <p:sp>
+          <p:nvSpPr>
+            <p:cNvPr id="142" name="Flowchart: Alternate Process 141"/>
+            <p:cNvSpPr/>
+            <p:nvPr/>
+          </p:nvSpPr>
+          <p:spPr>
+            <a:xfrm>
+              <a:off x="967990" y="411556"/>
+              <a:ext cx="2974427" cy="6549410"/>
+            </a:xfrm>
+            <a:prstGeom prst="flowChartAlternateProcess">
+              <a:avLst/>
+            </a:prstGeom>
+          </p:spPr>
+          <p:style>
+            <a:lnRef idx="2">
+              <a:schemeClr val="accent1">
+                <a:shade val="50000"/>
+              </a:schemeClr>
+            </a:lnRef>
+            <a:fillRef idx="1">
+              <a:schemeClr val="accent1"/>
+            </a:fillRef>
+            <a:effectRef idx="0">
+              <a:schemeClr val="accent1"/>
+            </a:effectRef>
+            <a:fontRef idx="minor">
+              <a:schemeClr val="lt1"/>
+            </a:fontRef>
+          </p:style>
+          <p:txBody>
+            <a:bodyPr rtlCol="0" anchor="ctr"/>
+            <a:lstStyle/>
+            <a:p>
+              <a:pPr algn="ctr"/>
+              <a:endParaRPr lang="en-US"/>
+            </a:p>
+          </p:txBody>
+        </p:sp>
+        <p:sp>
+          <p:nvSpPr>
+            <p:cNvPr id="143" name="TextBox 142"/>
+            <p:cNvSpPr txBox="1"/>
+            <p:nvPr/>
+          </p:nvSpPr>
+          <p:spPr>
+            <a:xfrm>
+              <a:off x="978322" y="1844874"/>
+              <a:ext cx="2974427" cy="2220525"/>
+            </a:xfrm>
+            <a:prstGeom prst="rect">
+              <a:avLst/>
+            </a:prstGeom>
+            <a:noFill/>
+          </p:spPr>
+          <p:txBody>
+            <a:bodyPr wrap="square" rtlCol="0">
+              <a:spAutoFit/>
+            </a:bodyPr>
+            <a:lstStyle/>
+            <a:p>
+              <a:pPr algn="ctr"/>
+              <a:r>
+                <a:rPr lang="en-US" sz="1200" dirty="0" smtClean="0"/>
+                <a:t>Adds </a:t>
+              </a:r>
+              <a:endParaRPr lang="en-US" sz="1200" dirty="0"/>
+            </a:p>
+          </p:txBody>
+        </p:sp>
+      </p:grpSp>
+      <p:sp>
+        <p:nvSpPr>
+          <p:cNvPr id="144" name="TextBox 143"/>
+          <p:cNvSpPr txBox="1"/>
+          <p:nvPr/>
+        </p:nvSpPr>
+        <p:spPr>
+          <a:xfrm>
+            <a:off x="8511888" y="3890752"/>
+            <a:ext cx="3737622" cy="338554"/>
+          </a:xfrm>
+          <a:prstGeom prst="rect">
+            <a:avLst/>
+          </a:prstGeom>
+          <a:noFill/>
+        </p:spPr>
+        <p:txBody>
+          <a:bodyPr wrap="square" rtlCol="0">
+            <a:spAutoFit/>
+          </a:bodyPr>
+          <a:lstStyle/>
+          <a:p>
+            <a:r>
+              <a:rPr lang="en-US" sz="1600" dirty="0" smtClean="0"/>
+              <a:t>Run `</a:t>
+            </a:r>
+            <a:r>
+              <a:rPr lang="en-US" sz="1600" dirty="0" err="1" smtClean="0"/>
+              <a:t>gstacks</a:t>
+            </a:r>
+            <a:r>
+              <a:rPr lang="en-US" sz="1600" dirty="0" smtClean="0"/>
+              <a:t>` to do something?</a:t>
+            </a:r>
+            <a:endParaRPr lang="en-US" sz="1600" dirty="0"/>
+          </a:p>
+        </p:txBody>
+      </p:sp>
     </p:spTree>
     <p:extLst>
       <p:ext uri="{BB962C8B-B14F-4D97-AF65-F5344CB8AC3E}">

--- a/progress/flowchart.pptx
+++ b/progress/flowchart.pptx
@@ -5,7 +5,18 @@
     <p:sldMasterId id="2147483648" r:id="rId1"/>
   </p:sldMasterIdLst>
   <p:sldIdLst>
-    <p:sldId id="256" r:id="rId2"/>
+    <p:sldId id="257" r:id="rId2"/>
+    <p:sldId id="258" r:id="rId3"/>
+    <p:sldId id="265" r:id="rId4"/>
+    <p:sldId id="268" r:id="rId5"/>
+    <p:sldId id="267" r:id="rId6"/>
+    <p:sldId id="256" r:id="rId7"/>
+    <p:sldId id="259" r:id="rId8"/>
+    <p:sldId id="260" r:id="rId9"/>
+    <p:sldId id="270" r:id="rId10"/>
+    <p:sldId id="271" r:id="rId11"/>
+    <p:sldId id="269" r:id="rId12"/>
+    <p:sldId id="262" r:id="rId13"/>
   </p:sldIdLst>
   <p:sldSz cx="12192000" cy="6858000"/>
   <p:notesSz cx="6858000" cy="9144000"/>
@@ -104,6 +115,11 @@
       </a:defRPr>
     </a:lvl9pPr>
   </p:defaultTextStyle>
+  <p:extLst>
+    <p:ext uri="{EFAFB233-063F-42B5-8137-9DF3F51BA10A}">
+      <p15:sldGuideLst xmlns:p15="http://schemas.microsoft.com/office/powerpoint/2012/main"/>
+    </p:ext>
+  </p:extLst>
 </p:presentation>
 </file>
 
@@ -238,7 +254,7 @@
           <a:p>
             <a:fld id="{14EB3700-A3E7-4476-AE06-06B1BB18BE0B}" type="datetimeFigureOut">
               <a:rPr lang="en-US" smtClean="0"/>
-              <a:t>12/4/2018</a:t>
+              <a:t>12/5/2018</a:t>
             </a:fld>
             <a:endParaRPr lang="en-US"/>
           </a:p>
@@ -408,7 +424,7 @@
           <a:p>
             <a:fld id="{14EB3700-A3E7-4476-AE06-06B1BB18BE0B}" type="datetimeFigureOut">
               <a:rPr lang="en-US" smtClean="0"/>
-              <a:t>12/4/2018</a:t>
+              <a:t>12/5/2018</a:t>
             </a:fld>
             <a:endParaRPr lang="en-US"/>
           </a:p>
@@ -588,7 +604,7 @@
           <a:p>
             <a:fld id="{14EB3700-A3E7-4476-AE06-06B1BB18BE0B}" type="datetimeFigureOut">
               <a:rPr lang="en-US" smtClean="0"/>
-              <a:t>12/4/2018</a:t>
+              <a:t>12/5/2018</a:t>
             </a:fld>
             <a:endParaRPr lang="en-US"/>
           </a:p>
@@ -758,7 +774,7 @@
           <a:p>
             <a:fld id="{14EB3700-A3E7-4476-AE06-06B1BB18BE0B}" type="datetimeFigureOut">
               <a:rPr lang="en-US" smtClean="0"/>
-              <a:t>12/4/2018</a:t>
+              <a:t>12/5/2018</a:t>
             </a:fld>
             <a:endParaRPr lang="en-US"/>
           </a:p>
@@ -1004,7 +1020,7 @@
           <a:p>
             <a:fld id="{14EB3700-A3E7-4476-AE06-06B1BB18BE0B}" type="datetimeFigureOut">
               <a:rPr lang="en-US" smtClean="0"/>
-              <a:t>12/4/2018</a:t>
+              <a:t>12/5/2018</a:t>
             </a:fld>
             <a:endParaRPr lang="en-US"/>
           </a:p>
@@ -1236,7 +1252,7 @@
           <a:p>
             <a:fld id="{14EB3700-A3E7-4476-AE06-06B1BB18BE0B}" type="datetimeFigureOut">
               <a:rPr lang="en-US" smtClean="0"/>
-              <a:t>12/4/2018</a:t>
+              <a:t>12/5/2018</a:t>
             </a:fld>
             <a:endParaRPr lang="en-US"/>
           </a:p>
@@ -1603,7 +1619,7 @@
           <a:p>
             <a:fld id="{14EB3700-A3E7-4476-AE06-06B1BB18BE0B}" type="datetimeFigureOut">
               <a:rPr lang="en-US" smtClean="0"/>
-              <a:t>12/4/2018</a:t>
+              <a:t>12/5/2018</a:t>
             </a:fld>
             <a:endParaRPr lang="en-US"/>
           </a:p>
@@ -1721,7 +1737,7 @@
           <a:p>
             <a:fld id="{14EB3700-A3E7-4476-AE06-06B1BB18BE0B}" type="datetimeFigureOut">
               <a:rPr lang="en-US" smtClean="0"/>
-              <a:t>12/4/2018</a:t>
+              <a:t>12/5/2018</a:t>
             </a:fld>
             <a:endParaRPr lang="en-US"/>
           </a:p>
@@ -1816,7 +1832,7 @@
           <a:p>
             <a:fld id="{14EB3700-A3E7-4476-AE06-06B1BB18BE0B}" type="datetimeFigureOut">
               <a:rPr lang="en-US" smtClean="0"/>
-              <a:t>12/4/2018</a:t>
+              <a:t>12/5/2018</a:t>
             </a:fld>
             <a:endParaRPr lang="en-US"/>
           </a:p>
@@ -2093,7 +2109,7 @@
           <a:p>
             <a:fld id="{14EB3700-A3E7-4476-AE06-06B1BB18BE0B}" type="datetimeFigureOut">
               <a:rPr lang="en-US" smtClean="0"/>
-              <a:t>12/4/2018</a:t>
+              <a:t>12/5/2018</a:t>
             </a:fld>
             <a:endParaRPr lang="en-US"/>
           </a:p>
@@ -2346,7 +2362,7 @@
           <a:p>
             <a:fld id="{14EB3700-A3E7-4476-AE06-06B1BB18BE0B}" type="datetimeFigureOut">
               <a:rPr lang="en-US" smtClean="0"/>
-              <a:t>12/4/2018</a:t>
+              <a:t>12/5/2018</a:t>
             </a:fld>
             <a:endParaRPr lang="en-US"/>
           </a:p>
@@ -2559,7 +2575,7 @@
           <a:p>
             <a:fld id="{14EB3700-A3E7-4476-AE06-06B1BB18BE0B}" type="datetimeFigureOut">
               <a:rPr lang="en-US" smtClean="0"/>
-              <a:t>12/4/2018</a:t>
+              <a:t>12/5/2018</a:t>
             </a:fld>
             <a:endParaRPr lang="en-US"/>
           </a:p>
@@ -2964,30 +2980,200 @@
           <a:chExt cx="0" cy="0"/>
         </a:xfrm>
       </p:grpSpPr>
-      <p:pic>
-        <p:nvPicPr>
-          <p:cNvPr id="6" name="Picture 5"/>
-          <p:cNvPicPr>
-            <a:picLocks noChangeAspect="1"/>
-          </p:cNvPicPr>
-          <p:nvPr/>
-        </p:nvPicPr>
-        <p:blipFill>
-          <a:blip r:embed="rId2"/>
-          <a:stretch>
-            <a:fillRect/>
-          </a:stretch>
-        </p:blipFill>
-        <p:spPr>
-          <a:xfrm>
-            <a:off x="3934630" y="1567249"/>
-            <a:ext cx="3478366" cy="2485463"/>
-          </a:xfrm>
-          <a:prstGeom prst="rect">
-            <a:avLst/>
-          </a:prstGeom>
-        </p:spPr>
-      </p:pic>
+      <p:sp>
+        <p:nvSpPr>
+          <p:cNvPr id="4" name="Title 3"/>
+          <p:cNvSpPr>
+            <a:spLocks noGrp="1"/>
+          </p:cNvSpPr>
+          <p:nvPr>
+            <p:ph type="ctrTitle"/>
+          </p:nvPr>
+        </p:nvSpPr>
+        <p:spPr/>
+        <p:txBody>
+          <a:bodyPr/>
+          <a:lstStyle/>
+          <a:p>
+            <a:r>
+              <a:rPr lang="en-US" dirty="0" smtClean="0"/>
+              <a:t>Title of Some Sort</a:t>
+            </a:r>
+            <a:endParaRPr lang="en-US" dirty="0"/>
+          </a:p>
+        </p:txBody>
+      </p:sp>
+      <p:sp>
+        <p:nvSpPr>
+          <p:cNvPr id="5" name="Subtitle 4"/>
+          <p:cNvSpPr>
+            <a:spLocks noGrp="1"/>
+          </p:cNvSpPr>
+          <p:nvPr>
+            <p:ph type="subTitle" idx="1"/>
+          </p:nvPr>
+        </p:nvSpPr>
+        <p:spPr/>
+        <p:txBody>
+          <a:bodyPr/>
+          <a:lstStyle/>
+          <a:p>
+            <a:r>
+              <a:rPr lang="en-US" dirty="0" smtClean="0"/>
+              <a:t>Jennifer Gardner</a:t>
+            </a:r>
+          </a:p>
+          <a:p>
+            <a:r>
+              <a:rPr lang="en-US" dirty="0" smtClean="0"/>
+              <a:t>FISH 546: Bioinformatics </a:t>
+            </a:r>
+            <a:endParaRPr lang="en-US" dirty="0"/>
+          </a:p>
+        </p:txBody>
+      </p:sp>
+    </p:spTree>
+    <p:extLst>
+      <p:ext uri="{BB962C8B-B14F-4D97-AF65-F5344CB8AC3E}">
+        <p14:creationId xmlns:p14="http://schemas.microsoft.com/office/powerpoint/2010/main" val="4018067312"/>
+      </p:ext>
+    </p:extLst>
+  </p:cSld>
+  <p:clrMapOvr>
+    <a:masterClrMapping/>
+  </p:clrMapOvr>
+</p:sld>
+</file>
+
+<file path=ppt/slides/slide10.xml><?xml version="1.0" encoding="utf-8"?>
+<p:sld xmlns:a="http://schemas.openxmlformats.org/drawingml/2006/main" xmlns:r="http://schemas.openxmlformats.org/officeDocument/2006/relationships" xmlns:p="http://schemas.openxmlformats.org/presentationml/2006/main">
+  <p:cSld>
+    <p:spTree>
+      <p:nvGrpSpPr>
+        <p:cNvPr id="1" name=""/>
+        <p:cNvGrpSpPr/>
+        <p:nvPr/>
+      </p:nvGrpSpPr>
+      <p:grpSpPr>
+        <a:xfrm>
+          <a:off x="0" y="0"/>
+          <a:ext cx="0" cy="0"/>
+          <a:chOff x="0" y="0"/>
+          <a:chExt cx="0" cy="0"/>
+        </a:xfrm>
+      </p:grpSpPr>
+      <p:sp>
+        <p:nvSpPr>
+          <p:cNvPr id="2" name="Title 1"/>
+          <p:cNvSpPr>
+            <a:spLocks noGrp="1"/>
+          </p:cNvSpPr>
+          <p:nvPr>
+            <p:ph type="title"/>
+          </p:nvPr>
+        </p:nvSpPr>
+        <p:spPr/>
+        <p:txBody>
+          <a:bodyPr/>
+          <a:lstStyle/>
+          <a:p>
+            <a:r>
+              <a:rPr lang="en-US" dirty="0" smtClean="0"/>
+              <a:t>Bonus Question: </a:t>
+            </a:r>
+            <a:endParaRPr lang="en-US" dirty="0"/>
+          </a:p>
+        </p:txBody>
+      </p:sp>
+      <p:sp>
+        <p:nvSpPr>
+          <p:cNvPr id="3" name="Content Placeholder 2"/>
+          <p:cNvSpPr>
+            <a:spLocks noGrp="1"/>
+          </p:cNvSpPr>
+          <p:nvPr>
+            <p:ph idx="1"/>
+          </p:nvPr>
+        </p:nvSpPr>
+        <p:spPr/>
+        <p:txBody>
+          <a:bodyPr/>
+          <a:lstStyle/>
+          <a:p>
+            <a:pPr marL="0" indent="0">
+              <a:buNone/>
+            </a:pPr>
+            <a:r>
+              <a:rPr lang="en-US" dirty="0" smtClean="0"/>
+              <a:t>Can I </a:t>
+            </a:r>
+            <a:r>
+              <a:rPr lang="en-US" dirty="0"/>
+              <a:t>use the command line to automate downloading and renaming CT scanning files to save time and remove user error</a:t>
+            </a:r>
+            <a:r>
+              <a:rPr lang="en-US" dirty="0" smtClean="0"/>
+              <a:t>?</a:t>
+            </a:r>
+          </a:p>
+          <a:p>
+            <a:pPr marL="0" indent="0">
+              <a:buNone/>
+            </a:pPr>
+            <a:r>
+              <a:rPr lang="en-US" dirty="0" smtClean="0">
+                <a:solidFill>
+                  <a:srgbClr val="FF0000"/>
+                </a:solidFill>
+              </a:rPr>
+              <a:t>Spoiler Alert! </a:t>
+            </a:r>
+            <a:r>
+              <a:rPr lang="en-US" dirty="0" smtClean="0">
+                <a:solidFill>
+                  <a:srgbClr val="FF0000"/>
+                </a:solidFill>
+              </a:rPr>
+              <a:t>YES!!</a:t>
+            </a:r>
+            <a:endParaRPr lang="en-US" dirty="0">
+              <a:solidFill>
+                <a:srgbClr val="FF0000"/>
+              </a:solidFill>
+            </a:endParaRPr>
+          </a:p>
+        </p:txBody>
+      </p:sp>
+    </p:spTree>
+    <p:extLst>
+      <p:ext uri="{BB962C8B-B14F-4D97-AF65-F5344CB8AC3E}">
+        <p14:creationId xmlns:p14="http://schemas.microsoft.com/office/powerpoint/2010/main" val="1740460294"/>
+      </p:ext>
+    </p:extLst>
+  </p:cSld>
+  <p:clrMapOvr>
+    <a:masterClrMapping/>
+  </p:clrMapOvr>
+</p:sld>
+</file>
+
+<file path=ppt/slides/slide11.xml><?xml version="1.0" encoding="utf-8"?>
+<p:sld xmlns:a="http://schemas.openxmlformats.org/drawingml/2006/main" xmlns:r="http://schemas.openxmlformats.org/officeDocument/2006/relationships" xmlns:p="http://schemas.openxmlformats.org/presentationml/2006/main">
+  <p:cSld>
+    <p:spTree>
+      <p:nvGrpSpPr>
+        <p:cNvPr id="1" name=""/>
+        <p:cNvGrpSpPr/>
+        <p:nvPr/>
+      </p:nvGrpSpPr>
+      <p:grpSpPr>
+        <a:xfrm>
+          <a:off x="0" y="0"/>
+          <a:ext cx="0" cy="0"/>
+          <a:chOff x="0" y="0"/>
+          <a:chExt cx="0" cy="0"/>
+        </a:xfrm>
+      </p:grpSpPr>
       <p:grpSp>
         <p:nvGrpSpPr>
           <p:cNvPr id="9" name="Group 8"/>
@@ -2996,10 +3182,10 @@
         </p:nvGrpSpPr>
         <p:grpSpPr>
           <a:xfrm>
-            <a:off x="406611" y="16349"/>
-            <a:ext cx="2490117" cy="1013282"/>
-            <a:chOff x="388882" y="705666"/>
-            <a:chExt cx="3277480" cy="1135117"/>
+            <a:off x="3652308" y="489261"/>
+            <a:ext cx="2259868" cy="1013282"/>
+            <a:chOff x="540409" y="705666"/>
+            <a:chExt cx="2974427" cy="1135117"/>
           </a:xfrm>
         </p:grpSpPr>
         <p:sp>
@@ -3016,6 +3202,242 @@
             <a:prstGeom prst="flowChartAlternateProcess">
               <a:avLst/>
             </a:prstGeom>
+            <a:solidFill>
+              <a:srgbClr val="C00000"/>
+            </a:solidFill>
+          </p:spPr>
+          <p:style>
+            <a:lnRef idx="2">
+              <a:schemeClr val="accent1">
+                <a:shade val="50000"/>
+              </a:schemeClr>
+            </a:lnRef>
+            <a:fillRef idx="1">
+              <a:schemeClr val="accent1"/>
+            </a:fillRef>
+            <a:effectRef idx="0">
+              <a:schemeClr val="accent1"/>
+            </a:effectRef>
+            <a:fontRef idx="minor">
+              <a:schemeClr val="lt1"/>
+            </a:fontRef>
+          </p:style>
+          <p:txBody>
+            <a:bodyPr rtlCol="0" anchor="ctr"/>
+            <a:lstStyle/>
+            <a:p>
+              <a:pPr algn="ctr"/>
+              <a:endParaRPr lang="en-US">
+                <a:solidFill>
+                  <a:schemeClr val="bg1"/>
+                </a:solidFill>
+              </a:endParaRPr>
+            </a:p>
+          </p:txBody>
+        </p:sp>
+        <p:sp>
+          <p:nvSpPr>
+            <p:cNvPr id="8" name="TextBox 7"/>
+            <p:cNvSpPr txBox="1"/>
+            <p:nvPr/>
+          </p:nvSpPr>
+          <p:spPr>
+            <a:xfrm>
+              <a:off x="735884" y="910461"/>
+              <a:ext cx="2480441" cy="724044"/>
+            </a:xfrm>
+            <a:prstGeom prst="rect">
+              <a:avLst/>
+            </a:prstGeom>
+            <a:noFill/>
+          </p:spPr>
+          <p:txBody>
+            <a:bodyPr wrap="square" rtlCol="0">
+              <a:spAutoFit/>
+            </a:bodyPr>
+            <a:lstStyle/>
+            <a:p>
+              <a:pPr algn="ctr"/>
+              <a:r>
+                <a:rPr lang="en-US" dirty="0" smtClean="0">
+                  <a:solidFill>
+                    <a:schemeClr val="bg1"/>
+                  </a:solidFill>
+                </a:rPr>
+                <a:t>Curl each Zip file from VNHM</a:t>
+              </a:r>
+              <a:endParaRPr lang="en-US" dirty="0">
+                <a:solidFill>
+                  <a:schemeClr val="bg1"/>
+                </a:solidFill>
+              </a:endParaRPr>
+            </a:p>
+          </p:txBody>
+        </p:sp>
+      </p:grpSp>
+      <p:sp>
+        <p:nvSpPr>
+          <p:cNvPr id="38" name="TextBox 37"/>
+          <p:cNvSpPr txBox="1"/>
+          <p:nvPr/>
+        </p:nvSpPr>
+        <p:spPr>
+          <a:xfrm>
+            <a:off x="4292381" y="1629936"/>
+            <a:ext cx="657034" cy="338554"/>
+          </a:xfrm>
+          <a:prstGeom prst="rect">
+            <a:avLst/>
+          </a:prstGeom>
+          <a:noFill/>
+        </p:spPr>
+        <p:txBody>
+          <a:bodyPr wrap="square" rtlCol="0">
+            <a:spAutoFit/>
+          </a:bodyPr>
+          <a:lstStyle/>
+          <a:p>
+            <a:r>
+              <a:rPr lang="en-US" sz="1600" dirty="0" smtClean="0"/>
+              <a:t>Unzip</a:t>
+            </a:r>
+            <a:endParaRPr lang="en-US" sz="1600" dirty="0"/>
+          </a:p>
+        </p:txBody>
+      </p:sp>
+      <p:sp>
+        <p:nvSpPr>
+          <p:cNvPr id="40" name="TextBox 39"/>
+          <p:cNvSpPr txBox="1"/>
+          <p:nvPr/>
+        </p:nvSpPr>
+        <p:spPr>
+          <a:xfrm>
+            <a:off x="4292381" y="3248167"/>
+            <a:ext cx="2105411" cy="584775"/>
+          </a:xfrm>
+          <a:prstGeom prst="rect">
+            <a:avLst/>
+          </a:prstGeom>
+          <a:noFill/>
+        </p:spPr>
+        <p:txBody>
+          <a:bodyPr wrap="square" rtlCol="0">
+            <a:spAutoFit/>
+          </a:bodyPr>
+          <a:lstStyle/>
+          <a:p>
+            <a:r>
+              <a:rPr lang="en-US" sz="1600" dirty="0" smtClean="0"/>
+              <a:t>Scrub information from Info.txt</a:t>
+            </a:r>
+            <a:endParaRPr lang="en-US" sz="1600" dirty="0" smtClean="0"/>
+          </a:p>
+        </p:txBody>
+      </p:sp>
+      <p:cxnSp>
+        <p:nvCxnSpPr>
+          <p:cNvPr id="46" name="Straight Arrow Connector 45"/>
+          <p:cNvCxnSpPr/>
+          <p:nvPr/>
+        </p:nvCxnSpPr>
+        <p:spPr>
+          <a:xfrm>
+            <a:off x="4187328" y="3174005"/>
+            <a:ext cx="0" cy="767208"/>
+          </a:xfrm>
+          <a:prstGeom prst="straightConnector1">
+            <a:avLst/>
+          </a:prstGeom>
+          <a:ln w="76200">
+            <a:solidFill>
+              <a:schemeClr val="tx1"/>
+            </a:solidFill>
+            <a:tailEnd type="triangle"/>
+          </a:ln>
+        </p:spPr>
+        <p:style>
+          <a:lnRef idx="3">
+            <a:schemeClr val="dk1"/>
+          </a:lnRef>
+          <a:fillRef idx="0">
+            <a:schemeClr val="dk1"/>
+          </a:fillRef>
+          <a:effectRef idx="2">
+            <a:schemeClr val="dk1"/>
+          </a:effectRef>
+          <a:fontRef idx="minor">
+            <a:schemeClr val="tx1"/>
+          </a:fontRef>
+        </p:style>
+      </p:cxnSp>
+      <p:cxnSp>
+        <p:nvCxnSpPr>
+          <p:cNvPr id="79" name="Straight Arrow Connector 78"/>
+          <p:cNvCxnSpPr/>
+          <p:nvPr/>
+        </p:nvCxnSpPr>
+        <p:spPr>
+          <a:xfrm>
+            <a:off x="2204105" y="1140707"/>
+            <a:ext cx="1449016" cy="5301"/>
+          </a:xfrm>
+          <a:prstGeom prst="straightConnector1">
+            <a:avLst/>
+          </a:prstGeom>
+          <a:ln w="76200">
+            <a:solidFill>
+              <a:schemeClr val="tx1"/>
+            </a:solidFill>
+            <a:tailEnd type="triangle"/>
+          </a:ln>
+        </p:spPr>
+        <p:style>
+          <a:lnRef idx="3">
+            <a:schemeClr val="dk1"/>
+          </a:lnRef>
+          <a:fillRef idx="0">
+            <a:schemeClr val="dk1"/>
+          </a:fillRef>
+          <a:effectRef idx="2">
+            <a:schemeClr val="dk1"/>
+          </a:effectRef>
+          <a:fontRef idx="minor">
+            <a:schemeClr val="tx1"/>
+          </a:fontRef>
+        </p:style>
+      </p:cxnSp>
+      <p:grpSp>
+        <p:nvGrpSpPr>
+          <p:cNvPr id="89" name="Group 88"/>
+          <p:cNvGrpSpPr/>
+          <p:nvPr/>
+        </p:nvGrpSpPr>
+        <p:grpSpPr>
+          <a:xfrm>
+            <a:off x="8810857" y="3169886"/>
+            <a:ext cx="3061104" cy="872920"/>
+            <a:chOff x="959803" y="737894"/>
+            <a:chExt cx="2974427" cy="12409294"/>
+          </a:xfrm>
+        </p:grpSpPr>
+        <p:sp>
+          <p:nvSpPr>
+            <p:cNvPr id="90" name="Flowchart: Alternate Process 89"/>
+            <p:cNvSpPr/>
+            <p:nvPr/>
+          </p:nvSpPr>
+          <p:spPr>
+            <a:xfrm>
+              <a:off x="959803" y="737894"/>
+              <a:ext cx="2974427" cy="12409294"/>
+            </a:xfrm>
+            <a:prstGeom prst="flowChartAlternateProcess">
+              <a:avLst/>
+            </a:prstGeom>
+            <a:solidFill>
+              <a:schemeClr val="accent4"/>
+            </a:solidFill>
           </p:spPr>
           <p:style>
             <a:lnRef idx="2">
@@ -3044,14 +3466,2238 @@
         </p:sp>
         <p:sp>
           <p:nvSpPr>
-            <p:cNvPr id="5" name="TextBox 4"/>
+            <p:cNvPr id="91" name="TextBox 90"/>
             <p:cNvSpPr txBox="1"/>
             <p:nvPr/>
           </p:nvSpPr>
           <p:spPr>
             <a:xfrm>
-              <a:off x="388882" y="914400"/>
-              <a:ext cx="3277480" cy="391057"/>
+              <a:off x="964345" y="1254640"/>
+              <a:ext cx="2865616" cy="11813323"/>
+            </a:xfrm>
+            <a:prstGeom prst="rect">
+              <a:avLst/>
+            </a:prstGeom>
+            <a:noFill/>
+          </p:spPr>
+          <p:txBody>
+            <a:bodyPr wrap="square" rtlCol="0">
+              <a:spAutoFit/>
+            </a:bodyPr>
+            <a:lstStyle/>
+            <a:p>
+              <a:pPr algn="ctr"/>
+              <a:r>
+                <a:rPr lang="en-US" sz="1600" dirty="0" smtClean="0"/>
+                <a:t>Outputs Excel Workbook with specimen data from </a:t>
+              </a:r>
+              <a:r>
+                <a:rPr lang="en-US" sz="1600" dirty="0" err="1" smtClean="0"/>
+                <a:t>iDigBio</a:t>
+              </a:r>
+              <a:r>
+                <a:rPr lang="en-US" sz="1600" dirty="0" smtClean="0"/>
+                <a:t> and scanner settings from .log files</a:t>
+              </a:r>
+              <a:endParaRPr lang="en-US" sz="1400" dirty="0"/>
+            </a:p>
+          </p:txBody>
+        </p:sp>
+      </p:grpSp>
+      <p:grpSp>
+        <p:nvGrpSpPr>
+          <p:cNvPr id="7" name="Group 6"/>
+          <p:cNvGrpSpPr/>
+          <p:nvPr/>
+        </p:nvGrpSpPr>
+        <p:grpSpPr>
+          <a:xfrm>
+            <a:off x="3578297" y="2219030"/>
+            <a:ext cx="2387899" cy="869706"/>
+            <a:chOff x="356932" y="1774264"/>
+            <a:chExt cx="2387899" cy="869706"/>
+          </a:xfrm>
+        </p:grpSpPr>
+        <p:sp>
+          <p:nvSpPr>
+            <p:cNvPr id="113" name="Flowchart: Alternate Process 112"/>
+            <p:cNvSpPr/>
+            <p:nvPr/>
+          </p:nvSpPr>
+          <p:spPr>
+            <a:xfrm>
+              <a:off x="430943" y="1774264"/>
+              <a:ext cx="2313888" cy="869706"/>
+            </a:xfrm>
+            <a:prstGeom prst="flowChartAlternateProcess">
+              <a:avLst/>
+            </a:prstGeom>
+            <a:solidFill>
+              <a:schemeClr val="accent2">
+                <a:lumMod val="75000"/>
+              </a:schemeClr>
+            </a:solidFill>
+          </p:spPr>
+          <p:style>
+            <a:lnRef idx="2">
+              <a:schemeClr val="accent1">
+                <a:shade val="50000"/>
+              </a:schemeClr>
+            </a:lnRef>
+            <a:fillRef idx="1">
+              <a:schemeClr val="accent1"/>
+            </a:fillRef>
+            <a:effectRef idx="0">
+              <a:schemeClr val="accent1"/>
+            </a:effectRef>
+            <a:fontRef idx="minor">
+              <a:schemeClr val="lt1"/>
+            </a:fontRef>
+          </p:style>
+          <p:txBody>
+            <a:bodyPr rtlCol="0" anchor="ctr"/>
+            <a:lstStyle/>
+            <a:p>
+              <a:pPr algn="ctr"/>
+              <a:endParaRPr lang="en-US"/>
+            </a:p>
+          </p:txBody>
+        </p:sp>
+        <p:sp>
+          <p:nvSpPr>
+            <p:cNvPr id="114" name="TextBox 113"/>
+            <p:cNvSpPr txBox="1"/>
+            <p:nvPr/>
+          </p:nvSpPr>
+          <p:spPr>
+            <a:xfrm>
+              <a:off x="356932" y="1793619"/>
+              <a:ext cx="2273723" cy="830997"/>
+            </a:xfrm>
+            <a:prstGeom prst="rect">
+              <a:avLst/>
+            </a:prstGeom>
+            <a:noFill/>
+          </p:spPr>
+          <p:txBody>
+            <a:bodyPr wrap="square" rtlCol="0">
+              <a:spAutoFit/>
+            </a:bodyPr>
+            <a:lstStyle/>
+            <a:p>
+              <a:pPr algn="ctr"/>
+              <a:r>
+                <a:rPr lang="en-US" sz="1600" dirty="0" smtClean="0">
+                  <a:solidFill>
+                    <a:schemeClr val="bg1"/>
+                  </a:solidFill>
+                </a:rPr>
+                <a:t>Info.txt</a:t>
+              </a:r>
+            </a:p>
+            <a:p>
+              <a:pPr algn="ctr"/>
+              <a:r>
+                <a:rPr lang="en-US" sz="1600" dirty="0" smtClean="0">
+                  <a:solidFill>
+                    <a:schemeClr val="bg1"/>
+                  </a:solidFill>
+                </a:rPr>
+                <a:t>Scanner.log</a:t>
+              </a:r>
+            </a:p>
+            <a:p>
+              <a:pPr algn="ctr"/>
+              <a:r>
+                <a:rPr lang="en-US" sz="1600" dirty="0" smtClean="0">
+                  <a:solidFill>
+                    <a:schemeClr val="bg1"/>
+                  </a:solidFill>
+                </a:rPr>
+                <a:t>Stack.zip</a:t>
+              </a:r>
+              <a:endParaRPr lang="en-US" sz="1600" dirty="0">
+                <a:solidFill>
+                  <a:schemeClr val="bg1"/>
+                </a:solidFill>
+              </a:endParaRPr>
+            </a:p>
+          </p:txBody>
+        </p:sp>
+      </p:grpSp>
+      <p:cxnSp>
+        <p:nvCxnSpPr>
+          <p:cNvPr id="134" name="Straight Arrow Connector 133"/>
+          <p:cNvCxnSpPr/>
+          <p:nvPr/>
+        </p:nvCxnSpPr>
+        <p:spPr>
+          <a:xfrm>
+            <a:off x="9319854" y="1957092"/>
+            <a:ext cx="7026" cy="1106148"/>
+          </a:xfrm>
+          <a:prstGeom prst="straightConnector1">
+            <a:avLst/>
+          </a:prstGeom>
+          <a:ln w="76200">
+            <a:solidFill>
+              <a:schemeClr val="tx1"/>
+            </a:solidFill>
+            <a:tailEnd type="triangle"/>
+          </a:ln>
+        </p:spPr>
+        <p:style>
+          <a:lnRef idx="3">
+            <a:schemeClr val="dk1"/>
+          </a:lnRef>
+          <a:fillRef idx="0">
+            <a:schemeClr val="dk1"/>
+          </a:fillRef>
+          <a:effectRef idx="2">
+            <a:schemeClr val="dk1"/>
+          </a:effectRef>
+          <a:fontRef idx="minor">
+            <a:schemeClr val="tx1"/>
+          </a:fontRef>
+        </p:style>
+      </p:cxnSp>
+      <p:cxnSp>
+        <p:nvCxnSpPr>
+          <p:cNvPr id="139" name="Straight Arrow Connector 138"/>
+          <p:cNvCxnSpPr/>
+          <p:nvPr/>
+        </p:nvCxnSpPr>
+        <p:spPr>
+          <a:xfrm>
+            <a:off x="4126937" y="1539318"/>
+            <a:ext cx="0" cy="580689"/>
+          </a:xfrm>
+          <a:prstGeom prst="straightConnector1">
+            <a:avLst/>
+          </a:prstGeom>
+          <a:ln w="76200">
+            <a:solidFill>
+              <a:schemeClr val="tx1"/>
+            </a:solidFill>
+            <a:tailEnd type="triangle"/>
+          </a:ln>
+        </p:spPr>
+        <p:style>
+          <a:lnRef idx="3">
+            <a:schemeClr val="dk1"/>
+          </a:lnRef>
+          <a:fillRef idx="0">
+            <a:schemeClr val="dk1"/>
+          </a:fillRef>
+          <a:effectRef idx="2">
+            <a:schemeClr val="dk1"/>
+          </a:effectRef>
+          <a:fontRef idx="minor">
+            <a:schemeClr val="tx1"/>
+          </a:fontRef>
+        </p:style>
+      </p:cxnSp>
+      <p:grpSp>
+        <p:nvGrpSpPr>
+          <p:cNvPr id="141" name="Group 140"/>
+          <p:cNvGrpSpPr/>
+          <p:nvPr/>
+        </p:nvGrpSpPr>
+        <p:grpSpPr>
+          <a:xfrm>
+            <a:off x="253045" y="658244"/>
+            <a:ext cx="1883570" cy="1146441"/>
+            <a:chOff x="957657" y="411556"/>
+            <a:chExt cx="2984760" cy="6549410"/>
+          </a:xfrm>
+          <a:solidFill>
+            <a:schemeClr val="accent6">
+              <a:lumMod val="75000"/>
+            </a:schemeClr>
+          </a:solidFill>
+        </p:grpSpPr>
+        <p:sp>
+          <p:nvSpPr>
+            <p:cNvPr id="142" name="Flowchart: Alternate Process 141"/>
+            <p:cNvSpPr/>
+            <p:nvPr/>
+          </p:nvSpPr>
+          <p:spPr>
+            <a:xfrm>
+              <a:off x="967990" y="411556"/>
+              <a:ext cx="2974427" cy="6549410"/>
+            </a:xfrm>
+            <a:prstGeom prst="flowChartAlternateProcess">
+              <a:avLst/>
+            </a:prstGeom>
+            <a:grpFill/>
+          </p:spPr>
+          <p:style>
+            <a:lnRef idx="2">
+              <a:schemeClr val="accent1">
+                <a:shade val="50000"/>
+              </a:schemeClr>
+            </a:lnRef>
+            <a:fillRef idx="1">
+              <a:schemeClr val="accent1"/>
+            </a:fillRef>
+            <a:effectRef idx="0">
+              <a:schemeClr val="accent1"/>
+            </a:effectRef>
+            <a:fontRef idx="minor">
+              <a:schemeClr val="lt1"/>
+            </a:fontRef>
+          </p:style>
+          <p:txBody>
+            <a:bodyPr rtlCol="0" anchor="ctr"/>
+            <a:lstStyle/>
+            <a:p>
+              <a:pPr algn="ctr"/>
+              <a:endParaRPr lang="en-US"/>
+            </a:p>
+          </p:txBody>
+        </p:sp>
+        <p:sp>
+          <p:nvSpPr>
+            <p:cNvPr id="143" name="TextBox 142"/>
+            <p:cNvSpPr txBox="1"/>
+            <p:nvPr/>
+          </p:nvSpPr>
+          <p:spPr>
+            <a:xfrm>
+              <a:off x="957657" y="1342368"/>
+              <a:ext cx="2974427" cy="4687770"/>
+            </a:xfrm>
+            <a:prstGeom prst="rect">
+              <a:avLst/>
+            </a:prstGeom>
+            <a:grpFill/>
+          </p:spPr>
+          <p:txBody>
+            <a:bodyPr wrap="square" rtlCol="0">
+              <a:spAutoFit/>
+            </a:bodyPr>
+            <a:lstStyle/>
+            <a:p>
+              <a:pPr algn="ctr"/>
+              <a:r>
+                <a:rPr lang="en-US" sz="1600" dirty="0" smtClean="0">
+                  <a:solidFill>
+                    <a:schemeClr val="bg1"/>
+                  </a:solidFill>
+                </a:rPr>
+                <a:t>Text file with VNHM numbers to be downloaded</a:t>
+              </a:r>
+              <a:endParaRPr lang="en-US" sz="1600" dirty="0">
+                <a:solidFill>
+                  <a:schemeClr val="bg1"/>
+                </a:solidFill>
+              </a:endParaRPr>
+            </a:p>
+          </p:txBody>
+        </p:sp>
+      </p:grpSp>
+      <p:grpSp>
+        <p:nvGrpSpPr>
+          <p:cNvPr id="16" name="Group 15"/>
+          <p:cNvGrpSpPr/>
+          <p:nvPr/>
+        </p:nvGrpSpPr>
+        <p:grpSpPr>
+          <a:xfrm>
+            <a:off x="8687048" y="364169"/>
+            <a:ext cx="3054537" cy="1499298"/>
+            <a:chOff x="8504168" y="4581462"/>
+            <a:chExt cx="3054537" cy="1499298"/>
+          </a:xfrm>
+        </p:grpSpPr>
+        <p:sp>
+          <p:nvSpPr>
+            <p:cNvPr id="64" name="Flowchart: Alternate Process 63"/>
+            <p:cNvSpPr/>
+            <p:nvPr/>
+          </p:nvSpPr>
+          <p:spPr>
+            <a:xfrm>
+              <a:off x="8504168" y="4581462"/>
+              <a:ext cx="3054537" cy="1499298"/>
+            </a:xfrm>
+            <a:prstGeom prst="flowChartAlternateProcess">
+              <a:avLst/>
+            </a:prstGeom>
+            <a:solidFill>
+              <a:schemeClr val="accent6">
+                <a:lumMod val="75000"/>
+              </a:schemeClr>
+            </a:solidFill>
+          </p:spPr>
+          <p:style>
+            <a:lnRef idx="2">
+              <a:schemeClr val="accent1">
+                <a:shade val="50000"/>
+              </a:schemeClr>
+            </a:lnRef>
+            <a:fillRef idx="1">
+              <a:schemeClr val="accent1"/>
+            </a:fillRef>
+            <a:effectRef idx="0">
+              <a:schemeClr val="accent1"/>
+            </a:effectRef>
+            <a:fontRef idx="minor">
+              <a:schemeClr val="lt1"/>
+            </a:fontRef>
+          </p:style>
+          <p:txBody>
+            <a:bodyPr rtlCol="0" anchor="ctr"/>
+            <a:lstStyle/>
+            <a:p>
+              <a:pPr algn="ctr"/>
+              <a:endParaRPr lang="en-US"/>
+            </a:p>
+          </p:txBody>
+        </p:sp>
+        <p:sp>
+          <p:nvSpPr>
+            <p:cNvPr id="65" name="TextBox 64"/>
+            <p:cNvSpPr txBox="1"/>
+            <p:nvPr/>
+          </p:nvSpPr>
+          <p:spPr>
+            <a:xfrm>
+              <a:off x="8627977" y="4865039"/>
+              <a:ext cx="2704181" cy="830997"/>
+            </a:xfrm>
+            <a:prstGeom prst="rect">
+              <a:avLst/>
+            </a:prstGeom>
+            <a:noFill/>
+          </p:spPr>
+          <p:txBody>
+            <a:bodyPr wrap="square" rtlCol="0">
+              <a:spAutoFit/>
+            </a:bodyPr>
+            <a:lstStyle/>
+            <a:p>
+              <a:pPr algn="ctr"/>
+              <a:r>
+                <a:rPr lang="en-US" sz="1600" dirty="0" smtClean="0"/>
+                <a:t>Directory with all renamed .log files and corresponding renamed .zip image stacks</a:t>
+              </a:r>
+              <a:endParaRPr lang="en-US" sz="1600" dirty="0"/>
+            </a:p>
+          </p:txBody>
+        </p:sp>
+      </p:grpSp>
+      <p:sp>
+        <p:nvSpPr>
+          <p:cNvPr id="69" name="TextBox 68"/>
+          <p:cNvSpPr txBox="1"/>
+          <p:nvPr/>
+        </p:nvSpPr>
+        <p:spPr>
+          <a:xfrm>
+            <a:off x="2372415" y="1251249"/>
+            <a:ext cx="1059806" cy="830997"/>
+          </a:xfrm>
+          <a:prstGeom prst="rect">
+            <a:avLst/>
+          </a:prstGeom>
+          <a:noFill/>
+        </p:spPr>
+        <p:txBody>
+          <a:bodyPr wrap="square" rtlCol="0">
+            <a:spAutoFit/>
+          </a:bodyPr>
+          <a:lstStyle/>
+          <a:p>
+            <a:r>
+              <a:rPr lang="en-US" sz="1600" dirty="0" smtClean="0"/>
+              <a:t>For each number in file</a:t>
+            </a:r>
+            <a:endParaRPr lang="en-US" sz="1600" dirty="0" smtClean="0"/>
+          </a:p>
+        </p:txBody>
+      </p:sp>
+      <p:grpSp>
+        <p:nvGrpSpPr>
+          <p:cNvPr id="71" name="Group 70"/>
+          <p:cNvGrpSpPr/>
+          <p:nvPr/>
+        </p:nvGrpSpPr>
+        <p:grpSpPr>
+          <a:xfrm>
+            <a:off x="3652308" y="5805839"/>
+            <a:ext cx="2480473" cy="875751"/>
+            <a:chOff x="363489" y="1774264"/>
+            <a:chExt cx="2480473" cy="875751"/>
+          </a:xfrm>
+        </p:grpSpPr>
+        <p:sp>
+          <p:nvSpPr>
+            <p:cNvPr id="74" name="Flowchart: Alternate Process 73"/>
+            <p:cNvSpPr/>
+            <p:nvPr/>
+          </p:nvSpPr>
+          <p:spPr>
+            <a:xfrm>
+              <a:off x="430943" y="1774264"/>
+              <a:ext cx="2313888" cy="869706"/>
+            </a:xfrm>
+            <a:prstGeom prst="flowChartAlternateProcess">
+              <a:avLst/>
+            </a:prstGeom>
+            <a:solidFill>
+              <a:schemeClr val="accent2">
+                <a:lumMod val="75000"/>
+              </a:schemeClr>
+            </a:solidFill>
+          </p:spPr>
+          <p:style>
+            <a:lnRef idx="2">
+              <a:schemeClr val="accent1">
+                <a:shade val="50000"/>
+              </a:schemeClr>
+            </a:lnRef>
+            <a:fillRef idx="1">
+              <a:schemeClr val="accent1"/>
+            </a:fillRef>
+            <a:effectRef idx="0">
+              <a:schemeClr val="accent1"/>
+            </a:effectRef>
+            <a:fontRef idx="minor">
+              <a:schemeClr val="lt1"/>
+            </a:fontRef>
+          </p:style>
+          <p:txBody>
+            <a:bodyPr rtlCol="0" anchor="ctr"/>
+            <a:lstStyle/>
+            <a:p>
+              <a:pPr algn="ctr"/>
+              <a:endParaRPr lang="en-US"/>
+            </a:p>
+          </p:txBody>
+        </p:sp>
+        <p:sp>
+          <p:nvSpPr>
+            <p:cNvPr id="75" name="TextBox 74"/>
+            <p:cNvSpPr txBox="1"/>
+            <p:nvPr/>
+          </p:nvSpPr>
+          <p:spPr>
+            <a:xfrm>
+              <a:off x="363489" y="1819018"/>
+              <a:ext cx="2480473" cy="830997"/>
+            </a:xfrm>
+            <a:prstGeom prst="rect">
+              <a:avLst/>
+            </a:prstGeom>
+            <a:noFill/>
+          </p:spPr>
+          <p:txBody>
+            <a:bodyPr wrap="square" rtlCol="0">
+              <a:spAutoFit/>
+            </a:bodyPr>
+            <a:lstStyle/>
+            <a:p>
+              <a:pPr algn="ctr"/>
+              <a:r>
+                <a:rPr lang="en-US" sz="1600" dirty="0" smtClean="0">
+                  <a:solidFill>
+                    <a:schemeClr val="bg1"/>
+                  </a:solidFill>
+                </a:rPr>
+                <a:t>Move renamed .log and .zip</a:t>
+              </a:r>
+              <a:endParaRPr lang="en-US" sz="1600" dirty="0" smtClean="0">
+                <a:solidFill>
+                  <a:schemeClr val="bg1"/>
+                </a:solidFill>
+              </a:endParaRPr>
+            </a:p>
+            <a:p>
+              <a:pPr algn="ctr"/>
+              <a:r>
+                <a:rPr lang="en-US" sz="1600" dirty="0" smtClean="0">
+                  <a:solidFill>
+                    <a:schemeClr val="bg1"/>
+                  </a:solidFill>
+                </a:rPr>
+                <a:t>Uwfc-A-xxxxxx.log</a:t>
+              </a:r>
+              <a:endParaRPr lang="en-US" sz="1600" dirty="0" smtClean="0">
+                <a:solidFill>
+                  <a:schemeClr val="bg1"/>
+                </a:solidFill>
+              </a:endParaRPr>
+            </a:p>
+            <a:p>
+              <a:pPr algn="ctr"/>
+              <a:r>
+                <a:rPr lang="en-US" sz="1600" dirty="0" smtClean="0">
+                  <a:solidFill>
+                    <a:schemeClr val="bg1"/>
+                  </a:solidFill>
+                </a:rPr>
+                <a:t>Uwfc-A-xxxxxx</a:t>
+              </a:r>
+              <a:r>
+                <a:rPr lang="en-US" sz="1600" dirty="0" smtClean="0">
+                  <a:solidFill>
+                    <a:schemeClr val="bg1"/>
+                  </a:solidFill>
+                </a:rPr>
+                <a:t>.zip</a:t>
+              </a:r>
+              <a:endParaRPr lang="en-US" sz="1600" dirty="0">
+                <a:solidFill>
+                  <a:schemeClr val="bg1"/>
+                </a:solidFill>
+              </a:endParaRPr>
+            </a:p>
+          </p:txBody>
+        </p:sp>
+      </p:grpSp>
+      <p:grpSp>
+        <p:nvGrpSpPr>
+          <p:cNvPr id="76" name="Group 75"/>
+          <p:cNvGrpSpPr/>
+          <p:nvPr/>
+        </p:nvGrpSpPr>
+        <p:grpSpPr>
+          <a:xfrm>
+            <a:off x="3678621" y="4017881"/>
+            <a:ext cx="2313888" cy="869706"/>
+            <a:chOff x="430943" y="1774264"/>
+            <a:chExt cx="2313888" cy="869706"/>
+          </a:xfrm>
+        </p:grpSpPr>
+        <p:sp>
+          <p:nvSpPr>
+            <p:cNvPr id="77" name="Flowchart: Alternate Process 76"/>
+            <p:cNvSpPr/>
+            <p:nvPr/>
+          </p:nvSpPr>
+          <p:spPr>
+            <a:xfrm>
+              <a:off x="430943" y="1774264"/>
+              <a:ext cx="2313888" cy="869706"/>
+            </a:xfrm>
+            <a:prstGeom prst="flowChartAlternateProcess">
+              <a:avLst/>
+            </a:prstGeom>
+            <a:solidFill>
+              <a:schemeClr val="accent2">
+                <a:lumMod val="75000"/>
+              </a:schemeClr>
+            </a:solidFill>
+          </p:spPr>
+          <p:style>
+            <a:lnRef idx="2">
+              <a:schemeClr val="accent1">
+                <a:shade val="50000"/>
+              </a:schemeClr>
+            </a:lnRef>
+            <a:fillRef idx="1">
+              <a:schemeClr val="accent1"/>
+            </a:fillRef>
+            <a:effectRef idx="0">
+              <a:schemeClr val="accent1"/>
+            </a:effectRef>
+            <a:fontRef idx="minor">
+              <a:schemeClr val="lt1"/>
+            </a:fontRef>
+          </p:style>
+          <p:txBody>
+            <a:bodyPr rtlCol="0" anchor="ctr"/>
+            <a:lstStyle/>
+            <a:p>
+              <a:pPr algn="ctr"/>
+              <a:endParaRPr lang="en-US"/>
+            </a:p>
+          </p:txBody>
+        </p:sp>
+        <p:sp>
+          <p:nvSpPr>
+            <p:cNvPr id="78" name="TextBox 77"/>
+            <p:cNvSpPr txBox="1"/>
+            <p:nvPr/>
+          </p:nvSpPr>
+          <p:spPr>
+            <a:xfrm>
+              <a:off x="458693" y="1950182"/>
+              <a:ext cx="2273723" cy="338554"/>
+            </a:xfrm>
+            <a:prstGeom prst="rect">
+              <a:avLst/>
+            </a:prstGeom>
+            <a:noFill/>
+          </p:spPr>
+          <p:txBody>
+            <a:bodyPr wrap="square" rtlCol="0">
+              <a:spAutoFit/>
+            </a:bodyPr>
+            <a:lstStyle/>
+            <a:p>
+              <a:pPr algn="ctr"/>
+              <a:r>
+                <a:rPr lang="en-US" sz="1600" dirty="0" smtClean="0">
+                  <a:solidFill>
+                    <a:schemeClr val="bg1"/>
+                  </a:solidFill>
+                </a:rPr>
+                <a:t>Set Naming Variables</a:t>
+              </a:r>
+              <a:endParaRPr lang="en-US" sz="1600" dirty="0">
+                <a:solidFill>
+                  <a:schemeClr val="bg1"/>
+                </a:solidFill>
+              </a:endParaRPr>
+            </a:p>
+          </p:txBody>
+        </p:sp>
+      </p:grpSp>
+      <p:sp>
+        <p:nvSpPr>
+          <p:cNvPr id="80" name="TextBox 79"/>
+          <p:cNvSpPr txBox="1"/>
+          <p:nvPr/>
+        </p:nvSpPr>
+        <p:spPr>
+          <a:xfrm>
+            <a:off x="3920400" y="4931214"/>
+            <a:ext cx="2881777" cy="830997"/>
+          </a:xfrm>
+          <a:prstGeom prst="rect">
+            <a:avLst/>
+          </a:prstGeom>
+          <a:noFill/>
+        </p:spPr>
+        <p:txBody>
+          <a:bodyPr wrap="square" rtlCol="0">
+            <a:spAutoFit/>
+          </a:bodyPr>
+          <a:lstStyle/>
+          <a:p>
+            <a:r>
+              <a:rPr lang="en-US" sz="1600" dirty="0" smtClean="0"/>
+              <a:t>Rename .log file, all images files in the .zip file, unzipped and zipped directories with images.</a:t>
+            </a:r>
+            <a:endParaRPr lang="en-US" sz="1600" dirty="0" smtClean="0"/>
+          </a:p>
+        </p:txBody>
+      </p:sp>
+      <p:cxnSp>
+        <p:nvCxnSpPr>
+          <p:cNvPr id="82" name="Straight Arrow Connector 81"/>
+          <p:cNvCxnSpPr/>
+          <p:nvPr/>
+        </p:nvCxnSpPr>
+        <p:spPr>
+          <a:xfrm>
+            <a:off x="3789310" y="5052721"/>
+            <a:ext cx="0" cy="767208"/>
+          </a:xfrm>
+          <a:prstGeom prst="straightConnector1">
+            <a:avLst/>
+          </a:prstGeom>
+          <a:ln w="76200">
+            <a:solidFill>
+              <a:schemeClr val="tx1"/>
+            </a:solidFill>
+            <a:tailEnd type="triangle"/>
+          </a:ln>
+        </p:spPr>
+        <p:style>
+          <a:lnRef idx="3">
+            <a:schemeClr val="dk1"/>
+          </a:lnRef>
+          <a:fillRef idx="0">
+            <a:schemeClr val="dk1"/>
+          </a:fillRef>
+          <a:effectRef idx="2">
+            <a:schemeClr val="dk1"/>
+          </a:effectRef>
+          <a:fontRef idx="minor">
+            <a:schemeClr val="tx1"/>
+          </a:fontRef>
+        </p:style>
+      </p:cxnSp>
+      <p:sp>
+        <p:nvSpPr>
+          <p:cNvPr id="83" name="TextBox 82"/>
+          <p:cNvSpPr txBox="1"/>
+          <p:nvPr/>
+        </p:nvSpPr>
+        <p:spPr>
+          <a:xfrm>
+            <a:off x="9662600" y="1926643"/>
+            <a:ext cx="2105411" cy="584775"/>
+          </a:xfrm>
+          <a:prstGeom prst="rect">
+            <a:avLst/>
+          </a:prstGeom>
+          <a:noFill/>
+        </p:spPr>
+        <p:txBody>
+          <a:bodyPr wrap="square" rtlCol="0">
+            <a:spAutoFit/>
+          </a:bodyPr>
+          <a:lstStyle/>
+          <a:p>
+            <a:r>
+              <a:rPr lang="en-US" sz="1600" dirty="0" smtClean="0"/>
+              <a:t>Input for Batch Uploading script</a:t>
+            </a:r>
+            <a:endParaRPr lang="en-US" sz="1600" dirty="0" smtClean="0"/>
+          </a:p>
+        </p:txBody>
+      </p:sp>
+      <p:cxnSp>
+        <p:nvCxnSpPr>
+          <p:cNvPr id="85" name="Straight Arrow Connector 84"/>
+          <p:cNvCxnSpPr/>
+          <p:nvPr/>
+        </p:nvCxnSpPr>
+        <p:spPr>
+          <a:xfrm>
+            <a:off x="7193312" y="1057943"/>
+            <a:ext cx="1449016" cy="5301"/>
+          </a:xfrm>
+          <a:prstGeom prst="straightConnector1">
+            <a:avLst/>
+          </a:prstGeom>
+          <a:ln w="76200">
+            <a:solidFill>
+              <a:schemeClr val="tx1"/>
+            </a:solidFill>
+            <a:tailEnd type="triangle"/>
+          </a:ln>
+        </p:spPr>
+        <p:style>
+          <a:lnRef idx="3">
+            <a:schemeClr val="dk1"/>
+          </a:lnRef>
+          <a:fillRef idx="0">
+            <a:schemeClr val="dk1"/>
+          </a:fillRef>
+          <a:effectRef idx="2">
+            <a:schemeClr val="dk1"/>
+          </a:effectRef>
+          <a:fontRef idx="minor">
+            <a:schemeClr val="tx1"/>
+          </a:fontRef>
+        </p:style>
+      </p:cxnSp>
+      <p:sp>
+        <p:nvSpPr>
+          <p:cNvPr id="94" name="TextBox 93"/>
+          <p:cNvSpPr txBox="1"/>
+          <p:nvPr/>
+        </p:nvSpPr>
+        <p:spPr>
+          <a:xfrm>
+            <a:off x="9614991" y="4116499"/>
+            <a:ext cx="2105411" cy="1323439"/>
+          </a:xfrm>
+          <a:prstGeom prst="rect">
+            <a:avLst/>
+          </a:prstGeom>
+          <a:noFill/>
+        </p:spPr>
+        <p:txBody>
+          <a:bodyPr wrap="square" rtlCol="0">
+            <a:spAutoFit/>
+          </a:bodyPr>
+          <a:lstStyle/>
+          <a:p>
+            <a:r>
+              <a:rPr lang="en-US" sz="1600" dirty="0" smtClean="0"/>
+              <a:t>Put zips on Duke server using </a:t>
+            </a:r>
+            <a:r>
+              <a:rPr lang="en-US" sz="1600" dirty="0" err="1" smtClean="0"/>
+              <a:t>Filezilla</a:t>
+            </a:r>
+            <a:r>
+              <a:rPr lang="en-US" sz="1600" dirty="0" smtClean="0"/>
+              <a:t>.</a:t>
+            </a:r>
+          </a:p>
+          <a:p>
+            <a:r>
+              <a:rPr lang="en-US" sz="1600" dirty="0" smtClean="0"/>
+              <a:t>Upload Excel sheet via </a:t>
+            </a:r>
+            <a:r>
+              <a:rPr lang="en-US" sz="1600" dirty="0" err="1" smtClean="0"/>
+              <a:t>Morphosource</a:t>
+            </a:r>
+            <a:r>
+              <a:rPr lang="en-US" sz="1600" dirty="0" smtClean="0"/>
+              <a:t> Batch Import</a:t>
+            </a:r>
+          </a:p>
+        </p:txBody>
+      </p:sp>
+      <p:cxnSp>
+        <p:nvCxnSpPr>
+          <p:cNvPr id="95" name="Straight Arrow Connector 94"/>
+          <p:cNvCxnSpPr/>
+          <p:nvPr/>
+        </p:nvCxnSpPr>
+        <p:spPr>
+          <a:xfrm>
+            <a:off x="9324335" y="4114654"/>
+            <a:ext cx="7026" cy="1338439"/>
+          </a:xfrm>
+          <a:prstGeom prst="straightConnector1">
+            <a:avLst/>
+          </a:prstGeom>
+          <a:ln w="76200">
+            <a:solidFill>
+              <a:schemeClr val="tx1"/>
+            </a:solidFill>
+            <a:tailEnd type="triangle"/>
+          </a:ln>
+        </p:spPr>
+        <p:style>
+          <a:lnRef idx="3">
+            <a:schemeClr val="dk1"/>
+          </a:lnRef>
+          <a:fillRef idx="0">
+            <a:schemeClr val="dk1"/>
+          </a:fillRef>
+          <a:effectRef idx="2">
+            <a:schemeClr val="dk1"/>
+          </a:effectRef>
+          <a:fontRef idx="minor">
+            <a:schemeClr val="tx1"/>
+          </a:fontRef>
+        </p:style>
+      </p:cxnSp>
+      <p:grpSp>
+        <p:nvGrpSpPr>
+          <p:cNvPr id="96" name="Group 95"/>
+          <p:cNvGrpSpPr/>
+          <p:nvPr/>
+        </p:nvGrpSpPr>
+        <p:grpSpPr>
+          <a:xfrm>
+            <a:off x="8759540" y="5563755"/>
+            <a:ext cx="3061104" cy="872920"/>
+            <a:chOff x="959803" y="737894"/>
+            <a:chExt cx="2974427" cy="12409294"/>
+          </a:xfrm>
+        </p:grpSpPr>
+        <p:sp>
+          <p:nvSpPr>
+            <p:cNvPr id="97" name="Flowchart: Alternate Process 96"/>
+            <p:cNvSpPr/>
+            <p:nvPr/>
+          </p:nvSpPr>
+          <p:spPr>
+            <a:xfrm>
+              <a:off x="959803" y="737894"/>
+              <a:ext cx="2974427" cy="12409294"/>
+            </a:xfrm>
+            <a:prstGeom prst="flowChartAlternateProcess">
+              <a:avLst/>
+            </a:prstGeom>
+            <a:solidFill>
+              <a:schemeClr val="accent4"/>
+            </a:solidFill>
+          </p:spPr>
+          <p:style>
+            <a:lnRef idx="2">
+              <a:schemeClr val="accent1">
+                <a:shade val="50000"/>
+              </a:schemeClr>
+            </a:lnRef>
+            <a:fillRef idx="1">
+              <a:schemeClr val="accent1"/>
+            </a:fillRef>
+            <a:effectRef idx="0">
+              <a:schemeClr val="accent1"/>
+            </a:effectRef>
+            <a:fontRef idx="minor">
+              <a:schemeClr val="lt1"/>
+            </a:fontRef>
+          </p:style>
+          <p:txBody>
+            <a:bodyPr rtlCol="0" anchor="ctr"/>
+            <a:lstStyle/>
+            <a:p>
+              <a:pPr algn="ctr"/>
+              <a:endParaRPr lang="en-US"/>
+            </a:p>
+          </p:txBody>
+        </p:sp>
+        <p:sp>
+          <p:nvSpPr>
+            <p:cNvPr id="98" name="TextBox 97"/>
+            <p:cNvSpPr txBox="1"/>
+            <p:nvPr/>
+          </p:nvSpPr>
+          <p:spPr>
+            <a:xfrm>
+              <a:off x="964345" y="1254640"/>
+              <a:ext cx="2865616" cy="8313070"/>
+            </a:xfrm>
+            <a:prstGeom prst="rect">
+              <a:avLst/>
+            </a:prstGeom>
+            <a:noFill/>
+          </p:spPr>
+          <p:txBody>
+            <a:bodyPr wrap="square" rtlCol="0">
+              <a:spAutoFit/>
+            </a:bodyPr>
+            <a:lstStyle/>
+            <a:p>
+              <a:pPr algn="ctr"/>
+              <a:r>
+                <a:rPr lang="en-US" sz="1600" dirty="0" smtClean="0"/>
+                <a:t>All specimens uploaded to </a:t>
+              </a:r>
+              <a:r>
+                <a:rPr lang="en-US" sz="1600" dirty="0" err="1" smtClean="0"/>
+                <a:t>Morphosource</a:t>
+              </a:r>
+              <a:r>
+                <a:rPr lang="en-US" sz="1600" dirty="0" smtClean="0"/>
+                <a:t>!!</a:t>
+              </a:r>
+              <a:endParaRPr lang="en-US" sz="1400" dirty="0"/>
+            </a:p>
+          </p:txBody>
+        </p:sp>
+      </p:grpSp>
+      <p:sp>
+        <p:nvSpPr>
+          <p:cNvPr id="24" name="Curved Left Arrow 23"/>
+          <p:cNvSpPr/>
+          <p:nvPr/>
+        </p:nvSpPr>
+        <p:spPr>
+          <a:xfrm rot="10800000" flipH="1">
+            <a:off x="6156743" y="636403"/>
+            <a:ext cx="753522" cy="5906173"/>
+          </a:xfrm>
+          <a:prstGeom prst="curvedLeftArrow">
+            <a:avLst>
+              <a:gd name="adj1" fmla="val 15561"/>
+              <a:gd name="adj2" fmla="val 74216"/>
+              <a:gd name="adj3" fmla="val 31067"/>
+            </a:avLst>
+          </a:prstGeom>
+          <a:solidFill>
+            <a:schemeClr val="tx1"/>
+          </a:solidFill>
+          <a:ln w="76200">
+            <a:solidFill>
+              <a:schemeClr val="tx1"/>
+            </a:solidFill>
+          </a:ln>
+        </p:spPr>
+        <p:style>
+          <a:lnRef idx="2">
+            <a:schemeClr val="accent1">
+              <a:shade val="50000"/>
+            </a:schemeClr>
+          </a:lnRef>
+          <a:fillRef idx="1">
+            <a:schemeClr val="accent1"/>
+          </a:fillRef>
+          <a:effectRef idx="0">
+            <a:schemeClr val="accent1"/>
+          </a:effectRef>
+          <a:fontRef idx="minor">
+            <a:schemeClr val="lt1"/>
+          </a:fontRef>
+        </p:style>
+        <p:txBody>
+          <a:bodyPr rtlCol="0" anchor="ctr"/>
+          <a:lstStyle/>
+          <a:p>
+            <a:pPr algn="ctr"/>
+            <a:endParaRPr lang="en-US">
+              <a:solidFill>
+                <a:schemeClr val="tx1"/>
+              </a:solidFill>
+            </a:endParaRPr>
+          </a:p>
+        </p:txBody>
+      </p:sp>
+      <p:sp>
+        <p:nvSpPr>
+          <p:cNvPr id="100" name="TextBox 99"/>
+          <p:cNvSpPr txBox="1"/>
+          <p:nvPr/>
+        </p:nvSpPr>
+        <p:spPr>
+          <a:xfrm>
+            <a:off x="6987955" y="2586447"/>
+            <a:ext cx="947654" cy="1323439"/>
+          </a:xfrm>
+          <a:prstGeom prst="rect">
+            <a:avLst/>
+          </a:prstGeom>
+          <a:noFill/>
+        </p:spPr>
+        <p:txBody>
+          <a:bodyPr wrap="square" rtlCol="0">
+            <a:spAutoFit/>
+          </a:bodyPr>
+          <a:lstStyle/>
+          <a:p>
+            <a:r>
+              <a:rPr lang="en-US" sz="1600" dirty="0" smtClean="0"/>
+              <a:t>Repeat for every number in input text file</a:t>
+            </a:r>
+            <a:endParaRPr lang="en-US" sz="1600" dirty="0" smtClean="0"/>
+          </a:p>
+        </p:txBody>
+      </p:sp>
+    </p:spTree>
+    <p:extLst>
+      <p:ext uri="{BB962C8B-B14F-4D97-AF65-F5344CB8AC3E}">
+        <p14:creationId xmlns:p14="http://schemas.microsoft.com/office/powerpoint/2010/main" val="1741603195"/>
+      </p:ext>
+    </p:extLst>
+  </p:cSld>
+  <p:clrMapOvr>
+    <a:masterClrMapping/>
+  </p:clrMapOvr>
+  <p:timing>
+    <p:tnLst>
+      <p:par>
+        <p:cTn id="1" dur="indefinite" restart="never" nodeType="tmRoot"/>
+      </p:par>
+    </p:tnLst>
+  </p:timing>
+</p:sld>
+</file>
+
+<file path=ppt/slides/slide12.xml><?xml version="1.0" encoding="utf-8"?>
+<p:sld xmlns:a="http://schemas.openxmlformats.org/drawingml/2006/main" xmlns:r="http://schemas.openxmlformats.org/officeDocument/2006/relationships" xmlns:p="http://schemas.openxmlformats.org/presentationml/2006/main">
+  <p:cSld>
+    <p:spTree>
+      <p:nvGrpSpPr>
+        <p:cNvPr id="1" name=""/>
+        <p:cNvGrpSpPr/>
+        <p:nvPr/>
+      </p:nvGrpSpPr>
+      <p:grpSpPr>
+        <a:xfrm>
+          <a:off x="0" y="0"/>
+          <a:ext cx="0" cy="0"/>
+          <a:chOff x="0" y="0"/>
+          <a:chExt cx="0" cy="0"/>
+        </a:xfrm>
+      </p:grpSpPr>
+      <p:sp>
+        <p:nvSpPr>
+          <p:cNvPr id="2" name="Title 1"/>
+          <p:cNvSpPr>
+            <a:spLocks noGrp="1"/>
+          </p:cNvSpPr>
+          <p:nvPr>
+            <p:ph type="title"/>
+          </p:nvPr>
+        </p:nvSpPr>
+        <p:spPr/>
+        <p:txBody>
+          <a:bodyPr/>
+          <a:lstStyle/>
+          <a:p>
+            <a:endParaRPr lang="en-US" dirty="0"/>
+          </a:p>
+        </p:txBody>
+      </p:sp>
+      <p:sp>
+        <p:nvSpPr>
+          <p:cNvPr id="3" name="Content Placeholder 2"/>
+          <p:cNvSpPr>
+            <a:spLocks noGrp="1"/>
+          </p:cNvSpPr>
+          <p:nvPr>
+            <p:ph idx="1"/>
+          </p:nvPr>
+        </p:nvSpPr>
+        <p:spPr/>
+        <p:txBody>
+          <a:bodyPr/>
+          <a:lstStyle/>
+          <a:p>
+            <a:endParaRPr lang="en-US" dirty="0"/>
+          </a:p>
+        </p:txBody>
+      </p:sp>
+    </p:spTree>
+    <p:extLst>
+      <p:ext uri="{BB962C8B-B14F-4D97-AF65-F5344CB8AC3E}">
+        <p14:creationId xmlns:p14="http://schemas.microsoft.com/office/powerpoint/2010/main" val="1387109166"/>
+      </p:ext>
+    </p:extLst>
+  </p:cSld>
+  <p:clrMapOvr>
+    <a:masterClrMapping/>
+  </p:clrMapOvr>
+</p:sld>
+</file>
+
+<file path=ppt/slides/slide2.xml><?xml version="1.0" encoding="utf-8"?>
+<p:sld xmlns:a="http://schemas.openxmlformats.org/drawingml/2006/main" xmlns:r="http://schemas.openxmlformats.org/officeDocument/2006/relationships" xmlns:p="http://schemas.openxmlformats.org/presentationml/2006/main">
+  <p:cSld>
+    <p:spTree>
+      <p:nvGrpSpPr>
+        <p:cNvPr id="1" name=""/>
+        <p:cNvGrpSpPr/>
+        <p:nvPr/>
+      </p:nvGrpSpPr>
+      <p:grpSpPr>
+        <a:xfrm>
+          <a:off x="0" y="0"/>
+          <a:ext cx="0" cy="0"/>
+          <a:chOff x="0" y="0"/>
+          <a:chExt cx="0" cy="0"/>
+        </a:xfrm>
+      </p:grpSpPr>
+      <p:sp>
+        <p:nvSpPr>
+          <p:cNvPr id="2" name="Title 1"/>
+          <p:cNvSpPr>
+            <a:spLocks noGrp="1"/>
+          </p:cNvSpPr>
+          <p:nvPr>
+            <p:ph type="title"/>
+          </p:nvPr>
+        </p:nvSpPr>
+        <p:spPr/>
+        <p:txBody>
+          <a:bodyPr/>
+          <a:lstStyle/>
+          <a:p>
+            <a:r>
+              <a:rPr lang="en-US" dirty="0" smtClean="0"/>
+              <a:t>Question: </a:t>
+            </a:r>
+            <a:endParaRPr lang="en-US" dirty="0"/>
+          </a:p>
+        </p:txBody>
+      </p:sp>
+      <p:sp>
+        <p:nvSpPr>
+          <p:cNvPr id="3" name="Content Placeholder 2"/>
+          <p:cNvSpPr>
+            <a:spLocks noGrp="1"/>
+          </p:cNvSpPr>
+          <p:nvPr>
+            <p:ph idx="1"/>
+          </p:nvPr>
+        </p:nvSpPr>
+        <p:spPr/>
+        <p:txBody>
+          <a:bodyPr/>
+          <a:lstStyle/>
+          <a:p>
+            <a:pPr marL="0" indent="0">
+              <a:buNone/>
+            </a:pPr>
+            <a:r>
+              <a:rPr lang="en-US" dirty="0" smtClean="0"/>
+              <a:t>What are the steps to go from raw </a:t>
+            </a:r>
+            <a:r>
+              <a:rPr lang="en-US" dirty="0" err="1" smtClean="0"/>
+              <a:t>RADSeq</a:t>
+            </a:r>
+            <a:r>
+              <a:rPr lang="en-US" dirty="0" smtClean="0"/>
+              <a:t> data to data that could be input into a tree?</a:t>
+            </a:r>
+          </a:p>
+        </p:txBody>
+      </p:sp>
+    </p:spTree>
+    <p:extLst>
+      <p:ext uri="{BB962C8B-B14F-4D97-AF65-F5344CB8AC3E}">
+        <p14:creationId xmlns:p14="http://schemas.microsoft.com/office/powerpoint/2010/main" val="3661118473"/>
+      </p:ext>
+    </p:extLst>
+  </p:cSld>
+  <p:clrMapOvr>
+    <a:masterClrMapping/>
+  </p:clrMapOvr>
+</p:sld>
+</file>
+
+<file path=ppt/slides/slide3.xml><?xml version="1.0" encoding="utf-8"?>
+<p:sld xmlns:a="http://schemas.openxmlformats.org/drawingml/2006/main" xmlns:r="http://schemas.openxmlformats.org/officeDocument/2006/relationships" xmlns:p="http://schemas.openxmlformats.org/presentationml/2006/main">
+  <p:cSld>
+    <p:spTree>
+      <p:nvGrpSpPr>
+        <p:cNvPr id="1" name=""/>
+        <p:cNvGrpSpPr/>
+        <p:nvPr/>
+      </p:nvGrpSpPr>
+      <p:grpSpPr>
+        <a:xfrm>
+          <a:off x="0" y="0"/>
+          <a:ext cx="0" cy="0"/>
+          <a:chOff x="0" y="0"/>
+          <a:chExt cx="0" cy="0"/>
+        </a:xfrm>
+      </p:grpSpPr>
+      <p:sp>
+        <p:nvSpPr>
+          <p:cNvPr id="2" name="Title 1"/>
+          <p:cNvSpPr>
+            <a:spLocks noGrp="1"/>
+          </p:cNvSpPr>
+          <p:nvPr>
+            <p:ph type="title"/>
+          </p:nvPr>
+        </p:nvSpPr>
+        <p:spPr/>
+        <p:txBody>
+          <a:bodyPr/>
+          <a:lstStyle/>
+          <a:p>
+            <a:r>
+              <a:rPr lang="en-US" dirty="0" smtClean="0"/>
+              <a:t>Question: </a:t>
+            </a:r>
+            <a:endParaRPr lang="en-US" dirty="0"/>
+          </a:p>
+        </p:txBody>
+      </p:sp>
+      <p:sp>
+        <p:nvSpPr>
+          <p:cNvPr id="3" name="Content Placeholder 2"/>
+          <p:cNvSpPr>
+            <a:spLocks noGrp="1"/>
+          </p:cNvSpPr>
+          <p:nvPr>
+            <p:ph idx="1"/>
+          </p:nvPr>
+        </p:nvSpPr>
+        <p:spPr/>
+        <p:txBody>
+          <a:bodyPr/>
+          <a:lstStyle/>
+          <a:p>
+            <a:pPr marL="0" indent="0">
+              <a:buNone/>
+            </a:pPr>
+            <a:r>
+              <a:rPr lang="en-US" dirty="0" smtClean="0"/>
+              <a:t>What are the steps to go from raw </a:t>
+            </a:r>
+            <a:r>
+              <a:rPr lang="en-US" dirty="0" err="1" smtClean="0"/>
+              <a:t>RADSeq</a:t>
+            </a:r>
+            <a:r>
+              <a:rPr lang="en-US" dirty="0" smtClean="0"/>
+              <a:t> data to data that could be input into a tree?</a:t>
+            </a:r>
+          </a:p>
+          <a:p>
+            <a:pPr lvl="1"/>
+            <a:r>
+              <a:rPr lang="en-US" dirty="0" smtClean="0"/>
+              <a:t>Can I perform those steps following along from the methods section of a paper?</a:t>
+            </a:r>
+          </a:p>
+        </p:txBody>
+      </p:sp>
+    </p:spTree>
+    <p:extLst>
+      <p:ext uri="{BB962C8B-B14F-4D97-AF65-F5344CB8AC3E}">
+        <p14:creationId xmlns:p14="http://schemas.microsoft.com/office/powerpoint/2010/main" val="3193154877"/>
+      </p:ext>
+    </p:extLst>
+  </p:cSld>
+  <p:clrMapOvr>
+    <a:masterClrMapping/>
+  </p:clrMapOvr>
+</p:sld>
+</file>
+
+<file path=ppt/slides/slide4.xml><?xml version="1.0" encoding="utf-8"?>
+<p:sld xmlns:a="http://schemas.openxmlformats.org/drawingml/2006/main" xmlns:r="http://schemas.openxmlformats.org/officeDocument/2006/relationships" xmlns:p="http://schemas.openxmlformats.org/presentationml/2006/main">
+  <p:cSld>
+    <p:spTree>
+      <p:nvGrpSpPr>
+        <p:cNvPr id="1" name=""/>
+        <p:cNvGrpSpPr/>
+        <p:nvPr/>
+      </p:nvGrpSpPr>
+      <p:grpSpPr>
+        <a:xfrm>
+          <a:off x="0" y="0"/>
+          <a:ext cx="0" cy="0"/>
+          <a:chOff x="0" y="0"/>
+          <a:chExt cx="0" cy="0"/>
+        </a:xfrm>
+      </p:grpSpPr>
+      <p:sp>
+        <p:nvSpPr>
+          <p:cNvPr id="2" name="Title 1"/>
+          <p:cNvSpPr>
+            <a:spLocks noGrp="1"/>
+          </p:cNvSpPr>
+          <p:nvPr>
+            <p:ph type="title"/>
+          </p:nvPr>
+        </p:nvSpPr>
+        <p:spPr/>
+        <p:txBody>
+          <a:bodyPr/>
+          <a:lstStyle/>
+          <a:p>
+            <a:r>
+              <a:rPr lang="en-US" dirty="0" smtClean="0"/>
+              <a:t>Question: </a:t>
+            </a:r>
+            <a:endParaRPr lang="en-US" dirty="0"/>
+          </a:p>
+        </p:txBody>
+      </p:sp>
+      <p:sp>
+        <p:nvSpPr>
+          <p:cNvPr id="3" name="Content Placeholder 2"/>
+          <p:cNvSpPr>
+            <a:spLocks noGrp="1"/>
+          </p:cNvSpPr>
+          <p:nvPr>
+            <p:ph idx="1"/>
+          </p:nvPr>
+        </p:nvSpPr>
+        <p:spPr/>
+        <p:txBody>
+          <a:bodyPr/>
+          <a:lstStyle/>
+          <a:p>
+            <a:pPr marL="0" indent="0">
+              <a:buNone/>
+            </a:pPr>
+            <a:r>
+              <a:rPr lang="en-US" dirty="0" smtClean="0"/>
+              <a:t>What are the steps to go from raw </a:t>
+            </a:r>
+            <a:r>
+              <a:rPr lang="en-US" dirty="0" err="1" smtClean="0"/>
+              <a:t>RADSeq</a:t>
+            </a:r>
+            <a:r>
+              <a:rPr lang="en-US" dirty="0" smtClean="0"/>
+              <a:t> data to data that could be input into a tree?</a:t>
+            </a:r>
+          </a:p>
+          <a:p>
+            <a:pPr lvl="1"/>
+            <a:r>
+              <a:rPr lang="en-US" dirty="0" smtClean="0"/>
+              <a:t>Can I perform those steps following along from the methods section of a paper? </a:t>
+            </a:r>
+          </a:p>
+          <a:p>
+            <a:pPr marL="914400" lvl="2" indent="0">
+              <a:buNone/>
+            </a:pPr>
+            <a:r>
+              <a:rPr lang="en-US" sz="2400" dirty="0" smtClean="0">
+                <a:solidFill>
+                  <a:srgbClr val="FF0000"/>
+                </a:solidFill>
+              </a:rPr>
+              <a:t>Spoiler alert: NO</a:t>
+            </a:r>
+            <a:endParaRPr lang="en-US" sz="2400" dirty="0">
+              <a:solidFill>
+                <a:srgbClr val="FF0000"/>
+              </a:solidFill>
+            </a:endParaRPr>
+          </a:p>
+        </p:txBody>
+      </p:sp>
+    </p:spTree>
+    <p:extLst>
+      <p:ext uri="{BB962C8B-B14F-4D97-AF65-F5344CB8AC3E}">
+        <p14:creationId xmlns:p14="http://schemas.microsoft.com/office/powerpoint/2010/main" val="895509698"/>
+      </p:ext>
+    </p:extLst>
+  </p:cSld>
+  <p:clrMapOvr>
+    <a:masterClrMapping/>
+  </p:clrMapOvr>
+</p:sld>
+</file>
+
+<file path=ppt/slides/slide5.xml><?xml version="1.0" encoding="utf-8"?>
+<p:sld xmlns:a="http://schemas.openxmlformats.org/drawingml/2006/main" xmlns:r="http://schemas.openxmlformats.org/officeDocument/2006/relationships" xmlns:p="http://schemas.openxmlformats.org/presentationml/2006/main">
+  <p:cSld>
+    <p:spTree>
+      <p:nvGrpSpPr>
+        <p:cNvPr id="1" name=""/>
+        <p:cNvGrpSpPr/>
+        <p:nvPr/>
+      </p:nvGrpSpPr>
+      <p:grpSpPr>
+        <a:xfrm>
+          <a:off x="0" y="0"/>
+          <a:ext cx="0" cy="0"/>
+          <a:chOff x="0" y="0"/>
+          <a:chExt cx="0" cy="0"/>
+        </a:xfrm>
+      </p:grpSpPr>
+      <p:sp>
+        <p:nvSpPr>
+          <p:cNvPr id="2" name="Title 1"/>
+          <p:cNvSpPr>
+            <a:spLocks noGrp="1"/>
+          </p:cNvSpPr>
+          <p:nvPr>
+            <p:ph type="title"/>
+          </p:nvPr>
+        </p:nvSpPr>
+        <p:spPr>
+          <a:xfrm>
+            <a:off x="959538" y="4517"/>
+            <a:ext cx="10515600" cy="1325563"/>
+          </a:xfrm>
+        </p:spPr>
+        <p:txBody>
+          <a:bodyPr/>
+          <a:lstStyle/>
+          <a:p>
+            <a:pPr algn="ctr"/>
+            <a:r>
+              <a:rPr lang="en-US" dirty="0" err="1" smtClean="0"/>
+              <a:t>RADSeq</a:t>
+            </a:r>
+            <a:r>
+              <a:rPr lang="en-US" dirty="0" smtClean="0"/>
+              <a:t> Workflow</a:t>
+            </a:r>
+            <a:endParaRPr lang="en-US" dirty="0"/>
+          </a:p>
+        </p:txBody>
+      </p:sp>
+      <p:sp>
+        <p:nvSpPr>
+          <p:cNvPr id="20" name="Rectangle 19"/>
+          <p:cNvSpPr/>
+          <p:nvPr/>
+        </p:nvSpPr>
+        <p:spPr>
+          <a:xfrm>
+            <a:off x="5412827" y="5875279"/>
+            <a:ext cx="580697" cy="588579"/>
+          </a:xfrm>
+          <a:prstGeom prst="rect">
+            <a:avLst/>
+          </a:prstGeom>
+          <a:solidFill>
+            <a:srgbClr val="7030A0"/>
+          </a:solidFill>
+          <a:ln>
+            <a:solidFill>
+              <a:srgbClr val="7030A0"/>
+            </a:solidFill>
+          </a:ln>
+        </p:spPr>
+        <p:style>
+          <a:lnRef idx="2">
+            <a:schemeClr val="accent1">
+              <a:shade val="50000"/>
+            </a:schemeClr>
+          </a:lnRef>
+          <a:fillRef idx="1">
+            <a:schemeClr val="accent1"/>
+          </a:fillRef>
+          <a:effectRef idx="0">
+            <a:schemeClr val="accent1"/>
+          </a:effectRef>
+          <a:fontRef idx="minor">
+            <a:schemeClr val="lt1"/>
+          </a:fontRef>
+        </p:style>
+        <p:txBody>
+          <a:bodyPr rtlCol="0" anchor="ctr"/>
+          <a:lstStyle/>
+          <a:p>
+            <a:pPr algn="ctr"/>
+            <a:endParaRPr lang="en-US"/>
+          </a:p>
+        </p:txBody>
+      </p:sp>
+      <p:sp>
+        <p:nvSpPr>
+          <p:cNvPr id="21" name="Rectangle 20"/>
+          <p:cNvSpPr/>
+          <p:nvPr/>
+        </p:nvSpPr>
+        <p:spPr>
+          <a:xfrm>
+            <a:off x="6566338" y="5875279"/>
+            <a:ext cx="580697" cy="588579"/>
+          </a:xfrm>
+          <a:prstGeom prst="rect">
+            <a:avLst/>
+          </a:prstGeom>
+        </p:spPr>
+        <p:style>
+          <a:lnRef idx="2">
+            <a:schemeClr val="accent1">
+              <a:shade val="50000"/>
+            </a:schemeClr>
+          </a:lnRef>
+          <a:fillRef idx="1">
+            <a:schemeClr val="accent1"/>
+          </a:fillRef>
+          <a:effectRef idx="0">
+            <a:schemeClr val="accent1"/>
+          </a:effectRef>
+          <a:fontRef idx="minor">
+            <a:schemeClr val="lt1"/>
+          </a:fontRef>
+        </p:style>
+        <p:txBody>
+          <a:bodyPr rtlCol="0" anchor="ctr"/>
+          <a:lstStyle/>
+          <a:p>
+            <a:pPr algn="ctr"/>
+            <a:endParaRPr lang="en-US"/>
+          </a:p>
+        </p:txBody>
+      </p:sp>
+      <p:sp>
+        <p:nvSpPr>
+          <p:cNvPr id="22" name="Rectangle 21"/>
+          <p:cNvSpPr/>
+          <p:nvPr/>
+        </p:nvSpPr>
+        <p:spPr>
+          <a:xfrm>
+            <a:off x="7722476" y="5875280"/>
+            <a:ext cx="580697" cy="588579"/>
+          </a:xfrm>
+          <a:prstGeom prst="rect">
+            <a:avLst/>
+          </a:prstGeom>
+          <a:solidFill>
+            <a:schemeClr val="accent4"/>
+          </a:solidFill>
+          <a:ln>
+            <a:solidFill>
+              <a:schemeClr val="accent4"/>
+            </a:solidFill>
+          </a:ln>
+        </p:spPr>
+        <p:style>
+          <a:lnRef idx="2">
+            <a:schemeClr val="accent1">
+              <a:shade val="50000"/>
+            </a:schemeClr>
+          </a:lnRef>
+          <a:fillRef idx="1">
+            <a:schemeClr val="accent1"/>
+          </a:fillRef>
+          <a:effectRef idx="0">
+            <a:schemeClr val="accent1"/>
+          </a:effectRef>
+          <a:fontRef idx="minor">
+            <a:schemeClr val="lt1"/>
+          </a:fontRef>
+        </p:style>
+        <p:txBody>
+          <a:bodyPr rtlCol="0" anchor="ctr"/>
+          <a:lstStyle/>
+          <a:p>
+            <a:pPr algn="ctr"/>
+            <a:endParaRPr lang="en-US"/>
+          </a:p>
+        </p:txBody>
+      </p:sp>
+      <p:sp>
+        <p:nvSpPr>
+          <p:cNvPr id="23" name="Rectangle 22"/>
+          <p:cNvSpPr/>
+          <p:nvPr/>
+        </p:nvSpPr>
+        <p:spPr>
+          <a:xfrm>
+            <a:off x="8878614" y="5875281"/>
+            <a:ext cx="580697" cy="588579"/>
+          </a:xfrm>
+          <a:prstGeom prst="rect">
+            <a:avLst/>
+          </a:prstGeom>
+          <a:solidFill>
+            <a:schemeClr val="accent2"/>
+          </a:solidFill>
+          <a:ln>
+            <a:solidFill>
+              <a:schemeClr val="accent2"/>
+            </a:solidFill>
+          </a:ln>
+        </p:spPr>
+        <p:style>
+          <a:lnRef idx="2">
+            <a:schemeClr val="accent1">
+              <a:shade val="50000"/>
+            </a:schemeClr>
+          </a:lnRef>
+          <a:fillRef idx="1">
+            <a:schemeClr val="accent1"/>
+          </a:fillRef>
+          <a:effectRef idx="0">
+            <a:schemeClr val="accent1"/>
+          </a:effectRef>
+          <a:fontRef idx="minor">
+            <a:schemeClr val="lt1"/>
+          </a:fontRef>
+        </p:style>
+        <p:txBody>
+          <a:bodyPr rtlCol="0" anchor="ctr"/>
+          <a:lstStyle/>
+          <a:p>
+            <a:pPr algn="ctr"/>
+            <a:endParaRPr lang="en-US"/>
+          </a:p>
+        </p:txBody>
+      </p:sp>
+      <p:sp>
+        <p:nvSpPr>
+          <p:cNvPr id="24" name="Rectangle 23"/>
+          <p:cNvSpPr/>
+          <p:nvPr/>
+        </p:nvSpPr>
+        <p:spPr>
+          <a:xfrm>
+            <a:off x="10029497" y="5875282"/>
+            <a:ext cx="580697" cy="588579"/>
+          </a:xfrm>
+          <a:prstGeom prst="rect">
+            <a:avLst/>
+          </a:prstGeom>
+          <a:solidFill>
+            <a:srgbClr val="C00000"/>
+          </a:solidFill>
+          <a:ln>
+            <a:solidFill>
+              <a:srgbClr val="C00000"/>
+            </a:solidFill>
+          </a:ln>
+        </p:spPr>
+        <p:style>
+          <a:lnRef idx="2">
+            <a:schemeClr val="accent1">
+              <a:shade val="50000"/>
+            </a:schemeClr>
+          </a:lnRef>
+          <a:fillRef idx="1">
+            <a:schemeClr val="accent1"/>
+          </a:fillRef>
+          <a:effectRef idx="0">
+            <a:schemeClr val="accent1"/>
+          </a:effectRef>
+          <a:fontRef idx="minor">
+            <a:schemeClr val="lt1"/>
+          </a:fontRef>
+        </p:style>
+        <p:txBody>
+          <a:bodyPr rtlCol="0" anchor="ctr"/>
+          <a:lstStyle/>
+          <a:p>
+            <a:pPr algn="ctr"/>
+            <a:endParaRPr lang="en-US"/>
+          </a:p>
+        </p:txBody>
+      </p:sp>
+      <p:sp>
+        <p:nvSpPr>
+          <p:cNvPr id="25" name="TextBox 24"/>
+          <p:cNvSpPr txBox="1"/>
+          <p:nvPr/>
+        </p:nvSpPr>
+        <p:spPr>
+          <a:xfrm>
+            <a:off x="9695794" y="6495385"/>
+            <a:ext cx="2328040" cy="338554"/>
+          </a:xfrm>
+          <a:prstGeom prst="rect">
+            <a:avLst/>
+          </a:prstGeom>
+          <a:noFill/>
+        </p:spPr>
+        <p:txBody>
+          <a:bodyPr wrap="square" rtlCol="0">
+            <a:spAutoFit/>
+          </a:bodyPr>
+          <a:lstStyle/>
+          <a:p>
+            <a:r>
+              <a:rPr lang="en-US" sz="1600" dirty="0" smtClean="0"/>
+              <a:t>Impossible without help</a:t>
+            </a:r>
+            <a:endParaRPr lang="en-US" sz="1600" dirty="0" smtClean="0"/>
+          </a:p>
+        </p:txBody>
+      </p:sp>
+      <p:sp>
+        <p:nvSpPr>
+          <p:cNvPr id="26" name="TextBox 25"/>
+          <p:cNvSpPr txBox="1"/>
+          <p:nvPr/>
+        </p:nvSpPr>
+        <p:spPr>
+          <a:xfrm>
+            <a:off x="7439165" y="6519446"/>
+            <a:ext cx="1224583" cy="338554"/>
+          </a:xfrm>
+          <a:prstGeom prst="rect">
+            <a:avLst/>
+          </a:prstGeom>
+          <a:noFill/>
+        </p:spPr>
+        <p:txBody>
+          <a:bodyPr wrap="square" rtlCol="0">
+            <a:spAutoFit/>
+          </a:bodyPr>
+          <a:lstStyle/>
+          <a:p>
+            <a:r>
+              <a:rPr lang="en-US" sz="1600" dirty="0" smtClean="0"/>
+              <a:t>Challenging</a:t>
+            </a:r>
+            <a:endParaRPr lang="en-US" sz="1600" dirty="0" smtClean="0"/>
+          </a:p>
+        </p:txBody>
+      </p:sp>
+      <p:sp>
+        <p:nvSpPr>
+          <p:cNvPr id="27" name="TextBox 26"/>
+          <p:cNvSpPr txBox="1"/>
+          <p:nvPr/>
+        </p:nvSpPr>
+        <p:spPr>
+          <a:xfrm>
+            <a:off x="5356986" y="6463858"/>
+            <a:ext cx="860352" cy="338554"/>
+          </a:xfrm>
+          <a:prstGeom prst="rect">
+            <a:avLst/>
+          </a:prstGeom>
+          <a:noFill/>
+        </p:spPr>
+        <p:txBody>
+          <a:bodyPr wrap="square" rtlCol="0">
+            <a:spAutoFit/>
+          </a:bodyPr>
+          <a:lstStyle/>
+          <a:p>
+            <a:r>
+              <a:rPr lang="en-US" sz="1600" dirty="0" smtClean="0"/>
+              <a:t>Simple</a:t>
+            </a:r>
+            <a:endParaRPr lang="en-US" sz="1600" dirty="0" smtClean="0"/>
+          </a:p>
+        </p:txBody>
+      </p:sp>
+      <p:cxnSp>
+        <p:nvCxnSpPr>
+          <p:cNvPr id="28" name="Straight Arrow Connector 27"/>
+          <p:cNvCxnSpPr/>
+          <p:nvPr/>
+        </p:nvCxnSpPr>
+        <p:spPr>
+          <a:xfrm flipV="1">
+            <a:off x="6412410" y="6654147"/>
+            <a:ext cx="836974" cy="2727"/>
+          </a:xfrm>
+          <a:prstGeom prst="straightConnector1">
+            <a:avLst/>
+          </a:prstGeom>
+          <a:ln w="28575">
+            <a:solidFill>
+              <a:schemeClr val="tx1"/>
+            </a:solidFill>
+            <a:tailEnd type="triangle"/>
+          </a:ln>
+        </p:spPr>
+        <p:style>
+          <a:lnRef idx="3">
+            <a:schemeClr val="dk1"/>
+          </a:lnRef>
+          <a:fillRef idx="0">
+            <a:schemeClr val="dk1"/>
+          </a:fillRef>
+          <a:effectRef idx="2">
+            <a:schemeClr val="dk1"/>
+          </a:effectRef>
+          <a:fontRef idx="minor">
+            <a:schemeClr val="tx1"/>
+          </a:fontRef>
+        </p:style>
+      </p:cxnSp>
+      <p:cxnSp>
+        <p:nvCxnSpPr>
+          <p:cNvPr id="30" name="Straight Arrow Connector 29"/>
+          <p:cNvCxnSpPr/>
+          <p:nvPr/>
+        </p:nvCxnSpPr>
+        <p:spPr>
+          <a:xfrm flipV="1">
+            <a:off x="8840265" y="6658609"/>
+            <a:ext cx="836974" cy="2727"/>
+          </a:xfrm>
+          <a:prstGeom prst="straightConnector1">
+            <a:avLst/>
+          </a:prstGeom>
+          <a:ln w="28575">
+            <a:solidFill>
+              <a:schemeClr val="tx1"/>
+            </a:solidFill>
+            <a:tailEnd type="triangle"/>
+          </a:ln>
+        </p:spPr>
+        <p:style>
+          <a:lnRef idx="3">
+            <a:schemeClr val="dk1"/>
+          </a:lnRef>
+          <a:fillRef idx="0">
+            <a:schemeClr val="dk1"/>
+          </a:fillRef>
+          <a:effectRef idx="2">
+            <a:schemeClr val="dk1"/>
+          </a:effectRef>
+          <a:fontRef idx="minor">
+            <a:schemeClr val="tx1"/>
+          </a:fontRef>
+        </p:style>
+      </p:cxnSp>
+      <p:cxnSp>
+        <p:nvCxnSpPr>
+          <p:cNvPr id="38" name="Straight Arrow Connector 37"/>
+          <p:cNvCxnSpPr/>
+          <p:nvPr/>
+        </p:nvCxnSpPr>
+        <p:spPr>
+          <a:xfrm>
+            <a:off x="5197216" y="3644495"/>
+            <a:ext cx="528388" cy="12412"/>
+          </a:xfrm>
+          <a:prstGeom prst="straightConnector1">
+            <a:avLst/>
+          </a:prstGeom>
+          <a:ln w="76200">
+            <a:solidFill>
+              <a:schemeClr val="tx1"/>
+            </a:solidFill>
+            <a:tailEnd type="triangle"/>
+          </a:ln>
+        </p:spPr>
+        <p:style>
+          <a:lnRef idx="3">
+            <a:schemeClr val="dk1"/>
+          </a:lnRef>
+          <a:fillRef idx="0">
+            <a:schemeClr val="dk1"/>
+          </a:fillRef>
+          <a:effectRef idx="2">
+            <a:schemeClr val="dk1"/>
+          </a:effectRef>
+          <a:fontRef idx="minor">
+            <a:schemeClr val="tx1"/>
+          </a:fontRef>
+        </p:style>
+      </p:cxnSp>
+      <p:grpSp>
+        <p:nvGrpSpPr>
+          <p:cNvPr id="49" name="Group 48"/>
+          <p:cNvGrpSpPr/>
+          <p:nvPr/>
+        </p:nvGrpSpPr>
+        <p:grpSpPr>
+          <a:xfrm>
+            <a:off x="5002922" y="1660813"/>
+            <a:ext cx="1109220" cy="1020389"/>
+            <a:chOff x="4625390" y="1114097"/>
+            <a:chExt cx="1109220" cy="1020389"/>
+          </a:xfrm>
+        </p:grpSpPr>
+        <p:sp>
+          <p:nvSpPr>
+            <p:cNvPr id="47" name="TextBox 46"/>
+            <p:cNvSpPr txBox="1"/>
+            <p:nvPr/>
+          </p:nvSpPr>
+          <p:spPr>
+            <a:xfrm>
+              <a:off x="4625390" y="1340647"/>
+              <a:ext cx="1109220" cy="646331"/>
+            </a:xfrm>
+            <a:prstGeom prst="rect">
+              <a:avLst/>
+            </a:prstGeom>
+            <a:noFill/>
+          </p:spPr>
+          <p:txBody>
+            <a:bodyPr wrap="square" rtlCol="0">
+              <a:spAutoFit/>
+            </a:bodyPr>
+            <a:lstStyle/>
+            <a:p>
+              <a:pPr algn="ctr"/>
+              <a:r>
+                <a:rPr lang="en-US" b="1" dirty="0" smtClean="0"/>
+                <a:t>Windows Ubuntu</a:t>
+              </a:r>
+              <a:endParaRPr lang="en-US" b="1" dirty="0"/>
+            </a:p>
+          </p:txBody>
+        </p:sp>
+        <p:sp>
+          <p:nvSpPr>
+            <p:cNvPr id="48" name="&quot;No&quot; Symbol 47"/>
+            <p:cNvSpPr/>
+            <p:nvPr/>
+          </p:nvSpPr>
+          <p:spPr>
+            <a:xfrm>
+              <a:off x="4690146" y="1114097"/>
+              <a:ext cx="928790" cy="1020389"/>
+            </a:xfrm>
+            <a:prstGeom prst="noSmoking">
+              <a:avLst>
+                <a:gd name="adj" fmla="val 7649"/>
+              </a:avLst>
+            </a:prstGeom>
+            <a:solidFill>
+              <a:srgbClr val="C00000">
+                <a:alpha val="69020"/>
+              </a:srgbClr>
+            </a:solidFill>
+          </p:spPr>
+          <p:style>
+            <a:lnRef idx="2">
+              <a:schemeClr val="accent1">
+                <a:shade val="50000"/>
+              </a:schemeClr>
+            </a:lnRef>
+            <a:fillRef idx="1">
+              <a:schemeClr val="accent1"/>
+            </a:fillRef>
+            <a:effectRef idx="0">
+              <a:schemeClr val="accent1"/>
+            </a:effectRef>
+            <a:fontRef idx="minor">
+              <a:schemeClr val="lt1"/>
+            </a:fontRef>
+          </p:style>
+          <p:txBody>
+            <a:bodyPr rtlCol="0" anchor="ctr"/>
+            <a:lstStyle/>
+            <a:p>
+              <a:pPr algn="ctr"/>
+              <a:endParaRPr lang="en-US">
+                <a:solidFill>
+                  <a:schemeClr val="bg1"/>
+                </a:solidFill>
+              </a:endParaRPr>
+            </a:p>
+          </p:txBody>
+        </p:sp>
+      </p:grpSp>
+      <p:grpSp>
+        <p:nvGrpSpPr>
+          <p:cNvPr id="51" name="Group 50"/>
+          <p:cNvGrpSpPr/>
+          <p:nvPr/>
+        </p:nvGrpSpPr>
+        <p:grpSpPr>
+          <a:xfrm>
+            <a:off x="5725604" y="3134300"/>
+            <a:ext cx="1109220" cy="1020389"/>
+            <a:chOff x="5290334" y="1269927"/>
+            <a:chExt cx="1109220" cy="1020389"/>
+          </a:xfrm>
+        </p:grpSpPr>
+        <p:sp>
+          <p:nvSpPr>
+            <p:cNvPr id="53" name="Oval 52"/>
+            <p:cNvSpPr/>
+            <p:nvPr/>
+          </p:nvSpPr>
+          <p:spPr>
+            <a:xfrm>
+              <a:off x="5350769" y="1269927"/>
+              <a:ext cx="928790" cy="1020389"/>
+            </a:xfrm>
+            <a:prstGeom prst="ellipse">
+              <a:avLst/>
+            </a:prstGeom>
+            <a:solidFill>
+              <a:schemeClr val="accent6">
+                <a:alpha val="69020"/>
+              </a:schemeClr>
+            </a:solidFill>
+          </p:spPr>
+          <p:style>
+            <a:lnRef idx="2">
+              <a:schemeClr val="accent1">
+                <a:shade val="50000"/>
+              </a:schemeClr>
+            </a:lnRef>
+            <a:fillRef idx="1">
+              <a:schemeClr val="accent1"/>
+            </a:fillRef>
+            <a:effectRef idx="0">
+              <a:schemeClr val="accent1"/>
+            </a:effectRef>
+            <a:fontRef idx="minor">
+              <a:schemeClr val="lt1"/>
+            </a:fontRef>
+          </p:style>
+          <p:txBody>
+            <a:bodyPr rtlCol="0" anchor="ctr"/>
+            <a:lstStyle/>
+            <a:p>
+              <a:pPr algn="ctr"/>
+              <a:endParaRPr lang="en-US">
+                <a:solidFill>
+                  <a:schemeClr val="bg1"/>
+                </a:solidFill>
+              </a:endParaRPr>
+            </a:p>
+          </p:txBody>
+        </p:sp>
+        <p:sp>
+          <p:nvSpPr>
+            <p:cNvPr id="52" name="TextBox 51"/>
+            <p:cNvSpPr txBox="1"/>
+            <p:nvPr/>
+          </p:nvSpPr>
+          <p:spPr>
+            <a:xfrm>
+              <a:off x="5290334" y="1450462"/>
+              <a:ext cx="1109220" cy="646331"/>
+            </a:xfrm>
+            <a:prstGeom prst="rect">
+              <a:avLst/>
+            </a:prstGeom>
+            <a:noFill/>
+          </p:spPr>
+          <p:txBody>
+            <a:bodyPr wrap="square" rtlCol="0">
+              <a:spAutoFit/>
+            </a:bodyPr>
+            <a:lstStyle/>
+            <a:p>
+              <a:pPr algn="ctr"/>
+              <a:r>
+                <a:rPr lang="en-US" b="1" dirty="0" smtClean="0"/>
+                <a:t>Virtual</a:t>
+              </a:r>
+            </a:p>
+            <a:p>
+              <a:pPr algn="ctr"/>
+              <a:r>
+                <a:rPr lang="en-US" b="1" dirty="0" smtClean="0"/>
+                <a:t>Machine</a:t>
+              </a:r>
+              <a:endParaRPr lang="en-US" b="1" dirty="0"/>
+            </a:p>
+          </p:txBody>
+        </p:sp>
+      </p:grpSp>
+      <p:grpSp>
+        <p:nvGrpSpPr>
+          <p:cNvPr id="55" name="Group 54"/>
+          <p:cNvGrpSpPr/>
+          <p:nvPr/>
+        </p:nvGrpSpPr>
+        <p:grpSpPr>
+          <a:xfrm>
+            <a:off x="7794429" y="3188770"/>
+            <a:ext cx="1052590" cy="1013282"/>
+            <a:chOff x="540409" y="705666"/>
+            <a:chExt cx="3002248" cy="1135117"/>
+          </a:xfrm>
+        </p:grpSpPr>
+        <p:sp>
+          <p:nvSpPr>
+            <p:cNvPr id="56" name="Flowchart: Alternate Process 55"/>
+            <p:cNvSpPr/>
+            <p:nvPr/>
+          </p:nvSpPr>
+          <p:spPr>
+            <a:xfrm>
+              <a:off x="540409" y="705666"/>
+              <a:ext cx="2974427" cy="1135117"/>
+            </a:xfrm>
+            <a:prstGeom prst="flowChartAlternateProcess">
+              <a:avLst/>
+            </a:prstGeom>
+            <a:gradFill flip="none" rotWithShape="1">
+              <a:gsLst>
+                <a:gs pos="40000">
+                  <a:srgbClr val="C00000"/>
+                </a:gs>
+                <a:gs pos="77000">
+                  <a:schemeClr val="accent2"/>
+                </a:gs>
+                <a:gs pos="100000">
+                  <a:srgbClr val="FFC000"/>
+                </a:gs>
+              </a:gsLst>
+              <a:lin ang="10800000" scaled="1"/>
+              <a:tileRect/>
+            </a:gradFill>
+          </p:spPr>
+          <p:style>
+            <a:lnRef idx="2">
+              <a:schemeClr val="accent1">
+                <a:shade val="50000"/>
+              </a:schemeClr>
+            </a:lnRef>
+            <a:fillRef idx="1">
+              <a:schemeClr val="accent1"/>
+            </a:fillRef>
+            <a:effectRef idx="0">
+              <a:schemeClr val="accent1"/>
+            </a:effectRef>
+            <a:fontRef idx="minor">
+              <a:schemeClr val="lt1"/>
+            </a:fontRef>
+          </p:style>
+          <p:txBody>
+            <a:bodyPr rtlCol="0" anchor="ctr"/>
+            <a:lstStyle/>
+            <a:p>
+              <a:pPr algn="ctr"/>
+              <a:endParaRPr lang="en-US">
+                <a:solidFill>
+                  <a:schemeClr val="bg1"/>
+                </a:solidFill>
+              </a:endParaRPr>
+            </a:p>
+          </p:txBody>
+        </p:sp>
+        <p:sp>
+          <p:nvSpPr>
+            <p:cNvPr id="57" name="TextBox 56"/>
+            <p:cNvSpPr txBox="1"/>
+            <p:nvPr/>
+          </p:nvSpPr>
+          <p:spPr>
+            <a:xfrm>
+              <a:off x="568230" y="775392"/>
+              <a:ext cx="2974427" cy="1034349"/>
             </a:xfrm>
             <a:prstGeom prst="rect">
               <a:avLst/>
@@ -3067,38 +5713,425 @@
               <a:pPr algn="ctr"/>
               <a:r>
                 <a:rPr lang="en-US" dirty="0" smtClean="0"/>
-                <a:t>Raw data (</a:t>
-              </a:r>
-              <a:r>
-                <a:rPr lang="en-US" sz="1400" dirty="0" smtClean="0"/>
-                <a:t>37 </a:t>
-              </a:r>
-              <a:r>
-                <a:rPr lang="en-US" sz="1400" dirty="0" err="1" smtClean="0"/>
-                <a:t>gb</a:t>
-              </a:r>
-              <a:r>
-                <a:rPr lang="en-US" sz="1400" dirty="0" smtClean="0"/>
-                <a:t> fq.gz</a:t>
-              </a:r>
-              <a:r>
-                <a:rPr lang="en-US" dirty="0" smtClean="0"/>
-                <a:t>)</a:t>
+                <a:t>Run Stacks Pipeline</a:t>
               </a:r>
               <a:endParaRPr lang="en-US" dirty="0"/>
             </a:p>
           </p:txBody>
         </p:sp>
+      </p:grpSp>
+      <p:cxnSp>
+        <p:nvCxnSpPr>
+          <p:cNvPr id="58" name="Straight Arrow Connector 57"/>
+          <p:cNvCxnSpPr/>
+          <p:nvPr/>
+        </p:nvCxnSpPr>
+        <p:spPr>
+          <a:xfrm>
+            <a:off x="6881203" y="3611923"/>
+            <a:ext cx="802914" cy="2528"/>
+          </a:xfrm>
+          <a:prstGeom prst="straightConnector1">
+            <a:avLst/>
+          </a:prstGeom>
+          <a:ln w="76200">
+            <a:solidFill>
+              <a:schemeClr val="tx1"/>
+            </a:solidFill>
+            <a:tailEnd type="triangle"/>
+          </a:ln>
+        </p:spPr>
+        <p:style>
+          <a:lnRef idx="3">
+            <a:schemeClr val="dk1"/>
+          </a:lnRef>
+          <a:fillRef idx="0">
+            <a:schemeClr val="dk1"/>
+          </a:fillRef>
+          <a:effectRef idx="2">
+            <a:schemeClr val="dk1"/>
+          </a:effectRef>
+          <a:fontRef idx="minor">
+            <a:schemeClr val="tx1"/>
+          </a:fontRef>
+        </p:style>
+      </p:cxnSp>
+      <p:grpSp>
+        <p:nvGrpSpPr>
+          <p:cNvPr id="67" name="Group 66"/>
+          <p:cNvGrpSpPr/>
+          <p:nvPr/>
+        </p:nvGrpSpPr>
+        <p:grpSpPr>
+          <a:xfrm>
+            <a:off x="9899392" y="3168336"/>
+            <a:ext cx="1060309" cy="1013282"/>
+            <a:chOff x="490571" y="705666"/>
+            <a:chExt cx="3024265" cy="1135117"/>
+          </a:xfrm>
+        </p:grpSpPr>
         <p:sp>
           <p:nvSpPr>
-            <p:cNvPr id="8" name="TextBox 7"/>
+            <p:cNvPr id="68" name="Flowchart: Alternate Process 67"/>
+            <p:cNvSpPr/>
+            <p:nvPr/>
+          </p:nvSpPr>
+          <p:spPr>
+            <a:xfrm>
+              <a:off x="540409" y="705666"/>
+              <a:ext cx="2974427" cy="1135117"/>
+            </a:xfrm>
+            <a:prstGeom prst="flowChartAlternateProcess">
+              <a:avLst/>
+            </a:prstGeom>
+            <a:solidFill>
+              <a:schemeClr val="tx1"/>
+            </a:solidFill>
+          </p:spPr>
+          <p:style>
+            <a:lnRef idx="2">
+              <a:schemeClr val="accent1">
+                <a:shade val="50000"/>
+              </a:schemeClr>
+            </a:lnRef>
+            <a:fillRef idx="1">
+              <a:schemeClr val="accent1"/>
+            </a:fillRef>
+            <a:effectRef idx="0">
+              <a:schemeClr val="accent1"/>
+            </a:effectRef>
+            <a:fontRef idx="minor">
+              <a:schemeClr val="lt1"/>
+            </a:fontRef>
+          </p:style>
+          <p:txBody>
+            <a:bodyPr rtlCol="0" anchor="ctr"/>
+            <a:lstStyle/>
+            <a:p>
+              <a:pPr algn="ctr"/>
+              <a:endParaRPr lang="en-US">
+                <a:solidFill>
+                  <a:schemeClr val="bg1"/>
+                </a:solidFill>
+              </a:endParaRPr>
+            </a:p>
+          </p:txBody>
+        </p:sp>
+        <p:sp>
+          <p:nvSpPr>
+            <p:cNvPr id="69" name="TextBox 68"/>
             <p:cNvSpPr txBox="1"/>
             <p:nvPr/>
           </p:nvSpPr>
           <p:spPr>
             <a:xfrm>
-              <a:off x="567558" y="1250731"/>
-              <a:ext cx="2480441" cy="391057"/>
+              <a:off x="490571" y="776267"/>
+              <a:ext cx="2974427" cy="1034349"/>
+            </a:xfrm>
+            <a:prstGeom prst="rect">
+              <a:avLst/>
+            </a:prstGeom>
+            <a:noFill/>
+          </p:spPr>
+          <p:txBody>
+            <a:bodyPr wrap="square" rtlCol="0">
+              <a:spAutoFit/>
+            </a:bodyPr>
+            <a:lstStyle/>
+            <a:p>
+              <a:pPr algn="ctr"/>
+              <a:r>
+                <a:rPr lang="en-US" dirty="0" smtClean="0">
+                  <a:solidFill>
+                    <a:schemeClr val="bg1"/>
+                  </a:solidFill>
+                </a:rPr>
+                <a:t>Use Data to make Tree</a:t>
+              </a:r>
+              <a:endParaRPr lang="en-US" dirty="0">
+                <a:solidFill>
+                  <a:schemeClr val="bg1"/>
+                </a:solidFill>
+              </a:endParaRPr>
+            </a:p>
+          </p:txBody>
+        </p:sp>
+      </p:grpSp>
+      <p:cxnSp>
+        <p:nvCxnSpPr>
+          <p:cNvPr id="70" name="Straight Arrow Connector 69"/>
+          <p:cNvCxnSpPr/>
+          <p:nvPr/>
+        </p:nvCxnSpPr>
+        <p:spPr>
+          <a:xfrm>
+            <a:off x="8996058" y="3656907"/>
+            <a:ext cx="802914" cy="2528"/>
+          </a:xfrm>
+          <a:prstGeom prst="straightConnector1">
+            <a:avLst/>
+          </a:prstGeom>
+          <a:ln w="76200">
+            <a:solidFill>
+              <a:srgbClr val="00B0F0"/>
+            </a:solidFill>
+            <a:tailEnd type="triangle"/>
+          </a:ln>
+        </p:spPr>
+        <p:style>
+          <a:lnRef idx="3">
+            <a:schemeClr val="dk1"/>
+          </a:lnRef>
+          <a:fillRef idx="0">
+            <a:schemeClr val="dk1"/>
+          </a:fillRef>
+          <a:effectRef idx="2">
+            <a:schemeClr val="dk1"/>
+          </a:effectRef>
+          <a:fontRef idx="minor">
+            <a:schemeClr val="tx1"/>
+          </a:fontRef>
+        </p:style>
+      </p:cxnSp>
+      <p:sp>
+        <p:nvSpPr>
+          <p:cNvPr id="71" name="TextBox 70"/>
+          <p:cNvSpPr txBox="1"/>
+          <p:nvPr/>
+        </p:nvSpPr>
+        <p:spPr>
+          <a:xfrm>
+            <a:off x="8880796" y="3996584"/>
+            <a:ext cx="1109220" cy="646331"/>
+          </a:xfrm>
+          <a:prstGeom prst="rect">
+            <a:avLst/>
+          </a:prstGeom>
+          <a:noFill/>
+        </p:spPr>
+        <p:txBody>
+          <a:bodyPr wrap="square" rtlCol="0">
+            <a:spAutoFit/>
+          </a:bodyPr>
+          <a:lstStyle/>
+          <a:p>
+            <a:pPr algn="ctr"/>
+            <a:r>
+              <a:rPr lang="en-US" b="1" dirty="0" smtClean="0"/>
+              <a:t>Next Steps</a:t>
+            </a:r>
+            <a:endParaRPr lang="en-US" b="1" dirty="0"/>
+          </a:p>
+        </p:txBody>
+      </p:sp>
+      <p:grpSp>
+        <p:nvGrpSpPr>
+          <p:cNvPr id="72" name="Group 71"/>
+          <p:cNvGrpSpPr/>
+          <p:nvPr/>
+        </p:nvGrpSpPr>
+        <p:grpSpPr>
+          <a:xfrm>
+            <a:off x="4132772" y="3126237"/>
+            <a:ext cx="1042836" cy="1013282"/>
+            <a:chOff x="540409" y="705666"/>
+            <a:chExt cx="2974427" cy="1135117"/>
+          </a:xfrm>
+        </p:grpSpPr>
+        <p:sp>
+          <p:nvSpPr>
+            <p:cNvPr id="73" name="Flowchart: Alternate Process 72"/>
+            <p:cNvSpPr/>
+            <p:nvPr/>
+          </p:nvSpPr>
+          <p:spPr>
+            <a:xfrm>
+              <a:off x="540409" y="705666"/>
+              <a:ext cx="2974427" cy="1135117"/>
+            </a:xfrm>
+            <a:prstGeom prst="flowChartAlternateProcess">
+              <a:avLst/>
+            </a:prstGeom>
+            <a:solidFill>
+              <a:srgbClr val="C00000"/>
+            </a:solidFill>
+          </p:spPr>
+          <p:style>
+            <a:lnRef idx="2">
+              <a:schemeClr val="accent1">
+                <a:shade val="50000"/>
+              </a:schemeClr>
+            </a:lnRef>
+            <a:fillRef idx="1">
+              <a:schemeClr val="accent1"/>
+            </a:fillRef>
+            <a:effectRef idx="0">
+              <a:schemeClr val="accent1"/>
+            </a:effectRef>
+            <a:fontRef idx="minor">
+              <a:schemeClr val="lt1"/>
+            </a:fontRef>
+          </p:style>
+          <p:txBody>
+            <a:bodyPr rtlCol="0" anchor="ctr"/>
+            <a:lstStyle/>
+            <a:p>
+              <a:pPr algn="ctr"/>
+              <a:endParaRPr lang="en-US">
+                <a:solidFill>
+                  <a:schemeClr val="bg1"/>
+                </a:solidFill>
+              </a:endParaRPr>
+            </a:p>
+          </p:txBody>
+        </p:sp>
+        <p:sp>
+          <p:nvSpPr>
+            <p:cNvPr id="74" name="TextBox 73"/>
+            <p:cNvSpPr txBox="1"/>
+            <p:nvPr/>
+          </p:nvSpPr>
+          <p:spPr>
+            <a:xfrm>
+              <a:off x="931085" y="911202"/>
+              <a:ext cx="2193073" cy="724045"/>
+            </a:xfrm>
+            <a:prstGeom prst="rect">
+              <a:avLst/>
+            </a:prstGeom>
+            <a:noFill/>
+          </p:spPr>
+          <p:txBody>
+            <a:bodyPr wrap="square" rtlCol="0">
+              <a:spAutoFit/>
+            </a:bodyPr>
+            <a:lstStyle/>
+            <a:p>
+              <a:pPr algn="ctr"/>
+              <a:r>
+                <a:rPr lang="en-US" dirty="0" smtClean="0">
+                  <a:solidFill>
+                    <a:schemeClr val="bg1"/>
+                  </a:solidFill>
+                </a:rPr>
+                <a:t>Install Stacks</a:t>
+              </a:r>
+              <a:endParaRPr lang="en-US" dirty="0">
+                <a:solidFill>
+                  <a:schemeClr val="bg1"/>
+                </a:solidFill>
+              </a:endParaRPr>
+            </a:p>
+          </p:txBody>
+        </p:sp>
+      </p:grpSp>
+      <p:cxnSp>
+        <p:nvCxnSpPr>
+          <p:cNvPr id="75" name="Straight Arrow Connector 74"/>
+          <p:cNvCxnSpPr/>
+          <p:nvPr/>
+        </p:nvCxnSpPr>
+        <p:spPr>
+          <a:xfrm>
+            <a:off x="3145370" y="3522519"/>
+            <a:ext cx="802914" cy="2528"/>
+          </a:xfrm>
+          <a:prstGeom prst="straightConnector1">
+            <a:avLst/>
+          </a:prstGeom>
+          <a:ln w="76200">
+            <a:solidFill>
+              <a:schemeClr val="tx1"/>
+            </a:solidFill>
+            <a:tailEnd type="triangle"/>
+          </a:ln>
+        </p:spPr>
+        <p:style>
+          <a:lnRef idx="3">
+            <a:schemeClr val="dk1"/>
+          </a:lnRef>
+          <a:fillRef idx="0">
+            <a:schemeClr val="dk1"/>
+          </a:fillRef>
+          <a:effectRef idx="2">
+            <a:schemeClr val="dk1"/>
+          </a:effectRef>
+          <a:fontRef idx="minor">
+            <a:schemeClr val="tx1"/>
+          </a:fontRef>
+        </p:style>
+      </p:cxnSp>
+      <p:grpSp>
+        <p:nvGrpSpPr>
+          <p:cNvPr id="76" name="Group 75"/>
+          <p:cNvGrpSpPr/>
+          <p:nvPr/>
+        </p:nvGrpSpPr>
+        <p:grpSpPr>
+          <a:xfrm>
+            <a:off x="655253" y="3126237"/>
+            <a:ext cx="2490117" cy="1013282"/>
+            <a:chOff x="388882" y="705666"/>
+            <a:chExt cx="3277480" cy="1135117"/>
+          </a:xfrm>
+        </p:grpSpPr>
+        <p:sp>
+          <p:nvSpPr>
+            <p:cNvPr id="77" name="Flowchart: Alternate Process 76"/>
+            <p:cNvSpPr/>
+            <p:nvPr/>
+          </p:nvSpPr>
+          <p:spPr>
+            <a:xfrm>
+              <a:off x="540409" y="705666"/>
+              <a:ext cx="2974427" cy="1135117"/>
+            </a:xfrm>
+            <a:prstGeom prst="flowChartAlternateProcess">
+              <a:avLst/>
+            </a:prstGeom>
+            <a:solidFill>
+              <a:schemeClr val="accent4"/>
+            </a:solidFill>
+          </p:spPr>
+          <p:style>
+            <a:lnRef idx="2">
+              <a:schemeClr val="accent1">
+                <a:shade val="50000"/>
+              </a:schemeClr>
+            </a:lnRef>
+            <a:fillRef idx="1">
+              <a:schemeClr val="accent1"/>
+            </a:fillRef>
+            <a:effectRef idx="0">
+              <a:schemeClr val="accent1"/>
+            </a:effectRef>
+            <a:fontRef idx="minor">
+              <a:schemeClr val="lt1"/>
+            </a:fontRef>
+          </p:style>
+          <p:txBody>
+            <a:bodyPr rtlCol="0" anchor="ctr"/>
+            <a:lstStyle/>
+            <a:p>
+              <a:pPr algn="ctr"/>
+              <a:endParaRPr lang="en-US">
+                <a:solidFill>
+                  <a:schemeClr val="bg1"/>
+                </a:solidFill>
+              </a:endParaRPr>
+            </a:p>
+          </p:txBody>
+        </p:sp>
+        <p:sp>
+          <p:nvSpPr>
+            <p:cNvPr id="78" name="TextBox 77"/>
+            <p:cNvSpPr txBox="1"/>
+            <p:nvPr/>
+          </p:nvSpPr>
+          <p:spPr>
+            <a:xfrm>
+              <a:off x="388882" y="914400"/>
+              <a:ext cx="3277480" cy="724045"/>
             </a:xfrm>
             <a:prstGeom prst="rect">
               <a:avLst/>
@@ -3114,17 +6147,427 @@
               <a:pPr algn="ctr"/>
               <a:r>
                 <a:rPr lang="en-US" dirty="0" smtClean="0"/>
+                <a:t>Download raw data from Google Drive</a:t>
+              </a:r>
+              <a:endParaRPr lang="en-US" dirty="0"/>
+            </a:p>
+          </p:txBody>
+        </p:sp>
+      </p:grpSp>
+      <p:cxnSp>
+        <p:nvCxnSpPr>
+          <p:cNvPr id="79" name="Straight Arrow Connector 78"/>
+          <p:cNvCxnSpPr/>
+          <p:nvPr/>
+        </p:nvCxnSpPr>
+        <p:spPr>
+          <a:xfrm flipH="1" flipV="1">
+            <a:off x="4132772" y="2519985"/>
+            <a:ext cx="372243" cy="539466"/>
+          </a:xfrm>
+          <a:prstGeom prst="straightConnector1">
+            <a:avLst/>
+          </a:prstGeom>
+          <a:ln w="76200">
+            <a:solidFill>
+              <a:schemeClr val="tx1"/>
+            </a:solidFill>
+            <a:tailEnd type="triangle"/>
+          </a:ln>
+        </p:spPr>
+        <p:style>
+          <a:lnRef idx="3">
+            <a:schemeClr val="dk1"/>
+          </a:lnRef>
+          <a:fillRef idx="0">
+            <a:schemeClr val="dk1"/>
+          </a:fillRef>
+          <a:effectRef idx="2">
+            <a:schemeClr val="dk1"/>
+          </a:effectRef>
+          <a:fontRef idx="minor">
+            <a:schemeClr val="tx1"/>
+          </a:fontRef>
+        </p:style>
+      </p:cxnSp>
+      <p:cxnSp>
+        <p:nvCxnSpPr>
+          <p:cNvPr id="80" name="Straight Arrow Connector 79"/>
+          <p:cNvCxnSpPr/>
+          <p:nvPr/>
+        </p:nvCxnSpPr>
+        <p:spPr>
+          <a:xfrm flipV="1">
+            <a:off x="5026433" y="2610020"/>
+            <a:ext cx="341566" cy="429674"/>
+          </a:xfrm>
+          <a:prstGeom prst="straightConnector1">
+            <a:avLst/>
+          </a:prstGeom>
+          <a:ln w="76200">
+            <a:solidFill>
+              <a:schemeClr val="tx1"/>
+            </a:solidFill>
+            <a:tailEnd type="triangle"/>
+          </a:ln>
+        </p:spPr>
+        <p:style>
+          <a:lnRef idx="3">
+            <a:schemeClr val="dk1"/>
+          </a:lnRef>
+          <a:fillRef idx="0">
+            <a:schemeClr val="dk1"/>
+          </a:fillRef>
+          <a:effectRef idx="2">
+            <a:schemeClr val="dk1"/>
+          </a:effectRef>
+          <a:fontRef idx="minor">
+            <a:schemeClr val="tx1"/>
+          </a:fontRef>
+        </p:style>
+      </p:cxnSp>
+      <p:grpSp>
+        <p:nvGrpSpPr>
+          <p:cNvPr id="81" name="Group 80"/>
+          <p:cNvGrpSpPr/>
+          <p:nvPr/>
+        </p:nvGrpSpPr>
+        <p:grpSpPr>
+          <a:xfrm>
+            <a:off x="3452403" y="1675983"/>
+            <a:ext cx="991761" cy="911169"/>
+            <a:chOff x="-2746396" y="-1036074"/>
+            <a:chExt cx="3148879" cy="1135117"/>
+          </a:xfrm>
+        </p:grpSpPr>
+        <p:sp>
+          <p:nvSpPr>
+            <p:cNvPr id="82" name="&quot;No&quot; Symbol 81"/>
+            <p:cNvSpPr/>
+            <p:nvPr/>
+          </p:nvSpPr>
+          <p:spPr>
+            <a:xfrm>
+              <a:off x="-2746396" y="-1036074"/>
+              <a:ext cx="2974427" cy="1135117"/>
+            </a:xfrm>
+            <a:prstGeom prst="noSmoking">
+              <a:avLst>
+                <a:gd name="adj" fmla="val 7649"/>
+              </a:avLst>
+            </a:prstGeom>
+            <a:solidFill>
+              <a:srgbClr val="C00000">
+                <a:alpha val="69020"/>
+              </a:srgbClr>
+            </a:solidFill>
+          </p:spPr>
+          <p:style>
+            <a:lnRef idx="2">
+              <a:schemeClr val="accent1">
+                <a:shade val="50000"/>
+              </a:schemeClr>
+            </a:lnRef>
+            <a:fillRef idx="1">
+              <a:schemeClr val="accent1"/>
+            </a:fillRef>
+            <a:effectRef idx="0">
+              <a:schemeClr val="accent1"/>
+            </a:effectRef>
+            <a:fontRef idx="minor">
+              <a:schemeClr val="lt1"/>
+            </a:fontRef>
+          </p:style>
+          <p:txBody>
+            <a:bodyPr rtlCol="0" anchor="ctr"/>
+            <a:lstStyle/>
+            <a:p>
+              <a:pPr algn="ctr"/>
+              <a:endParaRPr lang="en-US">
+                <a:solidFill>
+                  <a:schemeClr val="bg1"/>
+                </a:solidFill>
+              </a:endParaRPr>
+            </a:p>
+          </p:txBody>
+        </p:sp>
+        <p:sp>
+          <p:nvSpPr>
+            <p:cNvPr id="83" name="TextBox 82"/>
+            <p:cNvSpPr txBox="1"/>
+            <p:nvPr/>
+          </p:nvSpPr>
+          <p:spPr>
+            <a:xfrm>
+              <a:off x="-2746396" y="-677571"/>
+              <a:ext cx="3148879" cy="460107"/>
+            </a:xfrm>
+            <a:prstGeom prst="rect">
+              <a:avLst/>
+            </a:prstGeom>
+            <a:noFill/>
+          </p:spPr>
+          <p:txBody>
+            <a:bodyPr wrap="square" rtlCol="0">
+              <a:spAutoFit/>
+            </a:bodyPr>
+            <a:lstStyle/>
+            <a:p>
+              <a:pPr algn="ctr"/>
+              <a:r>
+                <a:rPr lang="en-US" b="1" dirty="0" err="1" smtClean="0"/>
+                <a:t>Gitbash</a:t>
+              </a:r>
+              <a:endParaRPr lang="en-US" b="1" dirty="0"/>
+            </a:p>
+          </p:txBody>
+        </p:sp>
+      </p:grpSp>
+    </p:spTree>
+    <p:extLst>
+      <p:ext uri="{BB962C8B-B14F-4D97-AF65-F5344CB8AC3E}">
+        <p14:creationId xmlns:p14="http://schemas.microsoft.com/office/powerpoint/2010/main" val="3745700128"/>
+      </p:ext>
+    </p:extLst>
+  </p:cSld>
+  <p:clrMapOvr>
+    <a:masterClrMapping/>
+  </p:clrMapOvr>
+  <p:timing>
+    <p:tnLst>
+      <p:par>
+        <p:cTn id="1" dur="indefinite" restart="never" nodeType="tmRoot"/>
+      </p:par>
+    </p:tnLst>
+  </p:timing>
+</p:sld>
+</file>
+
+<file path=ppt/slides/slide6.xml><?xml version="1.0" encoding="utf-8"?>
+<p:sld xmlns:a="http://schemas.openxmlformats.org/drawingml/2006/main" xmlns:r="http://schemas.openxmlformats.org/officeDocument/2006/relationships" xmlns:p="http://schemas.openxmlformats.org/presentationml/2006/main">
+  <p:cSld>
+    <p:spTree>
+      <p:nvGrpSpPr>
+        <p:cNvPr id="1" name=""/>
+        <p:cNvGrpSpPr/>
+        <p:nvPr/>
+      </p:nvGrpSpPr>
+      <p:grpSpPr>
+        <a:xfrm>
+          <a:off x="0" y="0"/>
+          <a:ext cx="0" cy="0"/>
+          <a:chOff x="0" y="0"/>
+          <a:chExt cx="0" cy="0"/>
+        </a:xfrm>
+      </p:grpSpPr>
+      <p:pic>
+        <p:nvPicPr>
+          <p:cNvPr id="6" name="Picture 5"/>
+          <p:cNvPicPr>
+            <a:picLocks noChangeAspect="1"/>
+          </p:cNvPicPr>
+          <p:nvPr/>
+        </p:nvPicPr>
+        <p:blipFill>
+          <a:blip r:embed="rId2"/>
+          <a:stretch>
+            <a:fillRect/>
+          </a:stretch>
+        </p:blipFill>
+        <p:spPr>
+          <a:xfrm>
+            <a:off x="3934630" y="1567249"/>
+            <a:ext cx="3478366" cy="2485463"/>
+          </a:xfrm>
+          <a:prstGeom prst="rect">
+            <a:avLst/>
+          </a:prstGeom>
+        </p:spPr>
+      </p:pic>
+      <p:grpSp>
+        <p:nvGrpSpPr>
+          <p:cNvPr id="9" name="Group 8"/>
+          <p:cNvGrpSpPr/>
+          <p:nvPr/>
+        </p:nvGrpSpPr>
+        <p:grpSpPr>
+          <a:xfrm>
+            <a:off x="406611" y="16349"/>
+            <a:ext cx="2490117" cy="1013282"/>
+            <a:chOff x="388882" y="705666"/>
+            <a:chExt cx="3277480" cy="1135117"/>
+          </a:xfrm>
+        </p:grpSpPr>
+        <p:sp>
+          <p:nvSpPr>
+            <p:cNvPr id="4" name="Flowchart: Alternate Process 3"/>
+            <p:cNvSpPr/>
+            <p:nvPr/>
+          </p:nvSpPr>
+          <p:spPr>
+            <a:xfrm>
+              <a:off x="540409" y="705666"/>
+              <a:ext cx="2974427" cy="1135117"/>
+            </a:xfrm>
+            <a:prstGeom prst="flowChartAlternateProcess">
+              <a:avLst/>
+            </a:prstGeom>
+            <a:solidFill>
+              <a:srgbClr val="C00000"/>
+            </a:solidFill>
+          </p:spPr>
+          <p:style>
+            <a:lnRef idx="2">
+              <a:schemeClr val="accent1">
+                <a:shade val="50000"/>
+              </a:schemeClr>
+            </a:lnRef>
+            <a:fillRef idx="1">
+              <a:schemeClr val="accent1"/>
+            </a:fillRef>
+            <a:effectRef idx="0">
+              <a:schemeClr val="accent1"/>
+            </a:effectRef>
+            <a:fontRef idx="minor">
+              <a:schemeClr val="lt1"/>
+            </a:fontRef>
+          </p:style>
+          <p:txBody>
+            <a:bodyPr rtlCol="0" anchor="ctr"/>
+            <a:lstStyle/>
+            <a:p>
+              <a:pPr algn="ctr"/>
+              <a:endParaRPr lang="en-US">
+                <a:solidFill>
+                  <a:schemeClr val="bg1"/>
+                </a:solidFill>
+              </a:endParaRPr>
+            </a:p>
+          </p:txBody>
+        </p:sp>
+        <p:sp>
+          <p:nvSpPr>
+            <p:cNvPr id="5" name="TextBox 4"/>
+            <p:cNvSpPr txBox="1"/>
+            <p:nvPr/>
+          </p:nvSpPr>
+          <p:spPr>
+            <a:xfrm>
+              <a:off x="388882" y="914400"/>
+              <a:ext cx="3277480" cy="413740"/>
+            </a:xfrm>
+            <a:prstGeom prst="rect">
+              <a:avLst/>
+            </a:prstGeom>
+            <a:noFill/>
+          </p:spPr>
+          <p:txBody>
+            <a:bodyPr wrap="square" rtlCol="0">
+              <a:spAutoFit/>
+            </a:bodyPr>
+            <a:lstStyle/>
+            <a:p>
+              <a:pPr algn="ctr"/>
+              <a:r>
+                <a:rPr lang="en-US" dirty="0" smtClean="0">
+                  <a:solidFill>
+                    <a:schemeClr val="bg1"/>
+                  </a:solidFill>
+                </a:rPr>
+                <a:t>Raw data (</a:t>
+              </a:r>
+              <a:r>
+                <a:rPr lang="en-US" sz="1400" dirty="0" smtClean="0">
+                  <a:solidFill>
+                    <a:schemeClr val="bg1"/>
+                  </a:solidFill>
+                </a:rPr>
+                <a:t>37 </a:t>
+              </a:r>
+              <a:r>
+                <a:rPr lang="en-US" sz="1400" dirty="0" err="1" smtClean="0">
+                  <a:solidFill>
+                    <a:schemeClr val="bg1"/>
+                  </a:solidFill>
+                </a:rPr>
+                <a:t>gb</a:t>
+              </a:r>
+              <a:r>
+                <a:rPr lang="en-US" sz="1400" dirty="0" smtClean="0">
+                  <a:solidFill>
+                    <a:schemeClr val="bg1"/>
+                  </a:solidFill>
+                </a:rPr>
+                <a:t> fq.gz</a:t>
+              </a:r>
+              <a:r>
+                <a:rPr lang="en-US" dirty="0" smtClean="0">
+                  <a:solidFill>
+                    <a:schemeClr val="bg1"/>
+                  </a:solidFill>
+                </a:rPr>
+                <a:t>)</a:t>
+              </a:r>
+              <a:endParaRPr lang="en-US" dirty="0">
+                <a:solidFill>
+                  <a:schemeClr val="bg1"/>
+                </a:solidFill>
+              </a:endParaRPr>
+            </a:p>
+          </p:txBody>
+        </p:sp>
+        <p:sp>
+          <p:nvSpPr>
+            <p:cNvPr id="8" name="TextBox 7"/>
+            <p:cNvSpPr txBox="1"/>
+            <p:nvPr/>
+          </p:nvSpPr>
+          <p:spPr>
+            <a:xfrm>
+              <a:off x="693403" y="1273225"/>
+              <a:ext cx="2480441" cy="413740"/>
+            </a:xfrm>
+            <a:prstGeom prst="rect">
+              <a:avLst/>
+            </a:prstGeom>
+            <a:noFill/>
+          </p:spPr>
+          <p:txBody>
+            <a:bodyPr wrap="square" rtlCol="0">
+              <a:spAutoFit/>
+            </a:bodyPr>
+            <a:lstStyle/>
+            <a:p>
+              <a:pPr algn="ctr"/>
+              <a:r>
+                <a:rPr lang="en-US" dirty="0" smtClean="0">
+                  <a:solidFill>
+                    <a:schemeClr val="bg1"/>
+                  </a:solidFill>
+                </a:rPr>
                 <a:t>Barcode file (</a:t>
               </a:r>
               <a:r>
-                <a:rPr lang="en-US" sz="1400" dirty="0" smtClean="0"/>
+                <a:rPr lang="en-US" sz="1400" dirty="0" smtClean="0">
+                  <a:solidFill>
+                    <a:schemeClr val="bg1"/>
+                  </a:solidFill>
+                </a:rPr>
                 <a:t>.txt</a:t>
               </a:r>
               <a:r>
-                <a:rPr lang="en-US" dirty="0" smtClean="0"/>
+                <a:rPr lang="en-US" dirty="0" smtClean="0">
+                  <a:solidFill>
+                    <a:schemeClr val="bg1"/>
+                  </a:solidFill>
+                </a:rPr>
                 <a:t>)</a:t>
               </a:r>
-              <a:endParaRPr lang="en-US" dirty="0"/>
+              <a:endParaRPr lang="en-US" dirty="0">
+                <a:solidFill>
+                  <a:schemeClr val="bg1"/>
+                </a:solidFill>
+              </a:endParaRPr>
             </a:p>
           </p:txBody>
         </p:sp>
@@ -3137,10 +6580,10 @@
         </p:nvGrpSpPr>
         <p:grpSpPr>
           <a:xfrm>
-            <a:off x="399580" y="3885006"/>
-            <a:ext cx="2339069" cy="536638"/>
-            <a:chOff x="996681" y="790623"/>
-            <a:chExt cx="3022950" cy="2453089"/>
+            <a:off x="430996" y="3885006"/>
+            <a:ext cx="2307652" cy="536638"/>
+            <a:chOff x="1037283" y="790623"/>
+            <a:chExt cx="2982348" cy="2453089"/>
           </a:xfrm>
         </p:grpSpPr>
         <p:sp>
@@ -3157,6 +6600,9 @@
             <a:prstGeom prst="flowChartAlternateProcess">
               <a:avLst/>
             </a:prstGeom>
+            <a:solidFill>
+              <a:schemeClr val="accent2"/>
+            </a:solidFill>
           </p:spPr>
           <p:style>
             <a:lnRef idx="2">
@@ -3191,8 +6637,8 @@
           </p:nvSpPr>
           <p:spPr>
             <a:xfrm>
-              <a:off x="996681" y="1221382"/>
-              <a:ext cx="2974427" cy="1700527"/>
+              <a:off x="1037283" y="836756"/>
+              <a:ext cx="2974427" cy="2391753"/>
             </a:xfrm>
             <a:prstGeom prst="rect">
               <a:avLst/>
@@ -3207,17 +6653,29 @@
             <a:p>
               <a:pPr algn="ctr"/>
               <a:r>
-                <a:rPr lang="en-US" sz="1200" dirty="0" smtClean="0"/>
+                <a:rPr lang="en-US" sz="1400" dirty="0" smtClean="0">
+                  <a:solidFill>
+                    <a:schemeClr val="bg1"/>
+                  </a:solidFill>
+                </a:rPr>
                 <a:t>Directory with 44 fq.gz files.</a:t>
               </a:r>
             </a:p>
             <a:p>
               <a:pPr algn="ctr"/>
               <a:r>
-                <a:rPr lang="en-US" sz="1200" dirty="0" smtClean="0"/>
+                <a:rPr lang="en-US" sz="1400" dirty="0" smtClean="0">
+                  <a:solidFill>
+                    <a:schemeClr val="bg1"/>
+                  </a:solidFill>
+                </a:rPr>
                 <a:t> 1e5&lt;n-reads&lt;2e6</a:t>
               </a:r>
-              <a:endParaRPr lang="en-US" sz="1200" dirty="0"/>
+              <a:endParaRPr lang="en-US" sz="1400" dirty="0">
+                <a:solidFill>
+                  <a:schemeClr val="bg1"/>
+                </a:solidFill>
+              </a:endParaRPr>
             </a:p>
           </p:txBody>
         </p:sp>
@@ -3620,9 +7078,9 @@
         <p:grpSpPr>
           <a:xfrm>
             <a:off x="4118314" y="4174495"/>
-            <a:ext cx="3099057" cy="460712"/>
+            <a:ext cx="3061104" cy="872920"/>
             <a:chOff x="959803" y="737894"/>
-            <a:chExt cx="3011305" cy="6549410"/>
+            <a:chExt cx="2974427" cy="12409294"/>
           </a:xfrm>
         </p:grpSpPr>
         <p:sp>
@@ -3634,11 +7092,14 @@
           <p:spPr>
             <a:xfrm>
               <a:off x="959803" y="737894"/>
-              <a:ext cx="2974427" cy="6549410"/>
+              <a:ext cx="2974427" cy="12409294"/>
             </a:xfrm>
             <a:prstGeom prst="flowChartAlternateProcess">
               <a:avLst/>
             </a:prstGeom>
+            <a:solidFill>
+              <a:schemeClr val="accent4"/>
+            </a:solidFill>
           </p:spPr>
           <p:style>
             <a:lnRef idx="2">
@@ -3673,8 +7134,8 @@
           </p:nvSpPr>
           <p:spPr>
             <a:xfrm>
-              <a:off x="996681" y="1221381"/>
-              <a:ext cx="2974427" cy="2652640"/>
+              <a:off x="964345" y="1254640"/>
+              <a:ext cx="2865616" cy="11375788"/>
             </a:xfrm>
             <a:prstGeom prst="rect">
               <a:avLst/>
@@ -3689,34 +7150,42 @@
             <a:p>
               <a:pPr algn="ctr"/>
               <a:r>
-                <a:rPr lang="en-US" sz="1200" dirty="0" smtClean="0"/>
+                <a:rPr lang="en-US" sz="1600" dirty="0" smtClean="0"/>
                 <a:t>Directory with </a:t>
               </a:r>
               <a:r>
-                <a:rPr lang="en-US" sz="1200" dirty="0" err="1" smtClean="0"/>
+                <a:rPr lang="en-US" sz="1600" dirty="0" err="1" smtClean="0"/>
                 <a:t>ustacks</a:t>
               </a:r>
               <a:r>
-                <a:rPr lang="en-US" sz="1200" dirty="0" smtClean="0"/>
+                <a:rPr lang="en-US" sz="1600" dirty="0" smtClean="0"/>
                 <a:t> and </a:t>
               </a:r>
               <a:r>
-                <a:rPr lang="en-US" sz="1200" dirty="0" err="1" smtClean="0"/>
+                <a:rPr lang="en-US" sz="1600" dirty="0" err="1" smtClean="0"/>
                 <a:t>cstacks</a:t>
               </a:r>
               <a:r>
-                <a:rPr lang="en-US" sz="1200" dirty="0" smtClean="0"/>
-                <a:t> output data (same format as </a:t>
+                <a:rPr lang="en-US" sz="1600" dirty="0" smtClean="0"/>
+                <a:t> output data </a:t>
+              </a:r>
+              <a:endParaRPr lang="en-US" sz="1600" dirty="0" smtClean="0"/>
+            </a:p>
+            <a:p>
+              <a:pPr algn="ctr"/>
+              <a:r>
+                <a:rPr lang="en-US" sz="1400" dirty="0" smtClean="0"/>
+                <a:t>(</a:t>
               </a:r>
               <a:r>
-                <a:rPr lang="en-US" sz="1200" dirty="0" err="1" smtClean="0"/>
+                <a:rPr lang="en-US" sz="1400" dirty="0" err="1" smtClean="0"/>
                 <a:t>ustack</a:t>
               </a:r>
               <a:r>
-                <a:rPr lang="en-US" sz="1200" dirty="0" smtClean="0"/>
-                <a:t> but name is Catalog)</a:t>
+                <a:rPr lang="en-US" sz="1400" dirty="0" smtClean="0"/>
+                <a:t> files and catalog files)</a:t>
               </a:r>
-              <a:endParaRPr lang="en-US" sz="1200" dirty="0"/>
+              <a:endParaRPr lang="en-US" sz="1400" dirty="0"/>
             </a:p>
           </p:txBody>
         </p:sp>
@@ -3729,7 +7198,7 @@
         </p:nvSpPr>
         <p:spPr>
           <a:xfrm>
-            <a:off x="4417142" y="4727600"/>
+            <a:off x="4451143" y="5135581"/>
             <a:ext cx="2995854" cy="584775"/>
           </a:xfrm>
           <a:prstGeom prst="rect">
@@ -3767,10 +7236,10 @@
         </p:nvGrpSpPr>
         <p:grpSpPr>
           <a:xfrm>
-            <a:off x="4057464" y="5643012"/>
-            <a:ext cx="3065147" cy="825130"/>
+            <a:off x="4114291" y="5964922"/>
+            <a:ext cx="3065127" cy="838303"/>
             <a:chOff x="967990" y="411556"/>
-            <a:chExt cx="2984759" cy="6614543"/>
+            <a:chExt cx="2984740" cy="6720143"/>
           </a:xfrm>
         </p:grpSpPr>
         <p:sp>
@@ -3787,6 +7256,9 @@
             <a:prstGeom prst="flowChartAlternateProcess">
               <a:avLst/>
             </a:prstGeom>
+            <a:solidFill>
+              <a:schemeClr val="accent4"/>
+            </a:solidFill>
           </p:spPr>
           <p:style>
             <a:lnRef idx="2">
@@ -3821,8 +7293,8 @@
           </p:nvSpPr>
           <p:spPr>
             <a:xfrm>
-              <a:off x="978322" y="1844874"/>
-              <a:ext cx="2974427" cy="5181225"/>
+              <a:off x="978303" y="470124"/>
+              <a:ext cx="2974427" cy="6661575"/>
             </a:xfrm>
             <a:prstGeom prst="rect">
               <a:avLst/>
@@ -3837,34 +7309,50 @@
             <a:p>
               <a:pPr algn="ctr"/>
               <a:r>
-                <a:rPr lang="en-US" sz="1200" dirty="0" smtClean="0"/>
-                <a:t>Adds </a:t>
+                <a:rPr lang="en-US" sz="1600" dirty="0" smtClean="0"/>
+                <a:t>Directory with </a:t>
               </a:r>
               <a:r>
-                <a:rPr lang="en-US" sz="1200" dirty="0" err="1" smtClean="0"/>
+                <a:rPr lang="en-US" sz="1600" dirty="0" err="1" smtClean="0"/>
                 <a:t>sstacks</a:t>
               </a:r>
               <a:r>
-                <a:rPr lang="en-US" sz="1200" dirty="0" smtClean="0"/>
-                <a:t> output data to same directory as </a:t>
+                <a:rPr lang="en-US" sz="1600" dirty="0"/>
+                <a:t>,</a:t>
               </a:r>
               <a:r>
-                <a:rPr lang="en-US" sz="1200" dirty="0" err="1" smtClean="0"/>
+                <a:rPr lang="en-US" sz="1600" dirty="0" smtClean="0"/>
+                <a:t> </a:t>
+              </a:r>
+              <a:r>
+                <a:rPr lang="en-US" sz="1600" dirty="0" err="1" smtClean="0"/>
                 <a:t>ustacks</a:t>
               </a:r>
               <a:r>
-                <a:rPr lang="en-US" sz="1200" dirty="0" smtClean="0"/>
+                <a:rPr lang="en-US" sz="1600" dirty="0" smtClean="0"/>
                 <a:t> and </a:t>
               </a:r>
               <a:r>
-                <a:rPr lang="en-US" sz="1200" dirty="0" err="1" smtClean="0"/>
+                <a:rPr lang="en-US" sz="1600" dirty="0" err="1" smtClean="0"/>
                 <a:t>ccstacks</a:t>
               </a:r>
               <a:r>
-                <a:rPr lang="en-US" sz="1200" dirty="0" smtClean="0"/>
-                <a:t> data (name.matches.tsv.gz)</a:t>
+                <a:rPr lang="en-US" sz="1600" dirty="0" smtClean="0"/>
+                <a:t> data </a:t>
               </a:r>
-              <a:endParaRPr lang="en-US" sz="1200" dirty="0"/>
+              <a:endParaRPr lang="en-US" sz="1600" dirty="0" smtClean="0"/>
+            </a:p>
+            <a:p>
+              <a:pPr algn="ctr"/>
+              <a:r>
+                <a:rPr lang="en-US" sz="1600" dirty="0" smtClean="0"/>
+                <a:t>(</a:t>
+              </a:r>
+              <a:r>
+                <a:rPr lang="en-US" sz="1600" dirty="0" smtClean="0"/>
+                <a:t>name.matches.tsv.gz)</a:t>
+              </a:r>
+              <a:endParaRPr lang="en-US" sz="1600" dirty="0"/>
             </a:p>
           </p:txBody>
         </p:sp>
@@ -3877,7 +7365,7 @@
         </p:nvCxnSpPr>
         <p:spPr>
           <a:xfrm flipH="1">
-            <a:off x="4249366" y="4744196"/>
+            <a:off x="4246372" y="5114040"/>
             <a:ext cx="14611" cy="830536"/>
           </a:xfrm>
           <a:prstGeom prst="straightConnector1">
@@ -3943,12 +7431,17 @@
         </p:nvSpPr>
         <p:spPr>
           <a:xfrm>
-            <a:off x="370832" y="2055851"/>
+            <a:off x="430943" y="2097558"/>
             <a:ext cx="2313888" cy="546411"/>
           </a:xfrm>
           <a:prstGeom prst="flowChartAlternateProcess">
             <a:avLst/>
           </a:prstGeom>
+          <a:solidFill>
+            <a:schemeClr val="accent2">
+              <a:lumMod val="75000"/>
+            </a:schemeClr>
+          </a:solidFill>
         </p:spPr>
         <p:style>
           <a:lnRef idx="2">
@@ -3983,8 +7476,8 @@
         </p:nvSpPr>
         <p:spPr>
           <a:xfrm>
-            <a:off x="384488" y="2150012"/>
-            <a:ext cx="2442468" cy="461665"/>
+            <a:off x="359019" y="2108403"/>
+            <a:ext cx="2442468" cy="584775"/>
           </a:xfrm>
           <a:prstGeom prst="rect">
             <a:avLst/>
@@ -3999,10 +7492,18 @@
           <a:p>
             <a:pPr algn="ctr"/>
             <a:r>
-              <a:rPr lang="en-US" sz="1200" dirty="0" smtClean="0"/>
+              <a:rPr lang="en-US" sz="1600" dirty="0" smtClean="0">
+                <a:solidFill>
+                  <a:schemeClr val="bg1"/>
+                </a:solidFill>
+              </a:rPr>
               <a:t>Directory with 48 fq.gz files, 1 per specimen</a:t>
             </a:r>
-            <a:endParaRPr lang="en-US" sz="1200" dirty="0"/>
+            <a:endParaRPr lang="en-US" sz="1600" dirty="0">
+              <a:solidFill>
+                <a:schemeClr val="bg1"/>
+              </a:solidFill>
+            </a:endParaRPr>
           </a:p>
         </p:txBody>
       </p:sp>
@@ -4174,6 +7675,9 @@
             <a:prstGeom prst="flowChartAlternateProcess">
               <a:avLst/>
             </a:prstGeom>
+            <a:solidFill>
+              <a:schemeClr val="accent4"/>
+            </a:solidFill>
           </p:spPr>
           <p:style>
             <a:lnRef idx="2">
@@ -4208,8 +7712,8 @@
           </p:nvSpPr>
           <p:spPr>
             <a:xfrm>
-              <a:off x="996681" y="1221381"/>
-              <a:ext cx="2974427" cy="4774753"/>
+              <a:off x="996681" y="1221382"/>
+              <a:ext cx="2974427" cy="5989143"/>
             </a:xfrm>
             <a:prstGeom prst="rect">
               <a:avLst/>
@@ -4224,29 +7728,34 @@
             <a:p>
               <a:pPr algn="ctr"/>
               <a:r>
-                <a:rPr lang="en-US" sz="1200" dirty="0" smtClean="0"/>
+                <a:rPr lang="en-US" sz="1600" dirty="0" smtClean="0"/>
                 <a:t>Directory with </a:t>
               </a:r>
               <a:r>
-                <a:rPr lang="en-US" sz="1200" dirty="0" err="1" smtClean="0"/>
+                <a:rPr lang="en-US" sz="1600" dirty="0" err="1" smtClean="0"/>
                 <a:t>ustacks</a:t>
               </a:r>
               <a:r>
-                <a:rPr lang="en-US" sz="1200" dirty="0" smtClean="0"/>
-                <a:t> output (Name.tags.tsv.gz,</a:t>
+                <a:rPr lang="en-US" sz="1600" dirty="0" smtClean="0"/>
+                <a:t> output </a:t>
+              </a:r>
+              <a:r>
+                <a:rPr lang="en-US" sz="1400" dirty="0" smtClean="0"/>
+                <a:t>(</a:t>
+              </a:r>
+              <a:r>
+                <a:rPr lang="en-US" sz="1400" dirty="0" smtClean="0"/>
+                <a:t>Name.tags.tsv.gz, Name.snps.tsv.gz</a:t>
+              </a:r>
+              <a:r>
+                <a:rPr lang="en-US" sz="1400" dirty="0" smtClean="0"/>
+                <a:t>,</a:t>
               </a:r>
             </a:p>
             <a:p>
               <a:pPr algn="ctr"/>
               <a:r>
-                <a:rPr lang="en-US" sz="1200" dirty="0" smtClean="0"/>
-                <a:t>Name.snps.tsv.gz,</a:t>
-              </a:r>
-            </a:p>
-            <a:p>
-              <a:pPr algn="ctr"/>
-              <a:r>
-                <a:rPr lang="en-US" sz="1200" dirty="0" smtClean="0"/>
+                <a:rPr lang="en-US" sz="1400" dirty="0" smtClean="0"/>
                 <a:t>Name.alleles.tsv.gz</a:t>
               </a:r>
             </a:p>
@@ -4397,10 +7906,10 @@
         </p:nvGrpSpPr>
         <p:grpSpPr>
           <a:xfrm>
-            <a:off x="8277622" y="51781"/>
-            <a:ext cx="3065147" cy="610371"/>
-            <a:chOff x="967990" y="411556"/>
-            <a:chExt cx="2984759" cy="6549410"/>
+            <a:off x="8256434" y="51781"/>
+            <a:ext cx="3075724" cy="628469"/>
+            <a:chOff x="947358" y="411556"/>
+            <a:chExt cx="2995059" cy="6743605"/>
           </a:xfrm>
         </p:grpSpPr>
         <p:sp>
@@ -4417,6 +7926,9 @@
             <a:prstGeom prst="flowChartAlternateProcess">
               <a:avLst/>
             </a:prstGeom>
+            <a:solidFill>
+              <a:srgbClr val="FFFF00"/>
+            </a:solidFill>
           </p:spPr>
           <p:style>
             <a:lnRef idx="2">
@@ -4451,8 +7963,8 @@
           </p:nvSpPr>
           <p:spPr>
             <a:xfrm>
-              <a:off x="978322" y="1844874"/>
-              <a:ext cx="2974427" cy="3700875"/>
+              <a:off x="947358" y="880402"/>
+              <a:ext cx="2974427" cy="6274759"/>
             </a:xfrm>
             <a:prstGeom prst="rect">
               <a:avLst/>
@@ -4467,34 +7979,34 @@
             <a:p>
               <a:pPr algn="ctr"/>
               <a:r>
-                <a:rPr lang="en-US" sz="1200" dirty="0" smtClean="0"/>
+                <a:rPr lang="en-US" sz="1600" dirty="0" smtClean="0"/>
                 <a:t>Directory with </a:t>
               </a:r>
               <a:r>
-                <a:rPr lang="en-US" sz="1200" dirty="0" err="1" smtClean="0"/>
+                <a:rPr lang="en-US" sz="1600" dirty="0" err="1" smtClean="0"/>
                 <a:t>ustack</a:t>
               </a:r>
               <a:r>
-                <a:rPr lang="en-US" sz="1200" dirty="0" smtClean="0"/>
+                <a:rPr lang="en-US" sz="1600" dirty="0" smtClean="0"/>
                 <a:t>, </a:t>
               </a:r>
               <a:r>
-                <a:rPr lang="en-US" sz="1200" dirty="0" err="1" smtClean="0"/>
+                <a:rPr lang="en-US" sz="1600" dirty="0" err="1" smtClean="0"/>
                 <a:t>cstacks</a:t>
               </a:r>
               <a:r>
-                <a:rPr lang="en-US" sz="1200" dirty="0" smtClean="0"/>
+                <a:rPr lang="en-US" sz="1600" dirty="0" smtClean="0"/>
                 <a:t>, and </a:t>
               </a:r>
               <a:r>
-                <a:rPr lang="en-US" sz="1200" dirty="0" err="1" smtClean="0"/>
+                <a:rPr lang="en-US" sz="1600" dirty="0" err="1" smtClean="0"/>
                 <a:t>sstacks</a:t>
               </a:r>
               <a:r>
-                <a:rPr lang="en-US" sz="1200" dirty="0" smtClean="0"/>
+                <a:rPr lang="en-US" sz="1600" dirty="0" smtClean="0"/>
                 <a:t> outputs</a:t>
               </a:r>
-              <a:endParaRPr lang="en-US" sz="1200" dirty="0"/>
+              <a:endParaRPr lang="en-US" sz="1600" dirty="0"/>
             </a:p>
           </p:txBody>
         </p:sp>
@@ -4543,11 +8055,16 @@
         </p:nvGrpSpPr>
         <p:grpSpPr>
           <a:xfrm>
-            <a:off x="8307771" y="1429884"/>
-            <a:ext cx="3065147" cy="817005"/>
-            <a:chOff x="967990" y="411556"/>
-            <a:chExt cx="2984759" cy="6549410"/>
-          </a:xfrm>
+            <a:off x="8307771" y="1403141"/>
+            <a:ext cx="3054537" cy="843748"/>
+            <a:chOff x="967990" y="197174"/>
+            <a:chExt cx="2974427" cy="6763792"/>
+          </a:xfrm>
+          <a:solidFill>
+            <a:schemeClr val="accent6">
+              <a:lumMod val="75000"/>
+            </a:schemeClr>
+          </a:solidFill>
         </p:grpSpPr>
         <p:sp>
           <p:nvSpPr>
@@ -4563,6 +8080,7 @@
             <a:prstGeom prst="flowChartAlternateProcess">
               <a:avLst/>
             </a:prstGeom>
+            <a:grpFill/>
           </p:spPr>
           <p:style>
             <a:lnRef idx="2">
@@ -4597,8 +8115,8 @@
           </p:nvSpPr>
           <p:spPr>
             <a:xfrm>
-              <a:off x="978322" y="1844874"/>
-              <a:ext cx="2974427" cy="3700875"/>
+              <a:off x="967990" y="197174"/>
+              <a:ext cx="2974427" cy="6661575"/>
             </a:xfrm>
             <a:prstGeom prst="rect">
               <a:avLst/>
@@ -4613,18 +8131,90 @@
             <a:p>
               <a:pPr algn="ctr"/>
               <a:r>
-                <a:rPr lang="en-US" sz="1200" dirty="0" smtClean="0"/>
-                <a:t>Adds bam files to same directory (</a:t>
+                <a:rPr lang="en-US" sz="1600" dirty="0" smtClean="0">
+                  <a:solidFill>
+                    <a:schemeClr val="bg1"/>
+                  </a:solidFill>
+                </a:rPr>
+                <a:t>Directory  with tsv2bam </a:t>
               </a:r>
               <a:r>
-                <a:rPr lang="en-US" sz="1200" dirty="0" err="1" smtClean="0"/>
+                <a:rPr lang="en-US" sz="1600" dirty="0" smtClean="0">
+                  <a:solidFill>
+                    <a:schemeClr val="bg1"/>
+                  </a:solidFill>
+                </a:rPr>
+                <a:t>output and </a:t>
+              </a:r>
+              <a:r>
+                <a:rPr lang="en-US" sz="1600" dirty="0" err="1" smtClean="0">
+                  <a:solidFill>
+                    <a:schemeClr val="bg1"/>
+                  </a:solidFill>
+                </a:rPr>
+                <a:t>ustacks</a:t>
+              </a:r>
+              <a:r>
+                <a:rPr lang="en-US" sz="1600" dirty="0" smtClean="0">
+                  <a:solidFill>
+                    <a:schemeClr val="bg1"/>
+                  </a:solidFill>
+                </a:rPr>
+                <a:t>, </a:t>
+              </a:r>
+              <a:r>
+                <a:rPr lang="en-US" sz="1600" dirty="0" err="1" smtClean="0">
+                  <a:solidFill>
+                    <a:schemeClr val="bg1"/>
+                  </a:solidFill>
+                </a:rPr>
+                <a:t>cstacks</a:t>
+              </a:r>
+              <a:r>
+                <a:rPr lang="en-US" sz="1600" dirty="0" smtClean="0">
+                  <a:solidFill>
+                    <a:schemeClr val="bg1"/>
+                  </a:solidFill>
+                </a:rPr>
+                <a:t>, and </a:t>
+              </a:r>
+              <a:r>
+                <a:rPr lang="en-US" sz="1600" dirty="0" err="1" smtClean="0">
+                  <a:solidFill>
+                    <a:schemeClr val="bg1"/>
+                  </a:solidFill>
+                </a:rPr>
+                <a:t>cstacks</a:t>
+              </a:r>
+              <a:r>
+                <a:rPr lang="en-US" sz="1600" dirty="0" smtClean="0">
+                  <a:solidFill>
+                    <a:schemeClr val="bg1"/>
+                  </a:solidFill>
+                </a:rPr>
+                <a:t> outputs (</a:t>
+              </a:r>
+              <a:r>
+                <a:rPr lang="en-US" sz="1600" dirty="0" err="1" smtClean="0">
+                  <a:solidFill>
+                    <a:schemeClr val="bg1"/>
+                  </a:solidFill>
+                </a:rPr>
                 <a:t>name.matches.bam</a:t>
               </a:r>
               <a:r>
-                <a:rPr lang="en-US" sz="1200" dirty="0" smtClean="0"/>
+                <a:rPr lang="en-US" sz="1600" dirty="0" smtClean="0">
+                  <a:solidFill>
+                    <a:schemeClr val="bg1"/>
+                  </a:solidFill>
+                </a:rPr>
                 <a:t>)</a:t>
               </a:r>
-              <a:endParaRPr lang="en-US" sz="1200" dirty="0"/>
+              <a:endParaRPr lang="en-US" sz="1600" dirty="0">
+                <a:solidFill>
+                  <a:schemeClr val="bg1"/>
+                </a:solidFill>
+              </a:endParaRPr>
             </a:p>
           </p:txBody>
         </p:sp>
@@ -4754,6 +8344,11 @@
             <a:chOff x="967990" y="411556"/>
             <a:chExt cx="2984759" cy="6549410"/>
           </a:xfrm>
+          <a:solidFill>
+            <a:schemeClr val="accent6">
+              <a:lumMod val="75000"/>
+            </a:schemeClr>
+          </a:solidFill>
         </p:grpSpPr>
         <p:sp>
           <p:nvSpPr>
@@ -4769,6 +8364,7 @@
             <a:prstGeom prst="flowChartAlternateProcess">
               <a:avLst/>
             </a:prstGeom>
+            <a:grpFill/>
           </p:spPr>
           <p:style>
             <a:lnRef idx="2">
@@ -4804,12 +8400,12 @@
           <p:spPr>
             <a:xfrm>
               <a:off x="978322" y="1844874"/>
-              <a:ext cx="2974427" cy="2220525"/>
+              <a:ext cx="2974427" cy="2713972"/>
             </a:xfrm>
             <a:prstGeom prst="rect">
               <a:avLst/>
             </a:prstGeom>
-            <a:noFill/>
+            <a:grpFill/>
           </p:spPr>
           <p:txBody>
             <a:bodyPr wrap="square" rtlCol="0">
@@ -4819,10 +8415,34 @@
             <a:p>
               <a:pPr algn="ctr"/>
               <a:r>
-                <a:rPr lang="en-US" sz="1200" dirty="0" smtClean="0"/>
-                <a:t>Adds </a:t>
+                <a:rPr lang="en-US" sz="1600" dirty="0" smtClean="0">
+                  <a:solidFill>
+                    <a:schemeClr val="bg1"/>
+                  </a:solidFill>
+                </a:rPr>
+                <a:t>Directory with </a:t>
               </a:r>
-              <a:endParaRPr lang="en-US" sz="1200" dirty="0"/>
+              <a:r>
+                <a:rPr lang="en-US" sz="1600" dirty="0" err="1" smtClean="0">
+                  <a:solidFill>
+                    <a:schemeClr val="bg1"/>
+                  </a:solidFill>
+                </a:rPr>
+                <a:t>gstacks</a:t>
+              </a:r>
+              <a:r>
+                <a:rPr lang="en-US" sz="1600" dirty="0" smtClean="0">
+                  <a:solidFill>
+                    <a:schemeClr val="bg1"/>
+                  </a:solidFill>
+                </a:rPr>
+                <a:t> outputs?</a:t>
+              </a:r>
+              <a:endParaRPr lang="en-US" sz="1600" dirty="0">
+                <a:solidFill>
+                  <a:schemeClr val="bg1"/>
+                </a:solidFill>
+              </a:endParaRPr>
             </a:p>
           </p:txBody>
         </p:sp>
@@ -4836,7 +8456,7 @@
         <p:spPr>
           <a:xfrm>
             <a:off x="8511888" y="3890752"/>
-            <a:ext cx="3737622" cy="338554"/>
+            <a:ext cx="3737622" cy="1077218"/>
           </a:xfrm>
           <a:prstGeom prst="rect">
             <a:avLst/>
@@ -4851,15 +8471,169 @@
           <a:p>
             <a:r>
               <a:rPr lang="en-US" sz="1600" dirty="0" smtClean="0"/>
-              <a:t>Run `</a:t>
+              <a:t>Run </a:t>
+            </a:r>
+            <a:r>
+              <a:rPr lang="en-US" sz="1600" dirty="0" smtClean="0"/>
+              <a:t>`populations` </a:t>
+            </a:r>
+            <a:r>
+              <a:rPr lang="en-US" sz="1600" dirty="0" smtClean="0"/>
+              <a:t>to </a:t>
+            </a:r>
+            <a:r>
+              <a:rPr lang="en-US" sz="1600" dirty="0" smtClean="0"/>
+              <a:t>get population summary statistics such as F</a:t>
+            </a:r>
+            <a:r>
+              <a:rPr lang="en-US" sz="1600" baseline="-25000" dirty="0" smtClean="0"/>
+              <a:t>ST</a:t>
+            </a:r>
+            <a:r>
+              <a:rPr lang="en-US" sz="1600" dirty="0" smtClean="0"/>
+              <a:t>  and output data into a </a:t>
             </a:r>
             <a:r>
               <a:rPr lang="en-US" sz="1600" dirty="0" err="1" smtClean="0"/>
-              <a:t>gstacks</a:t>
+              <a:t>fasta</a:t>
             </a:r>
             <a:r>
               <a:rPr lang="en-US" sz="1600" dirty="0" smtClean="0"/>
-              <a:t>` to do something?</a:t>
+              <a:t> or </a:t>
+            </a:r>
+            <a:r>
+              <a:rPr lang="en-US" sz="1600" dirty="0" err="1" smtClean="0"/>
+              <a:t>phylip</a:t>
+            </a:r>
+            <a:r>
+              <a:rPr lang="en-US" sz="1600" dirty="0" smtClean="0"/>
+              <a:t> that can be used for analysis</a:t>
+            </a:r>
+            <a:endParaRPr lang="en-US" sz="1600" dirty="0"/>
+          </a:p>
+        </p:txBody>
+      </p:sp>
+      <p:cxnSp>
+        <p:nvCxnSpPr>
+          <p:cNvPr id="59" name="Straight Arrow Connector 58"/>
+          <p:cNvCxnSpPr/>
+          <p:nvPr/>
+        </p:nvCxnSpPr>
+        <p:spPr>
+          <a:xfrm>
+            <a:off x="8430415" y="3885006"/>
+            <a:ext cx="0" cy="580689"/>
+          </a:xfrm>
+          <a:prstGeom prst="straightConnector1">
+            <a:avLst/>
+          </a:prstGeom>
+          <a:ln w="76200">
+            <a:solidFill>
+              <a:schemeClr val="tx1"/>
+            </a:solidFill>
+            <a:tailEnd type="triangle"/>
+          </a:ln>
+        </p:spPr>
+        <p:style>
+          <a:lnRef idx="3">
+            <a:schemeClr val="dk1"/>
+          </a:lnRef>
+          <a:fillRef idx="0">
+            <a:schemeClr val="dk1"/>
+          </a:fillRef>
+          <a:effectRef idx="2">
+            <a:schemeClr val="dk1"/>
+          </a:effectRef>
+          <a:fontRef idx="minor">
+            <a:schemeClr val="tx1"/>
+          </a:fontRef>
+        </p:style>
+      </p:cxnSp>
+      <p:sp>
+        <p:nvSpPr>
+          <p:cNvPr id="3" name="Explosion 2 2"/>
+          <p:cNvSpPr/>
+          <p:nvPr/>
+        </p:nvSpPr>
+        <p:spPr>
+          <a:xfrm rot="647178">
+            <a:off x="7984135" y="4827444"/>
+            <a:ext cx="4076695" cy="2232203"/>
+          </a:xfrm>
+          <a:prstGeom prst="irregularSeal2">
+            <a:avLst/>
+          </a:prstGeom>
+          <a:solidFill>
+            <a:srgbClr val="92D050"/>
+          </a:solidFill>
+        </p:spPr>
+        <p:style>
+          <a:lnRef idx="2">
+            <a:schemeClr val="accent1">
+              <a:shade val="50000"/>
+            </a:schemeClr>
+          </a:lnRef>
+          <a:fillRef idx="1">
+            <a:schemeClr val="accent1"/>
+          </a:fillRef>
+          <a:effectRef idx="0">
+            <a:schemeClr val="accent1"/>
+          </a:effectRef>
+          <a:fontRef idx="minor">
+            <a:schemeClr val="lt1"/>
+          </a:fontRef>
+        </p:style>
+        <p:txBody>
+          <a:bodyPr rtlCol="0" anchor="ctr"/>
+          <a:lstStyle/>
+          <a:p>
+            <a:pPr algn="ctr"/>
+            <a:endParaRPr lang="en-US"/>
+          </a:p>
+        </p:txBody>
+      </p:sp>
+      <p:sp>
+        <p:nvSpPr>
+          <p:cNvPr id="65" name="TextBox 64"/>
+          <p:cNvSpPr txBox="1"/>
+          <p:nvPr/>
+        </p:nvSpPr>
+        <p:spPr>
+          <a:xfrm>
+            <a:off x="8328991" y="5712478"/>
+            <a:ext cx="3054537" cy="584775"/>
+          </a:xfrm>
+          <a:prstGeom prst="rect">
+            <a:avLst/>
+          </a:prstGeom>
+          <a:noFill/>
+        </p:spPr>
+        <p:txBody>
+          <a:bodyPr wrap="square" rtlCol="0">
+            <a:spAutoFit/>
+          </a:bodyPr>
+          <a:lstStyle/>
+          <a:p>
+            <a:pPr algn="ctr"/>
+            <a:r>
+              <a:rPr lang="en-US" sz="1600" dirty="0" err="1" smtClean="0"/>
+              <a:t>Fasta</a:t>
+            </a:r>
+            <a:r>
+              <a:rPr lang="en-US" sz="1600" dirty="0" smtClean="0"/>
+              <a:t> or </a:t>
+            </a:r>
+            <a:r>
+              <a:rPr lang="en-US" sz="1600" dirty="0" err="1" smtClean="0"/>
+              <a:t>phylip</a:t>
+            </a:r>
+            <a:r>
+              <a:rPr lang="en-US" sz="1600" dirty="0" smtClean="0"/>
+              <a:t> files that can now be used to mak</a:t>
+            </a:r>
+            <a:r>
+              <a:rPr lang="en-US" sz="1600" dirty="0" smtClean="0"/>
+              <a:t>e a tree!!</a:t>
             </a:r>
             <a:endParaRPr lang="en-US" sz="1600" dirty="0"/>
           </a:p>
@@ -4869,6 +8643,278 @@
     <p:extLst>
       <p:ext uri="{BB962C8B-B14F-4D97-AF65-F5344CB8AC3E}">
         <p14:creationId xmlns:p14="http://schemas.microsoft.com/office/powerpoint/2010/main" val="390993362"/>
+      </p:ext>
+    </p:extLst>
+  </p:cSld>
+  <p:clrMapOvr>
+    <a:masterClrMapping/>
+  </p:clrMapOvr>
+  <p:timing>
+    <p:tnLst>
+      <p:par>
+        <p:cTn id="1" dur="indefinite" restart="never" nodeType="tmRoot"/>
+      </p:par>
+    </p:tnLst>
+  </p:timing>
+</p:sld>
+</file>
+
+<file path=ppt/slides/slide7.xml><?xml version="1.0" encoding="utf-8"?>
+<p:sld xmlns:a="http://schemas.openxmlformats.org/drawingml/2006/main" xmlns:r="http://schemas.openxmlformats.org/officeDocument/2006/relationships" xmlns:p="http://schemas.openxmlformats.org/presentationml/2006/main">
+  <p:cSld>
+    <p:spTree>
+      <p:nvGrpSpPr>
+        <p:cNvPr id="1" name=""/>
+        <p:cNvGrpSpPr/>
+        <p:nvPr/>
+      </p:nvGrpSpPr>
+      <p:grpSpPr>
+        <a:xfrm>
+          <a:off x="0" y="0"/>
+          <a:ext cx="0" cy="0"/>
+          <a:chOff x="0" y="0"/>
+          <a:chExt cx="0" cy="0"/>
+        </a:xfrm>
+      </p:grpSpPr>
+      <p:sp>
+        <p:nvSpPr>
+          <p:cNvPr id="2" name="Title 1"/>
+          <p:cNvSpPr>
+            <a:spLocks noGrp="1"/>
+          </p:cNvSpPr>
+          <p:nvPr>
+            <p:ph type="title"/>
+          </p:nvPr>
+        </p:nvSpPr>
+        <p:spPr/>
+        <p:txBody>
+          <a:bodyPr/>
+          <a:lstStyle/>
+          <a:p>
+            <a:r>
+              <a:rPr lang="en-US" dirty="0" smtClean="0"/>
+              <a:t>Visualization</a:t>
+            </a:r>
+            <a:endParaRPr lang="en-US" dirty="0"/>
+          </a:p>
+        </p:txBody>
+      </p:sp>
+      <p:sp>
+        <p:nvSpPr>
+          <p:cNvPr id="3" name="Content Placeholder 2"/>
+          <p:cNvSpPr>
+            <a:spLocks noGrp="1"/>
+          </p:cNvSpPr>
+          <p:nvPr>
+            <p:ph idx="1"/>
+          </p:nvPr>
+        </p:nvSpPr>
+        <p:spPr/>
+        <p:txBody>
+          <a:bodyPr/>
+          <a:lstStyle/>
+          <a:p>
+            <a:endParaRPr lang="en-US"/>
+          </a:p>
+        </p:txBody>
+      </p:sp>
+    </p:spTree>
+    <p:extLst>
+      <p:ext uri="{BB962C8B-B14F-4D97-AF65-F5344CB8AC3E}">
+        <p14:creationId xmlns:p14="http://schemas.microsoft.com/office/powerpoint/2010/main" val="1588136584"/>
+      </p:ext>
+    </p:extLst>
+  </p:cSld>
+  <p:clrMapOvr>
+    <a:masterClrMapping/>
+  </p:clrMapOvr>
+</p:sld>
+</file>
+
+<file path=ppt/slides/slide8.xml><?xml version="1.0" encoding="utf-8"?>
+<p:sld xmlns:a="http://schemas.openxmlformats.org/drawingml/2006/main" xmlns:r="http://schemas.openxmlformats.org/officeDocument/2006/relationships" xmlns:p="http://schemas.openxmlformats.org/presentationml/2006/main">
+  <p:cSld>
+    <p:spTree>
+      <p:nvGrpSpPr>
+        <p:cNvPr id="1" name=""/>
+        <p:cNvGrpSpPr/>
+        <p:nvPr/>
+      </p:nvGrpSpPr>
+      <p:grpSpPr>
+        <a:xfrm>
+          <a:off x="0" y="0"/>
+          <a:ext cx="0" cy="0"/>
+          <a:chOff x="0" y="0"/>
+          <a:chExt cx="0" cy="0"/>
+        </a:xfrm>
+      </p:grpSpPr>
+      <p:sp>
+        <p:nvSpPr>
+          <p:cNvPr id="2" name="Title 1"/>
+          <p:cNvSpPr>
+            <a:spLocks noGrp="1"/>
+          </p:cNvSpPr>
+          <p:nvPr>
+            <p:ph type="title"/>
+          </p:nvPr>
+        </p:nvSpPr>
+        <p:spPr/>
+        <p:txBody>
+          <a:bodyPr/>
+          <a:lstStyle/>
+          <a:p>
+            <a:r>
+              <a:rPr lang="en-US" dirty="0" smtClean="0"/>
+              <a:t>Next </a:t>
+            </a:r>
+            <a:r>
+              <a:rPr lang="en-US" dirty="0" smtClean="0"/>
+              <a:t>Steps </a:t>
+            </a:r>
+            <a:r>
+              <a:rPr lang="en-US" dirty="0" err="1" smtClean="0"/>
+              <a:t>RADSeq</a:t>
+            </a:r>
+            <a:endParaRPr lang="en-US" dirty="0"/>
+          </a:p>
+        </p:txBody>
+      </p:sp>
+      <p:sp>
+        <p:nvSpPr>
+          <p:cNvPr id="3" name="Content Placeholder 2"/>
+          <p:cNvSpPr>
+            <a:spLocks noGrp="1"/>
+          </p:cNvSpPr>
+          <p:nvPr>
+            <p:ph idx="1"/>
+          </p:nvPr>
+        </p:nvSpPr>
+        <p:spPr/>
+        <p:txBody>
+          <a:bodyPr/>
+          <a:lstStyle/>
+          <a:p>
+            <a:r>
+              <a:rPr lang="en-US" dirty="0" smtClean="0"/>
+              <a:t>Finish running the pipeline</a:t>
+            </a:r>
+          </a:p>
+          <a:p>
+            <a:r>
+              <a:rPr lang="en-US" dirty="0" smtClean="0"/>
+              <a:t>Take the data and make a tree</a:t>
+            </a:r>
+          </a:p>
+          <a:p>
+            <a:r>
+              <a:rPr lang="en-US" dirty="0" smtClean="0"/>
+              <a:t>Compare that tree to one generated in the paper I’m following</a:t>
+            </a:r>
+          </a:p>
+          <a:p>
+            <a:r>
+              <a:rPr lang="en-US" dirty="0" smtClean="0"/>
+              <a:t>Try it all again with </a:t>
+            </a:r>
+            <a:r>
+              <a:rPr lang="en-US" dirty="0" err="1" smtClean="0"/>
+              <a:t>Ipyrad</a:t>
+            </a:r>
+            <a:r>
+              <a:rPr lang="en-US" dirty="0" smtClean="0"/>
+              <a:t> and see if it gives similar trees</a:t>
+            </a:r>
+            <a:endParaRPr lang="en-US" dirty="0"/>
+          </a:p>
+        </p:txBody>
+      </p:sp>
+    </p:spTree>
+    <p:extLst>
+      <p:ext uri="{BB962C8B-B14F-4D97-AF65-F5344CB8AC3E}">
+        <p14:creationId xmlns:p14="http://schemas.microsoft.com/office/powerpoint/2010/main" val="2415354200"/>
+      </p:ext>
+    </p:extLst>
+  </p:cSld>
+  <p:clrMapOvr>
+    <a:masterClrMapping/>
+  </p:clrMapOvr>
+</p:sld>
+</file>
+
+<file path=ppt/slides/slide9.xml><?xml version="1.0" encoding="utf-8"?>
+<p:sld xmlns:a="http://schemas.openxmlformats.org/drawingml/2006/main" xmlns:r="http://schemas.openxmlformats.org/officeDocument/2006/relationships" xmlns:p="http://schemas.openxmlformats.org/presentationml/2006/main">
+  <p:cSld>
+    <p:spTree>
+      <p:nvGrpSpPr>
+        <p:cNvPr id="1" name=""/>
+        <p:cNvGrpSpPr/>
+        <p:nvPr/>
+      </p:nvGrpSpPr>
+      <p:grpSpPr>
+        <a:xfrm>
+          <a:off x="0" y="0"/>
+          <a:ext cx="0" cy="0"/>
+          <a:chOff x="0" y="0"/>
+          <a:chExt cx="0" cy="0"/>
+        </a:xfrm>
+      </p:grpSpPr>
+      <p:sp>
+        <p:nvSpPr>
+          <p:cNvPr id="2" name="Title 1"/>
+          <p:cNvSpPr>
+            <a:spLocks noGrp="1"/>
+          </p:cNvSpPr>
+          <p:nvPr>
+            <p:ph type="title"/>
+          </p:nvPr>
+        </p:nvSpPr>
+        <p:spPr/>
+        <p:txBody>
+          <a:bodyPr/>
+          <a:lstStyle/>
+          <a:p>
+            <a:r>
+              <a:rPr lang="en-US" dirty="0" smtClean="0"/>
+              <a:t>Bonus Question: </a:t>
+            </a:r>
+            <a:endParaRPr lang="en-US" dirty="0"/>
+          </a:p>
+        </p:txBody>
+      </p:sp>
+      <p:sp>
+        <p:nvSpPr>
+          <p:cNvPr id="3" name="Content Placeholder 2"/>
+          <p:cNvSpPr>
+            <a:spLocks noGrp="1"/>
+          </p:cNvSpPr>
+          <p:nvPr>
+            <p:ph idx="1"/>
+          </p:nvPr>
+        </p:nvSpPr>
+        <p:spPr/>
+        <p:txBody>
+          <a:bodyPr/>
+          <a:lstStyle/>
+          <a:p>
+            <a:pPr marL="0" indent="0">
+              <a:buNone/>
+            </a:pPr>
+            <a:r>
+              <a:rPr lang="en-US" dirty="0" smtClean="0"/>
+              <a:t>Can I </a:t>
+            </a:r>
+            <a:r>
+              <a:rPr lang="en-US" dirty="0"/>
+              <a:t>use the command line to automate downloading and renaming CT scanning files to save time and remove user error?</a:t>
+            </a:r>
+            <a:endParaRPr lang="en-US" dirty="0"/>
+          </a:p>
+        </p:txBody>
+      </p:sp>
+    </p:spTree>
+    <p:extLst>
+      <p:ext uri="{BB962C8B-B14F-4D97-AF65-F5344CB8AC3E}">
+        <p14:creationId xmlns:p14="http://schemas.microsoft.com/office/powerpoint/2010/main" val="1548929640"/>
       </p:ext>
     </p:extLst>
   </p:cSld>

--- a/progress/flowchart.pptx
+++ b/progress/flowchart.pptx
@@ -16,7 +16,6 @@
     <p:sldId id="270" r:id="rId10"/>
     <p:sldId id="271" r:id="rId11"/>
     <p:sldId id="269" r:id="rId12"/>
-    <p:sldId id="262" r:id="rId13"/>
   </p:sldIdLst>
   <p:sldSz cx="12192000" cy="6858000"/>
   <p:notesSz cx="6858000" cy="9144000"/>
@@ -2996,10 +2995,17 @@
           <a:lstStyle/>
           <a:p>
             <a:r>
-              <a:rPr lang="en-US" dirty="0" smtClean="0"/>
-              <a:t>Title of Some Sort</a:t>
-            </a:r>
-            <a:endParaRPr lang="en-US" dirty="0"/>
+              <a:rPr lang="en-US" b="1" dirty="0"/>
+              <a:t>Analyzing </a:t>
+            </a:r>
+            <a:r>
+              <a:rPr lang="en-US" b="1" dirty="0" err="1"/>
+              <a:t>RADSeq</a:t>
+            </a:r>
+            <a:r>
+              <a:rPr lang="en-US" b="1" dirty="0"/>
+              <a:t> Data</a:t>
+            </a:r>
           </a:p>
         </p:txBody>
       </p:sp>
@@ -3042,6 +3048,13 @@
   <p:clrMapOvr>
     <a:masterClrMapping/>
   </p:clrMapOvr>
+  <p:timing>
+    <p:tnLst>
+      <p:par>
+        <p:cTn id="1" dur="indefinite" restart="never" nodeType="tmRoot"/>
+      </p:par>
+    </p:tnLst>
+  </p:timing>
 </p:sld>
 </file>
 
@@ -3154,6 +3167,13 @@
   <p:clrMapOvr>
     <a:masterClrMapping/>
   </p:clrMapOvr>
+  <p:timing>
+    <p:tnLst>
+      <p:par>
+        <p:cTn id="1" dur="indefinite" restart="never" nodeType="tmRoot"/>
+      </p:par>
+    </p:tnLst>
+  </p:timing>
 </p:sld>
 </file>
 
@@ -3374,13 +3394,15 @@
       <p:cxnSp>
         <p:nvCxnSpPr>
           <p:cNvPr id="79" name="Straight Arrow Connector 78"/>
-          <p:cNvCxnSpPr/>
+          <p:cNvCxnSpPr>
+            <a:endCxn id="4" idx="1"/>
+          </p:cNvCxnSpPr>
           <p:nvPr/>
         </p:nvCxnSpPr>
         <p:spPr>
           <a:xfrm>
-            <a:off x="2204105" y="1140707"/>
-            <a:ext cx="1449016" cy="5301"/>
+            <a:off x="2135029" y="989939"/>
+            <a:ext cx="1517279" cy="5963"/>
           </a:xfrm>
           <a:prstGeom prst="straightConnector1">
             <a:avLst/>
@@ -3705,7 +3727,7 @@
         </p:nvGrpSpPr>
         <p:grpSpPr>
           <a:xfrm>
-            <a:off x="253045" y="658244"/>
+            <a:off x="191110" y="489261"/>
             <a:ext cx="1883570" cy="1146441"/>
             <a:chOff x="957657" y="411556"/>
             <a:chExt cx="2984760" cy="6549410"/>
@@ -3880,44 +3902,22 @@
             <a:p>
               <a:pPr algn="ctr"/>
               <a:r>
-                <a:rPr lang="en-US" sz="1600" dirty="0" smtClean="0"/>
+                <a:rPr lang="en-US" sz="1600" dirty="0" smtClean="0">
+                  <a:solidFill>
+                    <a:schemeClr val="bg1"/>
+                  </a:solidFill>
+                </a:rPr>
                 <a:t>Directory with all renamed .log files and corresponding renamed .zip image stacks</a:t>
               </a:r>
-              <a:endParaRPr lang="en-US" sz="1600" dirty="0"/>
+              <a:endParaRPr lang="en-US" sz="1600" dirty="0">
+                <a:solidFill>
+                  <a:schemeClr val="bg1"/>
+                </a:solidFill>
+              </a:endParaRPr>
             </a:p>
           </p:txBody>
         </p:sp>
       </p:grpSp>
-      <p:sp>
-        <p:nvSpPr>
-          <p:cNvPr id="69" name="TextBox 68"/>
-          <p:cNvSpPr txBox="1"/>
-          <p:nvPr/>
-        </p:nvSpPr>
-        <p:spPr>
-          <a:xfrm>
-            <a:off x="2372415" y="1251249"/>
-            <a:ext cx="1059806" cy="830997"/>
-          </a:xfrm>
-          <a:prstGeom prst="rect">
-            <a:avLst/>
-          </a:prstGeom>
-          <a:noFill/>
-        </p:spPr>
-        <p:txBody>
-          <a:bodyPr wrap="square" rtlCol="0">
-            <a:spAutoFit/>
-          </a:bodyPr>
-          <a:lstStyle/>
-          <a:p>
-            <a:r>
-              <a:rPr lang="en-US" sz="1600" dirty="0" smtClean="0"/>
-              <a:t>For each number in file</a:t>
-            </a:r>
-            <a:endParaRPr lang="en-US" sz="1600" dirty="0" smtClean="0"/>
-          </a:p>
-        </p:txBody>
-      </p:sp>
       <p:grpSp>
         <p:nvGrpSpPr>
           <p:cNvPr id="71" name="Group 70"/>
@@ -4230,8 +4230,8 @@
         </p:nvSpPr>
         <p:spPr>
           <a:xfrm>
-            <a:off x="9662600" y="1926643"/>
-            <a:ext cx="2105411" cy="584775"/>
+            <a:off x="9559464" y="2028570"/>
+            <a:ext cx="2105411" cy="830997"/>
           </a:xfrm>
           <a:prstGeom prst="rect">
             <a:avLst/>
@@ -4246,7 +4246,7 @@
           <a:p>
             <a:r>
               <a:rPr lang="en-US" sz="1600" dirty="0" smtClean="0"/>
-              <a:t>Input for Batch Uploading script</a:t>
+              <a:t>Run Batch Uploading script with this directory as input</a:t>
             </a:r>
             <a:endParaRPr lang="en-US" sz="1600" dirty="0" smtClean="0"/>
           </a:p>
@@ -4558,6 +4558,53 @@
           </a:p>
         </p:txBody>
       </p:sp>
+      <p:sp>
+        <p:nvSpPr>
+          <p:cNvPr id="25" name="Rounded Rectangle 24"/>
+          <p:cNvSpPr/>
+          <p:nvPr/>
+        </p:nvSpPr>
+        <p:spPr>
+          <a:xfrm>
+            <a:off x="3326130" y="103295"/>
+            <a:ext cx="4591690" cy="6640830"/>
+          </a:xfrm>
+          <a:prstGeom prst="roundRect">
+            <a:avLst/>
+          </a:prstGeom>
+          <a:noFill/>
+          <a:ln w="76200">
+            <a:solidFill>
+              <a:schemeClr val="tx1"/>
+            </a:solidFill>
+            <a:prstDash val="sysDot"/>
+          </a:ln>
+        </p:spPr>
+        <p:style>
+          <a:lnRef idx="2">
+            <a:schemeClr val="accent1">
+              <a:shade val="50000"/>
+            </a:schemeClr>
+          </a:lnRef>
+          <a:fillRef idx="1">
+            <a:schemeClr val="accent1"/>
+          </a:fillRef>
+          <a:effectRef idx="0">
+            <a:schemeClr val="accent1"/>
+          </a:effectRef>
+          <a:fontRef idx="minor">
+            <a:schemeClr val="lt1"/>
+          </a:fontRef>
+        </p:style>
+        <p:txBody>
+          <a:bodyPr rtlCol="0" anchor="ctr"/>
+          <a:lstStyle/>
+          <a:p>
+            <a:pPr algn="ctr"/>
+            <a:endParaRPr lang="en-US"/>
+          </a:p>
+        </p:txBody>
+      </p:sp>
     </p:spTree>
     <p:extLst>
       <p:ext uri="{BB962C8B-B14F-4D97-AF65-F5344CB8AC3E}">
@@ -4578,74 +4625,6 @@
 </p:sld>
 </file>
 
-<file path=ppt/slides/slide12.xml><?xml version="1.0" encoding="utf-8"?>
-<p:sld xmlns:a="http://schemas.openxmlformats.org/drawingml/2006/main" xmlns:r="http://schemas.openxmlformats.org/officeDocument/2006/relationships" xmlns:p="http://schemas.openxmlformats.org/presentationml/2006/main">
-  <p:cSld>
-    <p:spTree>
-      <p:nvGrpSpPr>
-        <p:cNvPr id="1" name=""/>
-        <p:cNvGrpSpPr/>
-        <p:nvPr/>
-      </p:nvGrpSpPr>
-      <p:grpSpPr>
-        <a:xfrm>
-          <a:off x="0" y="0"/>
-          <a:ext cx="0" cy="0"/>
-          <a:chOff x="0" y="0"/>
-          <a:chExt cx="0" cy="0"/>
-        </a:xfrm>
-      </p:grpSpPr>
-      <p:sp>
-        <p:nvSpPr>
-          <p:cNvPr id="2" name="Title 1"/>
-          <p:cNvSpPr>
-            <a:spLocks noGrp="1"/>
-          </p:cNvSpPr>
-          <p:nvPr>
-            <p:ph type="title"/>
-          </p:nvPr>
-        </p:nvSpPr>
-        <p:spPr/>
-        <p:txBody>
-          <a:bodyPr/>
-          <a:lstStyle/>
-          <a:p>
-            <a:endParaRPr lang="en-US" dirty="0"/>
-          </a:p>
-        </p:txBody>
-      </p:sp>
-      <p:sp>
-        <p:nvSpPr>
-          <p:cNvPr id="3" name="Content Placeholder 2"/>
-          <p:cNvSpPr>
-            <a:spLocks noGrp="1"/>
-          </p:cNvSpPr>
-          <p:nvPr>
-            <p:ph idx="1"/>
-          </p:nvPr>
-        </p:nvSpPr>
-        <p:spPr/>
-        <p:txBody>
-          <a:bodyPr/>
-          <a:lstStyle/>
-          <a:p>
-            <a:endParaRPr lang="en-US" dirty="0"/>
-          </a:p>
-        </p:txBody>
-      </p:sp>
-    </p:spTree>
-    <p:extLst>
-      <p:ext uri="{BB962C8B-B14F-4D97-AF65-F5344CB8AC3E}">
-        <p14:creationId xmlns:p14="http://schemas.microsoft.com/office/powerpoint/2010/main" val="1387109166"/>
-      </p:ext>
-    </p:extLst>
-  </p:cSld>
-  <p:clrMapOvr>
-    <a:masterClrMapping/>
-  </p:clrMapOvr>
-</p:sld>
-</file>
-
 <file path=ppt/slides/slide2.xml><?xml version="1.0" encoding="utf-8"?>
 <p:sld xmlns:a="http://schemas.openxmlformats.org/drawingml/2006/main" xmlns:r="http://schemas.openxmlformats.org/officeDocument/2006/relationships" xmlns:p="http://schemas.openxmlformats.org/presentationml/2006/main">
   <p:cSld>
@@ -4729,6 +4708,13 @@
   <p:clrMapOvr>
     <a:masterClrMapping/>
   </p:clrMapOvr>
+  <p:timing>
+    <p:tnLst>
+      <p:par>
+        <p:cTn id="1" dur="indefinite" restart="never" nodeType="tmRoot"/>
+      </p:par>
+    </p:tnLst>
+  </p:timing>
 </p:sld>
 </file>
 
@@ -4822,6 +4808,13 @@
   <p:clrMapOvr>
     <a:masterClrMapping/>
   </p:clrMapOvr>
+  <p:timing>
+    <p:tnLst>
+      <p:par>
+        <p:cTn id="1" dur="indefinite" restart="never" nodeType="tmRoot"/>
+      </p:par>
+    </p:tnLst>
+  </p:timing>
 </p:sld>
 </file>
 
@@ -4933,6 +4926,13 @@
   <p:clrMapOvr>
     <a:masterClrMapping/>
   </p:clrMapOvr>
+  <p:timing>
+    <p:tnLst>
+      <p:par>
+        <p:cTn id="1" dur="indefinite" restart="never" nodeType="tmRoot"/>
+      </p:par>
+    </p:tnLst>
+  </p:timing>
 </p:sld>
 </file>
 
@@ -4980,7 +4980,7 @@
             </a:r>
             <a:r>
               <a:rPr lang="en-US" dirty="0" smtClean="0"/>
-              <a:t> Workflow</a:t>
+              <a:t> Workflow using Stacks v 2.2</a:t>
             </a:r>
             <a:endParaRPr lang="en-US" dirty="0"/>
           </a:p>
@@ -8728,6 +8728,13 @@
   <p:clrMapOvr>
     <a:masterClrMapping/>
   </p:clrMapOvr>
+  <p:timing>
+    <p:tnLst>
+      <p:par>
+        <p:cTn id="1" dur="indefinite" restart="never" nodeType="tmRoot"/>
+      </p:par>
+    </p:tnLst>
+  </p:timing>
 </p:sld>
 </file>
 
@@ -8838,6 +8845,13 @@
   <p:clrMapOvr>
     <a:masterClrMapping/>
   </p:clrMapOvr>
+  <p:timing>
+    <p:tnLst>
+      <p:par>
+        <p:cTn id="1" dur="indefinite" restart="never" nodeType="tmRoot"/>
+      </p:par>
+    </p:tnLst>
+  </p:timing>
 </p:sld>
 </file>
 
@@ -8921,6 +8935,13 @@
   <p:clrMapOvr>
     <a:masterClrMapping/>
   </p:clrMapOvr>
+  <p:timing>
+    <p:tnLst>
+      <p:par>
+        <p:cTn id="1" dur="indefinite" restart="never" nodeType="tmRoot"/>
+      </p:par>
+    </p:tnLst>
+  </p:timing>
 </p:sld>
 </file>
 

--- a/progress/flowchart.pptx
+++ b/progress/flowchart.pptx
@@ -12,10 +12,13 @@
     <p:sldId id="267" r:id="rId6"/>
     <p:sldId id="256" r:id="rId7"/>
     <p:sldId id="259" r:id="rId8"/>
-    <p:sldId id="260" r:id="rId9"/>
-    <p:sldId id="270" r:id="rId10"/>
-    <p:sldId id="271" r:id="rId11"/>
-    <p:sldId id="269" r:id="rId12"/>
+    <p:sldId id="272" r:id="rId9"/>
+    <p:sldId id="273" r:id="rId10"/>
+    <p:sldId id="274" r:id="rId11"/>
+    <p:sldId id="260" r:id="rId12"/>
+    <p:sldId id="270" r:id="rId13"/>
+    <p:sldId id="271" r:id="rId14"/>
+    <p:sldId id="269" r:id="rId15"/>
   </p:sldIdLst>
   <p:sldSz cx="12192000" cy="6858000"/>
   <p:notesSz cx="6858000" cy="9144000"/>
@@ -3075,6 +3078,328 @@
           <a:chExt cx="0" cy="0"/>
         </a:xfrm>
       </p:grpSpPr>
+      <p:pic>
+        <p:nvPicPr>
+          <p:cNvPr id="5" name="Picture 4"/>
+          <p:cNvPicPr>
+            <a:picLocks noChangeAspect="1"/>
+          </p:cNvPicPr>
+          <p:nvPr/>
+        </p:nvPicPr>
+        <p:blipFill rotWithShape="1">
+          <a:blip r:embed="rId2">
+            <a:extLst>
+              <a:ext uri="{28A0092B-C50C-407E-A947-70E740481C1C}">
+                <a14:useLocalDpi xmlns:a14="http://schemas.microsoft.com/office/drawing/2010/main" val="0"/>
+              </a:ext>
+            </a:extLst>
+          </a:blip>
+          <a:srcRect l="373"/>
+          <a:stretch/>
+        </p:blipFill>
+        <p:spPr>
+          <a:xfrm>
+            <a:off x="811529" y="653421"/>
+            <a:ext cx="10020933" cy="5847306"/>
+          </a:xfrm>
+          <a:prstGeom prst="rect">
+            <a:avLst/>
+          </a:prstGeom>
+        </p:spPr>
+      </p:pic>
+      <p:sp>
+        <p:nvSpPr>
+          <p:cNvPr id="8" name="Title 1"/>
+          <p:cNvSpPr txBox="1">
+            <a:spLocks/>
+          </p:cNvSpPr>
+          <p:nvPr/>
+        </p:nvSpPr>
+        <p:spPr>
+          <a:xfrm>
+            <a:off x="118110" y="90805"/>
+            <a:ext cx="10515600" cy="743585"/>
+          </a:xfrm>
+          <a:prstGeom prst="rect">
+            <a:avLst/>
+          </a:prstGeom>
+        </p:spPr>
+        <p:txBody>
+          <a:bodyPr vert="horz" lIns="91440" tIns="45720" rIns="91440" bIns="45720" rtlCol="0" anchor="ctr">
+            <a:normAutofit/>
+          </a:bodyPr>
+          <a:lstStyle>
+            <a:lvl1pPr algn="l" defTabSz="914400" rtl="0" eaLnBrk="1" latinLnBrk="0" hangingPunct="1">
+              <a:lnSpc>
+                <a:spcPct val="90000"/>
+              </a:lnSpc>
+              <a:spcBef>
+                <a:spcPct val="0"/>
+              </a:spcBef>
+              <a:buNone/>
+              <a:defRPr sz="4400" kern="1200">
+                <a:solidFill>
+                  <a:schemeClr val="tx1"/>
+                </a:solidFill>
+                <a:latin typeface="+mj-lt"/>
+                <a:ea typeface="+mj-ea"/>
+                <a:cs typeface="+mj-cs"/>
+              </a:defRPr>
+            </a:lvl1pPr>
+          </a:lstStyle>
+          <a:p>
+            <a:r>
+              <a:rPr lang="en-US" dirty="0" smtClean="0"/>
+              <a:t>Visualization</a:t>
+            </a:r>
+            <a:endParaRPr lang="en-US" dirty="0"/>
+          </a:p>
+        </p:txBody>
+      </p:sp>
+    </p:spTree>
+    <p:extLst>
+      <p:ext uri="{BB962C8B-B14F-4D97-AF65-F5344CB8AC3E}">
+        <p14:creationId xmlns:p14="http://schemas.microsoft.com/office/powerpoint/2010/main" val="2666682051"/>
+      </p:ext>
+    </p:extLst>
+  </p:cSld>
+  <p:clrMapOvr>
+    <a:masterClrMapping/>
+  </p:clrMapOvr>
+  <p:timing>
+    <p:tnLst>
+      <p:par>
+        <p:cTn id="1" dur="indefinite" restart="never" nodeType="tmRoot"/>
+      </p:par>
+    </p:tnLst>
+  </p:timing>
+</p:sld>
+</file>
+
+<file path=ppt/slides/slide11.xml><?xml version="1.0" encoding="utf-8"?>
+<p:sld xmlns:a="http://schemas.openxmlformats.org/drawingml/2006/main" xmlns:r="http://schemas.openxmlformats.org/officeDocument/2006/relationships" xmlns:p="http://schemas.openxmlformats.org/presentationml/2006/main">
+  <p:cSld>
+    <p:spTree>
+      <p:nvGrpSpPr>
+        <p:cNvPr id="1" name=""/>
+        <p:cNvGrpSpPr/>
+        <p:nvPr/>
+      </p:nvGrpSpPr>
+      <p:grpSpPr>
+        <a:xfrm>
+          <a:off x="0" y="0"/>
+          <a:ext cx="0" cy="0"/>
+          <a:chOff x="0" y="0"/>
+          <a:chExt cx="0" cy="0"/>
+        </a:xfrm>
+      </p:grpSpPr>
+      <p:sp>
+        <p:nvSpPr>
+          <p:cNvPr id="2" name="Title 1"/>
+          <p:cNvSpPr>
+            <a:spLocks noGrp="1"/>
+          </p:cNvSpPr>
+          <p:nvPr>
+            <p:ph type="title"/>
+          </p:nvPr>
+        </p:nvSpPr>
+        <p:spPr/>
+        <p:txBody>
+          <a:bodyPr/>
+          <a:lstStyle/>
+          <a:p>
+            <a:r>
+              <a:rPr lang="en-US" dirty="0" smtClean="0"/>
+              <a:t>Next </a:t>
+            </a:r>
+            <a:r>
+              <a:rPr lang="en-US" dirty="0" smtClean="0"/>
+              <a:t>Steps </a:t>
+            </a:r>
+            <a:r>
+              <a:rPr lang="en-US" dirty="0" err="1" smtClean="0"/>
+              <a:t>RADSeq</a:t>
+            </a:r>
+            <a:endParaRPr lang="en-US" dirty="0"/>
+          </a:p>
+        </p:txBody>
+      </p:sp>
+      <p:sp>
+        <p:nvSpPr>
+          <p:cNvPr id="3" name="Content Placeholder 2"/>
+          <p:cNvSpPr>
+            <a:spLocks noGrp="1"/>
+          </p:cNvSpPr>
+          <p:nvPr>
+            <p:ph idx="1"/>
+          </p:nvPr>
+        </p:nvSpPr>
+        <p:spPr/>
+        <p:txBody>
+          <a:bodyPr/>
+          <a:lstStyle/>
+          <a:p>
+            <a:r>
+              <a:rPr lang="en-US" dirty="0" smtClean="0"/>
+              <a:t>Finish running the pipeline</a:t>
+            </a:r>
+          </a:p>
+          <a:p>
+            <a:r>
+              <a:rPr lang="en-US" dirty="0" smtClean="0"/>
+              <a:t>Take the data and make a tree</a:t>
+            </a:r>
+          </a:p>
+          <a:p>
+            <a:r>
+              <a:rPr lang="en-US" dirty="0" smtClean="0"/>
+              <a:t>Compare that tree to one generated in the paper I’m following</a:t>
+            </a:r>
+          </a:p>
+          <a:p>
+            <a:r>
+              <a:rPr lang="en-US" dirty="0" smtClean="0"/>
+              <a:t>Try it all again with </a:t>
+            </a:r>
+            <a:r>
+              <a:rPr lang="en-US" dirty="0" err="1" smtClean="0"/>
+              <a:t>Ipyrad</a:t>
+            </a:r>
+            <a:r>
+              <a:rPr lang="en-US" dirty="0" smtClean="0"/>
+              <a:t> and see if it gives similar trees</a:t>
+            </a:r>
+            <a:endParaRPr lang="en-US" dirty="0"/>
+          </a:p>
+        </p:txBody>
+      </p:sp>
+    </p:spTree>
+    <p:extLst>
+      <p:ext uri="{BB962C8B-B14F-4D97-AF65-F5344CB8AC3E}">
+        <p14:creationId xmlns:p14="http://schemas.microsoft.com/office/powerpoint/2010/main" val="2415354200"/>
+      </p:ext>
+    </p:extLst>
+  </p:cSld>
+  <p:clrMapOvr>
+    <a:masterClrMapping/>
+  </p:clrMapOvr>
+  <p:timing>
+    <p:tnLst>
+      <p:par>
+        <p:cTn id="1" dur="indefinite" restart="never" nodeType="tmRoot"/>
+      </p:par>
+    </p:tnLst>
+  </p:timing>
+</p:sld>
+</file>
+
+<file path=ppt/slides/slide12.xml><?xml version="1.0" encoding="utf-8"?>
+<p:sld xmlns:a="http://schemas.openxmlformats.org/drawingml/2006/main" xmlns:r="http://schemas.openxmlformats.org/officeDocument/2006/relationships" xmlns:p="http://schemas.openxmlformats.org/presentationml/2006/main">
+  <p:cSld>
+    <p:spTree>
+      <p:nvGrpSpPr>
+        <p:cNvPr id="1" name=""/>
+        <p:cNvGrpSpPr/>
+        <p:nvPr/>
+      </p:nvGrpSpPr>
+      <p:grpSpPr>
+        <a:xfrm>
+          <a:off x="0" y="0"/>
+          <a:ext cx="0" cy="0"/>
+          <a:chOff x="0" y="0"/>
+          <a:chExt cx="0" cy="0"/>
+        </a:xfrm>
+      </p:grpSpPr>
+      <p:sp>
+        <p:nvSpPr>
+          <p:cNvPr id="2" name="Title 1"/>
+          <p:cNvSpPr>
+            <a:spLocks noGrp="1"/>
+          </p:cNvSpPr>
+          <p:nvPr>
+            <p:ph type="title"/>
+          </p:nvPr>
+        </p:nvSpPr>
+        <p:spPr/>
+        <p:txBody>
+          <a:bodyPr/>
+          <a:lstStyle/>
+          <a:p>
+            <a:r>
+              <a:rPr lang="en-US" dirty="0" smtClean="0"/>
+              <a:t>Bonus Question: </a:t>
+            </a:r>
+            <a:endParaRPr lang="en-US" dirty="0"/>
+          </a:p>
+        </p:txBody>
+      </p:sp>
+      <p:sp>
+        <p:nvSpPr>
+          <p:cNvPr id="3" name="Content Placeholder 2"/>
+          <p:cNvSpPr>
+            <a:spLocks noGrp="1"/>
+          </p:cNvSpPr>
+          <p:nvPr>
+            <p:ph idx="1"/>
+          </p:nvPr>
+        </p:nvSpPr>
+        <p:spPr/>
+        <p:txBody>
+          <a:bodyPr/>
+          <a:lstStyle/>
+          <a:p>
+            <a:pPr marL="0" indent="0">
+              <a:buNone/>
+            </a:pPr>
+            <a:r>
+              <a:rPr lang="en-US" dirty="0" smtClean="0"/>
+              <a:t>Can I </a:t>
+            </a:r>
+            <a:r>
+              <a:rPr lang="en-US" dirty="0"/>
+              <a:t>use the command line to automate downloading and renaming CT scanning files to save time and remove user error?</a:t>
+            </a:r>
+            <a:endParaRPr lang="en-US" dirty="0"/>
+          </a:p>
+        </p:txBody>
+      </p:sp>
+    </p:spTree>
+    <p:extLst>
+      <p:ext uri="{BB962C8B-B14F-4D97-AF65-F5344CB8AC3E}">
+        <p14:creationId xmlns:p14="http://schemas.microsoft.com/office/powerpoint/2010/main" val="1548929640"/>
+      </p:ext>
+    </p:extLst>
+  </p:cSld>
+  <p:clrMapOvr>
+    <a:masterClrMapping/>
+  </p:clrMapOvr>
+  <p:timing>
+    <p:tnLst>
+      <p:par>
+        <p:cTn id="1" dur="indefinite" restart="never" nodeType="tmRoot"/>
+      </p:par>
+    </p:tnLst>
+  </p:timing>
+</p:sld>
+</file>
+
+<file path=ppt/slides/slide13.xml><?xml version="1.0" encoding="utf-8"?>
+<p:sld xmlns:a="http://schemas.openxmlformats.org/drawingml/2006/main" xmlns:r="http://schemas.openxmlformats.org/officeDocument/2006/relationships" xmlns:p="http://schemas.openxmlformats.org/presentationml/2006/main">
+  <p:cSld>
+    <p:spTree>
+      <p:nvGrpSpPr>
+        <p:cNvPr id="1" name=""/>
+        <p:cNvGrpSpPr/>
+        <p:nvPr/>
+      </p:nvGrpSpPr>
+      <p:grpSpPr>
+        <a:xfrm>
+          <a:off x="0" y="0"/>
+          <a:ext cx="0" cy="0"/>
+          <a:chOff x="0" y="0"/>
+          <a:chExt cx="0" cy="0"/>
+        </a:xfrm>
+      </p:grpSpPr>
       <p:sp>
         <p:nvSpPr>
           <p:cNvPr id="2" name="Title 1"/>
@@ -3177,7 +3502,7 @@
 </p:sld>
 </file>
 
-<file path=ppt/slides/slide11.xml><?xml version="1.0" encoding="utf-8"?>
+<file path=ppt/slides/slide14.xml><?xml version="1.0" encoding="utf-8"?>
 <p:sld xmlns:a="http://schemas.openxmlformats.org/drawingml/2006/main" xmlns:r="http://schemas.openxmlformats.org/officeDocument/2006/relationships" xmlns:p="http://schemas.openxmlformats.org/presentationml/2006/main">
   <p:cSld>
     <p:spTree>
@@ -8676,6 +9001,35 @@
           <a:chExt cx="0" cy="0"/>
         </a:xfrm>
       </p:grpSpPr>
+      <p:pic>
+        <p:nvPicPr>
+          <p:cNvPr id="4" name="Content Placeholder 3"/>
+          <p:cNvPicPr>
+            <a:picLocks noGrp="1" noChangeAspect="1"/>
+          </p:cNvPicPr>
+          <p:nvPr>
+            <p:ph idx="1"/>
+          </p:nvPr>
+        </p:nvPicPr>
+        <p:blipFill>
+          <a:blip r:embed="rId2">
+            <a:extLst>
+              <a:ext uri="{28A0092B-C50C-407E-A947-70E740481C1C}">
+                <a14:useLocalDpi xmlns:a14="http://schemas.microsoft.com/office/drawing/2010/main" val="0"/>
+              </a:ext>
+            </a:extLst>
+          </a:blip>
+          <a:stretch>
+            <a:fillRect/>
+          </a:stretch>
+        </p:blipFill>
+        <p:spPr>
+          <a:xfrm>
+            <a:off x="583667" y="462597"/>
+            <a:ext cx="10537723" cy="6205549"/>
+          </a:xfrm>
+        </p:spPr>
+      </p:pic>
       <p:sp>
         <p:nvSpPr>
           <p:cNvPr id="2" name="Title 1"/>
@@ -8686,7 +9040,12 @@
             <p:ph type="title"/>
           </p:nvPr>
         </p:nvSpPr>
-        <p:spPr/>
+        <p:spPr>
+          <a:xfrm>
+            <a:off x="118110" y="90805"/>
+            <a:ext cx="10515600" cy="743585"/>
+          </a:xfrm>
+        </p:spPr>
         <p:txBody>
           <a:bodyPr/>
           <a:lstStyle/>
@@ -8696,25 +9055,6 @@
               <a:t>Visualization</a:t>
             </a:r>
             <a:endParaRPr lang="en-US" dirty="0"/>
-          </a:p>
-        </p:txBody>
-      </p:sp>
-      <p:sp>
-        <p:nvSpPr>
-          <p:cNvPr id="3" name="Content Placeholder 2"/>
-          <p:cNvSpPr>
-            <a:spLocks noGrp="1"/>
-          </p:cNvSpPr>
-          <p:nvPr>
-            <p:ph idx="1"/>
-          </p:nvPr>
-        </p:nvSpPr>
-        <p:spPr/>
-        <p:txBody>
-          <a:bodyPr/>
-          <a:lstStyle/>
-          <a:p>
-            <a:endParaRPr lang="en-US"/>
           </a:p>
         </p:txBody>
       </p:sp>
@@ -8755,81 +9095,80 @@
           <a:chExt cx="0" cy="0"/>
         </a:xfrm>
       </p:grpSpPr>
-      <p:sp>
-        <p:nvSpPr>
-          <p:cNvPr id="2" name="Title 1"/>
-          <p:cNvSpPr>
-            <a:spLocks noGrp="1"/>
+      <p:pic>
+        <p:nvPicPr>
+          <p:cNvPr id="6" name="Picture 5"/>
+          <p:cNvPicPr>
+            <a:picLocks noChangeAspect="1"/>
+          </p:cNvPicPr>
+          <p:nvPr/>
+        </p:nvPicPr>
+        <p:blipFill>
+          <a:blip r:embed="rId2">
+            <a:extLst>
+              <a:ext uri="{28A0092B-C50C-407E-A947-70E740481C1C}">
+                <a14:useLocalDpi xmlns:a14="http://schemas.microsoft.com/office/drawing/2010/main" val="0"/>
+              </a:ext>
+            </a:extLst>
+          </a:blip>
+          <a:stretch>
+            <a:fillRect/>
+          </a:stretch>
+        </p:blipFill>
+        <p:spPr>
+          <a:xfrm>
+            <a:off x="583667" y="462597"/>
+            <a:ext cx="10546554" cy="6205549"/>
+          </a:xfrm>
+          <a:prstGeom prst="rect">
+            <a:avLst/>
+          </a:prstGeom>
+        </p:spPr>
+      </p:pic>
+      <p:sp>
+        <p:nvSpPr>
+          <p:cNvPr id="10" name="Title 1"/>
+          <p:cNvSpPr txBox="1">
+            <a:spLocks/>
           </p:cNvSpPr>
-          <p:nvPr>
-            <p:ph type="title"/>
-          </p:nvPr>
-        </p:nvSpPr>
-        <p:spPr/>
-        <p:txBody>
-          <a:bodyPr/>
-          <a:lstStyle/>
+          <p:nvPr/>
+        </p:nvSpPr>
+        <p:spPr>
+          <a:xfrm>
+            <a:off x="118110" y="90805"/>
+            <a:ext cx="10515600" cy="743585"/>
+          </a:xfrm>
+          <a:prstGeom prst="rect">
+            <a:avLst/>
+          </a:prstGeom>
+        </p:spPr>
+        <p:txBody>
+          <a:bodyPr vert="horz" lIns="91440" tIns="45720" rIns="91440" bIns="45720" rtlCol="0" anchor="ctr">
+            <a:normAutofit/>
+          </a:bodyPr>
+          <a:lstStyle>
+            <a:lvl1pPr algn="l" defTabSz="914400" rtl="0" eaLnBrk="1" latinLnBrk="0" hangingPunct="1">
+              <a:lnSpc>
+                <a:spcPct val="90000"/>
+              </a:lnSpc>
+              <a:spcBef>
+                <a:spcPct val="0"/>
+              </a:spcBef>
+              <a:buNone/>
+              <a:defRPr sz="4400" kern="1200">
+                <a:solidFill>
+                  <a:schemeClr val="tx1"/>
+                </a:solidFill>
+                <a:latin typeface="+mj-lt"/>
+                <a:ea typeface="+mj-ea"/>
+                <a:cs typeface="+mj-cs"/>
+              </a:defRPr>
+            </a:lvl1pPr>
+          </a:lstStyle>
           <a:p>
             <a:r>
               <a:rPr lang="en-US" dirty="0" smtClean="0"/>
-              <a:t>Next </a:t>
-            </a:r>
-            <a:r>
-              <a:rPr lang="en-US" dirty="0" smtClean="0"/>
-              <a:t>Steps </a:t>
-            </a:r>
-            <a:r>
-              <a:rPr lang="en-US" dirty="0" err="1" smtClean="0"/>
-              <a:t>RADSeq</a:t>
-            </a:r>
-            <a:endParaRPr lang="en-US" dirty="0"/>
-          </a:p>
-        </p:txBody>
-      </p:sp>
-      <p:sp>
-        <p:nvSpPr>
-          <p:cNvPr id="3" name="Content Placeholder 2"/>
-          <p:cNvSpPr>
-            <a:spLocks noGrp="1"/>
-          </p:cNvSpPr>
-          <p:nvPr>
-            <p:ph idx="1"/>
-          </p:nvPr>
-        </p:nvSpPr>
-        <p:spPr/>
-        <p:txBody>
-          <a:bodyPr/>
-          <a:lstStyle/>
-          <a:p>
-            <a:r>
-              <a:rPr lang="en-US" dirty="0" smtClean="0"/>
-              <a:t>Finish running the pipeline</a:t>
-            </a:r>
-          </a:p>
-          <a:p>
-            <a:r>
-              <a:rPr lang="en-US" dirty="0" smtClean="0"/>
-              <a:t>Take the data and make a tree</a:t>
-            </a:r>
-          </a:p>
-          <a:p>
-            <a:r>
-              <a:rPr lang="en-US" dirty="0" smtClean="0"/>
-              <a:t>Compare that tree to one generated in the paper I’m following</a:t>
-            </a:r>
-          </a:p>
-          <a:p>
-            <a:r>
-              <a:rPr lang="en-US" dirty="0" smtClean="0"/>
-              <a:t>Try it all again with </a:t>
-            </a:r>
-            <a:r>
-              <a:rPr lang="en-US" dirty="0" err="1" smtClean="0"/>
-              <a:t>Ipyrad</a:t>
-            </a:r>
-            <a:r>
-              <a:rPr lang="en-US" dirty="0" smtClean="0"/>
-              <a:t> and see if it gives similar trees</a:t>
+              <a:t>Visualization</a:t>
             </a:r>
             <a:endParaRPr lang="en-US" dirty="0"/>
           </a:p>
@@ -8838,7 +9177,7 @@
     </p:spTree>
     <p:extLst>
       <p:ext uri="{BB962C8B-B14F-4D97-AF65-F5344CB8AC3E}">
-        <p14:creationId xmlns:p14="http://schemas.microsoft.com/office/powerpoint/2010/main" val="2415354200"/>
+        <p14:creationId xmlns:p14="http://schemas.microsoft.com/office/powerpoint/2010/main" val="2489675708"/>
       </p:ext>
     </p:extLst>
   </p:cSld>
@@ -8872,54 +9211,79 @@
           <a:chExt cx="0" cy="0"/>
         </a:xfrm>
       </p:grpSpPr>
-      <p:sp>
-        <p:nvSpPr>
-          <p:cNvPr id="2" name="Title 1"/>
-          <p:cNvSpPr>
-            <a:spLocks noGrp="1"/>
+      <p:pic>
+        <p:nvPicPr>
+          <p:cNvPr id="7" name="Picture 6"/>
+          <p:cNvPicPr>
+            <a:picLocks noChangeAspect="1"/>
+          </p:cNvPicPr>
+          <p:nvPr/>
+        </p:nvPicPr>
+        <p:blipFill rotWithShape="1">
+          <a:blip r:embed="rId2">
+            <a:extLst>
+              <a:ext uri="{28A0092B-C50C-407E-A947-70E740481C1C}">
+                <a14:useLocalDpi xmlns:a14="http://schemas.microsoft.com/office/drawing/2010/main" val="0"/>
+              </a:ext>
+            </a:extLst>
+          </a:blip>
+          <a:srcRect l="590"/>
+          <a:stretch/>
+        </p:blipFill>
+        <p:spPr>
+          <a:xfrm>
+            <a:off x="765810" y="680057"/>
+            <a:ext cx="9998990" cy="5814203"/>
+          </a:xfrm>
+          <a:prstGeom prst="rect">
+            <a:avLst/>
+          </a:prstGeom>
+        </p:spPr>
+      </p:pic>
+      <p:sp>
+        <p:nvSpPr>
+          <p:cNvPr id="8" name="Title 1"/>
+          <p:cNvSpPr txBox="1">
+            <a:spLocks/>
           </p:cNvSpPr>
-          <p:nvPr>
-            <p:ph type="title"/>
-          </p:nvPr>
-        </p:nvSpPr>
-        <p:spPr/>
-        <p:txBody>
-          <a:bodyPr/>
-          <a:lstStyle/>
+          <p:nvPr/>
+        </p:nvSpPr>
+        <p:spPr>
+          <a:xfrm>
+            <a:off x="118110" y="90805"/>
+            <a:ext cx="10515600" cy="743585"/>
+          </a:xfrm>
+          <a:prstGeom prst="rect">
+            <a:avLst/>
+          </a:prstGeom>
+        </p:spPr>
+        <p:txBody>
+          <a:bodyPr vert="horz" lIns="91440" tIns="45720" rIns="91440" bIns="45720" rtlCol="0" anchor="ctr">
+            <a:normAutofit/>
+          </a:bodyPr>
+          <a:lstStyle>
+            <a:lvl1pPr algn="l" defTabSz="914400" rtl="0" eaLnBrk="1" latinLnBrk="0" hangingPunct="1">
+              <a:lnSpc>
+                <a:spcPct val="90000"/>
+              </a:lnSpc>
+              <a:spcBef>
+                <a:spcPct val="0"/>
+              </a:spcBef>
+              <a:buNone/>
+              <a:defRPr sz="4400" kern="1200">
+                <a:solidFill>
+                  <a:schemeClr val="tx1"/>
+                </a:solidFill>
+                <a:latin typeface="+mj-lt"/>
+                <a:ea typeface="+mj-ea"/>
+                <a:cs typeface="+mj-cs"/>
+              </a:defRPr>
+            </a:lvl1pPr>
+          </a:lstStyle>
           <a:p>
             <a:r>
               <a:rPr lang="en-US" dirty="0" smtClean="0"/>
-              <a:t>Bonus Question: </a:t>
-            </a:r>
-            <a:endParaRPr lang="en-US" dirty="0"/>
-          </a:p>
-        </p:txBody>
-      </p:sp>
-      <p:sp>
-        <p:nvSpPr>
-          <p:cNvPr id="3" name="Content Placeholder 2"/>
-          <p:cNvSpPr>
-            <a:spLocks noGrp="1"/>
-          </p:cNvSpPr>
-          <p:nvPr>
-            <p:ph idx="1"/>
-          </p:nvPr>
-        </p:nvSpPr>
-        <p:spPr/>
-        <p:txBody>
-          <a:bodyPr/>
-          <a:lstStyle/>
-          <a:p>
-            <a:pPr marL="0" indent="0">
-              <a:buNone/>
-            </a:pPr>
-            <a:r>
-              <a:rPr lang="en-US" dirty="0" smtClean="0"/>
-              <a:t>Can I </a:t>
-            </a:r>
-            <a:r>
-              <a:rPr lang="en-US" dirty="0"/>
-              <a:t>use the command line to automate downloading and renaming CT scanning files to save time and remove user error?</a:t>
+              <a:t>Visualization</a:t>
             </a:r>
             <a:endParaRPr lang="en-US" dirty="0"/>
           </a:p>
@@ -8928,7 +9292,7 @@
     </p:spTree>
     <p:extLst>
       <p:ext uri="{BB962C8B-B14F-4D97-AF65-F5344CB8AC3E}">
-        <p14:creationId xmlns:p14="http://schemas.microsoft.com/office/powerpoint/2010/main" val="1548929640"/>
+        <p14:creationId xmlns:p14="http://schemas.microsoft.com/office/powerpoint/2010/main" val="268076964"/>
       </p:ext>
     </p:extLst>
   </p:cSld>

--- a/progress/flowchart.pptx
+++ b/progress/flowchart.pptx
@@ -11,14 +11,15 @@
     <p:sldId id="268" r:id="rId5"/>
     <p:sldId id="267" r:id="rId6"/>
     <p:sldId id="256" r:id="rId7"/>
-    <p:sldId id="259" r:id="rId8"/>
-    <p:sldId id="272" r:id="rId9"/>
-    <p:sldId id="273" r:id="rId10"/>
-    <p:sldId id="274" r:id="rId11"/>
-    <p:sldId id="260" r:id="rId12"/>
-    <p:sldId id="270" r:id="rId13"/>
-    <p:sldId id="271" r:id="rId14"/>
-    <p:sldId id="269" r:id="rId15"/>
+    <p:sldId id="275" r:id="rId8"/>
+    <p:sldId id="259" r:id="rId9"/>
+    <p:sldId id="272" r:id="rId10"/>
+    <p:sldId id="273" r:id="rId11"/>
+    <p:sldId id="274" r:id="rId12"/>
+    <p:sldId id="260" r:id="rId13"/>
+    <p:sldId id="270" r:id="rId14"/>
+    <p:sldId id="271" r:id="rId15"/>
+    <p:sldId id="269" r:id="rId16"/>
   </p:sldIdLst>
   <p:sldSz cx="12192000" cy="6858000"/>
   <p:notesSz cx="6858000" cy="9144000"/>
@@ -256,7 +257,7 @@
           <a:p>
             <a:fld id="{14EB3700-A3E7-4476-AE06-06B1BB18BE0B}" type="datetimeFigureOut">
               <a:rPr lang="en-US" smtClean="0"/>
-              <a:t>12/5/2018</a:t>
+              <a:t>12/6/2018</a:t>
             </a:fld>
             <a:endParaRPr lang="en-US"/>
           </a:p>
@@ -426,7 +427,7 @@
           <a:p>
             <a:fld id="{14EB3700-A3E7-4476-AE06-06B1BB18BE0B}" type="datetimeFigureOut">
               <a:rPr lang="en-US" smtClean="0"/>
-              <a:t>12/5/2018</a:t>
+              <a:t>12/6/2018</a:t>
             </a:fld>
             <a:endParaRPr lang="en-US"/>
           </a:p>
@@ -606,7 +607,7 @@
           <a:p>
             <a:fld id="{14EB3700-A3E7-4476-AE06-06B1BB18BE0B}" type="datetimeFigureOut">
               <a:rPr lang="en-US" smtClean="0"/>
-              <a:t>12/5/2018</a:t>
+              <a:t>12/6/2018</a:t>
             </a:fld>
             <a:endParaRPr lang="en-US"/>
           </a:p>
@@ -776,7 +777,7 @@
           <a:p>
             <a:fld id="{14EB3700-A3E7-4476-AE06-06B1BB18BE0B}" type="datetimeFigureOut">
               <a:rPr lang="en-US" smtClean="0"/>
-              <a:t>12/5/2018</a:t>
+              <a:t>12/6/2018</a:t>
             </a:fld>
             <a:endParaRPr lang="en-US"/>
           </a:p>
@@ -1022,7 +1023,7 @@
           <a:p>
             <a:fld id="{14EB3700-A3E7-4476-AE06-06B1BB18BE0B}" type="datetimeFigureOut">
               <a:rPr lang="en-US" smtClean="0"/>
-              <a:t>12/5/2018</a:t>
+              <a:t>12/6/2018</a:t>
             </a:fld>
             <a:endParaRPr lang="en-US"/>
           </a:p>
@@ -1254,7 +1255,7 @@
           <a:p>
             <a:fld id="{14EB3700-A3E7-4476-AE06-06B1BB18BE0B}" type="datetimeFigureOut">
               <a:rPr lang="en-US" smtClean="0"/>
-              <a:t>12/5/2018</a:t>
+              <a:t>12/6/2018</a:t>
             </a:fld>
             <a:endParaRPr lang="en-US"/>
           </a:p>
@@ -1621,7 +1622,7 @@
           <a:p>
             <a:fld id="{14EB3700-A3E7-4476-AE06-06B1BB18BE0B}" type="datetimeFigureOut">
               <a:rPr lang="en-US" smtClean="0"/>
-              <a:t>12/5/2018</a:t>
+              <a:t>12/6/2018</a:t>
             </a:fld>
             <a:endParaRPr lang="en-US"/>
           </a:p>
@@ -1739,7 +1740,7 @@
           <a:p>
             <a:fld id="{14EB3700-A3E7-4476-AE06-06B1BB18BE0B}" type="datetimeFigureOut">
               <a:rPr lang="en-US" smtClean="0"/>
-              <a:t>12/5/2018</a:t>
+              <a:t>12/6/2018</a:t>
             </a:fld>
             <a:endParaRPr lang="en-US"/>
           </a:p>
@@ -1834,7 +1835,7 @@
           <a:p>
             <a:fld id="{14EB3700-A3E7-4476-AE06-06B1BB18BE0B}" type="datetimeFigureOut">
               <a:rPr lang="en-US" smtClean="0"/>
-              <a:t>12/5/2018</a:t>
+              <a:t>12/6/2018</a:t>
             </a:fld>
             <a:endParaRPr lang="en-US"/>
           </a:p>
@@ -2111,7 +2112,7 @@
           <a:p>
             <a:fld id="{14EB3700-A3E7-4476-AE06-06B1BB18BE0B}" type="datetimeFigureOut">
               <a:rPr lang="en-US" smtClean="0"/>
-              <a:t>12/5/2018</a:t>
+              <a:t>12/6/2018</a:t>
             </a:fld>
             <a:endParaRPr lang="en-US"/>
           </a:p>
@@ -2364,7 +2365,7 @@
           <a:p>
             <a:fld id="{14EB3700-A3E7-4476-AE06-06B1BB18BE0B}" type="datetimeFigureOut">
               <a:rPr lang="en-US" smtClean="0"/>
-              <a:t>12/5/2018</a:t>
+              <a:t>12/6/2018</a:t>
             </a:fld>
             <a:endParaRPr lang="en-US"/>
           </a:p>
@@ -2577,7 +2578,7 @@
           <a:p>
             <a:fld id="{14EB3700-A3E7-4476-AE06-06B1BB18BE0B}" type="datetimeFigureOut">
               <a:rPr lang="en-US" smtClean="0"/>
-              <a:t>12/5/2018</a:t>
+              <a:t>12/6/2018</a:t>
             </a:fld>
             <a:endParaRPr lang="en-US"/>
           </a:p>
@@ -3080,7 +3081,7 @@
       </p:grpSpPr>
       <p:pic>
         <p:nvPicPr>
-          <p:cNvPr id="5" name="Picture 4"/>
+          <p:cNvPr id="7" name="Picture 6"/>
           <p:cNvPicPr>
             <a:picLocks noChangeAspect="1"/>
           </p:cNvPicPr>
@@ -3094,13 +3095,13 @@
               </a:ext>
             </a:extLst>
           </a:blip>
-          <a:srcRect l="373"/>
+          <a:srcRect l="590"/>
           <a:stretch/>
         </p:blipFill>
         <p:spPr>
           <a:xfrm>
-            <a:off x="811529" y="653421"/>
-            <a:ext cx="10020933" cy="5847306"/>
+            <a:off x="765810" y="680057"/>
+            <a:ext cx="9998990" cy="5814203"/>
           </a:xfrm>
           <a:prstGeom prst="rect">
             <a:avLst/>
@@ -3159,7 +3160,7 @@
     </p:spTree>
     <p:extLst>
       <p:ext uri="{BB962C8B-B14F-4D97-AF65-F5344CB8AC3E}">
-        <p14:creationId xmlns:p14="http://schemas.microsoft.com/office/powerpoint/2010/main" val="2666682051"/>
+        <p14:creationId xmlns:p14="http://schemas.microsoft.com/office/powerpoint/2010/main" val="268076964"/>
       </p:ext>
     </p:extLst>
   </p:cSld>
@@ -3193,81 +3194,79 @@
           <a:chExt cx="0" cy="0"/>
         </a:xfrm>
       </p:grpSpPr>
-      <p:sp>
-        <p:nvSpPr>
-          <p:cNvPr id="2" name="Title 1"/>
-          <p:cNvSpPr>
-            <a:spLocks noGrp="1"/>
+      <p:pic>
+        <p:nvPicPr>
+          <p:cNvPr id="5" name="Picture 4"/>
+          <p:cNvPicPr>
+            <a:picLocks noChangeAspect="1"/>
+          </p:cNvPicPr>
+          <p:nvPr/>
+        </p:nvPicPr>
+        <p:blipFill rotWithShape="1">
+          <a:blip r:embed="rId2">
+            <a:extLst>
+              <a:ext uri="{28A0092B-C50C-407E-A947-70E740481C1C}">
+                <a14:useLocalDpi xmlns:a14="http://schemas.microsoft.com/office/drawing/2010/main" val="0"/>
+              </a:ext>
+            </a:extLst>
+          </a:blip>
+          <a:srcRect l="373"/>
+          <a:stretch/>
+        </p:blipFill>
+        <p:spPr>
+          <a:xfrm>
+            <a:off x="811529" y="653421"/>
+            <a:ext cx="10020933" cy="5847306"/>
+          </a:xfrm>
+          <a:prstGeom prst="rect">
+            <a:avLst/>
+          </a:prstGeom>
+        </p:spPr>
+      </p:pic>
+      <p:sp>
+        <p:nvSpPr>
+          <p:cNvPr id="8" name="Title 1"/>
+          <p:cNvSpPr txBox="1">
+            <a:spLocks/>
           </p:cNvSpPr>
-          <p:nvPr>
-            <p:ph type="title"/>
-          </p:nvPr>
-        </p:nvSpPr>
-        <p:spPr/>
-        <p:txBody>
-          <a:bodyPr/>
-          <a:lstStyle/>
+          <p:nvPr/>
+        </p:nvSpPr>
+        <p:spPr>
+          <a:xfrm>
+            <a:off x="118110" y="90805"/>
+            <a:ext cx="10515600" cy="743585"/>
+          </a:xfrm>
+          <a:prstGeom prst="rect">
+            <a:avLst/>
+          </a:prstGeom>
+        </p:spPr>
+        <p:txBody>
+          <a:bodyPr vert="horz" lIns="91440" tIns="45720" rIns="91440" bIns="45720" rtlCol="0" anchor="ctr">
+            <a:normAutofit/>
+          </a:bodyPr>
+          <a:lstStyle>
+            <a:lvl1pPr algn="l" defTabSz="914400" rtl="0" eaLnBrk="1" latinLnBrk="0" hangingPunct="1">
+              <a:lnSpc>
+                <a:spcPct val="90000"/>
+              </a:lnSpc>
+              <a:spcBef>
+                <a:spcPct val="0"/>
+              </a:spcBef>
+              <a:buNone/>
+              <a:defRPr sz="4400" kern="1200">
+                <a:solidFill>
+                  <a:schemeClr val="tx1"/>
+                </a:solidFill>
+                <a:latin typeface="+mj-lt"/>
+                <a:ea typeface="+mj-ea"/>
+                <a:cs typeface="+mj-cs"/>
+              </a:defRPr>
+            </a:lvl1pPr>
+          </a:lstStyle>
           <a:p>
             <a:r>
               <a:rPr lang="en-US" dirty="0" smtClean="0"/>
-              <a:t>Next </a:t>
-            </a:r>
-            <a:r>
-              <a:rPr lang="en-US" dirty="0" smtClean="0"/>
-              <a:t>Steps </a:t>
-            </a:r>
-            <a:r>
-              <a:rPr lang="en-US" dirty="0" err="1" smtClean="0"/>
-              <a:t>RADSeq</a:t>
-            </a:r>
-            <a:endParaRPr lang="en-US" dirty="0"/>
-          </a:p>
-        </p:txBody>
-      </p:sp>
-      <p:sp>
-        <p:nvSpPr>
-          <p:cNvPr id="3" name="Content Placeholder 2"/>
-          <p:cNvSpPr>
-            <a:spLocks noGrp="1"/>
-          </p:cNvSpPr>
-          <p:nvPr>
-            <p:ph idx="1"/>
-          </p:nvPr>
-        </p:nvSpPr>
-        <p:spPr/>
-        <p:txBody>
-          <a:bodyPr/>
-          <a:lstStyle/>
-          <a:p>
-            <a:r>
-              <a:rPr lang="en-US" dirty="0" smtClean="0"/>
-              <a:t>Finish running the pipeline</a:t>
-            </a:r>
-          </a:p>
-          <a:p>
-            <a:r>
-              <a:rPr lang="en-US" dirty="0" smtClean="0"/>
-              <a:t>Take the data and make a tree</a:t>
-            </a:r>
-          </a:p>
-          <a:p>
-            <a:r>
-              <a:rPr lang="en-US" dirty="0" smtClean="0"/>
-              <a:t>Compare that tree to one generated in the paper I’m following</a:t>
-            </a:r>
-          </a:p>
-          <a:p>
-            <a:r>
-              <a:rPr lang="en-US" dirty="0" smtClean="0"/>
-              <a:t>Try it all again with </a:t>
-            </a:r>
-            <a:r>
-              <a:rPr lang="en-US" dirty="0" err="1" smtClean="0"/>
-              <a:t>Ipyrad</a:t>
-            </a:r>
-            <a:r>
-              <a:rPr lang="en-US" dirty="0" smtClean="0"/>
-              <a:t> and see if it gives similar trees</a:t>
+              <a:t>Visualization</a:t>
             </a:r>
             <a:endParaRPr lang="en-US" dirty="0"/>
           </a:p>
@@ -3276,7 +3275,7 @@
     </p:spTree>
     <p:extLst>
       <p:ext uri="{BB962C8B-B14F-4D97-AF65-F5344CB8AC3E}">
-        <p14:creationId xmlns:p14="http://schemas.microsoft.com/office/powerpoint/2010/main" val="2415354200"/>
+        <p14:creationId xmlns:p14="http://schemas.microsoft.com/office/powerpoint/2010/main" val="2666682051"/>
       </p:ext>
     </p:extLst>
   </p:cSld>
@@ -3327,7 +3326,11 @@
           <a:p>
             <a:r>
               <a:rPr lang="en-US" dirty="0" smtClean="0"/>
-              <a:t>Bonus Question: </a:t>
+              <a:t>Next Steps </a:t>
+            </a:r>
+            <a:r>
+              <a:rPr lang="en-US" dirty="0" err="1" smtClean="0"/>
+              <a:t>RADSeq</a:t>
             </a:r>
             <a:endParaRPr lang="en-US" dirty="0"/>
           </a:p>
@@ -3348,16 +3351,46 @@
           <a:bodyPr/>
           <a:lstStyle/>
           <a:p>
-            <a:pPr marL="0" indent="0">
-              <a:buNone/>
-            </a:pPr>
             <a:r>
               <a:rPr lang="en-US" dirty="0" smtClean="0"/>
-              <a:t>Can I </a:t>
-            </a:r>
-            <a:r>
-              <a:rPr lang="en-US" dirty="0"/>
-              <a:t>use the command line to automate downloading and renaming CT scanning files to save time and remove user error?</a:t>
+              <a:t>Analyze output from denovo_map.pl</a:t>
+            </a:r>
+          </a:p>
+          <a:p>
+            <a:r>
+              <a:rPr lang="en-US" dirty="0" smtClean="0"/>
+              <a:t>Determine why it was failing outside </a:t>
+            </a:r>
+            <a:r>
+              <a:rPr lang="en-US" smtClean="0"/>
+              <a:t>the pipeline</a:t>
+            </a:r>
+            <a:endParaRPr lang="en-US" dirty="0" smtClean="0"/>
+          </a:p>
+          <a:p>
+            <a:r>
+              <a:rPr lang="en-US" dirty="0" smtClean="0"/>
+              <a:t>Take the data and make a tree</a:t>
+            </a:r>
+          </a:p>
+          <a:p>
+            <a:r>
+              <a:rPr lang="en-US" dirty="0" smtClean="0"/>
+              <a:t>Compare that tree to one generated in the paper I’m following</a:t>
+            </a:r>
+          </a:p>
+          <a:p>
+            <a:r>
+              <a:rPr lang="en-US" dirty="0" smtClean="0"/>
+              <a:t>Try it all again with </a:t>
+            </a:r>
+            <a:r>
+              <a:rPr lang="en-US" dirty="0" err="1" smtClean="0"/>
+              <a:t>Ipyrad</a:t>
+            </a:r>
+            <a:r>
+              <a:rPr lang="en-US" dirty="0" smtClean="0"/>
+              <a:t> and see if it gives similar trees</a:t>
             </a:r>
             <a:endParaRPr lang="en-US" dirty="0"/>
           </a:p>
@@ -3366,7 +3399,7 @@
     </p:spTree>
     <p:extLst>
       <p:ext uri="{BB962C8B-B14F-4D97-AF65-F5344CB8AC3E}">
-        <p14:creationId xmlns:p14="http://schemas.microsoft.com/office/powerpoint/2010/main" val="1548929640"/>
+        <p14:creationId xmlns:p14="http://schemas.microsoft.com/office/powerpoint/2010/main" val="2415354200"/>
       </p:ext>
     </p:extLst>
   </p:cSld>
@@ -3447,6 +3480,95 @@
             </a:r>
             <a:r>
               <a:rPr lang="en-US" dirty="0"/>
+              <a:t>use the command line to automate downloading and renaming CT scanning files to save time and remove user error?</a:t>
+            </a:r>
+          </a:p>
+        </p:txBody>
+      </p:sp>
+    </p:spTree>
+    <p:extLst>
+      <p:ext uri="{BB962C8B-B14F-4D97-AF65-F5344CB8AC3E}">
+        <p14:creationId xmlns:p14="http://schemas.microsoft.com/office/powerpoint/2010/main" val="1548929640"/>
+      </p:ext>
+    </p:extLst>
+  </p:cSld>
+  <p:clrMapOvr>
+    <a:masterClrMapping/>
+  </p:clrMapOvr>
+  <p:timing>
+    <p:tnLst>
+      <p:par>
+        <p:cTn id="1" dur="indefinite" restart="never" nodeType="tmRoot"/>
+      </p:par>
+    </p:tnLst>
+  </p:timing>
+</p:sld>
+</file>
+
+<file path=ppt/slides/slide14.xml><?xml version="1.0" encoding="utf-8"?>
+<p:sld xmlns:a="http://schemas.openxmlformats.org/drawingml/2006/main" xmlns:r="http://schemas.openxmlformats.org/officeDocument/2006/relationships" xmlns:p="http://schemas.openxmlformats.org/presentationml/2006/main">
+  <p:cSld>
+    <p:spTree>
+      <p:nvGrpSpPr>
+        <p:cNvPr id="1" name=""/>
+        <p:cNvGrpSpPr/>
+        <p:nvPr/>
+      </p:nvGrpSpPr>
+      <p:grpSpPr>
+        <a:xfrm>
+          <a:off x="0" y="0"/>
+          <a:ext cx="0" cy="0"/>
+          <a:chOff x="0" y="0"/>
+          <a:chExt cx="0" cy="0"/>
+        </a:xfrm>
+      </p:grpSpPr>
+      <p:sp>
+        <p:nvSpPr>
+          <p:cNvPr id="2" name="Title 1"/>
+          <p:cNvSpPr>
+            <a:spLocks noGrp="1"/>
+          </p:cNvSpPr>
+          <p:nvPr>
+            <p:ph type="title"/>
+          </p:nvPr>
+        </p:nvSpPr>
+        <p:spPr/>
+        <p:txBody>
+          <a:bodyPr/>
+          <a:lstStyle/>
+          <a:p>
+            <a:r>
+              <a:rPr lang="en-US" dirty="0" smtClean="0"/>
+              <a:t>Bonus Question: </a:t>
+            </a:r>
+            <a:endParaRPr lang="en-US" dirty="0"/>
+          </a:p>
+        </p:txBody>
+      </p:sp>
+      <p:sp>
+        <p:nvSpPr>
+          <p:cNvPr id="3" name="Content Placeholder 2"/>
+          <p:cNvSpPr>
+            <a:spLocks noGrp="1"/>
+          </p:cNvSpPr>
+          <p:nvPr>
+            <p:ph idx="1"/>
+          </p:nvPr>
+        </p:nvSpPr>
+        <p:spPr/>
+        <p:txBody>
+          <a:bodyPr/>
+          <a:lstStyle/>
+          <a:p>
+            <a:pPr marL="0" indent="0">
+              <a:buNone/>
+            </a:pPr>
+            <a:r>
+              <a:rPr lang="en-US" dirty="0" smtClean="0"/>
+              <a:t>Can I </a:t>
+            </a:r>
+            <a:r>
+              <a:rPr lang="en-US" dirty="0"/>
               <a:t>use the command line to automate downloading and renaming CT scanning files to save time and remove user error</a:t>
             </a:r>
             <a:r>
@@ -3464,15 +3586,7 @@
                   <a:srgbClr val="FF0000"/>
                 </a:solidFill>
               </a:rPr>
-              <a:t>Spoiler Alert! </a:t>
-            </a:r>
-            <a:r>
-              <a:rPr lang="en-US" dirty="0" smtClean="0">
-                <a:solidFill>
-                  <a:srgbClr val="FF0000"/>
-                </a:solidFill>
-              </a:rPr>
-              <a:t>YES!!</a:t>
+              <a:t>Spoiler Alert! YES!!</a:t>
             </a:r>
             <a:endParaRPr lang="en-US" dirty="0">
               <a:solidFill>
@@ -3502,7 +3616,7 @@
 </p:sld>
 </file>
 
-<file path=ppt/slides/slide14.xml><?xml version="1.0" encoding="utf-8"?>
+<file path=ppt/slides/slide15.xml><?xml version="1.0" encoding="utf-8"?>
 <p:sld xmlns:a="http://schemas.openxmlformats.org/drawingml/2006/main" xmlns:r="http://schemas.openxmlformats.org/officeDocument/2006/relationships" xmlns:p="http://schemas.openxmlformats.org/presentationml/2006/main">
   <p:cSld>
     <p:spTree>
@@ -3676,7 +3790,6 @@
               <a:rPr lang="en-US" sz="1600" dirty="0" smtClean="0"/>
               <a:t>Scrub information from Info.txt</a:t>
             </a:r>
-            <a:endParaRPr lang="en-US" sz="1600" dirty="0" smtClean="0"/>
           </a:p>
         </p:txBody>
       </p:sp>
@@ -4333,11 +4446,6 @@
                 </a:rPr>
                 <a:t>Move renamed .log and .zip</a:t>
               </a:r>
-              <a:endParaRPr lang="en-US" sz="1600" dirty="0" smtClean="0">
-                <a:solidFill>
-                  <a:schemeClr val="bg1"/>
-                </a:solidFill>
-              </a:endParaRPr>
             </a:p>
             <a:p>
               <a:pPr algn="ctr"/>
@@ -4349,11 +4457,6 @@
                 </a:rPr>
                 <a:t>Uwfc-A-xxxxxx.log</a:t>
               </a:r>
-              <a:endParaRPr lang="en-US" sz="1600" dirty="0" smtClean="0">
-                <a:solidFill>
-                  <a:schemeClr val="bg1"/>
-                </a:solidFill>
-              </a:endParaRPr>
             </a:p>
             <a:p>
               <a:pPr algn="ctr"/>
@@ -4363,15 +4466,7 @@
                     <a:schemeClr val="bg1"/>
                   </a:solidFill>
                 </a:rPr>
-                <a:t>Uwfc-A-xxxxxx</a:t>
-              </a:r>
-              <a:r>
-                <a:rPr lang="en-US" sz="1600" dirty="0" smtClean="0">
-                  <a:solidFill>
-                    <a:schemeClr val="bg1"/>
-                  </a:solidFill>
-                </a:rPr>
-                <a:t>.zip</a:t>
+                <a:t>Uwfc-A-xxxxxx.zip</a:t>
               </a:r>
               <a:endParaRPr lang="en-US" sz="1600" dirty="0">
                 <a:solidFill>
@@ -4507,7 +4602,6 @@
               <a:rPr lang="en-US" sz="1600" dirty="0" smtClean="0"/>
               <a:t>Rename .log file, all images files in the .zip file, unzipped and zipped directories with images.</a:t>
             </a:r>
-            <a:endParaRPr lang="en-US" sz="1600" dirty="0" smtClean="0"/>
           </a:p>
         </p:txBody>
       </p:sp>
@@ -4573,7 +4667,6 @@
               <a:rPr lang="en-US" sz="1600" dirty="0" smtClean="0"/>
               <a:t>Run Batch Uploading script with this directory as input</a:t>
             </a:r>
-            <a:endParaRPr lang="en-US" sz="1600" dirty="0" smtClean="0"/>
           </a:p>
         </p:txBody>
       </p:sp>
@@ -4879,7 +4972,6 @@
               <a:rPr lang="en-US" sz="1600" dirty="0" smtClean="0"/>
               <a:t>Repeat for every number in input text file</a:t>
             </a:r>
-            <a:endParaRPr lang="en-US" sz="1600" dirty="0" smtClean="0"/>
           </a:p>
         </p:txBody>
       </p:sp>
@@ -5569,7 +5661,6 @@
               <a:rPr lang="en-US" sz="1600" dirty="0" smtClean="0"/>
               <a:t>Impossible without help</a:t>
             </a:r>
-            <a:endParaRPr lang="en-US" sz="1600" dirty="0" smtClean="0"/>
           </a:p>
         </p:txBody>
       </p:sp>
@@ -5599,7 +5690,6 @@
               <a:rPr lang="en-US" sz="1600" dirty="0" smtClean="0"/>
               <a:t>Challenging</a:t>
             </a:r>
-            <a:endParaRPr lang="en-US" sz="1600" dirty="0" smtClean="0"/>
           </a:p>
         </p:txBody>
       </p:sp>
@@ -5629,7 +5719,6 @@
               <a:rPr lang="en-US" sz="1600" dirty="0" smtClean="0"/>
               <a:t>Simple</a:t>
             </a:r>
-            <a:endParaRPr lang="en-US" sz="1600" dirty="0" smtClean="0"/>
           </a:p>
         </p:txBody>
       </p:sp>
@@ -7494,7 +7583,6 @@
                 <a:rPr lang="en-US" sz="1600" dirty="0" smtClean="0"/>
                 <a:t> output data </a:t>
               </a:r>
-              <a:endParaRPr lang="en-US" sz="1600" dirty="0" smtClean="0"/>
             </a:p>
             <a:p>
               <a:pPr algn="ctr"/>
@@ -7665,17 +7753,12 @@
                 <a:rPr lang="en-US" sz="1600" dirty="0" smtClean="0"/>
                 <a:t> data </a:t>
               </a:r>
-              <a:endParaRPr lang="en-US" sz="1600" dirty="0" smtClean="0"/>
             </a:p>
             <a:p>
               <a:pPr algn="ctr"/>
               <a:r>
                 <a:rPr lang="en-US" sz="1600" dirty="0" smtClean="0"/>
-                <a:t>(</a:t>
-              </a:r>
-              <a:r>
-                <a:rPr lang="en-US" sz="1600" dirty="0" smtClean="0"/>
-                <a:t>name.matches.tsv.gz)</a:t>
+                <a:t>(name.matches.tsv.gz)</a:t>
               </a:r>
               <a:endParaRPr lang="en-US" sz="1600" dirty="0"/>
             </a:p>
@@ -8066,15 +8149,7 @@
               </a:r>
               <a:r>
                 <a:rPr lang="en-US" sz="1400" dirty="0" smtClean="0"/>
-                <a:t>(</a:t>
-              </a:r>
-              <a:r>
-                <a:rPr lang="en-US" sz="1400" dirty="0" smtClean="0"/>
-                <a:t>Name.tags.tsv.gz, Name.snps.tsv.gz</a:t>
-              </a:r>
-              <a:r>
-                <a:rPr lang="en-US" sz="1400" dirty="0" smtClean="0"/>
-                <a:t>,</a:t>
+                <a:t>(Name.tags.tsv.gz, Name.snps.tsv.gz,</a:t>
               </a:r>
             </a:p>
             <a:p>
@@ -8461,15 +8536,7 @@
                     <a:schemeClr val="bg1"/>
                   </a:solidFill>
                 </a:rPr>
-                <a:t>Directory  with tsv2bam </a:t>
-              </a:r>
-              <a:r>
-                <a:rPr lang="en-US" sz="1600" dirty="0" smtClean="0">
-                  <a:solidFill>
-                    <a:schemeClr val="bg1"/>
-                  </a:solidFill>
-                </a:rPr>
-                <a:t>output and </a:t>
+                <a:t>Directory  with tsv2bam output and </a:t>
               </a:r>
               <a:r>
                 <a:rPr lang="en-US" sz="1600" dirty="0" err="1" smtClean="0">
@@ -8576,7 +8643,11 @@
             </a:r>
             <a:r>
               <a:rPr lang="en-US" sz="1600" dirty="0" smtClean="0"/>
-              <a:t>` to do something?</a:t>
+              <a:t>` to </a:t>
+            </a:r>
+            <a:r>
+              <a:rPr lang="en-US" sz="1600" dirty="0" smtClean="0"/>
+              <a:t>genotype </a:t>
             </a:r>
             <a:endParaRPr lang="en-US" sz="1600" dirty="0"/>
           </a:p>
@@ -8618,44 +8689,6 @@
           </a:fontRef>
         </p:style>
       </p:cxnSp>
-      <p:sp>
-        <p:nvSpPr>
-          <p:cNvPr id="140" name="TextBox 139"/>
-          <p:cNvSpPr txBox="1"/>
-          <p:nvPr/>
-        </p:nvSpPr>
-        <p:spPr>
-          <a:xfrm>
-            <a:off x="9017876" y="1117755"/>
-            <a:ext cx="1711646" cy="400110"/>
-          </a:xfrm>
-          <a:prstGeom prst="rect">
-            <a:avLst/>
-          </a:prstGeom>
-          <a:noFill/>
-        </p:spPr>
-        <p:txBody>
-          <a:bodyPr wrap="square" rtlCol="0">
-            <a:spAutoFit/>
-          </a:bodyPr>
-          <a:lstStyle/>
-          <a:p>
-            <a:r>
-              <a:rPr lang="en-US" sz="2000" b="1" dirty="0" smtClean="0">
-                <a:solidFill>
-                  <a:srgbClr val="FF0000"/>
-                </a:solidFill>
-              </a:rPr>
-              <a:t>STUCK HERE</a:t>
-            </a:r>
-            <a:endParaRPr lang="en-US" sz="2000" b="1" dirty="0">
-              <a:solidFill>
-                <a:srgbClr val="FF0000"/>
-              </a:solidFill>
-            </a:endParaRPr>
-          </a:p>
-        </p:txBody>
-      </p:sp>
       <p:grpSp>
         <p:nvGrpSpPr>
           <p:cNvPr id="141" name="Group 140"/>
@@ -8796,19 +8829,7 @@
           <a:p>
             <a:r>
               <a:rPr lang="en-US" sz="1600" dirty="0" smtClean="0"/>
-              <a:t>Run </a:t>
-            </a:r>
-            <a:r>
-              <a:rPr lang="en-US" sz="1600" dirty="0" smtClean="0"/>
-              <a:t>`populations` </a:t>
-            </a:r>
-            <a:r>
-              <a:rPr lang="en-US" sz="1600" dirty="0" smtClean="0"/>
-              <a:t>to </a:t>
-            </a:r>
-            <a:r>
-              <a:rPr lang="en-US" sz="1600" dirty="0" smtClean="0"/>
-              <a:t>get population summary statistics such as F</a:t>
+              <a:t>Run `populations` to get population summary statistics such as F</a:t>
             </a:r>
             <a:r>
               <a:rPr lang="en-US" sz="1600" baseline="-25000" dirty="0" smtClean="0"/>
@@ -8954,11 +8975,7 @@
             </a:r>
             <a:r>
               <a:rPr lang="en-US" sz="1600" dirty="0" smtClean="0"/>
-              <a:t> files that can now be used to mak</a:t>
-            </a:r>
-            <a:r>
-              <a:rPr lang="en-US" sz="1600" dirty="0" smtClean="0"/>
-              <a:t>e a tree!!</a:t>
+              <a:t> files that can now be used to make a tree!!</a:t>
             </a:r>
             <a:endParaRPr lang="en-US" sz="1600" dirty="0"/>
           </a:p>
@@ -9003,16 +9020,1155 @@
       </p:grpSpPr>
       <p:pic>
         <p:nvPicPr>
-          <p:cNvPr id="4" name="Content Placeholder 3"/>
+          <p:cNvPr id="6" name="Picture 5"/>
           <p:cNvPicPr>
-            <a:picLocks noGrp="1" noChangeAspect="1"/>
+            <a:picLocks noChangeAspect="1"/>
           </p:cNvPicPr>
-          <p:nvPr>
-            <p:ph idx="1"/>
-          </p:nvPr>
+          <p:nvPr/>
         </p:nvPicPr>
         <p:blipFill>
-          <a:blip r:embed="rId2">
+          <a:blip r:embed="rId2"/>
+          <a:stretch>
+            <a:fillRect/>
+          </a:stretch>
+        </p:blipFill>
+        <p:spPr>
+          <a:xfrm>
+            <a:off x="3934630" y="1567249"/>
+            <a:ext cx="3478366" cy="2485463"/>
+          </a:xfrm>
+          <a:prstGeom prst="rect">
+            <a:avLst/>
+          </a:prstGeom>
+        </p:spPr>
+      </p:pic>
+      <p:grpSp>
+        <p:nvGrpSpPr>
+          <p:cNvPr id="9" name="Group 8"/>
+          <p:cNvGrpSpPr/>
+          <p:nvPr/>
+        </p:nvGrpSpPr>
+        <p:grpSpPr>
+          <a:xfrm>
+            <a:off x="406611" y="16349"/>
+            <a:ext cx="2490117" cy="1013282"/>
+            <a:chOff x="388882" y="705666"/>
+            <a:chExt cx="3277480" cy="1135117"/>
+          </a:xfrm>
+        </p:grpSpPr>
+        <p:sp>
+          <p:nvSpPr>
+            <p:cNvPr id="4" name="Flowchart: Alternate Process 3"/>
+            <p:cNvSpPr/>
+            <p:nvPr/>
+          </p:nvSpPr>
+          <p:spPr>
+            <a:xfrm>
+              <a:off x="540409" y="705666"/>
+              <a:ext cx="2974427" cy="1135117"/>
+            </a:xfrm>
+            <a:prstGeom prst="flowChartAlternateProcess">
+              <a:avLst/>
+            </a:prstGeom>
+            <a:solidFill>
+              <a:srgbClr val="C00000"/>
+            </a:solidFill>
+          </p:spPr>
+          <p:style>
+            <a:lnRef idx="2">
+              <a:schemeClr val="accent1">
+                <a:shade val="50000"/>
+              </a:schemeClr>
+            </a:lnRef>
+            <a:fillRef idx="1">
+              <a:schemeClr val="accent1"/>
+            </a:fillRef>
+            <a:effectRef idx="0">
+              <a:schemeClr val="accent1"/>
+            </a:effectRef>
+            <a:fontRef idx="minor">
+              <a:schemeClr val="lt1"/>
+            </a:fontRef>
+          </p:style>
+          <p:txBody>
+            <a:bodyPr rtlCol="0" anchor="ctr"/>
+            <a:lstStyle/>
+            <a:p>
+              <a:pPr algn="ctr"/>
+              <a:endParaRPr lang="en-US">
+                <a:solidFill>
+                  <a:schemeClr val="bg1"/>
+                </a:solidFill>
+              </a:endParaRPr>
+            </a:p>
+          </p:txBody>
+        </p:sp>
+        <p:sp>
+          <p:nvSpPr>
+            <p:cNvPr id="5" name="TextBox 4"/>
+            <p:cNvSpPr txBox="1"/>
+            <p:nvPr/>
+          </p:nvSpPr>
+          <p:spPr>
+            <a:xfrm>
+              <a:off x="388882" y="914400"/>
+              <a:ext cx="3277480" cy="413740"/>
+            </a:xfrm>
+            <a:prstGeom prst="rect">
+              <a:avLst/>
+            </a:prstGeom>
+            <a:noFill/>
+          </p:spPr>
+          <p:txBody>
+            <a:bodyPr wrap="square" rtlCol="0">
+              <a:spAutoFit/>
+            </a:bodyPr>
+            <a:lstStyle/>
+            <a:p>
+              <a:pPr algn="ctr"/>
+              <a:r>
+                <a:rPr lang="en-US" dirty="0" smtClean="0">
+                  <a:solidFill>
+                    <a:schemeClr val="bg1"/>
+                  </a:solidFill>
+                </a:rPr>
+                <a:t>Raw data (</a:t>
+              </a:r>
+              <a:r>
+                <a:rPr lang="en-US" sz="1400" dirty="0" smtClean="0">
+                  <a:solidFill>
+                    <a:schemeClr val="bg1"/>
+                  </a:solidFill>
+                </a:rPr>
+                <a:t>37 </a:t>
+              </a:r>
+              <a:r>
+                <a:rPr lang="en-US" sz="1400" dirty="0" err="1" smtClean="0">
+                  <a:solidFill>
+                    <a:schemeClr val="bg1"/>
+                  </a:solidFill>
+                </a:rPr>
+                <a:t>gb</a:t>
+              </a:r>
+              <a:r>
+                <a:rPr lang="en-US" sz="1400" dirty="0" smtClean="0">
+                  <a:solidFill>
+                    <a:schemeClr val="bg1"/>
+                  </a:solidFill>
+                </a:rPr>
+                <a:t> fq.gz</a:t>
+              </a:r>
+              <a:r>
+                <a:rPr lang="en-US" dirty="0" smtClean="0">
+                  <a:solidFill>
+                    <a:schemeClr val="bg1"/>
+                  </a:solidFill>
+                </a:rPr>
+                <a:t>)</a:t>
+              </a:r>
+              <a:endParaRPr lang="en-US" dirty="0">
+                <a:solidFill>
+                  <a:schemeClr val="bg1"/>
+                </a:solidFill>
+              </a:endParaRPr>
+            </a:p>
+          </p:txBody>
+        </p:sp>
+        <p:sp>
+          <p:nvSpPr>
+            <p:cNvPr id="8" name="TextBox 7"/>
+            <p:cNvSpPr txBox="1"/>
+            <p:nvPr/>
+          </p:nvSpPr>
+          <p:spPr>
+            <a:xfrm>
+              <a:off x="693403" y="1273225"/>
+              <a:ext cx="2480441" cy="413740"/>
+            </a:xfrm>
+            <a:prstGeom prst="rect">
+              <a:avLst/>
+            </a:prstGeom>
+            <a:noFill/>
+          </p:spPr>
+          <p:txBody>
+            <a:bodyPr wrap="square" rtlCol="0">
+              <a:spAutoFit/>
+            </a:bodyPr>
+            <a:lstStyle/>
+            <a:p>
+              <a:pPr algn="ctr"/>
+              <a:r>
+                <a:rPr lang="en-US" dirty="0" smtClean="0">
+                  <a:solidFill>
+                    <a:schemeClr val="bg1"/>
+                  </a:solidFill>
+                </a:rPr>
+                <a:t>Barcode file (</a:t>
+              </a:r>
+              <a:r>
+                <a:rPr lang="en-US" sz="1400" dirty="0" smtClean="0">
+                  <a:solidFill>
+                    <a:schemeClr val="bg1"/>
+                  </a:solidFill>
+                </a:rPr>
+                <a:t>.txt</a:t>
+              </a:r>
+              <a:r>
+                <a:rPr lang="en-US" dirty="0" smtClean="0">
+                  <a:solidFill>
+                    <a:schemeClr val="bg1"/>
+                  </a:solidFill>
+                </a:rPr>
+                <a:t>)</a:t>
+              </a:r>
+              <a:endParaRPr lang="en-US" dirty="0">
+                <a:solidFill>
+                  <a:schemeClr val="bg1"/>
+                </a:solidFill>
+              </a:endParaRPr>
+            </a:p>
+          </p:txBody>
+        </p:sp>
+      </p:grpSp>
+      <p:grpSp>
+        <p:nvGrpSpPr>
+          <p:cNvPr id="35" name="Group 34"/>
+          <p:cNvGrpSpPr/>
+          <p:nvPr/>
+        </p:nvGrpSpPr>
+        <p:grpSpPr>
+          <a:xfrm>
+            <a:off x="430996" y="3885006"/>
+            <a:ext cx="2307652" cy="536638"/>
+            <a:chOff x="1037283" y="790623"/>
+            <a:chExt cx="2982348" cy="2453089"/>
+          </a:xfrm>
+        </p:grpSpPr>
+        <p:sp>
+          <p:nvSpPr>
+            <p:cNvPr id="36" name="Flowchart: Alternate Process 35"/>
+            <p:cNvSpPr/>
+            <p:nvPr/>
+          </p:nvSpPr>
+          <p:spPr>
+            <a:xfrm>
+              <a:off x="1045204" y="790623"/>
+              <a:ext cx="2974427" cy="2453089"/>
+            </a:xfrm>
+            <a:prstGeom prst="flowChartAlternateProcess">
+              <a:avLst/>
+            </a:prstGeom>
+            <a:solidFill>
+              <a:schemeClr val="accent2"/>
+            </a:solidFill>
+          </p:spPr>
+          <p:style>
+            <a:lnRef idx="2">
+              <a:schemeClr val="accent1">
+                <a:shade val="50000"/>
+              </a:schemeClr>
+            </a:lnRef>
+            <a:fillRef idx="1">
+              <a:schemeClr val="accent1"/>
+            </a:fillRef>
+            <a:effectRef idx="0">
+              <a:schemeClr val="accent1"/>
+            </a:effectRef>
+            <a:fontRef idx="minor">
+              <a:schemeClr val="lt1"/>
+            </a:fontRef>
+          </p:style>
+          <p:txBody>
+            <a:bodyPr rtlCol="0" anchor="ctr"/>
+            <a:lstStyle/>
+            <a:p>
+              <a:pPr algn="ctr"/>
+              <a:endParaRPr lang="en-US"/>
+            </a:p>
+          </p:txBody>
+        </p:sp>
+        <p:sp>
+          <p:nvSpPr>
+            <p:cNvPr id="37" name="TextBox 36"/>
+            <p:cNvSpPr txBox="1"/>
+            <p:nvPr/>
+          </p:nvSpPr>
+          <p:spPr>
+            <a:xfrm>
+              <a:off x="1037283" y="836756"/>
+              <a:ext cx="2974427" cy="2391753"/>
+            </a:xfrm>
+            <a:prstGeom prst="rect">
+              <a:avLst/>
+            </a:prstGeom>
+            <a:noFill/>
+          </p:spPr>
+          <p:txBody>
+            <a:bodyPr wrap="square" rtlCol="0">
+              <a:spAutoFit/>
+            </a:bodyPr>
+            <a:lstStyle/>
+            <a:p>
+              <a:pPr algn="ctr"/>
+              <a:r>
+                <a:rPr lang="en-US" sz="1400" dirty="0" smtClean="0">
+                  <a:solidFill>
+                    <a:schemeClr val="bg1"/>
+                  </a:solidFill>
+                </a:rPr>
+                <a:t>Directory with 44 fq.gz files.</a:t>
+              </a:r>
+            </a:p>
+            <a:p>
+              <a:pPr algn="ctr"/>
+              <a:r>
+                <a:rPr lang="en-US" sz="1400" dirty="0" smtClean="0">
+                  <a:solidFill>
+                    <a:schemeClr val="bg1"/>
+                  </a:solidFill>
+                </a:rPr>
+                <a:t> 1e5&lt;n-reads&lt;2e6</a:t>
+              </a:r>
+              <a:endParaRPr lang="en-US" sz="1400" dirty="0">
+                <a:solidFill>
+                  <a:schemeClr val="bg1"/>
+                </a:solidFill>
+              </a:endParaRPr>
+            </a:p>
+          </p:txBody>
+        </p:sp>
+      </p:grpSp>
+      <p:sp>
+        <p:nvSpPr>
+          <p:cNvPr id="38" name="TextBox 37"/>
+          <p:cNvSpPr txBox="1"/>
+          <p:nvPr/>
+        </p:nvSpPr>
+        <p:spPr>
+          <a:xfrm>
+            <a:off x="731769" y="1141204"/>
+            <a:ext cx="2089834" cy="584775"/>
+          </a:xfrm>
+          <a:prstGeom prst="rect">
+            <a:avLst/>
+          </a:prstGeom>
+          <a:noFill/>
+        </p:spPr>
+        <p:txBody>
+          <a:bodyPr wrap="square" rtlCol="0">
+            <a:spAutoFit/>
+          </a:bodyPr>
+          <a:lstStyle/>
+          <a:p>
+            <a:r>
+              <a:rPr lang="en-US" sz="1600" dirty="0" err="1" smtClean="0"/>
+              <a:t>Demultiplex</a:t>
+            </a:r>
+            <a:r>
+              <a:rPr lang="en-US" sz="1600" dirty="0" smtClean="0"/>
+              <a:t> samples with `</a:t>
+            </a:r>
+            <a:r>
+              <a:rPr lang="en-US" sz="1600" dirty="0" err="1" smtClean="0"/>
+              <a:t>process_radtags</a:t>
+            </a:r>
+            <a:r>
+              <a:rPr lang="en-US" sz="1600" dirty="0" smtClean="0"/>
+              <a:t>`</a:t>
+            </a:r>
+            <a:endParaRPr lang="en-US" sz="1600" dirty="0"/>
+          </a:p>
+        </p:txBody>
+      </p:sp>
+      <p:sp>
+        <p:nvSpPr>
+          <p:cNvPr id="40" name="TextBox 39"/>
+          <p:cNvSpPr txBox="1"/>
+          <p:nvPr/>
+        </p:nvSpPr>
+        <p:spPr>
+          <a:xfrm>
+            <a:off x="700778" y="2756110"/>
+            <a:ext cx="2105411" cy="830997"/>
+          </a:xfrm>
+          <a:prstGeom prst="rect">
+            <a:avLst/>
+          </a:prstGeom>
+          <a:noFill/>
+        </p:spPr>
+        <p:txBody>
+          <a:bodyPr wrap="square" rtlCol="0">
+            <a:spAutoFit/>
+          </a:bodyPr>
+          <a:lstStyle/>
+          <a:p>
+            <a:r>
+              <a:rPr lang="en-US" sz="1600" dirty="0" smtClean="0"/>
+              <a:t>Filter and cap samples by read number with my script</a:t>
+            </a:r>
+          </a:p>
+        </p:txBody>
+      </p:sp>
+      <p:cxnSp>
+        <p:nvCxnSpPr>
+          <p:cNvPr id="45" name="Straight Arrow Connector 44"/>
+          <p:cNvCxnSpPr/>
+          <p:nvPr/>
+        </p:nvCxnSpPr>
+        <p:spPr>
+          <a:xfrm flipH="1">
+            <a:off x="568985" y="1069609"/>
+            <a:ext cx="7421" cy="962010"/>
+          </a:xfrm>
+          <a:prstGeom prst="straightConnector1">
+            <a:avLst/>
+          </a:prstGeom>
+          <a:ln w="76200">
+            <a:solidFill>
+              <a:schemeClr val="tx1"/>
+            </a:solidFill>
+            <a:tailEnd type="triangle"/>
+          </a:ln>
+        </p:spPr>
+        <p:style>
+          <a:lnRef idx="3">
+            <a:schemeClr val="dk1"/>
+          </a:lnRef>
+          <a:fillRef idx="0">
+            <a:schemeClr val="dk1"/>
+          </a:fillRef>
+          <a:effectRef idx="2">
+            <a:schemeClr val="dk1"/>
+          </a:effectRef>
+          <a:fontRef idx="minor">
+            <a:schemeClr val="tx1"/>
+          </a:fontRef>
+        </p:style>
+      </p:cxnSp>
+      <p:cxnSp>
+        <p:nvCxnSpPr>
+          <p:cNvPr id="46" name="Straight Arrow Connector 45"/>
+          <p:cNvCxnSpPr/>
+          <p:nvPr/>
+        </p:nvCxnSpPr>
+        <p:spPr>
+          <a:xfrm>
+            <a:off x="546302" y="2695862"/>
+            <a:ext cx="0" cy="1104959"/>
+          </a:xfrm>
+          <a:prstGeom prst="straightConnector1">
+            <a:avLst/>
+          </a:prstGeom>
+          <a:ln w="76200">
+            <a:solidFill>
+              <a:schemeClr val="tx1"/>
+            </a:solidFill>
+            <a:tailEnd type="triangle"/>
+          </a:ln>
+        </p:spPr>
+        <p:style>
+          <a:lnRef idx="3">
+            <a:schemeClr val="dk1"/>
+          </a:lnRef>
+          <a:fillRef idx="0">
+            <a:schemeClr val="dk1"/>
+          </a:fillRef>
+          <a:effectRef idx="2">
+            <a:schemeClr val="dk1"/>
+          </a:effectRef>
+          <a:fontRef idx="minor">
+            <a:schemeClr val="tx1"/>
+          </a:fontRef>
+        </p:style>
+      </p:cxnSp>
+      <p:grpSp>
+        <p:nvGrpSpPr>
+          <p:cNvPr id="93" name="Group 92"/>
+          <p:cNvGrpSpPr/>
+          <p:nvPr/>
+        </p:nvGrpSpPr>
+        <p:grpSpPr>
+          <a:xfrm>
+            <a:off x="3102244" y="346841"/>
+            <a:ext cx="891687" cy="6148087"/>
+            <a:chOff x="3607034" y="729501"/>
+            <a:chExt cx="1437521" cy="5815643"/>
+          </a:xfrm>
+        </p:grpSpPr>
+        <p:grpSp>
+          <p:nvGrpSpPr>
+            <p:cNvPr id="72" name="Group 71"/>
+            <p:cNvGrpSpPr/>
+            <p:nvPr/>
+          </p:nvGrpSpPr>
+          <p:grpSpPr>
+            <a:xfrm>
+              <a:off x="3607034" y="729501"/>
+              <a:ext cx="412622" cy="5815643"/>
+              <a:chOff x="3607034" y="729501"/>
+              <a:chExt cx="412622" cy="5815643"/>
+            </a:xfrm>
+          </p:grpSpPr>
+          <p:cxnSp>
+            <p:nvCxnSpPr>
+              <p:cNvPr id="68" name="Straight Connector 67"/>
+              <p:cNvCxnSpPr/>
+              <p:nvPr/>
+            </p:nvCxnSpPr>
+            <p:spPr>
+              <a:xfrm>
+                <a:off x="3607034" y="6512121"/>
+                <a:ext cx="412622" cy="0"/>
+              </a:xfrm>
+              <a:prstGeom prst="line">
+                <a:avLst/>
+              </a:prstGeom>
+              <a:ln w="76200">
+                <a:solidFill>
+                  <a:schemeClr val="tx1"/>
+                </a:solidFill>
+              </a:ln>
+            </p:spPr>
+            <p:style>
+              <a:lnRef idx="1">
+                <a:schemeClr val="accent1"/>
+              </a:lnRef>
+              <a:fillRef idx="0">
+                <a:schemeClr val="accent1"/>
+              </a:fillRef>
+              <a:effectRef idx="0">
+                <a:schemeClr val="accent1"/>
+              </a:effectRef>
+              <a:fontRef idx="minor">
+                <a:schemeClr val="tx1"/>
+              </a:fontRef>
+            </p:style>
+          </p:cxnSp>
+          <p:cxnSp>
+            <p:nvCxnSpPr>
+              <p:cNvPr id="70" name="Straight Connector 69"/>
+              <p:cNvCxnSpPr/>
+              <p:nvPr/>
+            </p:nvCxnSpPr>
+            <p:spPr>
+              <a:xfrm flipV="1">
+                <a:off x="4013850" y="729501"/>
+                <a:ext cx="0" cy="5815643"/>
+              </a:xfrm>
+              <a:prstGeom prst="line">
+                <a:avLst/>
+              </a:prstGeom>
+              <a:ln w="76200">
+                <a:solidFill>
+                  <a:schemeClr val="tx1"/>
+                </a:solidFill>
+              </a:ln>
+            </p:spPr>
+            <p:style>
+              <a:lnRef idx="1">
+                <a:schemeClr val="accent1"/>
+              </a:lnRef>
+              <a:fillRef idx="0">
+                <a:schemeClr val="accent1"/>
+              </a:fillRef>
+              <a:effectRef idx="0">
+                <a:schemeClr val="accent1"/>
+              </a:effectRef>
+              <a:fontRef idx="minor">
+                <a:schemeClr val="tx1"/>
+              </a:fontRef>
+            </p:style>
+          </p:cxnSp>
+        </p:grpSp>
+        <p:cxnSp>
+          <p:nvCxnSpPr>
+            <p:cNvPr id="73" name="Straight Arrow Connector 72"/>
+            <p:cNvCxnSpPr/>
+            <p:nvPr/>
+          </p:nvCxnSpPr>
+          <p:spPr>
+            <a:xfrm flipV="1">
+              <a:off x="3996776" y="756739"/>
+              <a:ext cx="1047779" cy="1"/>
+            </a:xfrm>
+            <a:prstGeom prst="straightConnector1">
+              <a:avLst/>
+            </a:prstGeom>
+            <a:ln w="76200">
+              <a:solidFill>
+                <a:schemeClr val="tx1"/>
+              </a:solidFill>
+              <a:tailEnd type="triangle"/>
+            </a:ln>
+          </p:spPr>
+          <p:style>
+            <a:lnRef idx="3">
+              <a:schemeClr val="dk1"/>
+            </a:lnRef>
+            <a:fillRef idx="0">
+              <a:schemeClr val="dk1"/>
+            </a:fillRef>
+            <a:effectRef idx="2">
+              <a:schemeClr val="dk1"/>
+            </a:effectRef>
+            <a:fontRef idx="minor">
+              <a:schemeClr val="tx1"/>
+            </a:fontRef>
+          </p:style>
+        </p:cxnSp>
+      </p:grpSp>
+      <p:cxnSp>
+        <p:nvCxnSpPr>
+          <p:cNvPr id="79" name="Straight Arrow Connector 78"/>
+          <p:cNvCxnSpPr/>
+          <p:nvPr/>
+        </p:nvCxnSpPr>
+        <p:spPr>
+          <a:xfrm>
+            <a:off x="4249366" y="965382"/>
+            <a:ext cx="0" cy="580689"/>
+          </a:xfrm>
+          <a:prstGeom prst="straightConnector1">
+            <a:avLst/>
+          </a:prstGeom>
+          <a:ln w="76200">
+            <a:solidFill>
+              <a:schemeClr val="tx1"/>
+            </a:solidFill>
+            <a:tailEnd type="triangle"/>
+          </a:ln>
+        </p:spPr>
+        <p:style>
+          <a:lnRef idx="3">
+            <a:schemeClr val="dk1"/>
+          </a:lnRef>
+          <a:fillRef idx="0">
+            <a:schemeClr val="dk1"/>
+          </a:fillRef>
+          <a:effectRef idx="2">
+            <a:schemeClr val="dk1"/>
+          </a:effectRef>
+          <a:fontRef idx="minor">
+            <a:schemeClr val="tx1"/>
+          </a:fontRef>
+        </p:style>
+      </p:cxnSp>
+      <p:sp>
+        <p:nvSpPr>
+          <p:cNvPr id="81" name="TextBox 80"/>
+          <p:cNvSpPr txBox="1"/>
+          <p:nvPr/>
+        </p:nvSpPr>
+        <p:spPr>
+          <a:xfrm>
+            <a:off x="4376164" y="930708"/>
+            <a:ext cx="3198559" cy="584775"/>
+          </a:xfrm>
+          <a:prstGeom prst="rect">
+            <a:avLst/>
+          </a:prstGeom>
+          <a:noFill/>
+        </p:spPr>
+        <p:txBody>
+          <a:bodyPr wrap="square" rtlCol="0">
+            <a:spAutoFit/>
+          </a:bodyPr>
+          <a:lstStyle/>
+          <a:p>
+            <a:r>
+              <a:rPr lang="en-US" sz="1600" dirty="0" smtClean="0"/>
+              <a:t>Run `</a:t>
+            </a:r>
+            <a:r>
+              <a:rPr lang="en-US" sz="1600" dirty="0" err="1" smtClean="0"/>
+              <a:t>cstacks</a:t>
+            </a:r>
+            <a:r>
+              <a:rPr lang="en-US" sz="1600" dirty="0" smtClean="0"/>
+              <a:t>` on all samples to build catalog of loci (de novo genome)</a:t>
+            </a:r>
+            <a:endParaRPr lang="en-US" sz="1600" dirty="0"/>
+          </a:p>
+        </p:txBody>
+      </p:sp>
+      <p:sp>
+        <p:nvSpPr>
+          <p:cNvPr id="87" name="TextBox 86"/>
+          <p:cNvSpPr txBox="1"/>
+          <p:nvPr/>
+        </p:nvSpPr>
+        <p:spPr>
+          <a:xfrm>
+            <a:off x="4080361" y="3925434"/>
+            <a:ext cx="2869324" cy="215444"/>
+          </a:xfrm>
+          <a:prstGeom prst="rect">
+            <a:avLst/>
+          </a:prstGeom>
+          <a:noFill/>
+        </p:spPr>
+        <p:txBody>
+          <a:bodyPr wrap="square" rtlCol="0">
+            <a:spAutoFit/>
+          </a:bodyPr>
+          <a:lstStyle/>
+          <a:p>
+            <a:r>
+              <a:rPr lang="en-US" sz="800" dirty="0" smtClean="0"/>
+              <a:t>Figure  </a:t>
+            </a:r>
+            <a:r>
+              <a:rPr lang="en-US" sz="800" dirty="0" smtClean="0">
+                <a:hlinkClick r:id="rId3"/>
+              </a:rPr>
+              <a:t>http://catchenlab.life.illinois.edu/stacks/param_tut.php</a:t>
+            </a:r>
+            <a:endParaRPr lang="en-US" sz="800" dirty="0"/>
+          </a:p>
+        </p:txBody>
+      </p:sp>
+      <p:grpSp>
+        <p:nvGrpSpPr>
+          <p:cNvPr id="89" name="Group 88"/>
+          <p:cNvGrpSpPr/>
+          <p:nvPr/>
+        </p:nvGrpSpPr>
+        <p:grpSpPr>
+          <a:xfrm>
+            <a:off x="4118314" y="4174495"/>
+            <a:ext cx="3061104" cy="872920"/>
+            <a:chOff x="959803" y="737894"/>
+            <a:chExt cx="2974427" cy="12409294"/>
+          </a:xfrm>
+        </p:grpSpPr>
+        <p:sp>
+          <p:nvSpPr>
+            <p:cNvPr id="90" name="Flowchart: Alternate Process 89"/>
+            <p:cNvSpPr/>
+            <p:nvPr/>
+          </p:nvSpPr>
+          <p:spPr>
+            <a:xfrm>
+              <a:off x="959803" y="737894"/>
+              <a:ext cx="2974427" cy="12409294"/>
+            </a:xfrm>
+            <a:prstGeom prst="flowChartAlternateProcess">
+              <a:avLst/>
+            </a:prstGeom>
+            <a:solidFill>
+              <a:schemeClr val="accent4"/>
+            </a:solidFill>
+          </p:spPr>
+          <p:style>
+            <a:lnRef idx="2">
+              <a:schemeClr val="accent1">
+                <a:shade val="50000"/>
+              </a:schemeClr>
+            </a:lnRef>
+            <a:fillRef idx="1">
+              <a:schemeClr val="accent1"/>
+            </a:fillRef>
+            <a:effectRef idx="0">
+              <a:schemeClr val="accent1"/>
+            </a:effectRef>
+            <a:fontRef idx="minor">
+              <a:schemeClr val="lt1"/>
+            </a:fontRef>
+          </p:style>
+          <p:txBody>
+            <a:bodyPr rtlCol="0" anchor="ctr"/>
+            <a:lstStyle/>
+            <a:p>
+              <a:pPr algn="ctr"/>
+              <a:endParaRPr lang="en-US"/>
+            </a:p>
+          </p:txBody>
+        </p:sp>
+        <p:sp>
+          <p:nvSpPr>
+            <p:cNvPr id="91" name="TextBox 90"/>
+            <p:cNvSpPr txBox="1"/>
+            <p:nvPr/>
+          </p:nvSpPr>
+          <p:spPr>
+            <a:xfrm>
+              <a:off x="964345" y="1254640"/>
+              <a:ext cx="2865616" cy="11375788"/>
+            </a:xfrm>
+            <a:prstGeom prst="rect">
+              <a:avLst/>
+            </a:prstGeom>
+            <a:noFill/>
+          </p:spPr>
+          <p:txBody>
+            <a:bodyPr wrap="square" rtlCol="0">
+              <a:spAutoFit/>
+            </a:bodyPr>
+            <a:lstStyle/>
+            <a:p>
+              <a:pPr algn="ctr"/>
+              <a:r>
+                <a:rPr lang="en-US" sz="1600" dirty="0" smtClean="0"/>
+                <a:t>Directory with </a:t>
+              </a:r>
+              <a:r>
+                <a:rPr lang="en-US" sz="1600" dirty="0" err="1" smtClean="0"/>
+                <a:t>ustacks</a:t>
+              </a:r>
+              <a:r>
+                <a:rPr lang="en-US" sz="1600" dirty="0" smtClean="0"/>
+                <a:t> and </a:t>
+              </a:r>
+              <a:r>
+                <a:rPr lang="en-US" sz="1600" dirty="0" err="1" smtClean="0"/>
+                <a:t>cstacks</a:t>
+              </a:r>
+              <a:r>
+                <a:rPr lang="en-US" sz="1600" dirty="0" smtClean="0"/>
+                <a:t> output data </a:t>
+              </a:r>
+            </a:p>
+            <a:p>
+              <a:pPr algn="ctr"/>
+              <a:r>
+                <a:rPr lang="en-US" sz="1400" dirty="0" smtClean="0"/>
+                <a:t>(</a:t>
+              </a:r>
+              <a:r>
+                <a:rPr lang="en-US" sz="1400" dirty="0" err="1" smtClean="0"/>
+                <a:t>ustack</a:t>
+              </a:r>
+              <a:r>
+                <a:rPr lang="en-US" sz="1400" dirty="0" smtClean="0"/>
+                <a:t> files and catalog files)</a:t>
+              </a:r>
+              <a:endParaRPr lang="en-US" sz="1400" dirty="0"/>
+            </a:p>
+          </p:txBody>
+        </p:sp>
+      </p:grpSp>
+      <p:sp>
+        <p:nvSpPr>
+          <p:cNvPr id="92" name="TextBox 91"/>
+          <p:cNvSpPr txBox="1"/>
+          <p:nvPr/>
+        </p:nvSpPr>
+        <p:spPr>
+          <a:xfrm>
+            <a:off x="4451143" y="5135581"/>
+            <a:ext cx="2995854" cy="584775"/>
+          </a:xfrm>
+          <a:prstGeom prst="rect">
+            <a:avLst/>
+          </a:prstGeom>
+          <a:noFill/>
+        </p:spPr>
+        <p:txBody>
+          <a:bodyPr wrap="square" rtlCol="0">
+            <a:spAutoFit/>
+          </a:bodyPr>
+          <a:lstStyle/>
+          <a:p>
+            <a:r>
+              <a:rPr lang="en-US" sz="1600" dirty="0" smtClean="0"/>
+              <a:t>Run `</a:t>
+            </a:r>
+            <a:r>
+              <a:rPr lang="en-US" sz="1600" dirty="0" err="1" smtClean="0"/>
+              <a:t>sstacks</a:t>
+            </a:r>
+            <a:r>
+              <a:rPr lang="en-US" sz="1600" dirty="0" smtClean="0"/>
+              <a:t>` on all samples to align against the catalog</a:t>
+            </a:r>
+            <a:endParaRPr lang="en-US" sz="1600" dirty="0"/>
+          </a:p>
+        </p:txBody>
+      </p:sp>
+      <p:grpSp>
+        <p:nvGrpSpPr>
+          <p:cNvPr id="103" name="Group 102"/>
+          <p:cNvGrpSpPr/>
+          <p:nvPr/>
+        </p:nvGrpSpPr>
+        <p:grpSpPr>
+          <a:xfrm>
+            <a:off x="4114291" y="5964922"/>
+            <a:ext cx="3065127" cy="838303"/>
+            <a:chOff x="967990" y="411556"/>
+            <a:chExt cx="2984740" cy="6720143"/>
+          </a:xfrm>
+        </p:grpSpPr>
+        <p:sp>
+          <p:nvSpPr>
+            <p:cNvPr id="104" name="Flowchart: Alternate Process 103"/>
+            <p:cNvSpPr/>
+            <p:nvPr/>
+          </p:nvSpPr>
+          <p:spPr>
+            <a:xfrm>
+              <a:off x="967990" y="411556"/>
+              <a:ext cx="2974427" cy="6549410"/>
+            </a:xfrm>
+            <a:prstGeom prst="flowChartAlternateProcess">
+              <a:avLst/>
+            </a:prstGeom>
+            <a:solidFill>
+              <a:schemeClr val="accent4"/>
+            </a:solidFill>
+          </p:spPr>
+          <p:style>
+            <a:lnRef idx="2">
+              <a:schemeClr val="accent1">
+                <a:shade val="50000"/>
+              </a:schemeClr>
+            </a:lnRef>
+            <a:fillRef idx="1">
+              <a:schemeClr val="accent1"/>
+            </a:fillRef>
+            <a:effectRef idx="0">
+              <a:schemeClr val="accent1"/>
+            </a:effectRef>
+            <a:fontRef idx="minor">
+              <a:schemeClr val="lt1"/>
+            </a:fontRef>
+          </p:style>
+          <p:txBody>
+            <a:bodyPr rtlCol="0" anchor="ctr"/>
+            <a:lstStyle/>
+            <a:p>
+              <a:pPr algn="ctr"/>
+              <a:endParaRPr lang="en-US"/>
+            </a:p>
+          </p:txBody>
+        </p:sp>
+        <p:sp>
+          <p:nvSpPr>
+            <p:cNvPr id="105" name="TextBox 104"/>
+            <p:cNvSpPr txBox="1"/>
+            <p:nvPr/>
+          </p:nvSpPr>
+          <p:spPr>
+            <a:xfrm>
+              <a:off x="978303" y="470124"/>
+              <a:ext cx="2974427" cy="6661575"/>
+            </a:xfrm>
+            <a:prstGeom prst="rect">
+              <a:avLst/>
+            </a:prstGeom>
+            <a:noFill/>
+          </p:spPr>
+          <p:txBody>
+            <a:bodyPr wrap="square" rtlCol="0">
+              <a:spAutoFit/>
+            </a:bodyPr>
+            <a:lstStyle/>
+            <a:p>
+              <a:pPr algn="ctr"/>
+              <a:r>
+                <a:rPr lang="en-US" sz="1600" dirty="0" smtClean="0"/>
+                <a:t>Directory with </a:t>
+              </a:r>
+              <a:r>
+                <a:rPr lang="en-US" sz="1600" dirty="0" err="1" smtClean="0"/>
+                <a:t>sstacks</a:t>
+              </a:r>
+              <a:r>
+                <a:rPr lang="en-US" sz="1600" dirty="0"/>
+                <a:t>,</a:t>
+              </a:r>
+              <a:r>
+                <a:rPr lang="en-US" sz="1600" dirty="0" smtClean="0"/>
+                <a:t> </a:t>
+              </a:r>
+              <a:r>
+                <a:rPr lang="en-US" sz="1600" dirty="0" err="1" smtClean="0"/>
+                <a:t>ustacks</a:t>
+              </a:r>
+              <a:r>
+                <a:rPr lang="en-US" sz="1600" dirty="0" smtClean="0"/>
+                <a:t> and </a:t>
+              </a:r>
+              <a:r>
+                <a:rPr lang="en-US" sz="1600" dirty="0" err="1" smtClean="0"/>
+                <a:t>ccstacks</a:t>
+              </a:r>
+              <a:r>
+                <a:rPr lang="en-US" sz="1600" dirty="0" smtClean="0"/>
+                <a:t> data </a:t>
+              </a:r>
+            </a:p>
+            <a:p>
+              <a:pPr algn="ctr"/>
+              <a:r>
+                <a:rPr lang="en-US" sz="1600" dirty="0" smtClean="0"/>
+                <a:t>(name.matches.tsv.gz)</a:t>
+              </a:r>
+              <a:endParaRPr lang="en-US" sz="1600" dirty="0"/>
+            </a:p>
+          </p:txBody>
+        </p:sp>
+      </p:grpSp>
+      <p:cxnSp>
+        <p:nvCxnSpPr>
+          <p:cNvPr id="107" name="Straight Arrow Connector 106"/>
+          <p:cNvCxnSpPr/>
+          <p:nvPr/>
+        </p:nvCxnSpPr>
+        <p:spPr>
+          <a:xfrm flipH="1">
+            <a:off x="4246372" y="5114040"/>
+            <a:ext cx="14611" cy="830536"/>
+          </a:xfrm>
+          <a:prstGeom prst="straightConnector1">
+            <a:avLst/>
+          </a:prstGeom>
+          <a:ln w="76200">
+            <a:solidFill>
+              <a:schemeClr val="tx1"/>
+            </a:solidFill>
+            <a:tailEnd type="triangle"/>
+          </a:ln>
+        </p:spPr>
+        <p:style>
+          <a:lnRef idx="3">
+            <a:schemeClr val="dk1"/>
+          </a:lnRef>
+          <a:fillRef idx="0">
+            <a:schemeClr val="dk1"/>
+          </a:fillRef>
+          <a:effectRef idx="2">
+            <a:schemeClr val="dk1"/>
+          </a:effectRef>
+          <a:fontRef idx="minor">
+            <a:schemeClr val="tx1"/>
+          </a:fontRef>
+        </p:style>
+      </p:cxnSp>
+      <p:sp>
+        <p:nvSpPr>
+          <p:cNvPr id="108" name="TextBox 107"/>
+          <p:cNvSpPr txBox="1"/>
+          <p:nvPr/>
+        </p:nvSpPr>
+        <p:spPr>
+          <a:xfrm>
+            <a:off x="8501278" y="672994"/>
+            <a:ext cx="3737622" cy="584775"/>
+          </a:xfrm>
+          <a:prstGeom prst="rect">
+            <a:avLst/>
+          </a:prstGeom>
+          <a:noFill/>
+        </p:spPr>
+        <p:txBody>
+          <a:bodyPr wrap="square" rtlCol="0">
+            <a:spAutoFit/>
+          </a:bodyPr>
+          <a:lstStyle/>
+          <a:p>
+            <a:r>
+              <a:rPr lang="en-US" sz="1600" dirty="0" smtClean="0"/>
+              <a:t>Run `tsv2bam` to transpose data to a bam alignment by loci instead of by specimen </a:t>
+            </a:r>
+            <a:endParaRPr lang="en-US" sz="1600" dirty="0"/>
+          </a:p>
+        </p:txBody>
+      </p:sp>
+      <p:sp>
+        <p:nvSpPr>
+          <p:cNvPr id="113" name="Flowchart: Alternate Process 112"/>
+          <p:cNvSpPr/>
+          <p:nvPr/>
+        </p:nvSpPr>
+        <p:spPr>
+          <a:xfrm>
+            <a:off x="430943" y="2097558"/>
+            <a:ext cx="2313888" cy="546411"/>
+          </a:xfrm>
+          <a:prstGeom prst="flowChartAlternateProcess">
+            <a:avLst/>
+          </a:prstGeom>
+          <a:solidFill>
+            <a:schemeClr val="accent2">
+              <a:lumMod val="75000"/>
+            </a:schemeClr>
+          </a:solidFill>
+        </p:spPr>
+        <p:style>
+          <a:lnRef idx="2">
+            <a:schemeClr val="accent1">
+              <a:shade val="50000"/>
+            </a:schemeClr>
+          </a:lnRef>
+          <a:fillRef idx="1">
+            <a:schemeClr val="accent1"/>
+          </a:fillRef>
+          <a:effectRef idx="0">
+            <a:schemeClr val="accent1"/>
+          </a:effectRef>
+          <a:fontRef idx="minor">
+            <a:schemeClr val="lt1"/>
+          </a:fontRef>
+        </p:style>
+        <p:txBody>
+          <a:bodyPr rtlCol="0" anchor="ctr"/>
+          <a:lstStyle/>
+          <a:p>
+            <a:pPr algn="ctr"/>
+            <a:endParaRPr lang="en-US"/>
+          </a:p>
+        </p:txBody>
+      </p:sp>
+      <p:sp>
+        <p:nvSpPr>
+          <p:cNvPr id="114" name="TextBox 113"/>
+          <p:cNvSpPr txBox="1"/>
+          <p:nvPr/>
+        </p:nvSpPr>
+        <p:spPr>
+          <a:xfrm>
+            <a:off x="359019" y="2108403"/>
+            <a:ext cx="2442468" cy="584775"/>
+          </a:xfrm>
+          <a:prstGeom prst="rect">
+            <a:avLst/>
+          </a:prstGeom>
+          <a:noFill/>
+        </p:spPr>
+        <p:txBody>
+          <a:bodyPr wrap="square" rtlCol="0">
+            <a:spAutoFit/>
+          </a:bodyPr>
+          <a:lstStyle/>
+          <a:p>
+            <a:pPr algn="ctr"/>
+            <a:r>
+              <a:rPr lang="en-US" sz="1600" dirty="0" smtClean="0">
+                <a:solidFill>
+                  <a:schemeClr val="bg1"/>
+                </a:solidFill>
+              </a:rPr>
+              <a:t>Directory with 48 fq.gz files, 1 per specimen</a:t>
+            </a:r>
+            <a:endParaRPr lang="en-US" sz="1600" dirty="0">
+              <a:solidFill>
+                <a:schemeClr val="bg1"/>
+              </a:solidFill>
+            </a:endParaRPr>
+          </a:p>
+        </p:txBody>
+      </p:sp>
+      <p:pic>
+        <p:nvPicPr>
+          <p:cNvPr id="115" name="Picture 114"/>
+          <p:cNvPicPr>
+            <a:picLocks noChangeAspect="1"/>
+          </p:cNvPicPr>
+          <p:nvPr/>
+        </p:nvPicPr>
+        <p:blipFill>
+          <a:blip r:embed="rId4">
             <a:extLst>
               <a:ext uri="{28A0092B-C50C-407E-A947-70E740481C1C}">
                 <a14:useLocalDpi xmlns:a14="http://schemas.microsoft.com/office/drawing/2010/main" val="0"/>
@@ -9025,34 +10181,1199 @@
         </p:blipFill>
         <p:spPr>
           <a:xfrm>
-            <a:off x="583667" y="462597"/>
-            <a:ext cx="10537723" cy="6205549"/>
-          </a:xfrm>
+            <a:off x="40411" y="4938212"/>
+            <a:ext cx="2988194" cy="1687776"/>
+          </a:xfrm>
+          <a:prstGeom prst="rect">
+            <a:avLst/>
+          </a:prstGeom>
         </p:spPr>
       </p:pic>
       <p:sp>
         <p:nvSpPr>
-          <p:cNvPr id="2" name="Title 1"/>
-          <p:cNvSpPr>
-            <a:spLocks noGrp="1"/>
-          </p:cNvSpPr>
-          <p:nvPr>
-            <p:ph type="title"/>
-          </p:nvPr>
+          <p:cNvPr id="116" name="TextBox 115"/>
+          <p:cNvSpPr txBox="1"/>
+          <p:nvPr/>
         </p:nvSpPr>
         <p:spPr>
           <a:xfrm>
-            <a:off x="118110" y="90805"/>
-            <a:ext cx="10515600" cy="743585"/>
-          </a:xfrm>
+            <a:off x="770587" y="4515877"/>
+            <a:ext cx="2268609" cy="584775"/>
+          </a:xfrm>
+          <a:prstGeom prst="rect">
+            <a:avLst/>
+          </a:prstGeom>
+          <a:noFill/>
         </p:spPr>
         <p:txBody>
-          <a:bodyPr/>
+          <a:bodyPr wrap="square" rtlCol="0">
+            <a:spAutoFit/>
+          </a:bodyPr>
           <a:lstStyle/>
           <a:p>
             <a:r>
+              <a:rPr lang="en-US" sz="1600" dirty="0" smtClean="0"/>
+              <a:t>Run `</a:t>
+            </a:r>
+            <a:r>
+              <a:rPr lang="en-US" sz="1600" dirty="0" err="1" smtClean="0"/>
+              <a:t>ustacks</a:t>
+            </a:r>
+            <a:r>
+              <a:rPr lang="en-US" sz="1600" dirty="0" smtClean="0"/>
+              <a:t>` on each sample to find loci</a:t>
+            </a:r>
+            <a:endParaRPr lang="en-US" sz="1600" dirty="0"/>
+          </a:p>
+        </p:txBody>
+      </p:sp>
+      <p:sp>
+        <p:nvSpPr>
+          <p:cNvPr id="117" name="TextBox 116"/>
+          <p:cNvSpPr txBox="1"/>
+          <p:nvPr/>
+        </p:nvSpPr>
+        <p:spPr>
+          <a:xfrm>
+            <a:off x="156208" y="6532227"/>
+            <a:ext cx="2869324" cy="215444"/>
+          </a:xfrm>
+          <a:prstGeom prst="rect">
+            <a:avLst/>
+          </a:prstGeom>
+          <a:noFill/>
+        </p:spPr>
+        <p:txBody>
+          <a:bodyPr wrap="square" rtlCol="0">
+            <a:spAutoFit/>
+          </a:bodyPr>
+          <a:lstStyle/>
+          <a:p>
+            <a:r>
+              <a:rPr lang="en-US" sz="800" dirty="0" smtClean="0"/>
+              <a:t>Figure  </a:t>
+            </a:r>
+            <a:r>
+              <a:rPr lang="en-US" sz="800" dirty="0" smtClean="0">
+                <a:hlinkClick r:id="rId3"/>
+              </a:rPr>
+              <a:t>http://catchenlab.life.illinois.edu/stacks/param_tut.php</a:t>
+            </a:r>
+            <a:endParaRPr lang="en-US" sz="800" dirty="0"/>
+          </a:p>
+        </p:txBody>
+      </p:sp>
+      <p:cxnSp>
+        <p:nvCxnSpPr>
+          <p:cNvPr id="118" name="Straight Arrow Connector 117"/>
+          <p:cNvCxnSpPr/>
+          <p:nvPr/>
+        </p:nvCxnSpPr>
+        <p:spPr>
+          <a:xfrm>
+            <a:off x="568985" y="4498428"/>
+            <a:ext cx="7421" cy="491537"/>
+          </a:xfrm>
+          <a:prstGeom prst="straightConnector1">
+            <a:avLst/>
+          </a:prstGeom>
+          <a:ln w="76200">
+            <a:solidFill>
+              <a:schemeClr val="tx1"/>
+            </a:solidFill>
+            <a:tailEnd type="triangle"/>
+          </a:ln>
+        </p:spPr>
+        <p:style>
+          <a:lnRef idx="3">
+            <a:schemeClr val="dk1"/>
+          </a:lnRef>
+          <a:fillRef idx="0">
+            <a:schemeClr val="dk1"/>
+          </a:fillRef>
+          <a:effectRef idx="2">
+            <a:schemeClr val="dk1"/>
+          </a:effectRef>
+          <a:fontRef idx="minor">
+            <a:schemeClr val="tx1"/>
+          </a:fontRef>
+        </p:style>
+      </p:cxnSp>
+      <p:grpSp>
+        <p:nvGrpSpPr>
+          <p:cNvPr id="121" name="Group 120"/>
+          <p:cNvGrpSpPr/>
+          <p:nvPr/>
+        </p:nvGrpSpPr>
+        <p:grpSpPr>
+          <a:xfrm>
+            <a:off x="4080361" y="75494"/>
+            <a:ext cx="3099057" cy="841420"/>
+            <a:chOff x="959803" y="737894"/>
+            <a:chExt cx="3011305" cy="6549410"/>
+          </a:xfrm>
+        </p:grpSpPr>
+        <p:sp>
+          <p:nvSpPr>
+            <p:cNvPr id="122" name="Flowchart: Alternate Process 121"/>
+            <p:cNvSpPr/>
+            <p:nvPr/>
+          </p:nvSpPr>
+          <p:spPr>
+            <a:xfrm>
+              <a:off x="959803" y="737894"/>
+              <a:ext cx="2974427" cy="6549410"/>
+            </a:xfrm>
+            <a:prstGeom prst="flowChartAlternateProcess">
+              <a:avLst/>
+            </a:prstGeom>
+            <a:solidFill>
+              <a:schemeClr val="accent4"/>
+            </a:solidFill>
+          </p:spPr>
+          <p:style>
+            <a:lnRef idx="2">
+              <a:schemeClr val="accent1">
+                <a:shade val="50000"/>
+              </a:schemeClr>
+            </a:lnRef>
+            <a:fillRef idx="1">
+              <a:schemeClr val="accent1"/>
+            </a:fillRef>
+            <a:effectRef idx="0">
+              <a:schemeClr val="accent1"/>
+            </a:effectRef>
+            <a:fontRef idx="minor">
+              <a:schemeClr val="lt1"/>
+            </a:fontRef>
+          </p:style>
+          <p:txBody>
+            <a:bodyPr rtlCol="0" anchor="ctr"/>
+            <a:lstStyle/>
+            <a:p>
+              <a:pPr algn="ctr"/>
+              <a:endParaRPr lang="en-US"/>
+            </a:p>
+          </p:txBody>
+        </p:sp>
+        <p:sp>
+          <p:nvSpPr>
+            <p:cNvPr id="123" name="TextBox 122"/>
+            <p:cNvSpPr txBox="1"/>
+            <p:nvPr/>
+          </p:nvSpPr>
+          <p:spPr>
+            <a:xfrm>
+              <a:off x="996681" y="1221382"/>
+              <a:ext cx="2974427" cy="5989143"/>
+            </a:xfrm>
+            <a:prstGeom prst="rect">
+              <a:avLst/>
+            </a:prstGeom>
+            <a:noFill/>
+          </p:spPr>
+          <p:txBody>
+            <a:bodyPr wrap="square" rtlCol="0">
+              <a:spAutoFit/>
+            </a:bodyPr>
+            <a:lstStyle/>
+            <a:p>
+              <a:pPr algn="ctr"/>
+              <a:r>
+                <a:rPr lang="en-US" sz="1600" dirty="0" smtClean="0"/>
+                <a:t>Directory with </a:t>
+              </a:r>
+              <a:r>
+                <a:rPr lang="en-US" sz="1600" dirty="0" err="1" smtClean="0"/>
+                <a:t>ustacks</a:t>
+              </a:r>
+              <a:r>
+                <a:rPr lang="en-US" sz="1600" dirty="0" smtClean="0"/>
+                <a:t> output </a:t>
+              </a:r>
+              <a:r>
+                <a:rPr lang="en-US" sz="1400" dirty="0" smtClean="0"/>
+                <a:t>(Name.tags.tsv.gz, Name.snps.tsv.gz,</a:t>
+              </a:r>
+            </a:p>
+            <a:p>
+              <a:pPr algn="ctr"/>
+              <a:r>
+                <a:rPr lang="en-US" sz="1400" dirty="0" smtClean="0"/>
+                <a:t>Name.alleles.tsv.gz</a:t>
+              </a:r>
+            </a:p>
+          </p:txBody>
+        </p:sp>
+      </p:grpSp>
+      <p:grpSp>
+        <p:nvGrpSpPr>
+          <p:cNvPr id="126" name="Group 125"/>
+          <p:cNvGrpSpPr/>
+          <p:nvPr/>
+        </p:nvGrpSpPr>
+        <p:grpSpPr>
+          <a:xfrm>
+            <a:off x="7354156" y="240900"/>
+            <a:ext cx="891687" cy="5950380"/>
+            <a:chOff x="3607034" y="729501"/>
+            <a:chExt cx="1437521" cy="5815643"/>
+          </a:xfrm>
+        </p:grpSpPr>
+        <p:grpSp>
+          <p:nvGrpSpPr>
+            <p:cNvPr id="127" name="Group 126"/>
+            <p:cNvGrpSpPr/>
+            <p:nvPr/>
+          </p:nvGrpSpPr>
+          <p:grpSpPr>
+            <a:xfrm>
+              <a:off x="3607034" y="729501"/>
+              <a:ext cx="412622" cy="5815643"/>
+              <a:chOff x="3607034" y="729501"/>
+              <a:chExt cx="412622" cy="5815643"/>
+            </a:xfrm>
+          </p:grpSpPr>
+          <p:cxnSp>
+            <p:nvCxnSpPr>
+              <p:cNvPr id="129" name="Straight Connector 128"/>
+              <p:cNvCxnSpPr/>
+              <p:nvPr/>
+            </p:nvCxnSpPr>
+            <p:spPr>
+              <a:xfrm>
+                <a:off x="3607034" y="6512121"/>
+                <a:ext cx="412622" cy="0"/>
+              </a:xfrm>
+              <a:prstGeom prst="line">
+                <a:avLst/>
+              </a:prstGeom>
+              <a:ln w="76200">
+                <a:solidFill>
+                  <a:schemeClr val="tx1"/>
+                </a:solidFill>
+              </a:ln>
+            </p:spPr>
+            <p:style>
+              <a:lnRef idx="1">
+                <a:schemeClr val="accent1"/>
+              </a:lnRef>
+              <a:fillRef idx="0">
+                <a:schemeClr val="accent1"/>
+              </a:fillRef>
+              <a:effectRef idx="0">
+                <a:schemeClr val="accent1"/>
+              </a:effectRef>
+              <a:fontRef idx="minor">
+                <a:schemeClr val="tx1"/>
+              </a:fontRef>
+            </p:style>
+          </p:cxnSp>
+          <p:cxnSp>
+            <p:nvCxnSpPr>
+              <p:cNvPr id="130" name="Straight Connector 129"/>
+              <p:cNvCxnSpPr/>
+              <p:nvPr/>
+            </p:nvCxnSpPr>
+            <p:spPr>
+              <a:xfrm flipV="1">
+                <a:off x="4013850" y="729501"/>
+                <a:ext cx="0" cy="5815643"/>
+              </a:xfrm>
+              <a:prstGeom prst="line">
+                <a:avLst/>
+              </a:prstGeom>
+              <a:ln w="76200">
+                <a:solidFill>
+                  <a:schemeClr val="tx1"/>
+                </a:solidFill>
+              </a:ln>
+            </p:spPr>
+            <p:style>
+              <a:lnRef idx="1">
+                <a:schemeClr val="accent1"/>
+              </a:lnRef>
+              <a:fillRef idx="0">
+                <a:schemeClr val="accent1"/>
+              </a:fillRef>
+              <a:effectRef idx="0">
+                <a:schemeClr val="accent1"/>
+              </a:effectRef>
+              <a:fontRef idx="minor">
+                <a:schemeClr val="tx1"/>
+              </a:fontRef>
+            </p:style>
+          </p:cxnSp>
+        </p:grpSp>
+        <p:cxnSp>
+          <p:nvCxnSpPr>
+            <p:cNvPr id="128" name="Straight Arrow Connector 127"/>
+            <p:cNvCxnSpPr/>
+            <p:nvPr/>
+          </p:nvCxnSpPr>
+          <p:spPr>
+            <a:xfrm flipV="1">
+              <a:off x="3996776" y="756739"/>
+              <a:ext cx="1047779" cy="1"/>
+            </a:xfrm>
+            <a:prstGeom prst="straightConnector1">
+              <a:avLst/>
+            </a:prstGeom>
+            <a:ln w="76200">
+              <a:solidFill>
+                <a:schemeClr val="tx1"/>
+              </a:solidFill>
+              <a:tailEnd type="triangle"/>
+            </a:ln>
+          </p:spPr>
+          <p:style>
+            <a:lnRef idx="3">
+              <a:schemeClr val="dk1"/>
+            </a:lnRef>
+            <a:fillRef idx="0">
+              <a:schemeClr val="dk1"/>
+            </a:fillRef>
+            <a:effectRef idx="2">
+              <a:schemeClr val="dk1"/>
+            </a:effectRef>
+            <a:fontRef idx="minor">
+              <a:schemeClr val="tx1"/>
+            </a:fontRef>
+          </p:style>
+        </p:cxnSp>
+      </p:grpSp>
+      <p:grpSp>
+        <p:nvGrpSpPr>
+          <p:cNvPr id="131" name="Group 130"/>
+          <p:cNvGrpSpPr/>
+          <p:nvPr/>
+        </p:nvGrpSpPr>
+        <p:grpSpPr>
+          <a:xfrm>
+            <a:off x="8256434" y="51781"/>
+            <a:ext cx="3075724" cy="628469"/>
+            <a:chOff x="947358" y="411556"/>
+            <a:chExt cx="2995059" cy="6743605"/>
+          </a:xfrm>
+        </p:grpSpPr>
+        <p:sp>
+          <p:nvSpPr>
+            <p:cNvPr id="132" name="Flowchart: Alternate Process 131"/>
+            <p:cNvSpPr/>
+            <p:nvPr/>
+          </p:nvSpPr>
+          <p:spPr>
+            <a:xfrm>
+              <a:off x="967990" y="411556"/>
+              <a:ext cx="2974427" cy="6549410"/>
+            </a:xfrm>
+            <a:prstGeom prst="flowChartAlternateProcess">
+              <a:avLst/>
+            </a:prstGeom>
+            <a:solidFill>
+              <a:srgbClr val="FFFF00"/>
+            </a:solidFill>
+          </p:spPr>
+          <p:style>
+            <a:lnRef idx="2">
+              <a:schemeClr val="accent1">
+                <a:shade val="50000"/>
+              </a:schemeClr>
+            </a:lnRef>
+            <a:fillRef idx="1">
+              <a:schemeClr val="accent1"/>
+            </a:fillRef>
+            <a:effectRef idx="0">
+              <a:schemeClr val="accent1"/>
+            </a:effectRef>
+            <a:fontRef idx="minor">
+              <a:schemeClr val="lt1"/>
+            </a:fontRef>
+          </p:style>
+          <p:txBody>
+            <a:bodyPr rtlCol="0" anchor="ctr"/>
+            <a:lstStyle/>
+            <a:p>
+              <a:pPr algn="ctr"/>
+              <a:endParaRPr lang="en-US"/>
+            </a:p>
+          </p:txBody>
+        </p:sp>
+        <p:sp>
+          <p:nvSpPr>
+            <p:cNvPr id="133" name="TextBox 132"/>
+            <p:cNvSpPr txBox="1"/>
+            <p:nvPr/>
+          </p:nvSpPr>
+          <p:spPr>
+            <a:xfrm>
+              <a:off x="947358" y="880402"/>
+              <a:ext cx="2974427" cy="6274759"/>
+            </a:xfrm>
+            <a:prstGeom prst="rect">
+              <a:avLst/>
+            </a:prstGeom>
+            <a:noFill/>
+          </p:spPr>
+          <p:txBody>
+            <a:bodyPr wrap="square" rtlCol="0">
+              <a:spAutoFit/>
+            </a:bodyPr>
+            <a:lstStyle/>
+            <a:p>
+              <a:pPr algn="ctr"/>
+              <a:r>
+                <a:rPr lang="en-US" sz="1600" dirty="0" smtClean="0"/>
+                <a:t>Directory with </a:t>
+              </a:r>
+              <a:r>
+                <a:rPr lang="en-US" sz="1600" dirty="0" err="1" smtClean="0"/>
+                <a:t>ustack</a:t>
+              </a:r>
+              <a:r>
+                <a:rPr lang="en-US" sz="1600" dirty="0" smtClean="0"/>
+                <a:t>, </a:t>
+              </a:r>
+              <a:r>
+                <a:rPr lang="en-US" sz="1600" dirty="0" err="1" smtClean="0"/>
+                <a:t>cstacks</a:t>
+              </a:r>
+              <a:r>
+                <a:rPr lang="en-US" sz="1600" dirty="0" smtClean="0"/>
+                <a:t>, and </a:t>
+              </a:r>
+              <a:r>
+                <a:rPr lang="en-US" sz="1600" dirty="0" err="1" smtClean="0"/>
+                <a:t>sstacks</a:t>
+              </a:r>
+              <a:r>
+                <a:rPr lang="en-US" sz="1600" dirty="0" smtClean="0"/>
+                <a:t> outputs</a:t>
+              </a:r>
+              <a:endParaRPr lang="en-US" sz="1600" dirty="0"/>
+            </a:p>
+          </p:txBody>
+        </p:sp>
+      </p:grpSp>
+      <p:cxnSp>
+        <p:nvCxnSpPr>
+          <p:cNvPr id="134" name="Straight Arrow Connector 133"/>
+          <p:cNvCxnSpPr/>
+          <p:nvPr/>
+        </p:nvCxnSpPr>
+        <p:spPr>
+          <a:xfrm>
+            <a:off x="8395697" y="703823"/>
+            <a:ext cx="0" cy="580689"/>
+          </a:xfrm>
+          <a:prstGeom prst="straightConnector1">
+            <a:avLst/>
+          </a:prstGeom>
+          <a:ln w="76200">
+            <a:solidFill>
+              <a:schemeClr val="tx1"/>
+            </a:solidFill>
+            <a:tailEnd type="triangle"/>
+          </a:ln>
+        </p:spPr>
+        <p:style>
+          <a:lnRef idx="3">
+            <a:schemeClr val="dk1"/>
+          </a:lnRef>
+          <a:fillRef idx="0">
+            <a:schemeClr val="dk1"/>
+          </a:fillRef>
+          <a:effectRef idx="2">
+            <a:schemeClr val="dk1"/>
+          </a:effectRef>
+          <a:fontRef idx="minor">
+            <a:schemeClr val="tx1"/>
+          </a:fontRef>
+        </p:style>
+      </p:cxnSp>
+      <p:grpSp>
+        <p:nvGrpSpPr>
+          <p:cNvPr id="135" name="Group 134"/>
+          <p:cNvGrpSpPr/>
+          <p:nvPr/>
+        </p:nvGrpSpPr>
+        <p:grpSpPr>
+          <a:xfrm>
+            <a:off x="8307771" y="1403141"/>
+            <a:ext cx="3054537" cy="843748"/>
+            <a:chOff x="967990" y="197174"/>
+            <a:chExt cx="2974427" cy="6763792"/>
+          </a:xfrm>
+          <a:solidFill>
+            <a:schemeClr val="accent6">
+              <a:lumMod val="75000"/>
+            </a:schemeClr>
+          </a:solidFill>
+        </p:grpSpPr>
+        <p:sp>
+          <p:nvSpPr>
+            <p:cNvPr id="136" name="Flowchart: Alternate Process 135"/>
+            <p:cNvSpPr/>
+            <p:nvPr/>
+          </p:nvSpPr>
+          <p:spPr>
+            <a:xfrm>
+              <a:off x="967990" y="411556"/>
+              <a:ext cx="2974427" cy="6549410"/>
+            </a:xfrm>
+            <a:prstGeom prst="flowChartAlternateProcess">
+              <a:avLst/>
+            </a:prstGeom>
+            <a:grpFill/>
+          </p:spPr>
+          <p:style>
+            <a:lnRef idx="2">
+              <a:schemeClr val="accent1">
+                <a:shade val="50000"/>
+              </a:schemeClr>
+            </a:lnRef>
+            <a:fillRef idx="1">
+              <a:schemeClr val="accent1"/>
+            </a:fillRef>
+            <a:effectRef idx="0">
+              <a:schemeClr val="accent1"/>
+            </a:effectRef>
+            <a:fontRef idx="minor">
+              <a:schemeClr val="lt1"/>
+            </a:fontRef>
+          </p:style>
+          <p:txBody>
+            <a:bodyPr rtlCol="0" anchor="ctr"/>
+            <a:lstStyle/>
+            <a:p>
+              <a:pPr algn="ctr"/>
+              <a:endParaRPr lang="en-US"/>
+            </a:p>
+          </p:txBody>
+        </p:sp>
+        <p:sp>
+          <p:nvSpPr>
+            <p:cNvPr id="137" name="TextBox 136"/>
+            <p:cNvSpPr txBox="1"/>
+            <p:nvPr/>
+          </p:nvSpPr>
+          <p:spPr>
+            <a:xfrm>
+              <a:off x="967990" y="197174"/>
+              <a:ext cx="2974427" cy="6661575"/>
+            </a:xfrm>
+            <a:prstGeom prst="rect">
+              <a:avLst/>
+            </a:prstGeom>
+            <a:noFill/>
+          </p:spPr>
+          <p:txBody>
+            <a:bodyPr wrap="square" rtlCol="0">
+              <a:spAutoFit/>
+            </a:bodyPr>
+            <a:lstStyle/>
+            <a:p>
+              <a:pPr algn="ctr"/>
+              <a:r>
+                <a:rPr lang="en-US" sz="1600" dirty="0" smtClean="0">
+                  <a:solidFill>
+                    <a:schemeClr val="bg1"/>
+                  </a:solidFill>
+                </a:rPr>
+                <a:t>Directory  with tsv2bam output and </a:t>
+              </a:r>
+              <a:r>
+                <a:rPr lang="en-US" sz="1600" dirty="0" err="1" smtClean="0">
+                  <a:solidFill>
+                    <a:schemeClr val="bg1"/>
+                  </a:solidFill>
+                </a:rPr>
+                <a:t>ustacks</a:t>
+              </a:r>
+              <a:r>
+                <a:rPr lang="en-US" sz="1600" dirty="0" smtClean="0">
+                  <a:solidFill>
+                    <a:schemeClr val="bg1"/>
+                  </a:solidFill>
+                </a:rPr>
+                <a:t>, </a:t>
+              </a:r>
+              <a:r>
+                <a:rPr lang="en-US" sz="1600" dirty="0" err="1" smtClean="0">
+                  <a:solidFill>
+                    <a:schemeClr val="bg1"/>
+                  </a:solidFill>
+                </a:rPr>
+                <a:t>cstacks</a:t>
+              </a:r>
+              <a:r>
+                <a:rPr lang="en-US" sz="1600" dirty="0" smtClean="0">
+                  <a:solidFill>
+                    <a:schemeClr val="bg1"/>
+                  </a:solidFill>
+                </a:rPr>
+                <a:t>, and </a:t>
+              </a:r>
+              <a:r>
+                <a:rPr lang="en-US" sz="1600" dirty="0" err="1" smtClean="0">
+                  <a:solidFill>
+                    <a:schemeClr val="bg1"/>
+                  </a:solidFill>
+                </a:rPr>
+                <a:t>cstacks</a:t>
+              </a:r>
+              <a:r>
+                <a:rPr lang="en-US" sz="1600" dirty="0" smtClean="0">
+                  <a:solidFill>
+                    <a:schemeClr val="bg1"/>
+                  </a:solidFill>
+                </a:rPr>
+                <a:t> outputs (</a:t>
+              </a:r>
+              <a:r>
+                <a:rPr lang="en-US" sz="1600" dirty="0" err="1" smtClean="0">
+                  <a:solidFill>
+                    <a:schemeClr val="bg1"/>
+                  </a:solidFill>
+                </a:rPr>
+                <a:t>name.matches.bam</a:t>
+              </a:r>
+              <a:r>
+                <a:rPr lang="en-US" sz="1600" dirty="0" smtClean="0">
+                  <a:solidFill>
+                    <a:schemeClr val="bg1"/>
+                  </a:solidFill>
+                </a:rPr>
+                <a:t>)</a:t>
+              </a:r>
+              <a:endParaRPr lang="en-US" sz="1600" dirty="0">
+                <a:solidFill>
+                  <a:schemeClr val="bg1"/>
+                </a:solidFill>
+              </a:endParaRPr>
+            </a:p>
+          </p:txBody>
+        </p:sp>
+      </p:grpSp>
+      <p:sp>
+        <p:nvSpPr>
+          <p:cNvPr id="138" name="TextBox 137"/>
+          <p:cNvSpPr txBox="1"/>
+          <p:nvPr/>
+        </p:nvSpPr>
+        <p:spPr>
+          <a:xfrm>
+            <a:off x="8501278" y="2305415"/>
+            <a:ext cx="3737622" cy="338554"/>
+          </a:xfrm>
+          <a:prstGeom prst="rect">
+            <a:avLst/>
+          </a:prstGeom>
+          <a:noFill/>
+        </p:spPr>
+        <p:txBody>
+          <a:bodyPr wrap="square" rtlCol="0">
+            <a:spAutoFit/>
+          </a:bodyPr>
+          <a:lstStyle/>
+          <a:p>
+            <a:r>
+              <a:rPr lang="en-US" sz="1600" dirty="0" smtClean="0"/>
+              <a:t>Run `</a:t>
+            </a:r>
+            <a:r>
+              <a:rPr lang="en-US" sz="1600" dirty="0" err="1" smtClean="0"/>
+              <a:t>gstacks</a:t>
+            </a:r>
+            <a:r>
+              <a:rPr lang="en-US" sz="1600" dirty="0" smtClean="0"/>
+              <a:t>` to </a:t>
+            </a:r>
+            <a:r>
+              <a:rPr lang="en-US" sz="1600" dirty="0" smtClean="0"/>
+              <a:t>genotype </a:t>
+            </a:r>
+            <a:endParaRPr lang="en-US" sz="1600" dirty="0"/>
+          </a:p>
+        </p:txBody>
+      </p:sp>
+      <p:cxnSp>
+        <p:nvCxnSpPr>
+          <p:cNvPr id="139" name="Straight Arrow Connector 138"/>
+          <p:cNvCxnSpPr/>
+          <p:nvPr/>
+        </p:nvCxnSpPr>
+        <p:spPr>
+          <a:xfrm>
+            <a:off x="8395697" y="2336244"/>
+            <a:ext cx="0" cy="580689"/>
+          </a:xfrm>
+          <a:prstGeom prst="straightConnector1">
+            <a:avLst/>
+          </a:prstGeom>
+          <a:ln w="76200">
+            <a:solidFill>
+              <a:schemeClr val="tx1"/>
+            </a:solidFill>
+            <a:tailEnd type="triangle"/>
+          </a:ln>
+        </p:spPr>
+        <p:style>
+          <a:lnRef idx="3">
+            <a:schemeClr val="dk1"/>
+          </a:lnRef>
+          <a:fillRef idx="0">
+            <a:schemeClr val="dk1"/>
+          </a:fillRef>
+          <a:effectRef idx="2">
+            <a:schemeClr val="dk1"/>
+          </a:effectRef>
+          <a:fontRef idx="minor">
+            <a:schemeClr val="tx1"/>
+          </a:fontRef>
+        </p:style>
+      </p:cxnSp>
+      <p:grpSp>
+        <p:nvGrpSpPr>
+          <p:cNvPr id="141" name="Group 140"/>
+          <p:cNvGrpSpPr/>
+          <p:nvPr/>
+        </p:nvGrpSpPr>
+        <p:grpSpPr>
+          <a:xfrm>
+            <a:off x="8318381" y="3015221"/>
+            <a:ext cx="3065147" cy="817005"/>
+            <a:chOff x="967990" y="411556"/>
+            <a:chExt cx="2984759" cy="6549410"/>
+          </a:xfrm>
+          <a:solidFill>
+            <a:schemeClr val="accent6">
+              <a:lumMod val="75000"/>
+            </a:schemeClr>
+          </a:solidFill>
+        </p:grpSpPr>
+        <p:sp>
+          <p:nvSpPr>
+            <p:cNvPr id="142" name="Flowchart: Alternate Process 141"/>
+            <p:cNvSpPr/>
+            <p:nvPr/>
+          </p:nvSpPr>
+          <p:spPr>
+            <a:xfrm>
+              <a:off x="967990" y="411556"/>
+              <a:ext cx="2974427" cy="6549410"/>
+            </a:xfrm>
+            <a:prstGeom prst="flowChartAlternateProcess">
+              <a:avLst/>
+            </a:prstGeom>
+            <a:grpFill/>
+          </p:spPr>
+          <p:style>
+            <a:lnRef idx="2">
+              <a:schemeClr val="accent1">
+                <a:shade val="50000"/>
+              </a:schemeClr>
+            </a:lnRef>
+            <a:fillRef idx="1">
+              <a:schemeClr val="accent1"/>
+            </a:fillRef>
+            <a:effectRef idx="0">
+              <a:schemeClr val="accent1"/>
+            </a:effectRef>
+            <a:fontRef idx="minor">
+              <a:schemeClr val="lt1"/>
+            </a:fontRef>
+          </p:style>
+          <p:txBody>
+            <a:bodyPr rtlCol="0" anchor="ctr"/>
+            <a:lstStyle/>
+            <a:p>
+              <a:pPr algn="ctr"/>
+              <a:endParaRPr lang="en-US"/>
+            </a:p>
+          </p:txBody>
+        </p:sp>
+        <p:sp>
+          <p:nvSpPr>
+            <p:cNvPr id="143" name="TextBox 142"/>
+            <p:cNvSpPr txBox="1"/>
+            <p:nvPr/>
+          </p:nvSpPr>
+          <p:spPr>
+            <a:xfrm>
+              <a:off x="978322" y="1844874"/>
+              <a:ext cx="2974427" cy="2713972"/>
+            </a:xfrm>
+            <a:prstGeom prst="rect">
+              <a:avLst/>
+            </a:prstGeom>
+            <a:grpFill/>
+          </p:spPr>
+          <p:txBody>
+            <a:bodyPr wrap="square" rtlCol="0">
+              <a:spAutoFit/>
+            </a:bodyPr>
+            <a:lstStyle/>
+            <a:p>
+              <a:pPr algn="ctr"/>
+              <a:r>
+                <a:rPr lang="en-US" sz="1600" dirty="0" smtClean="0">
+                  <a:solidFill>
+                    <a:schemeClr val="bg1"/>
+                  </a:solidFill>
+                </a:rPr>
+                <a:t>Directory with </a:t>
+              </a:r>
+              <a:r>
+                <a:rPr lang="en-US" sz="1600" dirty="0" err="1" smtClean="0">
+                  <a:solidFill>
+                    <a:schemeClr val="bg1"/>
+                  </a:solidFill>
+                </a:rPr>
+                <a:t>gstacks</a:t>
+              </a:r>
+              <a:r>
+                <a:rPr lang="en-US" sz="1600" dirty="0" smtClean="0">
+                  <a:solidFill>
+                    <a:schemeClr val="bg1"/>
+                  </a:solidFill>
+                </a:rPr>
+                <a:t> outputs?</a:t>
+              </a:r>
+              <a:endParaRPr lang="en-US" sz="1600" dirty="0">
+                <a:solidFill>
+                  <a:schemeClr val="bg1"/>
+                </a:solidFill>
+              </a:endParaRPr>
+            </a:p>
+          </p:txBody>
+        </p:sp>
+      </p:grpSp>
+      <p:sp>
+        <p:nvSpPr>
+          <p:cNvPr id="144" name="TextBox 143"/>
+          <p:cNvSpPr txBox="1"/>
+          <p:nvPr/>
+        </p:nvSpPr>
+        <p:spPr>
+          <a:xfrm>
+            <a:off x="8511888" y="3890752"/>
+            <a:ext cx="3737622" cy="1077218"/>
+          </a:xfrm>
+          <a:prstGeom prst="rect">
+            <a:avLst/>
+          </a:prstGeom>
+          <a:noFill/>
+        </p:spPr>
+        <p:txBody>
+          <a:bodyPr wrap="square" rtlCol="0">
+            <a:spAutoFit/>
+          </a:bodyPr>
+          <a:lstStyle/>
+          <a:p>
+            <a:r>
+              <a:rPr lang="en-US" sz="1600" dirty="0" smtClean="0"/>
+              <a:t>Run `populations` to get population summary statistics such as F</a:t>
+            </a:r>
+            <a:r>
+              <a:rPr lang="en-US" sz="1600" baseline="-25000" dirty="0" smtClean="0"/>
+              <a:t>ST</a:t>
+            </a:r>
+            <a:r>
+              <a:rPr lang="en-US" sz="1600" dirty="0" smtClean="0"/>
+              <a:t>  and output data into a </a:t>
+            </a:r>
+            <a:r>
+              <a:rPr lang="en-US" sz="1600" dirty="0" err="1" smtClean="0"/>
+              <a:t>fasta</a:t>
+            </a:r>
+            <a:r>
+              <a:rPr lang="en-US" sz="1600" dirty="0" smtClean="0"/>
+              <a:t> or </a:t>
+            </a:r>
+            <a:r>
+              <a:rPr lang="en-US" sz="1600" dirty="0" err="1" smtClean="0"/>
+              <a:t>phylip</a:t>
+            </a:r>
+            <a:r>
+              <a:rPr lang="en-US" sz="1600" dirty="0" smtClean="0"/>
+              <a:t> that can be used for analysis</a:t>
+            </a:r>
+            <a:endParaRPr lang="en-US" sz="1600" dirty="0"/>
+          </a:p>
+        </p:txBody>
+      </p:sp>
+      <p:cxnSp>
+        <p:nvCxnSpPr>
+          <p:cNvPr id="59" name="Straight Arrow Connector 58"/>
+          <p:cNvCxnSpPr/>
+          <p:nvPr/>
+        </p:nvCxnSpPr>
+        <p:spPr>
+          <a:xfrm>
+            <a:off x="8430415" y="3885006"/>
+            <a:ext cx="0" cy="580689"/>
+          </a:xfrm>
+          <a:prstGeom prst="straightConnector1">
+            <a:avLst/>
+          </a:prstGeom>
+          <a:ln w="76200">
+            <a:solidFill>
+              <a:schemeClr val="tx1"/>
+            </a:solidFill>
+            <a:tailEnd type="triangle"/>
+          </a:ln>
+        </p:spPr>
+        <p:style>
+          <a:lnRef idx="3">
+            <a:schemeClr val="dk1"/>
+          </a:lnRef>
+          <a:fillRef idx="0">
+            <a:schemeClr val="dk1"/>
+          </a:fillRef>
+          <a:effectRef idx="2">
+            <a:schemeClr val="dk1"/>
+          </a:effectRef>
+          <a:fontRef idx="minor">
+            <a:schemeClr val="tx1"/>
+          </a:fontRef>
+        </p:style>
+      </p:cxnSp>
+      <p:sp>
+        <p:nvSpPr>
+          <p:cNvPr id="3" name="Explosion 2 2"/>
+          <p:cNvSpPr/>
+          <p:nvPr/>
+        </p:nvSpPr>
+        <p:spPr>
+          <a:xfrm rot="647178">
+            <a:off x="7984135" y="4827444"/>
+            <a:ext cx="4076695" cy="2232203"/>
+          </a:xfrm>
+          <a:prstGeom prst="irregularSeal2">
+            <a:avLst/>
+          </a:prstGeom>
+          <a:solidFill>
+            <a:srgbClr val="92D050"/>
+          </a:solidFill>
+        </p:spPr>
+        <p:style>
+          <a:lnRef idx="2">
+            <a:schemeClr val="accent1">
+              <a:shade val="50000"/>
+            </a:schemeClr>
+          </a:lnRef>
+          <a:fillRef idx="1">
+            <a:schemeClr val="accent1"/>
+          </a:fillRef>
+          <a:effectRef idx="0">
+            <a:schemeClr val="accent1"/>
+          </a:effectRef>
+          <a:fontRef idx="minor">
+            <a:schemeClr val="lt1"/>
+          </a:fontRef>
+        </p:style>
+        <p:txBody>
+          <a:bodyPr rtlCol="0" anchor="ctr"/>
+          <a:lstStyle/>
+          <a:p>
+            <a:pPr algn="ctr"/>
+            <a:endParaRPr lang="en-US"/>
+          </a:p>
+        </p:txBody>
+      </p:sp>
+      <p:sp>
+        <p:nvSpPr>
+          <p:cNvPr id="65" name="TextBox 64"/>
+          <p:cNvSpPr txBox="1"/>
+          <p:nvPr/>
+        </p:nvSpPr>
+        <p:spPr>
+          <a:xfrm>
+            <a:off x="8328991" y="5712478"/>
+            <a:ext cx="3054537" cy="584775"/>
+          </a:xfrm>
+          <a:prstGeom prst="rect">
+            <a:avLst/>
+          </a:prstGeom>
+          <a:noFill/>
+        </p:spPr>
+        <p:txBody>
+          <a:bodyPr wrap="square" rtlCol="0">
+            <a:spAutoFit/>
+          </a:bodyPr>
+          <a:lstStyle/>
+          <a:p>
+            <a:pPr algn="ctr"/>
+            <a:r>
+              <a:rPr lang="en-US" sz="1600" dirty="0" err="1" smtClean="0"/>
+              <a:t>Fasta</a:t>
+            </a:r>
+            <a:r>
+              <a:rPr lang="en-US" sz="1600" dirty="0" smtClean="0"/>
+              <a:t> or </a:t>
+            </a:r>
+            <a:r>
+              <a:rPr lang="en-US" sz="1600" dirty="0" err="1" smtClean="0"/>
+              <a:t>phylip</a:t>
+            </a:r>
+            <a:r>
+              <a:rPr lang="en-US" sz="1600" dirty="0" smtClean="0"/>
+              <a:t> files that can now be used to make a tree!!</a:t>
+            </a:r>
+            <a:endParaRPr lang="en-US" sz="1600" dirty="0"/>
+          </a:p>
+        </p:txBody>
+      </p:sp>
+      <p:sp>
+        <p:nvSpPr>
+          <p:cNvPr id="7" name="Freeform 6"/>
+          <p:cNvSpPr/>
+          <p:nvPr/>
+        </p:nvSpPr>
+        <p:spPr>
+          <a:xfrm>
+            <a:off x="53788" y="71718"/>
+            <a:ext cx="12084424" cy="6696635"/>
+          </a:xfrm>
+          <a:custGeom>
+            <a:avLst/>
+            <a:gdLst>
+              <a:gd name="connsiteX0" fmla="*/ 35859 w 12084424"/>
+              <a:gd name="connsiteY0" fmla="*/ 4365811 h 6696635"/>
+              <a:gd name="connsiteX1" fmla="*/ 3030071 w 12084424"/>
+              <a:gd name="connsiteY1" fmla="*/ 4383741 h 6696635"/>
+              <a:gd name="connsiteX2" fmla="*/ 3039036 w 12084424"/>
+              <a:gd name="connsiteY2" fmla="*/ 17929 h 6696635"/>
+              <a:gd name="connsiteX3" fmla="*/ 12084424 w 12084424"/>
+              <a:gd name="connsiteY3" fmla="*/ 0 h 6696635"/>
+              <a:gd name="connsiteX4" fmla="*/ 12075459 w 12084424"/>
+              <a:gd name="connsiteY4" fmla="*/ 6696635 h 6696635"/>
+              <a:gd name="connsiteX5" fmla="*/ 0 w 12084424"/>
+              <a:gd name="connsiteY5" fmla="*/ 6696635 h 6696635"/>
+              <a:gd name="connsiteX6" fmla="*/ 35859 w 12084424"/>
+              <a:gd name="connsiteY6" fmla="*/ 4365811 h 6696635"/>
+            </a:gdLst>
+            <a:ahLst/>
+            <a:cxnLst>
+              <a:cxn ang="0">
+                <a:pos x="connsiteX0" y="connsiteY0"/>
+              </a:cxn>
+              <a:cxn ang="0">
+                <a:pos x="connsiteX1" y="connsiteY1"/>
+              </a:cxn>
+              <a:cxn ang="0">
+                <a:pos x="connsiteX2" y="connsiteY2"/>
+              </a:cxn>
+              <a:cxn ang="0">
+                <a:pos x="connsiteX3" y="connsiteY3"/>
+              </a:cxn>
+              <a:cxn ang="0">
+                <a:pos x="connsiteX4" y="connsiteY4"/>
+              </a:cxn>
+              <a:cxn ang="0">
+                <a:pos x="connsiteX5" y="connsiteY5"/>
+              </a:cxn>
+              <a:cxn ang="0">
+                <a:pos x="connsiteX6" y="connsiteY6"/>
+              </a:cxn>
+            </a:cxnLst>
+            <a:rect l="l" t="t" r="r" b="b"/>
+            <a:pathLst>
+              <a:path w="12084424" h="6696635">
+                <a:moveTo>
+                  <a:pt x="35859" y="4365811"/>
+                </a:moveTo>
+                <a:lnTo>
+                  <a:pt x="3030071" y="4383741"/>
+                </a:lnTo>
+                <a:cubicBezTo>
+                  <a:pt x="3033059" y="2928470"/>
+                  <a:pt x="3036048" y="1473200"/>
+                  <a:pt x="3039036" y="17929"/>
+                </a:cubicBezTo>
+                <a:lnTo>
+                  <a:pt x="12084424" y="0"/>
+                </a:lnTo>
+                <a:cubicBezTo>
+                  <a:pt x="12081436" y="2232212"/>
+                  <a:pt x="12078447" y="4464423"/>
+                  <a:pt x="12075459" y="6696635"/>
+                </a:cubicBezTo>
+                <a:lnTo>
+                  <a:pt x="0" y="6696635"/>
+                </a:lnTo>
+                <a:lnTo>
+                  <a:pt x="35859" y="4365811"/>
+                </a:lnTo>
+                <a:close/>
+              </a:path>
+            </a:pathLst>
+          </a:custGeom>
+          <a:noFill/>
+          <a:ln w="76200">
+            <a:solidFill>
+              <a:schemeClr val="tx1"/>
+            </a:solidFill>
+            <a:prstDash val="sysDot"/>
+          </a:ln>
+        </p:spPr>
+        <p:style>
+          <a:lnRef idx="2">
+            <a:schemeClr val="accent1">
+              <a:shade val="50000"/>
+            </a:schemeClr>
+          </a:lnRef>
+          <a:fillRef idx="1">
+            <a:schemeClr val="accent1"/>
+          </a:fillRef>
+          <a:effectRef idx="0">
+            <a:schemeClr val="accent1"/>
+          </a:effectRef>
+          <a:fontRef idx="minor">
+            <a:schemeClr val="lt1"/>
+          </a:fontRef>
+        </p:style>
+        <p:txBody>
+          <a:bodyPr rtlCol="0" anchor="ctr"/>
+          <a:lstStyle/>
+          <a:p>
+            <a:pPr algn="ctr"/>
+            <a:endParaRPr lang="en-US"/>
+          </a:p>
+        </p:txBody>
+      </p:sp>
+      <p:sp>
+        <p:nvSpPr>
+          <p:cNvPr id="10" name="TextBox 9"/>
+          <p:cNvSpPr txBox="1"/>
+          <p:nvPr/>
+        </p:nvSpPr>
+        <p:spPr>
+          <a:xfrm>
+            <a:off x="6603901" y="2846758"/>
+            <a:ext cx="1739153" cy="369332"/>
+          </a:xfrm>
+          <a:prstGeom prst="rect">
+            <a:avLst/>
+          </a:prstGeom>
+          <a:solidFill>
+            <a:srgbClr val="FFFF00"/>
+          </a:solidFill>
+        </p:spPr>
+        <p:txBody>
+          <a:bodyPr wrap="square" rtlCol="0">
+            <a:spAutoFit/>
+          </a:bodyPr>
+          <a:lstStyle/>
+          <a:p>
+            <a:r>
+              <a:rPr lang="en-US" dirty="0"/>
+              <a:t>d</a:t>
+            </a:r>
+            <a:r>
               <a:rPr lang="en-US" dirty="0" smtClean="0"/>
-              <a:t>Visualization</a:t>
+              <a:t>enovo_map.pl</a:t>
             </a:r>
             <a:endParaRPr lang="en-US" dirty="0"/>
           </a:p>
@@ -9061,7 +11382,7 @@
     </p:spTree>
     <p:extLst>
       <p:ext uri="{BB962C8B-B14F-4D97-AF65-F5344CB8AC3E}">
-        <p14:creationId xmlns:p14="http://schemas.microsoft.com/office/powerpoint/2010/main" val="1588136584"/>
+        <p14:creationId xmlns:p14="http://schemas.microsoft.com/office/powerpoint/2010/main" val="1301295693"/>
       </p:ext>
     </p:extLst>
   </p:cSld>
@@ -9097,11 +11418,13 @@
       </p:grpSpPr>
       <p:pic>
         <p:nvPicPr>
-          <p:cNvPr id="6" name="Picture 5"/>
+          <p:cNvPr id="4" name="Content Placeholder 3"/>
           <p:cNvPicPr>
-            <a:picLocks noChangeAspect="1"/>
+            <a:picLocks noGrp="1" noChangeAspect="1"/>
           </p:cNvPicPr>
-          <p:nvPr/>
+          <p:nvPr>
+            <p:ph idx="1"/>
+          </p:nvPr>
         </p:nvPicPr>
         <p:blipFill>
           <a:blip r:embed="rId2">
@@ -9118,53 +11441,29 @@
         <p:spPr>
           <a:xfrm>
             <a:off x="583667" y="462597"/>
-            <a:ext cx="10546554" cy="6205549"/>
-          </a:xfrm>
-          <a:prstGeom prst="rect">
-            <a:avLst/>
-          </a:prstGeom>
+            <a:ext cx="10537723" cy="6205549"/>
+          </a:xfrm>
         </p:spPr>
       </p:pic>
       <p:sp>
         <p:nvSpPr>
-          <p:cNvPr id="10" name="Title 1"/>
-          <p:cNvSpPr txBox="1">
-            <a:spLocks/>
+          <p:cNvPr id="2" name="Title 1"/>
+          <p:cNvSpPr>
+            <a:spLocks noGrp="1"/>
           </p:cNvSpPr>
-          <p:nvPr/>
+          <p:nvPr>
+            <p:ph type="title"/>
+          </p:nvPr>
         </p:nvSpPr>
         <p:spPr>
           <a:xfrm>
             <a:off x="118110" y="90805"/>
             <a:ext cx="10515600" cy="743585"/>
           </a:xfrm>
-          <a:prstGeom prst="rect">
-            <a:avLst/>
-          </a:prstGeom>
         </p:spPr>
         <p:txBody>
-          <a:bodyPr vert="horz" lIns="91440" tIns="45720" rIns="91440" bIns="45720" rtlCol="0" anchor="ctr">
-            <a:normAutofit/>
-          </a:bodyPr>
-          <a:lstStyle>
-            <a:lvl1pPr algn="l" defTabSz="914400" rtl="0" eaLnBrk="1" latinLnBrk="0" hangingPunct="1">
-              <a:lnSpc>
-                <a:spcPct val="90000"/>
-              </a:lnSpc>
-              <a:spcBef>
-                <a:spcPct val="0"/>
-              </a:spcBef>
-              <a:buNone/>
-              <a:defRPr sz="4400" kern="1200">
-                <a:solidFill>
-                  <a:schemeClr val="tx1"/>
-                </a:solidFill>
-                <a:latin typeface="+mj-lt"/>
-                <a:ea typeface="+mj-ea"/>
-                <a:cs typeface="+mj-cs"/>
-              </a:defRPr>
-            </a:lvl1pPr>
-          </a:lstStyle>
+          <a:bodyPr/>
+          <a:lstStyle/>
           <a:p>
             <a:r>
               <a:rPr lang="en-US" dirty="0" smtClean="0"/>
@@ -9177,7 +11476,7 @@
     </p:spTree>
     <p:extLst>
       <p:ext uri="{BB962C8B-B14F-4D97-AF65-F5344CB8AC3E}">
-        <p14:creationId xmlns:p14="http://schemas.microsoft.com/office/powerpoint/2010/main" val="2489675708"/>
+        <p14:creationId xmlns:p14="http://schemas.microsoft.com/office/powerpoint/2010/main" val="1588136584"/>
       </p:ext>
     </p:extLst>
   </p:cSld>
@@ -9213,13 +11512,13 @@
       </p:grpSpPr>
       <p:pic>
         <p:nvPicPr>
-          <p:cNvPr id="7" name="Picture 6"/>
+          <p:cNvPr id="6" name="Picture 5"/>
           <p:cNvPicPr>
             <a:picLocks noChangeAspect="1"/>
           </p:cNvPicPr>
           <p:nvPr/>
         </p:nvPicPr>
-        <p:blipFill rotWithShape="1">
+        <p:blipFill>
           <a:blip r:embed="rId2">
             <a:extLst>
               <a:ext uri="{28A0092B-C50C-407E-A947-70E740481C1C}">
@@ -9227,13 +11526,14 @@
               </a:ext>
             </a:extLst>
           </a:blip>
-          <a:srcRect l="590"/>
-          <a:stretch/>
+          <a:stretch>
+            <a:fillRect/>
+          </a:stretch>
         </p:blipFill>
         <p:spPr>
           <a:xfrm>
-            <a:off x="765810" y="680057"/>
-            <a:ext cx="9998990" cy="5814203"/>
+            <a:off x="583667" y="462597"/>
+            <a:ext cx="10546554" cy="6205549"/>
           </a:xfrm>
           <a:prstGeom prst="rect">
             <a:avLst/>
@@ -9242,7 +11542,7 @@
       </p:pic>
       <p:sp>
         <p:nvSpPr>
-          <p:cNvPr id="8" name="Title 1"/>
+          <p:cNvPr id="10" name="Title 1"/>
           <p:cNvSpPr txBox="1">
             <a:spLocks/>
           </p:cNvSpPr>
@@ -9292,7 +11592,7 @@
     </p:spTree>
     <p:extLst>
       <p:ext uri="{BB962C8B-B14F-4D97-AF65-F5344CB8AC3E}">
-        <p14:creationId xmlns:p14="http://schemas.microsoft.com/office/powerpoint/2010/main" val="268076964"/>
+        <p14:creationId xmlns:p14="http://schemas.microsoft.com/office/powerpoint/2010/main" val="2489675708"/>
       </p:ext>
     </p:extLst>
   </p:cSld>

--- a/progress/flowchart.pptx
+++ b/progress/flowchart.pptx
@@ -2,7 +2,7 @@
 <file path=ppt/presentation.xml><?xml version="1.0" encoding="utf-8"?>
 <p:presentation xmlns:a="http://schemas.openxmlformats.org/drawingml/2006/main" xmlns:r="http://schemas.openxmlformats.org/officeDocument/2006/relationships" xmlns:p="http://schemas.openxmlformats.org/presentationml/2006/main" saveSubsetFonts="1">
   <p:sldMasterIdLst>
-    <p:sldMasterId id="2147483648" r:id="rId1"/>
+    <p:sldMasterId id="2147483660" r:id="rId1"/>
   </p:sldMasterIdLst>
   <p:sldIdLst>
     <p:sldId id="257" r:id="rId2"/>
@@ -21,7 +21,7 @@
     <p:sldId id="271" r:id="rId15"/>
     <p:sldId id="269" r:id="rId16"/>
   </p:sldIdLst>
-  <p:sldSz cx="12192000" cy="6858000"/>
+  <p:sldSz cx="9144000" cy="6858000" type="screen4x3"/>
   <p:notesSz cx="6858000" cy="9144000"/>
   <p:defaultTextStyle>
     <a:defPPr>
@@ -155,8 +155,8 @@
         </p:nvSpPr>
         <p:spPr>
           <a:xfrm>
-            <a:off x="1524000" y="1122363"/>
-            <a:ext cx="9144000" cy="2387600"/>
+            <a:off x="685800" y="1122363"/>
+            <a:ext cx="7772400" cy="2387600"/>
           </a:xfrm>
         </p:spPr>
         <p:txBody>
@@ -171,7 +171,7 @@
               <a:rPr lang="en-US" smtClean="0"/>
               <a:t>Click to edit Master title style</a:t>
             </a:r>
-            <a:endParaRPr lang="en-US"/>
+            <a:endParaRPr lang="en-US" dirty="0"/>
           </a:p>
         </p:txBody>
       </p:sp>
@@ -187,8 +187,8 @@
         </p:nvSpPr>
         <p:spPr>
           <a:xfrm>
-            <a:off x="1524000" y="3602038"/>
-            <a:ext cx="9144000" cy="1655762"/>
+            <a:off x="1143000" y="3602038"/>
+            <a:ext cx="6858000" cy="1655762"/>
           </a:xfrm>
         </p:spPr>
         <p:txBody>
@@ -236,7 +236,7 @@
               <a:rPr lang="en-US" smtClean="0"/>
               <a:t>Click to edit Master subtitle style</a:t>
             </a:r>
-            <a:endParaRPr lang="en-US"/>
+            <a:endParaRPr lang="en-US" dirty="0"/>
           </a:p>
         </p:txBody>
       </p:sp>
@@ -308,7 +308,7 @@
     </p:spTree>
     <p:extLst>
       <p:ext uri="{BB962C8B-B14F-4D97-AF65-F5344CB8AC3E}">
-        <p14:creationId xmlns:p14="http://schemas.microsoft.com/office/powerpoint/2010/main" val="681582665"/>
+        <p14:creationId xmlns:p14="http://schemas.microsoft.com/office/powerpoint/2010/main" val="386840992"/>
       </p:ext>
     </p:extLst>
   </p:cSld>
@@ -354,7 +354,7 @@
               <a:rPr lang="en-US" smtClean="0"/>
               <a:t>Click to edit Master title style</a:t>
             </a:r>
-            <a:endParaRPr lang="en-US"/>
+            <a:endParaRPr lang="en-US" dirty="0"/>
           </a:p>
         </p:txBody>
       </p:sp>
@@ -376,7 +376,7 @@
             <a:pPr lvl="0"/>
             <a:r>
               <a:rPr lang="en-US" smtClean="0"/>
-              <a:t>Edit Master text styles</a:t>
+              <a:t>Click to edit Master text styles</a:t>
             </a:r>
           </a:p>
           <a:p>
@@ -406,7 +406,7 @@
               <a:rPr lang="en-US" smtClean="0"/>
               <a:t>Fifth level</a:t>
             </a:r>
-            <a:endParaRPr lang="en-US"/>
+            <a:endParaRPr lang="en-US" dirty="0"/>
           </a:p>
         </p:txBody>
       </p:sp>
@@ -478,7 +478,7 @@
     </p:spTree>
     <p:extLst>
       <p:ext uri="{BB962C8B-B14F-4D97-AF65-F5344CB8AC3E}">
-        <p14:creationId xmlns:p14="http://schemas.microsoft.com/office/powerpoint/2010/main" val="3762202996"/>
+        <p14:creationId xmlns:p14="http://schemas.microsoft.com/office/powerpoint/2010/main" val="2286664518"/>
       </p:ext>
     </p:extLst>
   </p:cSld>
@@ -517,8 +517,8 @@
         </p:nvSpPr>
         <p:spPr>
           <a:xfrm>
-            <a:off x="8724900" y="365125"/>
-            <a:ext cx="2628900" cy="5811838"/>
+            <a:off x="6543675" y="365125"/>
+            <a:ext cx="1971675" cy="5811838"/>
           </a:xfrm>
         </p:spPr>
         <p:txBody>
@@ -529,7 +529,7 @@
               <a:rPr lang="en-US" smtClean="0"/>
               <a:t>Click to edit Master title style</a:t>
             </a:r>
-            <a:endParaRPr lang="en-US"/>
+            <a:endParaRPr lang="en-US" dirty="0"/>
           </a:p>
         </p:txBody>
       </p:sp>
@@ -545,8 +545,8 @@
         </p:nvSpPr>
         <p:spPr>
           <a:xfrm>
-            <a:off x="838200" y="365125"/>
-            <a:ext cx="7734300" cy="5811838"/>
+            <a:off x="628650" y="365125"/>
+            <a:ext cx="5800725" cy="5811838"/>
           </a:xfrm>
         </p:spPr>
         <p:txBody>
@@ -556,7 +556,7 @@
             <a:pPr lvl="0"/>
             <a:r>
               <a:rPr lang="en-US" smtClean="0"/>
-              <a:t>Edit Master text styles</a:t>
+              <a:t>Click to edit Master text styles</a:t>
             </a:r>
           </a:p>
           <a:p>
@@ -586,7 +586,7 @@
               <a:rPr lang="en-US" smtClean="0"/>
               <a:t>Fifth level</a:t>
             </a:r>
-            <a:endParaRPr lang="en-US"/>
+            <a:endParaRPr lang="en-US" dirty="0"/>
           </a:p>
         </p:txBody>
       </p:sp>
@@ -658,7 +658,7 @@
     </p:spTree>
     <p:extLst>
       <p:ext uri="{BB962C8B-B14F-4D97-AF65-F5344CB8AC3E}">
-        <p14:creationId xmlns:p14="http://schemas.microsoft.com/office/powerpoint/2010/main" val="2364553981"/>
+        <p14:creationId xmlns:p14="http://schemas.microsoft.com/office/powerpoint/2010/main" val="1941633077"/>
       </p:ext>
     </p:extLst>
   </p:cSld>
@@ -704,7 +704,7 @@
               <a:rPr lang="en-US" smtClean="0"/>
               <a:t>Click to edit Master title style</a:t>
             </a:r>
-            <a:endParaRPr lang="en-US"/>
+            <a:endParaRPr lang="en-US" dirty="0"/>
           </a:p>
         </p:txBody>
       </p:sp>
@@ -726,7 +726,7 @@
             <a:pPr lvl="0"/>
             <a:r>
               <a:rPr lang="en-US" smtClean="0"/>
-              <a:t>Edit Master text styles</a:t>
+              <a:t>Click to edit Master text styles</a:t>
             </a:r>
           </a:p>
           <a:p>
@@ -756,7 +756,7 @@
               <a:rPr lang="en-US" smtClean="0"/>
               <a:t>Fifth level</a:t>
             </a:r>
-            <a:endParaRPr lang="en-US"/>
+            <a:endParaRPr lang="en-US" dirty="0"/>
           </a:p>
         </p:txBody>
       </p:sp>
@@ -828,7 +828,7 @@
     </p:spTree>
     <p:extLst>
       <p:ext uri="{BB962C8B-B14F-4D97-AF65-F5344CB8AC3E}">
-        <p14:creationId xmlns:p14="http://schemas.microsoft.com/office/powerpoint/2010/main" val="2240108404"/>
+        <p14:creationId xmlns:p14="http://schemas.microsoft.com/office/powerpoint/2010/main" val="3833981458"/>
       </p:ext>
     </p:extLst>
   </p:cSld>
@@ -867,8 +867,8 @@
         </p:nvSpPr>
         <p:spPr>
           <a:xfrm>
-            <a:off x="831850" y="1709738"/>
-            <a:ext cx="10515600" cy="2852737"/>
+            <a:off x="623888" y="1709739"/>
+            <a:ext cx="7886700" cy="2852737"/>
           </a:xfrm>
         </p:spPr>
         <p:txBody>
@@ -883,7 +883,7 @@
               <a:rPr lang="en-US" smtClean="0"/>
               <a:t>Click to edit Master title style</a:t>
             </a:r>
-            <a:endParaRPr lang="en-US"/>
+            <a:endParaRPr lang="en-US" dirty="0"/>
           </a:p>
         </p:txBody>
       </p:sp>
@@ -899,8 +899,8 @@
         </p:nvSpPr>
         <p:spPr>
           <a:xfrm>
-            <a:off x="831850" y="4589463"/>
-            <a:ext cx="10515600" cy="1500187"/>
+            <a:off x="623888" y="4589464"/>
+            <a:ext cx="7886700" cy="1500187"/>
           </a:xfrm>
         </p:spPr>
         <p:txBody>
@@ -910,9 +910,7 @@
               <a:buNone/>
               <a:defRPr sz="2400">
                 <a:solidFill>
-                  <a:schemeClr val="tx1">
-                    <a:tint val="75000"/>
-                  </a:schemeClr>
+                  <a:schemeClr val="tx1"/>
                 </a:solidFill>
               </a:defRPr>
             </a:lvl1pPr>
@@ -1001,7 +999,7 @@
             <a:pPr lvl="0"/>
             <a:r>
               <a:rPr lang="en-US" smtClean="0"/>
-              <a:t>Edit Master text styles</a:t>
+              <a:t>Click to edit Master text styles</a:t>
             </a:r>
           </a:p>
         </p:txBody>
@@ -1074,7 +1072,7 @@
     </p:spTree>
     <p:extLst>
       <p:ext uri="{BB962C8B-B14F-4D97-AF65-F5344CB8AC3E}">
-        <p14:creationId xmlns:p14="http://schemas.microsoft.com/office/powerpoint/2010/main" val="1621858468"/>
+        <p14:creationId xmlns:p14="http://schemas.microsoft.com/office/powerpoint/2010/main" val="2463857307"/>
       </p:ext>
     </p:extLst>
   </p:cSld>
@@ -1120,7 +1118,7 @@
               <a:rPr lang="en-US" smtClean="0"/>
               <a:t>Click to edit Master title style</a:t>
             </a:r>
-            <a:endParaRPr lang="en-US"/>
+            <a:endParaRPr lang="en-US" dirty="0"/>
           </a:p>
         </p:txBody>
       </p:sp>
@@ -1136,8 +1134,8 @@
         </p:nvSpPr>
         <p:spPr>
           <a:xfrm>
-            <a:off x="838200" y="1825625"/>
-            <a:ext cx="5181600" cy="4351338"/>
+            <a:off x="628650" y="1825625"/>
+            <a:ext cx="3886200" cy="4351338"/>
           </a:xfrm>
         </p:spPr>
         <p:txBody>
@@ -1147,7 +1145,7 @@
             <a:pPr lvl="0"/>
             <a:r>
               <a:rPr lang="en-US" smtClean="0"/>
-              <a:t>Edit Master text styles</a:t>
+              <a:t>Click to edit Master text styles</a:t>
             </a:r>
           </a:p>
           <a:p>
@@ -1177,7 +1175,7 @@
               <a:rPr lang="en-US" smtClean="0"/>
               <a:t>Fifth level</a:t>
             </a:r>
-            <a:endParaRPr lang="en-US"/>
+            <a:endParaRPr lang="en-US" dirty="0"/>
           </a:p>
         </p:txBody>
       </p:sp>
@@ -1193,8 +1191,8 @@
         </p:nvSpPr>
         <p:spPr>
           <a:xfrm>
-            <a:off x="6172200" y="1825625"/>
-            <a:ext cx="5181600" cy="4351338"/>
+            <a:off x="4629150" y="1825625"/>
+            <a:ext cx="3886200" cy="4351338"/>
           </a:xfrm>
         </p:spPr>
         <p:txBody>
@@ -1204,7 +1202,7 @@
             <a:pPr lvl="0"/>
             <a:r>
               <a:rPr lang="en-US" smtClean="0"/>
-              <a:t>Edit Master text styles</a:t>
+              <a:t>Click to edit Master text styles</a:t>
             </a:r>
           </a:p>
           <a:p>
@@ -1234,7 +1232,7 @@
               <a:rPr lang="en-US" smtClean="0"/>
               <a:t>Fifth level</a:t>
             </a:r>
-            <a:endParaRPr lang="en-US"/>
+            <a:endParaRPr lang="en-US" dirty="0"/>
           </a:p>
         </p:txBody>
       </p:sp>
@@ -1306,7 +1304,7 @@
     </p:spTree>
     <p:extLst>
       <p:ext uri="{BB962C8B-B14F-4D97-AF65-F5344CB8AC3E}">
-        <p14:creationId xmlns:p14="http://schemas.microsoft.com/office/powerpoint/2010/main" val="2035106958"/>
+        <p14:creationId xmlns:p14="http://schemas.microsoft.com/office/powerpoint/2010/main" val="226675882"/>
       </p:ext>
     </p:extLst>
   </p:cSld>
@@ -1345,8 +1343,8 @@
         </p:nvSpPr>
         <p:spPr>
           <a:xfrm>
-            <a:off x="839788" y="365125"/>
-            <a:ext cx="10515600" cy="1325563"/>
+            <a:off x="629841" y="365126"/>
+            <a:ext cx="7886700" cy="1325563"/>
           </a:xfrm>
         </p:spPr>
         <p:txBody>
@@ -1357,7 +1355,7 @@
               <a:rPr lang="en-US" smtClean="0"/>
               <a:t>Click to edit Master title style</a:t>
             </a:r>
-            <a:endParaRPr lang="en-US"/>
+            <a:endParaRPr lang="en-US" dirty="0"/>
           </a:p>
         </p:txBody>
       </p:sp>
@@ -1373,8 +1371,8 @@
         </p:nvSpPr>
         <p:spPr>
           <a:xfrm>
-            <a:off x="839788" y="1681163"/>
-            <a:ext cx="5157787" cy="823912"/>
+            <a:off x="629842" y="1681163"/>
+            <a:ext cx="3868340" cy="823912"/>
           </a:xfrm>
         </p:spPr>
         <p:txBody>
@@ -1421,7 +1419,7 @@
             <a:pPr lvl="0"/>
             <a:r>
               <a:rPr lang="en-US" smtClean="0"/>
-              <a:t>Edit Master text styles</a:t>
+              <a:t>Click to edit Master text styles</a:t>
             </a:r>
           </a:p>
         </p:txBody>
@@ -1438,8 +1436,8 @@
         </p:nvSpPr>
         <p:spPr>
           <a:xfrm>
-            <a:off x="839788" y="2505075"/>
-            <a:ext cx="5157787" cy="3684588"/>
+            <a:off x="629842" y="2505075"/>
+            <a:ext cx="3868340" cy="3684588"/>
           </a:xfrm>
         </p:spPr>
         <p:txBody>
@@ -1449,7 +1447,7 @@
             <a:pPr lvl="0"/>
             <a:r>
               <a:rPr lang="en-US" smtClean="0"/>
-              <a:t>Edit Master text styles</a:t>
+              <a:t>Click to edit Master text styles</a:t>
             </a:r>
           </a:p>
           <a:p>
@@ -1479,7 +1477,7 @@
               <a:rPr lang="en-US" smtClean="0"/>
               <a:t>Fifth level</a:t>
             </a:r>
-            <a:endParaRPr lang="en-US"/>
+            <a:endParaRPr lang="en-US" dirty="0"/>
           </a:p>
         </p:txBody>
       </p:sp>
@@ -1495,8 +1493,8 @@
         </p:nvSpPr>
         <p:spPr>
           <a:xfrm>
-            <a:off x="6172200" y="1681163"/>
-            <a:ext cx="5183188" cy="823912"/>
+            <a:off x="4629150" y="1681163"/>
+            <a:ext cx="3887391" cy="823912"/>
           </a:xfrm>
         </p:spPr>
         <p:txBody>
@@ -1543,7 +1541,7 @@
             <a:pPr lvl="0"/>
             <a:r>
               <a:rPr lang="en-US" smtClean="0"/>
-              <a:t>Edit Master text styles</a:t>
+              <a:t>Click to edit Master text styles</a:t>
             </a:r>
           </a:p>
         </p:txBody>
@@ -1560,8 +1558,8 @@
         </p:nvSpPr>
         <p:spPr>
           <a:xfrm>
-            <a:off x="6172200" y="2505075"/>
-            <a:ext cx="5183188" cy="3684588"/>
+            <a:off x="4629150" y="2505075"/>
+            <a:ext cx="3887391" cy="3684588"/>
           </a:xfrm>
         </p:spPr>
         <p:txBody>
@@ -1571,7 +1569,7 @@
             <a:pPr lvl="0"/>
             <a:r>
               <a:rPr lang="en-US" smtClean="0"/>
-              <a:t>Edit Master text styles</a:t>
+              <a:t>Click to edit Master text styles</a:t>
             </a:r>
           </a:p>
           <a:p>
@@ -1601,7 +1599,7 @@
               <a:rPr lang="en-US" smtClean="0"/>
               <a:t>Fifth level</a:t>
             </a:r>
-            <a:endParaRPr lang="en-US"/>
+            <a:endParaRPr lang="en-US" dirty="0"/>
           </a:p>
         </p:txBody>
       </p:sp>
@@ -1673,7 +1671,7 @@
     </p:spTree>
     <p:extLst>
       <p:ext uri="{BB962C8B-B14F-4D97-AF65-F5344CB8AC3E}">
-        <p14:creationId xmlns:p14="http://schemas.microsoft.com/office/powerpoint/2010/main" val="2728340953"/>
+        <p14:creationId xmlns:p14="http://schemas.microsoft.com/office/powerpoint/2010/main" val="3129003568"/>
       </p:ext>
     </p:extLst>
   </p:cSld>
@@ -1719,7 +1717,7 @@
               <a:rPr lang="en-US" smtClean="0"/>
               <a:t>Click to edit Master title style</a:t>
             </a:r>
-            <a:endParaRPr lang="en-US"/>
+            <a:endParaRPr lang="en-US" dirty="0"/>
           </a:p>
         </p:txBody>
       </p:sp>
@@ -1791,7 +1789,7 @@
     </p:spTree>
     <p:extLst>
       <p:ext uri="{BB962C8B-B14F-4D97-AF65-F5344CB8AC3E}">
-        <p14:creationId xmlns:p14="http://schemas.microsoft.com/office/powerpoint/2010/main" val="716032736"/>
+        <p14:creationId xmlns:p14="http://schemas.microsoft.com/office/powerpoint/2010/main" val="15001855"/>
       </p:ext>
     </p:extLst>
   </p:cSld>
@@ -1886,7 +1884,7 @@
     </p:spTree>
     <p:extLst>
       <p:ext uri="{BB962C8B-B14F-4D97-AF65-F5344CB8AC3E}">
-        <p14:creationId xmlns:p14="http://schemas.microsoft.com/office/powerpoint/2010/main" val="1266430461"/>
+        <p14:creationId xmlns:p14="http://schemas.microsoft.com/office/powerpoint/2010/main" val="960461992"/>
       </p:ext>
     </p:extLst>
   </p:cSld>
@@ -1925,8 +1923,8 @@
         </p:nvSpPr>
         <p:spPr>
           <a:xfrm>
-            <a:off x="839788" y="457200"/>
-            <a:ext cx="3932237" cy="1600200"/>
+            <a:off x="629841" y="457200"/>
+            <a:ext cx="2949178" cy="1600200"/>
           </a:xfrm>
         </p:spPr>
         <p:txBody>
@@ -1941,7 +1939,7 @@
               <a:rPr lang="en-US" smtClean="0"/>
               <a:t>Click to edit Master title style</a:t>
             </a:r>
-            <a:endParaRPr lang="en-US"/>
+            <a:endParaRPr lang="en-US" dirty="0"/>
           </a:p>
         </p:txBody>
       </p:sp>
@@ -1957,8 +1955,8 @@
         </p:nvSpPr>
         <p:spPr>
           <a:xfrm>
-            <a:off x="5183188" y="987425"/>
-            <a:ext cx="6172200" cy="4873625"/>
+            <a:off x="3887391" y="987426"/>
+            <a:ext cx="4629150" cy="4873625"/>
           </a:xfrm>
         </p:spPr>
         <p:txBody>
@@ -1996,7 +1994,7 @@
             <a:pPr lvl="0"/>
             <a:r>
               <a:rPr lang="en-US" smtClean="0"/>
-              <a:t>Edit Master text styles</a:t>
+              <a:t>Click to edit Master text styles</a:t>
             </a:r>
           </a:p>
           <a:p>
@@ -2026,7 +2024,7 @@
               <a:rPr lang="en-US" smtClean="0"/>
               <a:t>Fifth level</a:t>
             </a:r>
-            <a:endParaRPr lang="en-US"/>
+            <a:endParaRPr lang="en-US" dirty="0"/>
           </a:p>
         </p:txBody>
       </p:sp>
@@ -2042,8 +2040,8 @@
         </p:nvSpPr>
         <p:spPr>
           <a:xfrm>
-            <a:off x="839788" y="2057400"/>
-            <a:ext cx="3932237" cy="3811588"/>
+            <a:off x="629841" y="2057400"/>
+            <a:ext cx="2949178" cy="3811588"/>
           </a:xfrm>
         </p:spPr>
         <p:txBody>
@@ -2090,7 +2088,7 @@
             <a:pPr lvl="0"/>
             <a:r>
               <a:rPr lang="en-US" smtClean="0"/>
-              <a:t>Edit Master text styles</a:t>
+              <a:t>Click to edit Master text styles</a:t>
             </a:r>
           </a:p>
         </p:txBody>
@@ -2163,7 +2161,7 @@
     </p:spTree>
     <p:extLst>
       <p:ext uri="{BB962C8B-B14F-4D97-AF65-F5344CB8AC3E}">
-        <p14:creationId xmlns:p14="http://schemas.microsoft.com/office/powerpoint/2010/main" val="1788217108"/>
+        <p14:creationId xmlns:p14="http://schemas.microsoft.com/office/powerpoint/2010/main" val="2830631344"/>
       </p:ext>
     </p:extLst>
   </p:cSld>
@@ -2202,8 +2200,8 @@
         </p:nvSpPr>
         <p:spPr>
           <a:xfrm>
-            <a:off x="839788" y="457200"/>
-            <a:ext cx="3932237" cy="1600200"/>
+            <a:off x="629841" y="457200"/>
+            <a:ext cx="2949178" cy="1600200"/>
           </a:xfrm>
         </p:spPr>
         <p:txBody>
@@ -2218,7 +2216,7 @@
               <a:rPr lang="en-US" smtClean="0"/>
               <a:t>Click to edit Master title style</a:t>
             </a:r>
-            <a:endParaRPr lang="en-US"/>
+            <a:endParaRPr lang="en-US" dirty="0"/>
           </a:p>
         </p:txBody>
       </p:sp>
@@ -2226,7 +2224,7 @@
         <p:nvSpPr>
           <p:cNvPr id="3" name="Picture Placeholder 2"/>
           <p:cNvSpPr>
-            <a:spLocks noGrp="1"/>
+            <a:spLocks noGrp="1" noChangeAspect="1"/>
           </p:cNvSpPr>
           <p:nvPr>
             <p:ph type="pic" idx="1"/>
@@ -2234,12 +2232,12 @@
         </p:nvSpPr>
         <p:spPr>
           <a:xfrm>
-            <a:off x="5183188" y="987425"/>
-            <a:ext cx="6172200" cy="4873625"/>
+            <a:off x="3887391" y="987426"/>
+            <a:ext cx="4629150" cy="4873625"/>
           </a:xfrm>
         </p:spPr>
         <p:txBody>
-          <a:bodyPr/>
+          <a:bodyPr anchor="t"/>
           <a:lstStyle>
             <a:lvl1pPr marL="0" indent="0">
               <a:buNone/>
@@ -2279,7 +2277,11 @@
             </a:lvl9pPr>
           </a:lstStyle>
           <a:p>
-            <a:endParaRPr lang="en-US"/>
+            <a:r>
+              <a:rPr lang="en-US" smtClean="0"/>
+              <a:t>Click icon to add picture</a:t>
+            </a:r>
+            <a:endParaRPr lang="en-US" dirty="0"/>
           </a:p>
         </p:txBody>
       </p:sp>
@@ -2295,8 +2297,8 @@
         </p:nvSpPr>
         <p:spPr>
           <a:xfrm>
-            <a:off x="839788" y="2057400"/>
-            <a:ext cx="3932237" cy="3811588"/>
+            <a:off x="629841" y="2057400"/>
+            <a:ext cx="2949178" cy="3811588"/>
           </a:xfrm>
         </p:spPr>
         <p:txBody>
@@ -2343,7 +2345,7 @@
             <a:pPr lvl="0"/>
             <a:r>
               <a:rPr lang="en-US" smtClean="0"/>
-              <a:t>Edit Master text styles</a:t>
+              <a:t>Click to edit Master text styles</a:t>
             </a:r>
           </a:p>
         </p:txBody>
@@ -2416,7 +2418,7 @@
     </p:spTree>
     <p:extLst>
       <p:ext uri="{BB962C8B-B14F-4D97-AF65-F5344CB8AC3E}">
-        <p14:creationId xmlns:p14="http://schemas.microsoft.com/office/powerpoint/2010/main" val="1618534928"/>
+        <p14:creationId xmlns:p14="http://schemas.microsoft.com/office/powerpoint/2010/main" val="1605028574"/>
       </p:ext>
     </p:extLst>
   </p:cSld>
@@ -2460,8 +2462,8 @@
         </p:nvSpPr>
         <p:spPr>
           <a:xfrm>
-            <a:off x="838200" y="365125"/>
-            <a:ext cx="10515600" cy="1325563"/>
+            <a:off x="628650" y="365126"/>
+            <a:ext cx="7886700" cy="1325563"/>
           </a:xfrm>
           <a:prstGeom prst="rect">
             <a:avLst/>
@@ -2477,7 +2479,7 @@
               <a:rPr lang="en-US" smtClean="0"/>
               <a:t>Click to edit Master title style</a:t>
             </a:r>
-            <a:endParaRPr lang="en-US"/>
+            <a:endParaRPr lang="en-US" dirty="0"/>
           </a:p>
         </p:txBody>
       </p:sp>
@@ -2493,8 +2495,8 @@
         </p:nvSpPr>
         <p:spPr>
           <a:xfrm>
-            <a:off x="838200" y="1825625"/>
-            <a:ext cx="10515600" cy="4351338"/>
+            <a:off x="628650" y="1825625"/>
+            <a:ext cx="7886700" cy="4351338"/>
           </a:xfrm>
           <a:prstGeom prst="rect">
             <a:avLst/>
@@ -2509,7 +2511,7 @@
             <a:pPr lvl="0"/>
             <a:r>
               <a:rPr lang="en-US" smtClean="0"/>
-              <a:t>Edit Master text styles</a:t>
+              <a:t>Click to edit Master text styles</a:t>
             </a:r>
           </a:p>
           <a:p>
@@ -2539,7 +2541,7 @@
               <a:rPr lang="en-US" smtClean="0"/>
               <a:t>Fifth level</a:t>
             </a:r>
-            <a:endParaRPr lang="en-US"/>
+            <a:endParaRPr lang="en-US" dirty="0"/>
           </a:p>
         </p:txBody>
       </p:sp>
@@ -2555,8 +2557,8 @@
         </p:nvSpPr>
         <p:spPr>
           <a:xfrm>
-            <a:off x="838200" y="6356350"/>
-            <a:ext cx="2743200" cy="365125"/>
+            <a:off x="628650" y="6356351"/>
+            <a:ext cx="2057400" cy="365125"/>
           </a:xfrm>
           <a:prstGeom prst="rect">
             <a:avLst/>
@@ -2596,8 +2598,8 @@
         </p:nvSpPr>
         <p:spPr>
           <a:xfrm>
-            <a:off x="4038600" y="6356350"/>
-            <a:ext cx="4114800" cy="365125"/>
+            <a:off x="3028950" y="6356351"/>
+            <a:ext cx="3086100" cy="365125"/>
           </a:xfrm>
           <a:prstGeom prst="rect">
             <a:avLst/>
@@ -2633,8 +2635,8 @@
         </p:nvSpPr>
         <p:spPr>
           <a:xfrm>
-            <a:off x="8610600" y="6356350"/>
-            <a:ext cx="2743200" cy="365125"/>
+            <a:off x="6457950" y="6356351"/>
+            <a:ext cx="2057400" cy="365125"/>
           </a:xfrm>
           <a:prstGeom prst="rect">
             <a:avLst/>
@@ -2665,23 +2667,23 @@
     </p:spTree>
     <p:extLst>
       <p:ext uri="{BB962C8B-B14F-4D97-AF65-F5344CB8AC3E}">
-        <p14:creationId xmlns:p14="http://schemas.microsoft.com/office/powerpoint/2010/main" val="1324961894"/>
+        <p14:creationId xmlns:p14="http://schemas.microsoft.com/office/powerpoint/2010/main" val="2965698596"/>
       </p:ext>
     </p:extLst>
   </p:cSld>
   <p:clrMap bg1="lt1" tx1="dk1" bg2="lt2" tx2="dk2" accent1="accent1" accent2="accent2" accent3="accent3" accent4="accent4" accent5="accent5" accent6="accent6" hlink="hlink" folHlink="folHlink"/>
   <p:sldLayoutIdLst>
-    <p:sldLayoutId id="2147483649" r:id="rId1"/>
-    <p:sldLayoutId id="2147483650" r:id="rId2"/>
-    <p:sldLayoutId id="2147483651" r:id="rId3"/>
-    <p:sldLayoutId id="2147483652" r:id="rId4"/>
-    <p:sldLayoutId id="2147483653" r:id="rId5"/>
-    <p:sldLayoutId id="2147483654" r:id="rId6"/>
-    <p:sldLayoutId id="2147483655" r:id="rId7"/>
-    <p:sldLayoutId id="2147483656" r:id="rId8"/>
-    <p:sldLayoutId id="2147483657" r:id="rId9"/>
-    <p:sldLayoutId id="2147483658" r:id="rId10"/>
-    <p:sldLayoutId id="2147483659" r:id="rId11"/>
+    <p:sldLayoutId id="2147483661" r:id="rId1"/>
+    <p:sldLayoutId id="2147483662" r:id="rId2"/>
+    <p:sldLayoutId id="2147483663" r:id="rId3"/>
+    <p:sldLayoutId id="2147483664" r:id="rId4"/>
+    <p:sldLayoutId id="2147483665" r:id="rId5"/>
+    <p:sldLayoutId id="2147483666" r:id="rId6"/>
+    <p:sldLayoutId id="2147483667" r:id="rId7"/>
+    <p:sldLayoutId id="2147483668" r:id="rId8"/>
+    <p:sldLayoutId id="2147483669" r:id="rId9"/>
+    <p:sldLayoutId id="2147483670" r:id="rId10"/>
+    <p:sldLayoutId id="2147483671" r:id="rId11"/>
   </p:sldLayoutIdLst>
   <p:txStyles>
     <p:titleStyle>
@@ -3100,8 +3102,8 @@
         </p:blipFill>
         <p:spPr>
           <a:xfrm>
-            <a:off x="765810" y="680057"/>
-            <a:ext cx="9998990" cy="5814203"/>
+            <a:off x="565392" y="1483043"/>
+            <a:ext cx="7499243" cy="4360652"/>
           </a:xfrm>
           <a:prstGeom prst="rect">
             <a:avLst/>
@@ -3118,15 +3120,15 @@
         </p:nvSpPr>
         <p:spPr>
           <a:xfrm>
-            <a:off x="118110" y="90805"/>
-            <a:ext cx="10515600" cy="743585"/>
+            <a:off x="88583" y="925354"/>
+            <a:ext cx="7886700" cy="557689"/>
           </a:xfrm>
           <a:prstGeom prst="rect">
             <a:avLst/>
           </a:prstGeom>
         </p:spPr>
         <p:txBody>
-          <a:bodyPr vert="horz" lIns="91440" tIns="45720" rIns="91440" bIns="45720" rtlCol="0" anchor="ctr">
+          <a:bodyPr vert="horz" lIns="68580" tIns="34290" rIns="68580" bIns="34290" rtlCol="0" anchor="ctr">
             <a:normAutofit/>
           </a:bodyPr>
           <a:lstStyle>
@@ -3150,10 +3152,10 @@
           </a:lstStyle>
           <a:p>
             <a:r>
-              <a:rPr lang="en-US" dirty="0" smtClean="0"/>
+              <a:rPr lang="en-US" sz="3300" dirty="0"/>
               <a:t>Visualization</a:t>
             </a:r>
-            <a:endParaRPr lang="en-US" dirty="0"/>
+            <a:endParaRPr lang="en-US" sz="3300" dirty="0"/>
           </a:p>
         </p:txBody>
       </p:sp>
@@ -3215,8 +3217,8 @@
         </p:blipFill>
         <p:spPr>
           <a:xfrm>
-            <a:off x="811529" y="653421"/>
-            <a:ext cx="10020933" cy="5847306"/>
+            <a:off x="608647" y="1347316"/>
+            <a:ext cx="7515700" cy="4385480"/>
           </a:xfrm>
           <a:prstGeom prst="rect">
             <a:avLst/>
@@ -3233,15 +3235,15 @@
         </p:nvSpPr>
         <p:spPr>
           <a:xfrm>
-            <a:off x="118110" y="90805"/>
-            <a:ext cx="10515600" cy="743585"/>
+            <a:off x="88583" y="925354"/>
+            <a:ext cx="7886700" cy="557689"/>
           </a:xfrm>
           <a:prstGeom prst="rect">
             <a:avLst/>
           </a:prstGeom>
         </p:spPr>
         <p:txBody>
-          <a:bodyPr vert="horz" lIns="91440" tIns="45720" rIns="91440" bIns="45720" rtlCol="0" anchor="ctr">
+          <a:bodyPr vert="horz" lIns="68580" tIns="34290" rIns="68580" bIns="34290" rtlCol="0" anchor="ctr">
             <a:normAutofit/>
           </a:bodyPr>
           <a:lstStyle>
@@ -3265,10 +3267,10 @@
           </a:lstStyle>
           <a:p>
             <a:r>
-              <a:rPr lang="en-US" dirty="0" smtClean="0"/>
+              <a:rPr lang="en-US" sz="3300" dirty="0"/>
               <a:t>Visualization</a:t>
             </a:r>
-            <a:endParaRPr lang="en-US" dirty="0"/>
+            <a:endParaRPr lang="en-US" sz="3300" dirty="0"/>
           </a:p>
         </p:txBody>
       </p:sp>
@@ -3641,8 +3643,8 @@
         </p:nvGrpSpPr>
         <p:grpSpPr>
           <a:xfrm>
-            <a:off x="3652308" y="489261"/>
-            <a:ext cx="2259868" cy="1013282"/>
+            <a:off x="2739231" y="1224196"/>
+            <a:ext cx="1694901" cy="759962"/>
             <a:chOff x="540409" y="705666"/>
             <a:chExt cx="2974427" cy="1135117"/>
           </a:xfrm>
@@ -3686,7 +3688,7 @@
             <a:lstStyle/>
             <a:p>
               <a:pPr algn="ctr"/>
-              <a:endParaRPr lang="en-US">
+              <a:endParaRPr lang="en-US" sz="1350">
                 <a:solidFill>
                   <a:schemeClr val="bg1"/>
                 </a:solidFill>
@@ -3702,8 +3704,8 @@
           </p:nvSpPr>
           <p:spPr>
             <a:xfrm>
-              <a:off x="735884" y="910461"/>
-              <a:ext cx="2480441" cy="724044"/>
+              <a:off x="735883" y="910460"/>
+              <a:ext cx="2480441" cy="758522"/>
             </a:xfrm>
             <a:prstGeom prst="rect">
               <a:avLst/>
@@ -3718,14 +3720,14 @@
             <a:p>
               <a:pPr algn="ctr"/>
               <a:r>
-                <a:rPr lang="en-US" dirty="0" smtClean="0">
+                <a:rPr lang="en-US" sz="1350" dirty="0">
                   <a:solidFill>
                     <a:schemeClr val="bg1"/>
                   </a:solidFill>
                 </a:rPr>
                 <a:t>Curl each Zip file from VNHM</a:t>
               </a:r>
-              <a:endParaRPr lang="en-US" dirty="0">
+              <a:endParaRPr lang="en-US" sz="1350" dirty="0">
                 <a:solidFill>
                   <a:schemeClr val="bg1"/>
                 </a:solidFill>
@@ -3742,8 +3744,8 @@
         </p:nvSpPr>
         <p:spPr>
           <a:xfrm>
-            <a:off x="4292381" y="1629936"/>
-            <a:ext cx="657034" cy="338554"/>
+            <a:off x="3219286" y="2079703"/>
+            <a:ext cx="492776" cy="461665"/>
           </a:xfrm>
           <a:prstGeom prst="rect">
             <a:avLst/>
@@ -3757,10 +3759,10 @@
           <a:lstStyle/>
           <a:p>
             <a:r>
-              <a:rPr lang="en-US" sz="1600" dirty="0" smtClean="0"/>
+              <a:rPr lang="en-US" sz="1200" dirty="0"/>
               <a:t>Unzip</a:t>
             </a:r>
-            <a:endParaRPr lang="en-US" sz="1600" dirty="0"/>
+            <a:endParaRPr lang="en-US" sz="1200" dirty="0"/>
           </a:p>
         </p:txBody>
       </p:sp>
@@ -3772,8 +3774,8 @@
         </p:nvSpPr>
         <p:spPr>
           <a:xfrm>
-            <a:off x="4292381" y="3248167"/>
-            <a:ext cx="2105411" cy="584775"/>
+            <a:off x="3219286" y="3293376"/>
+            <a:ext cx="1579058" cy="461665"/>
           </a:xfrm>
           <a:prstGeom prst="rect">
             <a:avLst/>
@@ -3787,7 +3789,7 @@
           <a:lstStyle/>
           <a:p>
             <a:r>
-              <a:rPr lang="en-US" sz="1600" dirty="0" smtClean="0"/>
+              <a:rPr lang="en-US" sz="1200" dirty="0"/>
               <a:t>Scrub information from Info.txt</a:t>
             </a:r>
           </a:p>
@@ -3801,8 +3803,8 @@
         </p:nvCxnSpPr>
         <p:spPr>
           <a:xfrm>
-            <a:off x="4187328" y="3174005"/>
-            <a:ext cx="0" cy="767208"/>
+            <a:off x="3140496" y="3237754"/>
+            <a:ext cx="0" cy="575406"/>
           </a:xfrm>
           <a:prstGeom prst="straightConnector1">
             <a:avLst/>
@@ -3839,8 +3841,8 @@
         </p:nvCxnSpPr>
         <p:spPr>
           <a:xfrm>
-            <a:off x="2135029" y="989939"/>
-            <a:ext cx="1517279" cy="5963"/>
+            <a:off x="1601272" y="1599705"/>
+            <a:ext cx="1137959" cy="4472"/>
           </a:xfrm>
           <a:prstGeom prst="straightConnector1">
             <a:avLst/>
@@ -3875,10 +3877,10 @@
         </p:nvGrpSpPr>
         <p:grpSpPr>
           <a:xfrm>
-            <a:off x="8810857" y="3169886"/>
-            <a:ext cx="3061104" cy="872920"/>
+            <a:off x="6608143" y="3234665"/>
+            <a:ext cx="2295828" cy="673594"/>
             <a:chOff x="959803" y="737894"/>
-            <a:chExt cx="2974427" cy="12409294"/>
+            <a:chExt cx="2974427" cy="12767609"/>
           </a:xfrm>
         </p:grpSpPr>
         <p:sp>
@@ -3920,7 +3922,7 @@
             <a:lstStyle/>
             <a:p>
               <a:pPr algn="ctr"/>
-              <a:endParaRPr lang="en-US"/>
+              <a:endParaRPr lang="en-US" sz="1350"/>
             </a:p>
           </p:txBody>
         </p:sp>
@@ -3932,8 +3934,8 @@
           </p:nvSpPr>
           <p:spPr>
             <a:xfrm>
-              <a:off x="964345" y="1254640"/>
-              <a:ext cx="2865616" cy="11813323"/>
+              <a:off x="964345" y="1254649"/>
+              <a:ext cx="2865616" cy="12250854"/>
             </a:xfrm>
             <a:prstGeom prst="rect">
               <a:avLst/>
@@ -3948,18 +3950,18 @@
             <a:p>
               <a:pPr algn="ctr"/>
               <a:r>
-                <a:rPr lang="en-US" sz="1600" dirty="0" smtClean="0"/>
+                <a:rPr lang="en-US" sz="1200" dirty="0"/>
                 <a:t>Outputs Excel Workbook with specimen data from </a:t>
               </a:r>
               <a:r>
-                <a:rPr lang="en-US" sz="1600" dirty="0" err="1" smtClean="0"/>
+                <a:rPr lang="en-US" sz="1200" dirty="0" err="1"/>
                 <a:t>iDigBio</a:t>
               </a:r>
               <a:r>
-                <a:rPr lang="en-US" sz="1600" dirty="0" smtClean="0"/>
+                <a:rPr lang="en-US" sz="1200" dirty="0"/>
                 <a:t> and scanner settings from .log files</a:t>
               </a:r>
-              <a:endParaRPr lang="en-US" sz="1400" dirty="0"/>
+              <a:endParaRPr lang="en-US" sz="1050" dirty="0"/>
             </a:p>
           </p:txBody>
         </p:sp>
@@ -3972,10 +3974,10 @@
         </p:nvGrpSpPr>
         <p:grpSpPr>
           <a:xfrm>
-            <a:off x="3578297" y="2219030"/>
-            <a:ext cx="2387899" cy="869706"/>
+            <a:off x="2683723" y="2521521"/>
+            <a:ext cx="1790924" cy="660847"/>
             <a:chOff x="356932" y="1774264"/>
-            <a:chExt cx="2387899" cy="869706"/>
+            <a:chExt cx="2387899" cy="881129"/>
           </a:xfrm>
         </p:grpSpPr>
         <p:sp>
@@ -4019,7 +4021,7 @@
             <a:lstStyle/>
             <a:p>
               <a:pPr algn="ctr"/>
-              <a:endParaRPr lang="en-US"/>
+              <a:endParaRPr lang="en-US" sz="1350"/>
             </a:p>
           </p:txBody>
         </p:sp>
@@ -4032,7 +4034,7 @@
           <p:spPr>
             <a:xfrm>
               <a:off x="356932" y="1793619"/>
-              <a:ext cx="2273723" cy="830997"/>
+              <a:ext cx="2273723" cy="861774"/>
             </a:xfrm>
             <a:prstGeom prst="rect">
               <a:avLst/>
@@ -4047,7 +4049,7 @@
             <a:p>
               <a:pPr algn="ctr"/>
               <a:r>
-                <a:rPr lang="en-US" sz="1600" dirty="0" smtClean="0">
+                <a:rPr lang="en-US" sz="1200" dirty="0">
                   <a:solidFill>
                     <a:schemeClr val="bg1"/>
                   </a:solidFill>
@@ -4058,7 +4060,7 @@
             <a:p>
               <a:pPr algn="ctr"/>
               <a:r>
-                <a:rPr lang="en-US" sz="1600" dirty="0" smtClean="0">
+                <a:rPr lang="en-US" sz="1200" dirty="0">
                   <a:solidFill>
                     <a:schemeClr val="bg1"/>
                   </a:solidFill>
@@ -4069,14 +4071,14 @@
             <a:p>
               <a:pPr algn="ctr"/>
               <a:r>
-                <a:rPr lang="en-US" sz="1600" dirty="0" smtClean="0">
+                <a:rPr lang="en-US" sz="1200" dirty="0">
                   <a:solidFill>
                     <a:schemeClr val="bg1"/>
                   </a:solidFill>
                 </a:rPr>
                 <a:t>Stack.zip</a:t>
               </a:r>
-              <a:endParaRPr lang="en-US" sz="1600" dirty="0">
+              <a:endParaRPr lang="en-US" sz="1200" dirty="0">
                 <a:solidFill>
                   <a:schemeClr val="bg1"/>
                 </a:solidFill>
@@ -4093,8 +4095,8 @@
         </p:nvCxnSpPr>
         <p:spPr>
           <a:xfrm>
-            <a:off x="9319854" y="1957092"/>
-            <a:ext cx="7026" cy="1106148"/>
+            <a:off x="6989890" y="2325069"/>
+            <a:ext cx="5270" cy="829611"/>
           </a:xfrm>
           <a:prstGeom prst="straightConnector1">
             <a:avLst/>
@@ -4129,8 +4131,8 @@
         </p:nvCxnSpPr>
         <p:spPr>
           <a:xfrm>
-            <a:off x="4126937" y="1539318"/>
-            <a:ext cx="0" cy="580689"/>
+            <a:off x="3095203" y="2011739"/>
+            <a:ext cx="0" cy="435517"/>
           </a:xfrm>
           <a:prstGeom prst="straightConnector1">
             <a:avLst/>
@@ -4165,8 +4167,8 @@
         </p:nvGrpSpPr>
         <p:grpSpPr>
           <a:xfrm>
-            <a:off x="191110" y="489261"/>
-            <a:ext cx="1883570" cy="1146441"/>
+            <a:off x="143332" y="1224196"/>
+            <a:ext cx="1412678" cy="859831"/>
             <a:chOff x="957657" y="411556"/>
             <a:chExt cx="2984760" cy="6549410"/>
           </a:xfrm>
@@ -4213,7 +4215,7 @@
             <a:lstStyle/>
             <a:p>
               <a:pPr algn="ctr"/>
-              <a:endParaRPr lang="en-US"/>
+              <a:endParaRPr lang="en-US" sz="1350"/>
             </a:p>
           </p:txBody>
         </p:sp>
@@ -4225,8 +4227,8 @@
           </p:nvSpPr>
           <p:spPr>
             <a:xfrm>
-              <a:off x="957657" y="1342368"/>
-              <a:ext cx="2974427" cy="4687770"/>
+              <a:off x="957657" y="1342364"/>
+              <a:ext cx="2974426" cy="4923161"/>
             </a:xfrm>
             <a:prstGeom prst="rect">
               <a:avLst/>
@@ -4241,14 +4243,14 @@
             <a:p>
               <a:pPr algn="ctr"/>
               <a:r>
-                <a:rPr lang="en-US" sz="1600" dirty="0" smtClean="0">
+                <a:rPr lang="en-US" sz="1200" dirty="0">
                   <a:solidFill>
                     <a:schemeClr val="bg1"/>
                   </a:solidFill>
                 </a:rPr>
                 <a:t>Text file with VNHM numbers to be downloaded</a:t>
               </a:r>
-              <a:endParaRPr lang="en-US" sz="1600" dirty="0">
+              <a:endParaRPr lang="en-US" sz="1200" dirty="0">
                 <a:solidFill>
                   <a:schemeClr val="bg1"/>
                 </a:solidFill>
@@ -4265,8 +4267,8 @@
         </p:nvGrpSpPr>
         <p:grpSpPr>
           <a:xfrm>
-            <a:off x="8687048" y="364169"/>
-            <a:ext cx="3054537" cy="1499298"/>
+            <a:off x="6515286" y="1130377"/>
+            <a:ext cx="2290903" cy="1124474"/>
             <a:chOff x="8504168" y="4581462"/>
             <a:chExt cx="3054537" cy="1499298"/>
           </a:xfrm>
@@ -4312,7 +4314,7 @@
             <a:lstStyle/>
             <a:p>
               <a:pPr algn="ctr"/>
-              <a:endParaRPr lang="en-US"/>
+              <a:endParaRPr lang="en-US" sz="1350"/>
             </a:p>
           </p:txBody>
         </p:sp>
@@ -4325,7 +4327,7 @@
           <p:spPr>
             <a:xfrm>
               <a:off x="8627977" y="4865039"/>
-              <a:ext cx="2704181" cy="830997"/>
+              <a:ext cx="2704181" cy="861774"/>
             </a:xfrm>
             <a:prstGeom prst="rect">
               <a:avLst/>
@@ -4340,14 +4342,14 @@
             <a:p>
               <a:pPr algn="ctr"/>
               <a:r>
-                <a:rPr lang="en-US" sz="1600" dirty="0" smtClean="0">
+                <a:rPr lang="en-US" sz="1200" dirty="0">
                   <a:solidFill>
                     <a:schemeClr val="bg1"/>
                   </a:solidFill>
                 </a:rPr>
                 <a:t>Directory with all renamed .log files and corresponding renamed .zip image stacks</a:t>
               </a:r>
-              <a:endParaRPr lang="en-US" sz="1600" dirty="0">
+              <a:endParaRPr lang="en-US" sz="1200" dirty="0">
                 <a:solidFill>
                   <a:schemeClr val="bg1"/>
                 </a:solidFill>
@@ -4364,10 +4366,10 @@
         </p:nvGrpSpPr>
         <p:grpSpPr>
           <a:xfrm>
-            <a:off x="3652308" y="5805839"/>
-            <a:ext cx="2480473" cy="875751"/>
+            <a:off x="2739231" y="5211629"/>
+            <a:ext cx="1860355" cy="864563"/>
             <a:chOff x="363489" y="1774264"/>
-            <a:chExt cx="2480473" cy="875751"/>
+            <a:chExt cx="2480473" cy="1152750"/>
           </a:xfrm>
         </p:grpSpPr>
         <p:sp>
@@ -4411,7 +4413,7 @@
             <a:lstStyle/>
             <a:p>
               <a:pPr algn="ctr"/>
-              <a:endParaRPr lang="en-US"/>
+              <a:endParaRPr lang="en-US" sz="1350"/>
             </a:p>
           </p:txBody>
         </p:sp>
@@ -4423,8 +4425,8 @@
           </p:nvSpPr>
           <p:spPr>
             <a:xfrm>
-              <a:off x="363489" y="1819018"/>
-              <a:ext cx="2480473" cy="830997"/>
+              <a:off x="363489" y="1819019"/>
+              <a:ext cx="2480473" cy="1107995"/>
             </a:xfrm>
             <a:prstGeom prst="rect">
               <a:avLst/>
@@ -4439,7 +4441,7 @@
             <a:p>
               <a:pPr algn="ctr"/>
               <a:r>
-                <a:rPr lang="en-US" sz="1600" dirty="0" smtClean="0">
+                <a:rPr lang="en-US" sz="1200" dirty="0">
                   <a:solidFill>
                     <a:schemeClr val="bg1"/>
                   </a:solidFill>
@@ -4450,7 +4452,7 @@
             <a:p>
               <a:pPr algn="ctr"/>
               <a:r>
-                <a:rPr lang="en-US" sz="1600" dirty="0" smtClean="0">
+                <a:rPr lang="en-US" sz="1200" dirty="0">
                   <a:solidFill>
                     <a:schemeClr val="bg1"/>
                   </a:solidFill>
@@ -4461,14 +4463,14 @@
             <a:p>
               <a:pPr algn="ctr"/>
               <a:r>
-                <a:rPr lang="en-US" sz="1600" dirty="0" smtClean="0">
+                <a:rPr lang="en-US" sz="1200" dirty="0">
                   <a:solidFill>
                     <a:schemeClr val="bg1"/>
                   </a:solidFill>
                 </a:rPr>
                 <a:t>Uwfc-A-xxxxxx.zip</a:t>
               </a:r>
-              <a:endParaRPr lang="en-US" sz="1600" dirty="0">
+              <a:endParaRPr lang="en-US" sz="1200" dirty="0">
                 <a:solidFill>
                   <a:schemeClr val="bg1"/>
                 </a:solidFill>
@@ -4485,8 +4487,8 @@
         </p:nvGrpSpPr>
         <p:grpSpPr>
           <a:xfrm>
-            <a:off x="3678621" y="4017881"/>
-            <a:ext cx="2313888" cy="869706"/>
+            <a:off x="2758966" y="3870661"/>
+            <a:ext cx="1735416" cy="652280"/>
             <a:chOff x="430943" y="1774264"/>
             <a:chExt cx="2313888" cy="869706"/>
           </a:xfrm>
@@ -4532,7 +4534,7 @@
             <a:lstStyle/>
             <a:p>
               <a:pPr algn="ctr"/>
-              <a:endParaRPr lang="en-US"/>
+              <a:endParaRPr lang="en-US" sz="1350"/>
             </a:p>
           </p:txBody>
         </p:sp>
@@ -4544,8 +4546,8 @@
           </p:nvSpPr>
           <p:spPr>
             <a:xfrm>
-              <a:off x="458693" y="1950182"/>
-              <a:ext cx="2273723" cy="338554"/>
+              <a:off x="458694" y="1950183"/>
+              <a:ext cx="2273723" cy="369332"/>
             </a:xfrm>
             <a:prstGeom prst="rect">
               <a:avLst/>
@@ -4560,14 +4562,14 @@
             <a:p>
               <a:pPr algn="ctr"/>
               <a:r>
-                <a:rPr lang="en-US" sz="1600" dirty="0" smtClean="0">
+                <a:rPr lang="en-US" sz="1200" dirty="0">
                   <a:solidFill>
                     <a:schemeClr val="bg1"/>
                   </a:solidFill>
                 </a:rPr>
                 <a:t>Set Naming Variables</a:t>
               </a:r>
-              <a:endParaRPr lang="en-US" sz="1600" dirty="0">
+              <a:endParaRPr lang="en-US" sz="1200" dirty="0">
                 <a:solidFill>
                   <a:schemeClr val="bg1"/>
                 </a:solidFill>
@@ -4584,8 +4586,8 @@
         </p:nvSpPr>
         <p:spPr>
           <a:xfrm>
-            <a:off x="3920400" y="4931214"/>
-            <a:ext cx="2881777" cy="830997"/>
+            <a:off x="2940300" y="4555661"/>
+            <a:ext cx="2161333" cy="646331"/>
           </a:xfrm>
           <a:prstGeom prst="rect">
             <a:avLst/>
@@ -4599,7 +4601,7 @@
           <a:lstStyle/>
           <a:p>
             <a:r>
-              <a:rPr lang="en-US" sz="1600" dirty="0" smtClean="0"/>
+              <a:rPr lang="en-US" sz="1200" dirty="0"/>
               <a:t>Rename .log file, all images files in the .zip file, unzipped and zipped directories with images.</a:t>
             </a:r>
           </a:p>
@@ -4613,8 +4615,8 @@
         </p:nvCxnSpPr>
         <p:spPr>
           <a:xfrm>
-            <a:off x="3789310" y="5052721"/>
-            <a:ext cx="0" cy="767208"/>
+            <a:off x="2841983" y="4646791"/>
+            <a:ext cx="0" cy="575406"/>
           </a:xfrm>
           <a:prstGeom prst="straightConnector1">
             <a:avLst/>
@@ -4649,8 +4651,8 @@
         </p:nvSpPr>
         <p:spPr>
           <a:xfrm>
-            <a:off x="9559464" y="2028570"/>
-            <a:ext cx="2105411" cy="830997"/>
+            <a:off x="7169599" y="2378678"/>
+            <a:ext cx="1579058" cy="646331"/>
           </a:xfrm>
           <a:prstGeom prst="rect">
             <a:avLst/>
@@ -4664,7 +4666,7 @@
           <a:lstStyle/>
           <a:p>
             <a:r>
-              <a:rPr lang="en-US" sz="1600" dirty="0" smtClean="0"/>
+              <a:rPr lang="en-US" sz="1200" dirty="0"/>
               <a:t>Run Batch Uploading script with this directory as input</a:t>
             </a:r>
           </a:p>
@@ -4678,8 +4680,8 @@
         </p:nvCxnSpPr>
         <p:spPr>
           <a:xfrm>
-            <a:off x="7193312" y="1057943"/>
-            <a:ext cx="1449016" cy="5301"/>
+            <a:off x="5394984" y="1650708"/>
+            <a:ext cx="1086762" cy="3976"/>
           </a:xfrm>
           <a:prstGeom prst="straightConnector1">
             <a:avLst/>
@@ -4714,8 +4716,8 @@
         </p:nvSpPr>
         <p:spPr>
           <a:xfrm>
-            <a:off x="9614991" y="4116499"/>
-            <a:ext cx="2105411" cy="1323439"/>
+            <a:off x="7211244" y="3944625"/>
+            <a:ext cx="1579058" cy="1015663"/>
           </a:xfrm>
           <a:prstGeom prst="rect">
             <a:avLst/>
@@ -4729,29 +4731,29 @@
           <a:lstStyle/>
           <a:p>
             <a:r>
-              <a:rPr lang="en-US" sz="1600" dirty="0" smtClean="0"/>
+              <a:rPr lang="en-US" sz="1200" dirty="0"/>
               <a:t>Put zips on Duke server using </a:t>
             </a:r>
             <a:r>
-              <a:rPr lang="en-US" sz="1600" dirty="0" err="1" smtClean="0"/>
+              <a:rPr lang="en-US" sz="1200" dirty="0" err="1"/>
               <a:t>Filezilla</a:t>
             </a:r>
             <a:r>
-              <a:rPr lang="en-US" sz="1600" dirty="0" smtClean="0"/>
+              <a:rPr lang="en-US" sz="1200" dirty="0"/>
               <a:t>.</a:t>
             </a:r>
           </a:p>
           <a:p>
             <a:r>
-              <a:rPr lang="en-US" sz="1600" dirty="0" smtClean="0"/>
+              <a:rPr lang="en-US" sz="1200" dirty="0"/>
               <a:t>Upload Excel sheet via </a:t>
             </a:r>
             <a:r>
-              <a:rPr lang="en-US" sz="1600" dirty="0" err="1" smtClean="0"/>
+              <a:rPr lang="en-US" sz="1200" dirty="0" err="1"/>
               <a:t>Morphosource</a:t>
             </a:r>
             <a:r>
-              <a:rPr lang="en-US" sz="1600" dirty="0" smtClean="0"/>
+              <a:rPr lang="en-US" sz="1200" dirty="0"/>
               <a:t> Batch Import</a:t>
             </a:r>
           </a:p>
@@ -4765,8 +4767,8 @@
         </p:nvCxnSpPr>
         <p:spPr>
           <a:xfrm>
-            <a:off x="9324335" y="4114654"/>
-            <a:ext cx="7026" cy="1338439"/>
+            <a:off x="6993251" y="3943241"/>
+            <a:ext cx="5270" cy="1003829"/>
           </a:xfrm>
           <a:prstGeom prst="straightConnector1">
             <a:avLst/>
@@ -4801,8 +4803,8 @@
         </p:nvGrpSpPr>
         <p:grpSpPr>
           <a:xfrm>
-            <a:off x="8759540" y="5563755"/>
-            <a:ext cx="3061104" cy="872920"/>
+            <a:off x="6569655" y="5030066"/>
+            <a:ext cx="2295828" cy="654690"/>
             <a:chOff x="959803" y="737894"/>
             <a:chExt cx="2974427" cy="12409294"/>
           </a:xfrm>
@@ -4846,7 +4848,7 @@
             <a:lstStyle/>
             <a:p>
               <a:pPr algn="ctr"/>
-              <a:endParaRPr lang="en-US"/>
+              <a:endParaRPr lang="en-US" sz="1350"/>
             </a:p>
           </p:txBody>
         </p:sp>
@@ -4858,8 +4860,8 @@
           </p:nvSpPr>
           <p:spPr>
             <a:xfrm>
-              <a:off x="964345" y="1254640"/>
-              <a:ext cx="2865616" cy="8313070"/>
+              <a:off x="964345" y="1254649"/>
+              <a:ext cx="2865616" cy="8750610"/>
             </a:xfrm>
             <a:prstGeom prst="rect">
               <a:avLst/>
@@ -4874,18 +4876,18 @@
             <a:p>
               <a:pPr algn="ctr"/>
               <a:r>
-                <a:rPr lang="en-US" sz="1600" dirty="0" smtClean="0"/>
+                <a:rPr lang="en-US" sz="1200" dirty="0"/>
                 <a:t>All specimens uploaded to </a:t>
               </a:r>
               <a:r>
-                <a:rPr lang="en-US" sz="1600" dirty="0" err="1" smtClean="0"/>
+                <a:rPr lang="en-US" sz="1200" dirty="0" err="1"/>
                 <a:t>Morphosource</a:t>
               </a:r>
               <a:r>
-                <a:rPr lang="en-US" sz="1600" dirty="0" smtClean="0"/>
+                <a:rPr lang="en-US" sz="1200" dirty="0"/>
                 <a:t>!!</a:t>
               </a:r>
-              <a:endParaRPr lang="en-US" sz="1400" dirty="0"/>
+              <a:endParaRPr lang="en-US" sz="1050" dirty="0"/>
             </a:p>
           </p:txBody>
         </p:sp>
@@ -4898,8 +4900,8 @@
         </p:nvSpPr>
         <p:spPr>
           <a:xfrm rot="10800000" flipH="1">
-            <a:off x="6156743" y="636403"/>
-            <a:ext cx="753522" cy="5906173"/>
+            <a:off x="4617557" y="1334553"/>
+            <a:ext cx="565142" cy="4429630"/>
           </a:xfrm>
           <a:prstGeom prst="curvedLeftArrow">
             <a:avLst>
@@ -4938,7 +4940,7 @@
           <a:lstStyle/>
           <a:p>
             <a:pPr algn="ctr"/>
-            <a:endParaRPr lang="en-US">
+            <a:endParaRPr lang="en-US" sz="1350">
               <a:solidFill>
                 <a:schemeClr val="tx1"/>
               </a:solidFill>
@@ -4954,8 +4956,8 @@
         </p:nvSpPr>
         <p:spPr>
           <a:xfrm>
-            <a:off x="6987955" y="2586447"/>
-            <a:ext cx="947654" cy="1323439"/>
+            <a:off x="5240966" y="2797086"/>
+            <a:ext cx="710741" cy="1200329"/>
           </a:xfrm>
           <a:prstGeom prst="rect">
             <a:avLst/>
@@ -4969,7 +4971,7 @@
           <a:lstStyle/>
           <a:p>
             <a:r>
-              <a:rPr lang="en-US" sz="1600" dirty="0" smtClean="0"/>
+              <a:rPr lang="en-US" sz="1200" dirty="0"/>
               <a:t>Repeat for every number in input text file</a:t>
             </a:r>
           </a:p>
@@ -4983,8 +4985,8 @@
         </p:nvSpPr>
         <p:spPr>
           <a:xfrm>
-            <a:off x="3326130" y="103295"/>
-            <a:ext cx="4591690" cy="6640830"/>
+            <a:off x="2494597" y="934721"/>
+            <a:ext cx="3443768" cy="4980623"/>
           </a:xfrm>
           <a:prstGeom prst="roundRect">
             <a:avLst/>
@@ -5018,7 +5020,7 @@
           <a:lstStyle/>
           <a:p>
             <a:pPr algn="ctr"/>
-            <a:endParaRPr lang="en-US"/>
+            <a:endParaRPr lang="en-US" sz="1350"/>
           </a:p>
         </p:txBody>
       </p:sp>
@@ -5314,18 +5316,18 @@
             </a:r>
           </a:p>
           <a:p>
-            <a:pPr marL="914400" lvl="2" indent="0">
+            <a:pPr marL="685800" lvl="2" indent="0">
               <a:buNone/>
             </a:pPr>
             <a:r>
-              <a:rPr lang="en-US" sz="2400" dirty="0" smtClean="0">
+              <a:rPr lang="en-US" sz="1800" dirty="0">
                 <a:solidFill>
                   <a:srgbClr val="FF0000"/>
                 </a:solidFill>
               </a:rPr>
               <a:t>Spoiler alert: NO</a:t>
             </a:r>
-            <a:endParaRPr lang="en-US" sz="2400" dirty="0">
+            <a:endParaRPr lang="en-US" sz="1800" dirty="0">
               <a:solidFill>
                 <a:srgbClr val="FF0000"/>
               </a:solidFill>
@@ -5382,12 +5384,14 @@
         </p:nvSpPr>
         <p:spPr>
           <a:xfrm>
-            <a:off x="959538" y="4517"/>
-            <a:ext cx="10515600" cy="1325563"/>
+            <a:off x="719654" y="860638"/>
+            <a:ext cx="7886700" cy="994172"/>
           </a:xfrm>
         </p:spPr>
         <p:txBody>
-          <a:bodyPr/>
+          <a:bodyPr>
+            <a:normAutofit fontScale="90000"/>
+          </a:bodyPr>
           <a:lstStyle/>
           <a:p>
             <a:pPr algn="ctr"/>
@@ -5411,8 +5415,8 @@
         </p:nvSpPr>
         <p:spPr>
           <a:xfrm>
-            <a:off x="5412827" y="5875279"/>
-            <a:ext cx="580697" cy="588579"/>
+            <a:off x="4059621" y="5263710"/>
+            <a:ext cx="435523" cy="441434"/>
           </a:xfrm>
           <a:prstGeom prst="rect">
             <a:avLst/>
@@ -5447,7 +5451,7 @@
           <a:lstStyle/>
           <a:p>
             <a:pPr algn="ctr"/>
-            <a:endParaRPr lang="en-US"/>
+            <a:endParaRPr lang="en-US" sz="1350"/>
           </a:p>
         </p:txBody>
       </p:sp>
@@ -5459,8 +5463,8 @@
         </p:nvSpPr>
         <p:spPr>
           <a:xfrm>
-            <a:off x="6566338" y="5875279"/>
-            <a:ext cx="580697" cy="588579"/>
+            <a:off x="4924754" y="5263710"/>
+            <a:ext cx="435523" cy="441434"/>
           </a:xfrm>
           <a:prstGeom prst="rect">
             <a:avLst/>
@@ -5487,7 +5491,7 @@
           <a:lstStyle/>
           <a:p>
             <a:pPr algn="ctr"/>
-            <a:endParaRPr lang="en-US"/>
+            <a:endParaRPr lang="en-US" sz="1350"/>
           </a:p>
         </p:txBody>
       </p:sp>
@@ -5499,8 +5503,8 @@
         </p:nvSpPr>
         <p:spPr>
           <a:xfrm>
-            <a:off x="7722476" y="5875280"/>
-            <a:ext cx="580697" cy="588579"/>
+            <a:off x="5791857" y="5263711"/>
+            <a:ext cx="435523" cy="441434"/>
           </a:xfrm>
           <a:prstGeom prst="rect">
             <a:avLst/>
@@ -5535,7 +5539,7 @@
           <a:lstStyle/>
           <a:p>
             <a:pPr algn="ctr"/>
-            <a:endParaRPr lang="en-US"/>
+            <a:endParaRPr lang="en-US" sz="1350"/>
           </a:p>
         </p:txBody>
       </p:sp>
@@ -5547,8 +5551,8 @@
         </p:nvSpPr>
         <p:spPr>
           <a:xfrm>
-            <a:off x="8878614" y="5875281"/>
-            <a:ext cx="580697" cy="588579"/>
+            <a:off x="6658961" y="5263711"/>
+            <a:ext cx="435523" cy="441434"/>
           </a:xfrm>
           <a:prstGeom prst="rect">
             <a:avLst/>
@@ -5583,7 +5587,7 @@
           <a:lstStyle/>
           <a:p>
             <a:pPr algn="ctr"/>
-            <a:endParaRPr lang="en-US"/>
+            <a:endParaRPr lang="en-US" sz="1350"/>
           </a:p>
         </p:txBody>
       </p:sp>
@@ -5595,8 +5599,8 @@
         </p:nvSpPr>
         <p:spPr>
           <a:xfrm>
-            <a:off x="10029497" y="5875282"/>
-            <a:ext cx="580697" cy="588579"/>
+            <a:off x="7522123" y="5263712"/>
+            <a:ext cx="435523" cy="441434"/>
           </a:xfrm>
           <a:prstGeom prst="rect">
             <a:avLst/>
@@ -5631,7 +5635,7 @@
           <a:lstStyle/>
           <a:p>
             <a:pPr algn="ctr"/>
-            <a:endParaRPr lang="en-US"/>
+            <a:endParaRPr lang="en-US" sz="1350"/>
           </a:p>
         </p:txBody>
       </p:sp>
@@ -5643,8 +5647,8 @@
         </p:nvSpPr>
         <p:spPr>
           <a:xfrm>
-            <a:off x="9695794" y="6495385"/>
-            <a:ext cx="2328040" cy="338554"/>
+            <a:off x="7271846" y="5728789"/>
+            <a:ext cx="1746030" cy="276999"/>
           </a:xfrm>
           <a:prstGeom prst="rect">
             <a:avLst/>
@@ -5658,7 +5662,7 @@
           <a:lstStyle/>
           <a:p>
             <a:r>
-              <a:rPr lang="en-US" sz="1600" dirty="0" smtClean="0"/>
+              <a:rPr lang="en-US" sz="1200" dirty="0"/>
               <a:t>Impossible without help</a:t>
             </a:r>
           </a:p>
@@ -5672,8 +5676,8 @@
         </p:nvSpPr>
         <p:spPr>
           <a:xfrm>
-            <a:off x="7439165" y="6519446"/>
-            <a:ext cx="1224583" cy="338554"/>
+            <a:off x="5579374" y="5746835"/>
+            <a:ext cx="918437" cy="276999"/>
           </a:xfrm>
           <a:prstGeom prst="rect">
             <a:avLst/>
@@ -5687,7 +5691,7 @@
           <a:lstStyle/>
           <a:p>
             <a:r>
-              <a:rPr lang="en-US" sz="1600" dirty="0" smtClean="0"/>
+              <a:rPr lang="en-US" sz="1200" dirty="0"/>
               <a:t>Challenging</a:t>
             </a:r>
           </a:p>
@@ -5701,8 +5705,8 @@
         </p:nvSpPr>
         <p:spPr>
           <a:xfrm>
-            <a:off x="5356986" y="6463858"/>
-            <a:ext cx="860352" cy="338554"/>
+            <a:off x="4017740" y="5705144"/>
+            <a:ext cx="645264" cy="276999"/>
           </a:xfrm>
           <a:prstGeom prst="rect">
             <a:avLst/>
@@ -5716,7 +5720,7 @@
           <a:lstStyle/>
           <a:p>
             <a:r>
-              <a:rPr lang="en-US" sz="1600" dirty="0" smtClean="0"/>
+              <a:rPr lang="en-US" sz="1200" dirty="0"/>
               <a:t>Simple</a:t>
             </a:r>
           </a:p>
@@ -5730,8 +5734,8 @@
         </p:nvCxnSpPr>
         <p:spPr>
           <a:xfrm flipV="1">
-            <a:off x="6412410" y="6654147"/>
-            <a:ext cx="836974" cy="2727"/>
+            <a:off x="4809307" y="5847861"/>
+            <a:ext cx="627731" cy="2045"/>
           </a:xfrm>
           <a:prstGeom prst="straightConnector1">
             <a:avLst/>
@@ -5766,8 +5770,8 @@
         </p:nvCxnSpPr>
         <p:spPr>
           <a:xfrm flipV="1">
-            <a:off x="8840265" y="6658609"/>
-            <a:ext cx="836974" cy="2727"/>
+            <a:off x="6630199" y="5851207"/>
+            <a:ext cx="627731" cy="2045"/>
           </a:xfrm>
           <a:prstGeom prst="straightConnector1">
             <a:avLst/>
@@ -5802,8 +5806,8 @@
         </p:nvCxnSpPr>
         <p:spPr>
           <a:xfrm>
-            <a:off x="5197216" y="3644495"/>
-            <a:ext cx="528388" cy="12412"/>
+            <a:off x="3897912" y="3590621"/>
+            <a:ext cx="396291" cy="9309"/>
           </a:xfrm>
           <a:prstGeom prst="straightConnector1">
             <a:avLst/>
@@ -5838,8 +5842,8 @@
         </p:nvGrpSpPr>
         <p:grpSpPr>
           <a:xfrm>
-            <a:off x="5002922" y="1660813"/>
-            <a:ext cx="1109220" cy="1020389"/>
+            <a:off x="3752192" y="2102860"/>
+            <a:ext cx="831915" cy="765292"/>
             <a:chOff x="4625390" y="1114097"/>
             <a:chExt cx="1109220" cy="1020389"/>
           </a:xfrm>
@@ -5852,8 +5856,8 @@
           </p:nvSpPr>
           <p:spPr>
             <a:xfrm>
-              <a:off x="4625390" y="1340647"/>
-              <a:ext cx="1109220" cy="646331"/>
+              <a:off x="4625390" y="1340648"/>
+              <a:ext cx="1109220" cy="677108"/>
             </a:xfrm>
             <a:prstGeom prst="rect">
               <a:avLst/>
@@ -5868,10 +5872,10 @@
             <a:p>
               <a:pPr algn="ctr"/>
               <a:r>
-                <a:rPr lang="en-US" b="1" dirty="0" smtClean="0"/>
+                <a:rPr lang="en-US" sz="1350" b="1" dirty="0"/>
                 <a:t>Windows Ubuntu</a:t>
               </a:r>
-              <a:endParaRPr lang="en-US" b="1" dirty="0"/>
+              <a:endParaRPr lang="en-US" sz="1350" b="1" dirty="0"/>
             </a:p>
           </p:txBody>
         </p:sp>
@@ -5918,7 +5922,7 @@
             <a:lstStyle/>
             <a:p>
               <a:pPr algn="ctr"/>
-              <a:endParaRPr lang="en-US">
+              <a:endParaRPr lang="en-US" sz="1350">
                 <a:solidFill>
                   <a:schemeClr val="bg1"/>
                 </a:solidFill>
@@ -5935,8 +5939,8 @@
         </p:nvGrpSpPr>
         <p:grpSpPr>
           <a:xfrm>
-            <a:off x="5725604" y="3134300"/>
-            <a:ext cx="1109220" cy="1020389"/>
+            <a:off x="4294203" y="3207975"/>
+            <a:ext cx="831915" cy="765292"/>
             <a:chOff x="5290334" y="1269927"/>
             <a:chExt cx="1109220" cy="1020389"/>
           </a:xfrm>
@@ -5982,7 +5986,7 @@
             <a:lstStyle/>
             <a:p>
               <a:pPr algn="ctr"/>
-              <a:endParaRPr lang="en-US">
+              <a:endParaRPr lang="en-US" sz="1350">
                 <a:solidFill>
                   <a:schemeClr val="bg1"/>
                 </a:solidFill>
@@ -5999,7 +6003,7 @@
           <p:spPr>
             <a:xfrm>
               <a:off x="5290334" y="1450462"/>
-              <a:ext cx="1109220" cy="646331"/>
+              <a:ext cx="1109220" cy="677108"/>
             </a:xfrm>
             <a:prstGeom prst="rect">
               <a:avLst/>
@@ -6014,17 +6018,17 @@
             <a:p>
               <a:pPr algn="ctr"/>
               <a:r>
-                <a:rPr lang="en-US" b="1" dirty="0" smtClean="0"/>
+                <a:rPr lang="en-US" sz="1350" b="1" dirty="0"/>
                 <a:t>Virtual</a:t>
               </a:r>
             </a:p>
             <a:p>
               <a:pPr algn="ctr"/>
               <a:r>
-                <a:rPr lang="en-US" b="1" dirty="0" smtClean="0"/>
+                <a:rPr lang="en-US" sz="1350" b="1" dirty="0"/>
                 <a:t>Machine</a:t>
               </a:r>
-              <a:endParaRPr lang="en-US" b="1" dirty="0"/>
+              <a:endParaRPr lang="en-US" sz="1350" b="1" dirty="0"/>
             </a:p>
           </p:txBody>
         </p:sp>
@@ -6037,10 +6041,10 @@
         </p:nvGrpSpPr>
         <p:grpSpPr>
           <a:xfrm>
-            <a:off x="7794429" y="3188770"/>
-            <a:ext cx="1052590" cy="1013282"/>
+            <a:off x="5845822" y="3248827"/>
+            <a:ext cx="789443" cy="762263"/>
             <a:chOff x="540409" y="705666"/>
-            <a:chExt cx="3002248" cy="1135117"/>
+            <a:chExt cx="3002248" cy="1138554"/>
           </a:xfrm>
         </p:grpSpPr>
         <p:sp>
@@ -6094,7 +6098,7 @@
             <a:lstStyle/>
             <a:p>
               <a:pPr algn="ctr"/>
-              <a:endParaRPr lang="en-US">
+              <a:endParaRPr lang="en-US" sz="1350">
                 <a:solidFill>
                   <a:schemeClr val="bg1"/>
                 </a:solidFill>
@@ -6110,8 +6114,8 @@
           </p:nvSpPr>
           <p:spPr>
             <a:xfrm>
-              <a:off x="568230" y="775392"/>
-              <a:ext cx="2974427" cy="1034349"/>
+              <a:off x="568232" y="775393"/>
+              <a:ext cx="2974425" cy="1068827"/>
             </a:xfrm>
             <a:prstGeom prst="rect">
               <a:avLst/>
@@ -6126,10 +6130,10 @@
             <a:p>
               <a:pPr algn="ctr"/>
               <a:r>
-                <a:rPr lang="en-US" dirty="0" smtClean="0"/>
+                <a:rPr lang="en-US" sz="1350" dirty="0"/>
                 <a:t>Run Stacks Pipeline</a:t>
               </a:r>
-              <a:endParaRPr lang="en-US" dirty="0"/>
+              <a:endParaRPr lang="en-US" sz="1350" dirty="0"/>
             </a:p>
           </p:txBody>
         </p:sp>
@@ -6142,8 +6146,8 @@
         </p:nvCxnSpPr>
         <p:spPr>
           <a:xfrm>
-            <a:off x="6881203" y="3611923"/>
-            <a:ext cx="802914" cy="2528"/>
+            <a:off x="5160902" y="3566192"/>
+            <a:ext cx="602186" cy="1896"/>
           </a:xfrm>
           <a:prstGeom prst="straightConnector1">
             <a:avLst/>
@@ -6178,10 +6182,10 @@
         </p:nvGrpSpPr>
         <p:grpSpPr>
           <a:xfrm>
-            <a:off x="9899392" y="3168336"/>
-            <a:ext cx="1060309" cy="1013282"/>
+            <a:off x="7424544" y="3233502"/>
+            <a:ext cx="795232" cy="970597"/>
             <a:chOff x="490571" y="705666"/>
-            <a:chExt cx="3024265" cy="1135117"/>
+            <a:chExt cx="3024265" cy="1449732"/>
           </a:xfrm>
         </p:grpSpPr>
         <p:sp>
@@ -6223,7 +6227,7 @@
             <a:lstStyle/>
             <a:p>
               <a:pPr algn="ctr"/>
-              <a:endParaRPr lang="en-US">
+              <a:endParaRPr lang="en-US" sz="1350">
                 <a:solidFill>
                   <a:schemeClr val="bg1"/>
                 </a:solidFill>
@@ -6239,8 +6243,8 @@
           </p:nvSpPr>
           <p:spPr>
             <a:xfrm>
-              <a:off x="490571" y="776267"/>
-              <a:ext cx="2974427" cy="1034349"/>
+              <a:off x="490571" y="776266"/>
+              <a:ext cx="2974427" cy="1379132"/>
             </a:xfrm>
             <a:prstGeom prst="rect">
               <a:avLst/>
@@ -6255,14 +6259,14 @@
             <a:p>
               <a:pPr algn="ctr"/>
               <a:r>
-                <a:rPr lang="en-US" dirty="0" smtClean="0">
+                <a:rPr lang="en-US" sz="1350" dirty="0">
                   <a:solidFill>
                     <a:schemeClr val="bg1"/>
                   </a:solidFill>
                 </a:rPr>
                 <a:t>Use Data to make Tree</a:t>
               </a:r>
-              <a:endParaRPr lang="en-US" dirty="0">
+              <a:endParaRPr lang="en-US" sz="1350" dirty="0">
                 <a:solidFill>
                   <a:schemeClr val="bg1"/>
                 </a:solidFill>
@@ -6279,8 +6283,8 @@
         </p:nvCxnSpPr>
         <p:spPr>
           <a:xfrm>
-            <a:off x="8996058" y="3656907"/>
-            <a:ext cx="802914" cy="2528"/>
+            <a:off x="6747043" y="3599930"/>
+            <a:ext cx="602186" cy="1896"/>
           </a:xfrm>
           <a:prstGeom prst="straightConnector1">
             <a:avLst/>
@@ -6315,8 +6319,8 @@
         </p:nvSpPr>
         <p:spPr>
           <a:xfrm>
-            <a:off x="8880796" y="3996584"/>
-            <a:ext cx="1109220" cy="646331"/>
+            <a:off x="6660597" y="3854688"/>
+            <a:ext cx="831915" cy="507831"/>
           </a:xfrm>
           <a:prstGeom prst="rect">
             <a:avLst/>
@@ -6331,10 +6335,10 @@
           <a:p>
             <a:pPr algn="ctr"/>
             <a:r>
-              <a:rPr lang="en-US" b="1" dirty="0" smtClean="0"/>
+              <a:rPr lang="en-US" sz="1350" b="1" dirty="0"/>
               <a:t>Next Steps</a:t>
             </a:r>
-            <a:endParaRPr lang="en-US" b="1" dirty="0"/>
+            <a:endParaRPr lang="en-US" sz="1350" b="1" dirty="0"/>
           </a:p>
         </p:txBody>
       </p:sp>
@@ -6346,10 +6350,10 @@
         </p:nvGrpSpPr>
         <p:grpSpPr>
           <a:xfrm>
-            <a:off x="4132772" y="3126237"/>
-            <a:ext cx="1042836" cy="1013282"/>
+            <a:off x="3099579" y="3201928"/>
+            <a:ext cx="782127" cy="1060938"/>
             <a:chOff x="540409" y="705666"/>
-            <a:chExt cx="2974427" cy="1135117"/>
+            <a:chExt cx="2974427" cy="1584669"/>
           </a:xfrm>
         </p:grpSpPr>
         <p:sp>
@@ -6391,7 +6395,7 @@
             <a:lstStyle/>
             <a:p>
               <a:pPr algn="ctr"/>
-              <a:endParaRPr lang="en-US">
+              <a:endParaRPr lang="en-US" sz="1350">
                 <a:solidFill>
                   <a:schemeClr val="bg1"/>
                 </a:solidFill>
@@ -6407,8 +6411,8 @@
           </p:nvSpPr>
           <p:spPr>
             <a:xfrm>
-              <a:off x="931085" y="911202"/>
-              <a:ext cx="2193073" cy="724045"/>
+              <a:off x="931083" y="911203"/>
+              <a:ext cx="2193075" cy="1379132"/>
             </a:xfrm>
             <a:prstGeom prst="rect">
               <a:avLst/>
@@ -6423,14 +6427,14 @@
             <a:p>
               <a:pPr algn="ctr"/>
               <a:r>
-                <a:rPr lang="en-US" dirty="0" smtClean="0">
+                <a:rPr lang="en-US" sz="1350" dirty="0">
                   <a:solidFill>
                     <a:schemeClr val="bg1"/>
                   </a:solidFill>
                 </a:rPr>
                 <a:t>Install Stacks</a:t>
               </a:r>
-              <a:endParaRPr lang="en-US" dirty="0">
+              <a:endParaRPr lang="en-US" sz="1350" dirty="0">
                 <a:solidFill>
                   <a:schemeClr val="bg1"/>
                 </a:solidFill>
@@ -6447,8 +6451,8 @@
         </p:nvCxnSpPr>
         <p:spPr>
           <a:xfrm>
-            <a:off x="3145370" y="3522519"/>
-            <a:ext cx="802914" cy="2528"/>
+            <a:off x="2359027" y="3499139"/>
+            <a:ext cx="602186" cy="1896"/>
           </a:xfrm>
           <a:prstGeom prst="straightConnector1">
             <a:avLst/>
@@ -6483,8 +6487,8 @@
         </p:nvGrpSpPr>
         <p:grpSpPr>
           <a:xfrm>
-            <a:off x="655253" y="3126237"/>
-            <a:ext cx="2490117" cy="1013282"/>
+            <a:off x="491440" y="3201928"/>
+            <a:ext cx="1867588" cy="759962"/>
             <a:chOff x="388882" y="705666"/>
             <a:chExt cx="3277480" cy="1135117"/>
           </a:xfrm>
@@ -6528,7 +6532,7 @@
             <a:lstStyle/>
             <a:p>
               <a:pPr algn="ctr"/>
-              <a:endParaRPr lang="en-US">
+              <a:endParaRPr lang="en-US" sz="1350">
                 <a:solidFill>
                   <a:schemeClr val="bg1"/>
                 </a:solidFill>
@@ -6544,8 +6548,8 @@
           </p:nvSpPr>
           <p:spPr>
             <a:xfrm>
-              <a:off x="388882" y="914400"/>
-              <a:ext cx="3277480" cy="724045"/>
+              <a:off x="388882" y="914401"/>
+              <a:ext cx="3277480" cy="758522"/>
             </a:xfrm>
             <a:prstGeom prst="rect">
               <a:avLst/>
@@ -6560,10 +6564,10 @@
             <a:p>
               <a:pPr algn="ctr"/>
               <a:r>
-                <a:rPr lang="en-US" dirty="0" smtClean="0"/>
+                <a:rPr lang="en-US" sz="1350" dirty="0"/>
                 <a:t>Download raw data from Google Drive</a:t>
               </a:r>
-              <a:endParaRPr lang="en-US" dirty="0"/>
+              <a:endParaRPr lang="en-US" sz="1350" dirty="0"/>
             </a:p>
           </p:txBody>
         </p:sp>
@@ -6576,8 +6580,8 @@
         </p:nvCxnSpPr>
         <p:spPr>
           <a:xfrm flipH="1" flipV="1">
-            <a:off x="4132772" y="2519985"/>
-            <a:ext cx="372243" cy="539466"/>
+            <a:off x="3099580" y="2747239"/>
+            <a:ext cx="279182" cy="404600"/>
           </a:xfrm>
           <a:prstGeom prst="straightConnector1">
             <a:avLst/>
@@ -6612,8 +6616,8 @@
         </p:nvCxnSpPr>
         <p:spPr>
           <a:xfrm flipV="1">
-            <a:off x="5026433" y="2610020"/>
-            <a:ext cx="341566" cy="429674"/>
+            <a:off x="3769825" y="2814765"/>
+            <a:ext cx="256175" cy="322256"/>
           </a:xfrm>
           <a:prstGeom prst="straightConnector1">
             <a:avLst/>
@@ -6648,8 +6652,8 @@
         </p:nvGrpSpPr>
         <p:grpSpPr>
           <a:xfrm>
-            <a:off x="3452403" y="1675983"/>
-            <a:ext cx="991761" cy="911169"/>
+            <a:off x="2589303" y="2114238"/>
+            <a:ext cx="743821" cy="683377"/>
             <a:chOff x="-2746396" y="-1036074"/>
             <a:chExt cx="3148879" cy="1135117"/>
           </a:xfrm>
@@ -6697,7 +6701,7 @@
             <a:lstStyle/>
             <a:p>
               <a:pPr algn="ctr"/>
-              <a:endParaRPr lang="en-US">
+              <a:endParaRPr lang="en-US" sz="1350">
                 <a:solidFill>
                   <a:schemeClr val="bg1"/>
                 </a:solidFill>
@@ -6713,8 +6717,8 @@
           </p:nvSpPr>
           <p:spPr>
             <a:xfrm>
-              <a:off x="-2746396" y="-677571"/>
-              <a:ext cx="3148879" cy="460107"/>
+              <a:off x="-2746396" y="-677572"/>
+              <a:ext cx="3148879" cy="498448"/>
             </a:xfrm>
             <a:prstGeom prst="rect">
               <a:avLst/>
@@ -6729,10 +6733,10 @@
             <a:p>
               <a:pPr algn="ctr"/>
               <a:r>
-                <a:rPr lang="en-US" b="1" dirty="0" err="1" smtClean="0"/>
+                <a:rPr lang="en-US" sz="1350" b="1" dirty="0" err="1"/>
                 <a:t>Gitbash</a:t>
               </a:r>
-              <a:endParaRPr lang="en-US" b="1" dirty="0"/>
+              <a:endParaRPr lang="en-US" sz="1350" b="1" dirty="0"/>
             </a:p>
           </p:txBody>
         </p:sp>
@@ -6790,8 +6794,8 @@
         </p:blipFill>
         <p:spPr>
           <a:xfrm>
-            <a:off x="3934630" y="1567249"/>
-            <a:ext cx="3478366" cy="2485463"/>
+            <a:off x="2950972" y="2032687"/>
+            <a:ext cx="2608775" cy="1864097"/>
           </a:xfrm>
           <a:prstGeom prst="rect">
             <a:avLst/>
@@ -6806,8 +6810,8 @@
         </p:nvGrpSpPr>
         <p:grpSpPr>
           <a:xfrm>
-            <a:off x="406611" y="16349"/>
-            <a:ext cx="2490117" cy="1013282"/>
+            <a:off x="304959" y="869512"/>
+            <a:ext cx="1867588" cy="759962"/>
             <a:chOff x="388882" y="705666"/>
             <a:chExt cx="3277480" cy="1135117"/>
           </a:xfrm>
@@ -6851,7 +6855,7 @@
             <a:lstStyle/>
             <a:p>
               <a:pPr algn="ctr"/>
-              <a:endParaRPr lang="en-US">
+              <a:endParaRPr lang="en-US" sz="1350">
                 <a:solidFill>
                   <a:schemeClr val="bg1"/>
                 </a:solidFill>
@@ -6867,8 +6871,8 @@
           </p:nvSpPr>
           <p:spPr>
             <a:xfrm>
-              <a:off x="388882" y="914400"/>
-              <a:ext cx="3277480" cy="413740"/>
+              <a:off x="388882" y="914401"/>
+              <a:ext cx="3277480" cy="448217"/>
             </a:xfrm>
             <a:prstGeom prst="rect">
               <a:avLst/>
@@ -6883,7 +6887,7 @@
             <a:p>
               <a:pPr algn="ctr"/>
               <a:r>
-                <a:rPr lang="en-US" dirty="0" smtClean="0">
+                <a:rPr lang="en-US" sz="1350" dirty="0">
                   <a:solidFill>
                     <a:schemeClr val="bg1"/>
                   </a:solidFill>
@@ -6891,7 +6895,7 @@
                 <a:t>Raw data (</a:t>
               </a:r>
               <a:r>
-                <a:rPr lang="en-US" sz="1400" dirty="0" smtClean="0">
+                <a:rPr lang="en-US" sz="1050" dirty="0">
                   <a:solidFill>
                     <a:schemeClr val="bg1"/>
                   </a:solidFill>
@@ -6899,7 +6903,7 @@
                 <a:t>37 </a:t>
               </a:r>
               <a:r>
-                <a:rPr lang="en-US" sz="1400" dirty="0" err="1" smtClean="0">
+                <a:rPr lang="en-US" sz="1050" dirty="0" err="1">
                   <a:solidFill>
                     <a:schemeClr val="bg1"/>
                   </a:solidFill>
@@ -6907,7 +6911,7 @@
                 <a:t>gb</a:t>
               </a:r>
               <a:r>
-                <a:rPr lang="en-US" sz="1400" dirty="0" smtClean="0">
+                <a:rPr lang="en-US" sz="1050" dirty="0">
                   <a:solidFill>
                     <a:schemeClr val="bg1"/>
                   </a:solidFill>
@@ -6915,14 +6919,14 @@
                 <a:t> fq.gz</a:t>
               </a:r>
               <a:r>
-                <a:rPr lang="en-US" dirty="0" smtClean="0">
+                <a:rPr lang="en-US" sz="1350" dirty="0">
                   <a:solidFill>
                     <a:schemeClr val="bg1"/>
                   </a:solidFill>
                 </a:rPr>
                 <a:t>)</a:t>
               </a:r>
-              <a:endParaRPr lang="en-US" dirty="0">
+              <a:endParaRPr lang="en-US" sz="1350" dirty="0">
                 <a:solidFill>
                   <a:schemeClr val="bg1"/>
                 </a:solidFill>
@@ -6938,8 +6942,8 @@
           </p:nvSpPr>
           <p:spPr>
             <a:xfrm>
-              <a:off x="693403" y="1273225"/>
-              <a:ext cx="2480441" cy="413740"/>
+              <a:off x="693402" y="1273225"/>
+              <a:ext cx="2480441" cy="448217"/>
             </a:xfrm>
             <a:prstGeom prst="rect">
               <a:avLst/>
@@ -6954,7 +6958,7 @@
             <a:p>
               <a:pPr algn="ctr"/>
               <a:r>
-                <a:rPr lang="en-US" dirty="0" smtClean="0">
+                <a:rPr lang="en-US" sz="1350" dirty="0">
                   <a:solidFill>
                     <a:schemeClr val="bg1"/>
                   </a:solidFill>
@@ -6962,7 +6966,7 @@
                 <a:t>Barcode file (</a:t>
               </a:r>
               <a:r>
-                <a:rPr lang="en-US" sz="1400" dirty="0" smtClean="0">
+                <a:rPr lang="en-US" sz="1050" dirty="0">
                   <a:solidFill>
                     <a:schemeClr val="bg1"/>
                   </a:solidFill>
@@ -6970,14 +6974,14 @@
                 <a:t>.txt</a:t>
               </a:r>
               <a:r>
-                <a:rPr lang="en-US" dirty="0" smtClean="0">
+                <a:rPr lang="en-US" sz="1350" dirty="0">
                   <a:solidFill>
                     <a:schemeClr val="bg1"/>
                   </a:solidFill>
                 </a:rPr>
                 <a:t>)</a:t>
               </a:r>
-              <a:endParaRPr lang="en-US" dirty="0">
+              <a:endParaRPr lang="en-US" sz="1350" dirty="0">
                 <a:solidFill>
                   <a:schemeClr val="bg1"/>
                 </a:solidFill>
@@ -6994,10 +6998,10 @@
         </p:nvGrpSpPr>
         <p:grpSpPr>
           <a:xfrm>
-            <a:off x="430996" y="3885006"/>
-            <a:ext cx="2307652" cy="536638"/>
+            <a:off x="323247" y="3771004"/>
+            <a:ext cx="1730739" cy="423067"/>
             <a:chOff x="1037283" y="790623"/>
-            <a:chExt cx="2982348" cy="2453089"/>
+            <a:chExt cx="2982348" cy="2578572"/>
           </a:xfrm>
         </p:grpSpPr>
         <p:sp>
@@ -7039,7 +7043,7 @@
             <a:lstStyle/>
             <a:p>
               <a:pPr algn="ctr"/>
-              <a:endParaRPr lang="en-US"/>
+              <a:endParaRPr lang="en-US" sz="1350"/>
             </a:p>
           </p:txBody>
         </p:sp>
@@ -7052,7 +7056,7 @@
           <p:spPr>
             <a:xfrm>
               <a:off x="1037283" y="836756"/>
-              <a:ext cx="2974427" cy="2391753"/>
+              <a:ext cx="2974427" cy="2532439"/>
             </a:xfrm>
             <a:prstGeom prst="rect">
               <a:avLst/>
@@ -7067,7 +7071,7 @@
             <a:p>
               <a:pPr algn="ctr"/>
               <a:r>
-                <a:rPr lang="en-US" sz="1400" dirty="0" smtClean="0">
+                <a:rPr lang="en-US" sz="1050" dirty="0">
                   <a:solidFill>
                     <a:schemeClr val="bg1"/>
                   </a:solidFill>
@@ -7078,14 +7082,14 @@
             <a:p>
               <a:pPr algn="ctr"/>
               <a:r>
-                <a:rPr lang="en-US" sz="1400" dirty="0" smtClean="0">
+                <a:rPr lang="en-US" sz="1050" dirty="0">
                   <a:solidFill>
                     <a:schemeClr val="bg1"/>
                   </a:solidFill>
                 </a:rPr>
                 <a:t> 1e5&lt;n-reads&lt;2e6</a:t>
               </a:r>
-              <a:endParaRPr lang="en-US" sz="1400" dirty="0">
+              <a:endParaRPr lang="en-US" sz="1050" dirty="0">
                 <a:solidFill>
                   <a:schemeClr val="bg1"/>
                 </a:solidFill>
@@ -7102,8 +7106,8 @@
         </p:nvSpPr>
         <p:spPr>
           <a:xfrm>
-            <a:off x="731769" y="1141204"/>
-            <a:ext cx="2089834" cy="584775"/>
+            <a:off x="548827" y="1713153"/>
+            <a:ext cx="1567376" cy="646331"/>
           </a:xfrm>
           <a:prstGeom prst="rect">
             <a:avLst/>
@@ -7117,22 +7121,22 @@
           <a:lstStyle/>
           <a:p>
             <a:r>
-              <a:rPr lang="en-US" sz="1600" dirty="0" err="1" smtClean="0"/>
+              <a:rPr lang="en-US" sz="1200" dirty="0" err="1"/>
               <a:t>Demultiplex</a:t>
             </a:r>
             <a:r>
-              <a:rPr lang="en-US" sz="1600" dirty="0" smtClean="0"/>
+              <a:rPr lang="en-US" sz="1200" dirty="0"/>
               <a:t> samples with `</a:t>
             </a:r>
             <a:r>
-              <a:rPr lang="en-US" sz="1600" dirty="0" err="1" smtClean="0"/>
+              <a:rPr lang="en-US" sz="1200" dirty="0" err="1"/>
               <a:t>process_radtags</a:t>
             </a:r>
             <a:r>
-              <a:rPr lang="en-US" sz="1600" dirty="0" smtClean="0"/>
+              <a:rPr lang="en-US" sz="1200" dirty="0"/>
               <a:t>`</a:t>
             </a:r>
-            <a:endParaRPr lang="en-US" sz="1600" dirty="0"/>
+            <a:endParaRPr lang="en-US" sz="1200" dirty="0"/>
           </a:p>
         </p:txBody>
       </p:sp>
@@ -7144,8 +7148,8 @@
         </p:nvSpPr>
         <p:spPr>
           <a:xfrm>
-            <a:off x="700778" y="2756110"/>
-            <a:ext cx="2105411" cy="830997"/>
+            <a:off x="525584" y="2924333"/>
+            <a:ext cx="1579058" cy="646331"/>
           </a:xfrm>
           <a:prstGeom prst="rect">
             <a:avLst/>
@@ -7159,7 +7163,7 @@
           <a:lstStyle/>
           <a:p>
             <a:r>
-              <a:rPr lang="en-US" sz="1600" dirty="0" smtClean="0"/>
+              <a:rPr lang="en-US" sz="1200" dirty="0"/>
               <a:t>Filter and cap samples by read number with my script</a:t>
             </a:r>
           </a:p>
@@ -7173,8 +7177,8 @@
         </p:nvCxnSpPr>
         <p:spPr>
           <a:xfrm flipH="1">
-            <a:off x="568985" y="1069609"/>
-            <a:ext cx="7421" cy="962010"/>
+            <a:off x="426739" y="1659457"/>
+            <a:ext cx="5566" cy="721508"/>
           </a:xfrm>
           <a:prstGeom prst="straightConnector1">
             <a:avLst/>
@@ -7209,8 +7213,8 @@
         </p:nvCxnSpPr>
         <p:spPr>
           <a:xfrm>
-            <a:off x="546302" y="2695862"/>
-            <a:ext cx="0" cy="1104959"/>
+            <a:off x="409727" y="2879147"/>
+            <a:ext cx="0" cy="828719"/>
           </a:xfrm>
           <a:prstGeom prst="straightConnector1">
             <a:avLst/>
@@ -7245,8 +7249,8 @@
         </p:nvGrpSpPr>
         <p:grpSpPr>
           <a:xfrm>
-            <a:off x="3102244" y="346841"/>
-            <a:ext cx="891687" cy="6148087"/>
+            <a:off x="2326684" y="1117381"/>
+            <a:ext cx="668765" cy="4611065"/>
             <a:chOff x="3607034" y="729501"/>
             <a:chExt cx="1437521" cy="5815643"/>
           </a:xfrm>
@@ -7381,8 +7385,8 @@
         </p:nvCxnSpPr>
         <p:spPr>
           <a:xfrm>
-            <a:off x="4249366" y="965382"/>
-            <a:ext cx="0" cy="580689"/>
+            <a:off x="3187025" y="1581287"/>
+            <a:ext cx="0" cy="435517"/>
           </a:xfrm>
           <a:prstGeom prst="straightConnector1">
             <a:avLst/>
@@ -7417,8 +7421,8 @@
         </p:nvSpPr>
         <p:spPr>
           <a:xfrm>
-            <a:off x="4376164" y="930708"/>
-            <a:ext cx="3198559" cy="584775"/>
+            <a:off x="3282124" y="1555281"/>
+            <a:ext cx="2398919" cy="646331"/>
           </a:xfrm>
           <a:prstGeom prst="rect">
             <a:avLst/>
@@ -7432,18 +7436,18 @@
           <a:lstStyle/>
           <a:p>
             <a:r>
-              <a:rPr lang="en-US" sz="1600" dirty="0" smtClean="0"/>
+              <a:rPr lang="en-US" sz="1200" dirty="0"/>
               <a:t>Run `</a:t>
             </a:r>
             <a:r>
-              <a:rPr lang="en-US" sz="1600" dirty="0" err="1" smtClean="0"/>
+              <a:rPr lang="en-US" sz="1200" dirty="0" err="1"/>
               <a:t>cstacks</a:t>
             </a:r>
             <a:r>
-              <a:rPr lang="en-US" sz="1600" dirty="0" smtClean="0"/>
+              <a:rPr lang="en-US" sz="1200" dirty="0"/>
               <a:t>` on all samples to build catalog of loci (de novo genome)</a:t>
             </a:r>
-            <a:endParaRPr lang="en-US" sz="1600" dirty="0"/>
+            <a:endParaRPr lang="en-US" sz="1200" dirty="0"/>
           </a:p>
         </p:txBody>
       </p:sp>
@@ -7455,8 +7459,8 @@
         </p:nvSpPr>
         <p:spPr>
           <a:xfrm>
-            <a:off x="4080361" y="3925434"/>
-            <a:ext cx="2869324" cy="215444"/>
+            <a:off x="3060271" y="3801325"/>
+            <a:ext cx="2151993" cy="184666"/>
           </a:xfrm>
           <a:prstGeom prst="rect">
             <a:avLst/>
@@ -7470,16 +7474,16 @@
           <a:lstStyle/>
           <a:p>
             <a:r>
-              <a:rPr lang="en-US" sz="800" dirty="0" smtClean="0"/>
+              <a:rPr lang="en-US" sz="600" dirty="0"/>
               <a:t>Figure  </a:t>
             </a:r>
             <a:r>
-              <a:rPr lang="en-US" sz="800" dirty="0" smtClean="0">
+              <a:rPr lang="en-US" sz="600" dirty="0">
                 <a:hlinkClick r:id="rId3"/>
               </a:rPr>
               <a:t>http://catchenlab.life.illinois.edu/stacks/param_tut.php</a:t>
             </a:r>
-            <a:endParaRPr lang="en-US" sz="800" dirty="0"/>
+            <a:endParaRPr lang="en-US" sz="600" dirty="0"/>
           </a:p>
         </p:txBody>
       </p:sp>
@@ -7491,8 +7495,8 @@
         </p:nvGrpSpPr>
         <p:grpSpPr>
           <a:xfrm>
-            <a:off x="4118314" y="4174495"/>
-            <a:ext cx="3061104" cy="872920"/>
+            <a:off x="3088736" y="3988121"/>
+            <a:ext cx="2295828" cy="654690"/>
             <a:chOff x="959803" y="737894"/>
             <a:chExt cx="2974427" cy="12409294"/>
           </a:xfrm>
@@ -7536,7 +7540,7 @@
             <a:lstStyle/>
             <a:p>
               <a:pPr algn="ctr"/>
-              <a:endParaRPr lang="en-US"/>
+              <a:endParaRPr lang="en-US" sz="1350"/>
             </a:p>
           </p:txBody>
         </p:sp>
@@ -7548,8 +7552,8 @@
           </p:nvSpPr>
           <p:spPr>
             <a:xfrm>
-              <a:off x="964345" y="1254640"/>
-              <a:ext cx="2865616" cy="11375788"/>
+              <a:off x="964345" y="1254649"/>
+              <a:ext cx="2865616" cy="11813328"/>
             </a:xfrm>
             <a:prstGeom prst="rect">
               <a:avLst/>
@@ -7564,41 +7568,41 @@
             <a:p>
               <a:pPr algn="ctr"/>
               <a:r>
-                <a:rPr lang="en-US" sz="1600" dirty="0" smtClean="0"/>
+                <a:rPr lang="en-US" sz="1200" dirty="0"/>
                 <a:t>Directory with </a:t>
               </a:r>
               <a:r>
-                <a:rPr lang="en-US" sz="1600" dirty="0" err="1" smtClean="0"/>
+                <a:rPr lang="en-US" sz="1200" dirty="0" err="1"/>
                 <a:t>ustacks</a:t>
               </a:r>
               <a:r>
-                <a:rPr lang="en-US" sz="1600" dirty="0" smtClean="0"/>
+                <a:rPr lang="en-US" sz="1200" dirty="0"/>
                 <a:t> and </a:t>
               </a:r>
               <a:r>
-                <a:rPr lang="en-US" sz="1600" dirty="0" err="1" smtClean="0"/>
+                <a:rPr lang="en-US" sz="1200" dirty="0" err="1"/>
                 <a:t>cstacks</a:t>
               </a:r>
               <a:r>
-                <a:rPr lang="en-US" sz="1600" dirty="0" smtClean="0"/>
+                <a:rPr lang="en-US" sz="1200" dirty="0"/>
                 <a:t> output data </a:t>
               </a:r>
             </a:p>
             <a:p>
               <a:pPr algn="ctr"/>
               <a:r>
-                <a:rPr lang="en-US" sz="1400" dirty="0" smtClean="0"/>
+                <a:rPr lang="en-US" sz="1050" dirty="0"/>
                 <a:t>(</a:t>
               </a:r>
               <a:r>
-                <a:rPr lang="en-US" sz="1400" dirty="0" err="1" smtClean="0"/>
+                <a:rPr lang="en-US" sz="1050" dirty="0" err="1"/>
                 <a:t>ustack</a:t>
               </a:r>
               <a:r>
-                <a:rPr lang="en-US" sz="1400" dirty="0" smtClean="0"/>
+                <a:rPr lang="en-US" sz="1050" dirty="0"/>
                 <a:t> files and catalog files)</a:t>
               </a:r>
-              <a:endParaRPr lang="en-US" sz="1400" dirty="0"/>
+              <a:endParaRPr lang="en-US" sz="1050" dirty="0"/>
             </a:p>
           </p:txBody>
         </p:sp>
@@ -7611,8 +7615,8 @@
         </p:nvSpPr>
         <p:spPr>
           <a:xfrm>
-            <a:off x="4451143" y="5135581"/>
-            <a:ext cx="2995854" cy="584775"/>
+            <a:off x="3338357" y="4708936"/>
+            <a:ext cx="2246891" cy="461665"/>
           </a:xfrm>
           <a:prstGeom prst="rect">
             <a:avLst/>
@@ -7626,18 +7630,18 @@
           <a:lstStyle/>
           <a:p>
             <a:r>
-              <a:rPr lang="en-US" sz="1600" dirty="0" smtClean="0"/>
+              <a:rPr lang="en-US" sz="1200" dirty="0"/>
               <a:t>Run `</a:t>
             </a:r>
             <a:r>
-              <a:rPr lang="en-US" sz="1600" dirty="0" err="1" smtClean="0"/>
+              <a:rPr lang="en-US" sz="1200" dirty="0" err="1"/>
               <a:t>sstacks</a:t>
             </a:r>
             <a:r>
-              <a:rPr lang="en-US" sz="1600" dirty="0" smtClean="0"/>
+              <a:rPr lang="en-US" sz="1200" dirty="0"/>
               <a:t>` on all samples to align against the catalog</a:t>
             </a:r>
-            <a:endParaRPr lang="en-US" sz="1600" dirty="0"/>
+            <a:endParaRPr lang="en-US" sz="1200" dirty="0"/>
           </a:p>
         </p:txBody>
       </p:sp>
@@ -7649,10 +7653,10 @@
         </p:nvGrpSpPr>
         <p:grpSpPr>
           <a:xfrm>
-            <a:off x="4114291" y="5964922"/>
-            <a:ext cx="3065127" cy="838303"/>
+            <a:off x="3085719" y="5330942"/>
+            <a:ext cx="2298845" cy="651811"/>
             <a:chOff x="967990" y="411556"/>
-            <a:chExt cx="2984740" cy="6720143"/>
+            <a:chExt cx="2984740" cy="6966870"/>
           </a:xfrm>
         </p:grpSpPr>
         <p:sp>
@@ -7694,7 +7698,7 @@
             <a:lstStyle/>
             <a:p>
               <a:pPr algn="ctr"/>
-              <a:endParaRPr lang="en-US"/>
+              <a:endParaRPr lang="en-US" sz="1350"/>
             </a:p>
           </p:txBody>
         </p:sp>
@@ -7706,8 +7710,8 @@
           </p:nvSpPr>
           <p:spPr>
             <a:xfrm>
-              <a:off x="978303" y="470124"/>
-              <a:ext cx="2974427" cy="6661575"/>
+              <a:off x="978303" y="470129"/>
+              <a:ext cx="2974427" cy="6908297"/>
             </a:xfrm>
             <a:prstGeom prst="rect">
               <a:avLst/>
@@ -7722,45 +7726,45 @@
             <a:p>
               <a:pPr algn="ctr"/>
               <a:r>
-                <a:rPr lang="en-US" sz="1600" dirty="0" smtClean="0"/>
+                <a:rPr lang="en-US" sz="1200" dirty="0"/>
                 <a:t>Directory with </a:t>
               </a:r>
               <a:r>
-                <a:rPr lang="en-US" sz="1600" dirty="0" err="1" smtClean="0"/>
+                <a:rPr lang="en-US" sz="1200" dirty="0" err="1"/>
                 <a:t>sstacks</a:t>
               </a:r>
               <a:r>
-                <a:rPr lang="en-US" sz="1600" dirty="0"/>
+                <a:rPr lang="en-US" sz="1200" dirty="0"/>
                 <a:t>,</a:t>
               </a:r>
               <a:r>
-                <a:rPr lang="en-US" sz="1600" dirty="0" smtClean="0"/>
+                <a:rPr lang="en-US" sz="1200" dirty="0"/>
                 <a:t> </a:t>
               </a:r>
               <a:r>
-                <a:rPr lang="en-US" sz="1600" dirty="0" err="1" smtClean="0"/>
+                <a:rPr lang="en-US" sz="1200" dirty="0" err="1"/>
                 <a:t>ustacks</a:t>
               </a:r>
               <a:r>
-                <a:rPr lang="en-US" sz="1600" dirty="0" smtClean="0"/>
+                <a:rPr lang="en-US" sz="1200" dirty="0"/>
                 <a:t> and </a:t>
               </a:r>
               <a:r>
-                <a:rPr lang="en-US" sz="1600" dirty="0" err="1" smtClean="0"/>
+                <a:rPr lang="en-US" sz="1200" dirty="0" err="1"/>
                 <a:t>ccstacks</a:t>
               </a:r>
               <a:r>
-                <a:rPr lang="en-US" sz="1600" dirty="0" smtClean="0"/>
+                <a:rPr lang="en-US" sz="1200" dirty="0"/>
                 <a:t> data </a:t>
               </a:r>
             </a:p>
             <a:p>
               <a:pPr algn="ctr"/>
               <a:r>
-                <a:rPr lang="en-US" sz="1600" dirty="0" smtClean="0"/>
+                <a:rPr lang="en-US" sz="1200" dirty="0"/>
                 <a:t>(name.matches.tsv.gz)</a:t>
               </a:r>
-              <a:endParaRPr lang="en-US" sz="1600" dirty="0"/>
+              <a:endParaRPr lang="en-US" sz="1200" dirty="0"/>
             </a:p>
           </p:txBody>
         </p:sp>
@@ -7773,8 +7777,8 @@
         </p:nvCxnSpPr>
         <p:spPr>
           <a:xfrm flipH="1">
-            <a:off x="4246372" y="5114040"/>
-            <a:ext cx="14611" cy="830536"/>
+            <a:off x="3184780" y="4692780"/>
+            <a:ext cx="10958" cy="622902"/>
           </a:xfrm>
           <a:prstGeom prst="straightConnector1">
             <a:avLst/>
@@ -7809,8 +7813,8 @@
         </p:nvSpPr>
         <p:spPr>
           <a:xfrm>
-            <a:off x="8501278" y="672994"/>
-            <a:ext cx="3737622" cy="584775"/>
+            <a:off x="6375958" y="1361996"/>
+            <a:ext cx="2803217" cy="461665"/>
           </a:xfrm>
           <a:prstGeom prst="rect">
             <a:avLst/>
@@ -7824,10 +7828,10 @@
           <a:lstStyle/>
           <a:p>
             <a:r>
-              <a:rPr lang="en-US" sz="1600" dirty="0" smtClean="0"/>
+              <a:rPr lang="en-US" sz="1200" dirty="0"/>
               <a:t>Run `tsv2bam` to transpose data to a bam alignment by loci instead of by specimen </a:t>
             </a:r>
-            <a:endParaRPr lang="en-US" sz="1600" dirty="0"/>
+            <a:endParaRPr lang="en-US" sz="1200" dirty="0"/>
           </a:p>
         </p:txBody>
       </p:sp>
@@ -7839,8 +7843,8 @@
         </p:nvSpPr>
         <p:spPr>
           <a:xfrm>
-            <a:off x="430943" y="2097558"/>
-            <a:ext cx="2313888" cy="546411"/>
+            <a:off x="323207" y="2430419"/>
+            <a:ext cx="1735416" cy="409808"/>
           </a:xfrm>
           <a:prstGeom prst="flowChartAlternateProcess">
             <a:avLst/>
@@ -7872,7 +7876,7 @@
           <a:lstStyle/>
           <a:p>
             <a:pPr algn="ctr"/>
-            <a:endParaRPr lang="en-US"/>
+            <a:endParaRPr lang="en-US" sz="1350"/>
           </a:p>
         </p:txBody>
       </p:sp>
@@ -7884,8 +7888,8 @@
         </p:nvSpPr>
         <p:spPr>
           <a:xfrm>
-            <a:off x="359019" y="2108403"/>
-            <a:ext cx="2442468" cy="584775"/>
+            <a:off x="269264" y="2438553"/>
+            <a:ext cx="1831851" cy="461665"/>
           </a:xfrm>
           <a:prstGeom prst="rect">
             <a:avLst/>
@@ -7900,14 +7904,14 @@
           <a:p>
             <a:pPr algn="ctr"/>
             <a:r>
-              <a:rPr lang="en-US" sz="1600" dirty="0" smtClean="0">
+              <a:rPr lang="en-US" sz="1200" dirty="0">
                 <a:solidFill>
                   <a:schemeClr val="bg1"/>
                 </a:solidFill>
               </a:rPr>
               <a:t>Directory with 48 fq.gz files, 1 per specimen</a:t>
             </a:r>
-            <a:endParaRPr lang="en-US" sz="1600" dirty="0">
+            <a:endParaRPr lang="en-US" sz="1200" dirty="0">
               <a:solidFill>
                 <a:schemeClr val="bg1"/>
               </a:solidFill>
@@ -7937,8 +7941,8 @@
         </p:blipFill>
         <p:spPr>
           <a:xfrm>
-            <a:off x="40411" y="4938212"/>
-            <a:ext cx="2988194" cy="1687776"/>
+            <a:off x="30308" y="4560909"/>
+            <a:ext cx="2241146" cy="1265832"/>
           </a:xfrm>
           <a:prstGeom prst="rect">
             <a:avLst/>
@@ -7953,8 +7957,8 @@
         </p:nvSpPr>
         <p:spPr>
           <a:xfrm>
-            <a:off x="770587" y="4515877"/>
-            <a:ext cx="2268609" cy="584775"/>
+            <a:off x="577941" y="4244158"/>
+            <a:ext cx="1701457" cy="461665"/>
           </a:xfrm>
           <a:prstGeom prst="rect">
             <a:avLst/>
@@ -7968,18 +7972,18 @@
           <a:lstStyle/>
           <a:p>
             <a:r>
-              <a:rPr lang="en-US" sz="1600" dirty="0" smtClean="0"/>
+              <a:rPr lang="en-US" sz="1200" dirty="0"/>
               <a:t>Run `</a:t>
             </a:r>
             <a:r>
-              <a:rPr lang="en-US" sz="1600" dirty="0" err="1" smtClean="0"/>
+              <a:rPr lang="en-US" sz="1200" dirty="0" err="1"/>
               <a:t>ustacks</a:t>
             </a:r>
             <a:r>
-              <a:rPr lang="en-US" sz="1600" dirty="0" smtClean="0"/>
+              <a:rPr lang="en-US" sz="1200" dirty="0"/>
               <a:t>` on each sample to find loci</a:t>
             </a:r>
-            <a:endParaRPr lang="en-US" sz="1600" dirty="0"/>
+            <a:endParaRPr lang="en-US" sz="1200" dirty="0"/>
           </a:p>
         </p:txBody>
       </p:sp>
@@ -7991,8 +7995,8 @@
         </p:nvSpPr>
         <p:spPr>
           <a:xfrm>
-            <a:off x="156208" y="6532227"/>
-            <a:ext cx="2869324" cy="215444"/>
+            <a:off x="117156" y="5756420"/>
+            <a:ext cx="2151993" cy="184666"/>
           </a:xfrm>
           <a:prstGeom prst="rect">
             <a:avLst/>
@@ -8006,16 +8010,16 @@
           <a:lstStyle/>
           <a:p>
             <a:r>
-              <a:rPr lang="en-US" sz="800" dirty="0" smtClean="0"/>
+              <a:rPr lang="en-US" sz="600" dirty="0"/>
               <a:t>Figure  </a:t>
             </a:r>
             <a:r>
-              <a:rPr lang="en-US" sz="800" dirty="0" smtClean="0">
+              <a:rPr lang="en-US" sz="600" dirty="0">
                 <a:hlinkClick r:id="rId3"/>
               </a:rPr>
               <a:t>http://catchenlab.life.illinois.edu/stacks/param_tut.php</a:t>
             </a:r>
-            <a:endParaRPr lang="en-US" sz="800" dirty="0"/>
+            <a:endParaRPr lang="en-US" sz="600" dirty="0"/>
           </a:p>
         </p:txBody>
       </p:sp>
@@ -8027,8 +8031,8 @@
         </p:nvCxnSpPr>
         <p:spPr>
           <a:xfrm>
-            <a:off x="568985" y="4498428"/>
-            <a:ext cx="7421" cy="491537"/>
+            <a:off x="426739" y="4231071"/>
+            <a:ext cx="5566" cy="368653"/>
           </a:xfrm>
           <a:prstGeom prst="straightConnector1">
             <a:avLst/>
@@ -8063,10 +8067,10 @@
         </p:nvGrpSpPr>
         <p:grpSpPr>
           <a:xfrm>
-            <a:off x="4080361" y="75494"/>
-            <a:ext cx="3099057" cy="841420"/>
+            <a:off x="3060271" y="913871"/>
+            <a:ext cx="2324293" cy="646750"/>
             <a:chOff x="959803" y="737894"/>
-            <a:chExt cx="3011305" cy="6549410"/>
+            <a:chExt cx="3011305" cy="6712195"/>
           </a:xfrm>
         </p:grpSpPr>
         <p:sp>
@@ -8108,7 +8112,7 @@
             <a:lstStyle/>
             <a:p>
               <a:pPr algn="ctr"/>
-              <a:endParaRPr lang="en-US"/>
+              <a:endParaRPr lang="en-US" sz="1350"/>
             </a:p>
           </p:txBody>
         </p:sp>
@@ -8120,8 +8124,8 @@
           </p:nvSpPr>
           <p:spPr>
             <a:xfrm>
-              <a:off x="996681" y="1221382"/>
-              <a:ext cx="2974427" cy="5989143"/>
+              <a:off x="996680" y="1221380"/>
+              <a:ext cx="2974428" cy="6228709"/>
             </a:xfrm>
             <a:prstGeom prst="rect">
               <a:avLst/>
@@ -8136,26 +8140,26 @@
             <a:p>
               <a:pPr algn="ctr"/>
               <a:r>
-                <a:rPr lang="en-US" sz="1600" dirty="0" smtClean="0"/>
+                <a:rPr lang="en-US" sz="1200" dirty="0"/>
                 <a:t>Directory with </a:t>
               </a:r>
               <a:r>
-                <a:rPr lang="en-US" sz="1600" dirty="0" err="1" smtClean="0"/>
+                <a:rPr lang="en-US" sz="1200" dirty="0" err="1"/>
                 <a:t>ustacks</a:t>
               </a:r>
               <a:r>
-                <a:rPr lang="en-US" sz="1600" dirty="0" smtClean="0"/>
+                <a:rPr lang="en-US" sz="1200" dirty="0"/>
                 <a:t> output </a:t>
               </a:r>
               <a:r>
-                <a:rPr lang="en-US" sz="1400" dirty="0" smtClean="0"/>
+                <a:rPr lang="en-US" sz="1050" dirty="0"/>
                 <a:t>(Name.tags.tsv.gz, Name.snps.tsv.gz,</a:t>
               </a:r>
             </a:p>
             <a:p>
               <a:pPr algn="ctr"/>
               <a:r>
-                <a:rPr lang="en-US" sz="1400" dirty="0" smtClean="0"/>
+                <a:rPr lang="en-US" sz="1050" dirty="0"/>
                 <a:t>Name.alleles.tsv.gz</a:t>
               </a:r>
             </a:p>
@@ -8170,8 +8174,8 @@
         </p:nvGrpSpPr>
         <p:grpSpPr>
           <a:xfrm>
-            <a:off x="7354156" y="240900"/>
-            <a:ext cx="891687" cy="5950380"/>
+            <a:off x="5515618" y="1037925"/>
+            <a:ext cx="668765" cy="4462785"/>
             <a:chOff x="3607034" y="729501"/>
             <a:chExt cx="1437521" cy="5815643"/>
           </a:xfrm>
@@ -8306,10 +8310,10 @@
         </p:nvGrpSpPr>
         <p:grpSpPr>
           <a:xfrm>
-            <a:off x="8256434" y="51781"/>
-            <a:ext cx="3075724" cy="628469"/>
+            <a:off x="6192326" y="896086"/>
+            <a:ext cx="2306793" cy="494435"/>
             <a:chOff x="947358" y="411556"/>
-            <a:chExt cx="2995059" cy="6743605"/>
+            <a:chExt cx="2995059" cy="7073860"/>
           </a:xfrm>
         </p:grpSpPr>
         <p:sp>
@@ -8351,7 +8355,7 @@
             <a:lstStyle/>
             <a:p>
               <a:pPr algn="ctr"/>
-              <a:endParaRPr lang="en-US"/>
+              <a:endParaRPr lang="en-US" sz="1350"/>
             </a:p>
           </p:txBody>
         </p:sp>
@@ -8363,8 +8367,8 @@
           </p:nvSpPr>
           <p:spPr>
             <a:xfrm>
-              <a:off x="947358" y="880402"/>
-              <a:ext cx="2974427" cy="6274759"/>
+              <a:off x="947358" y="880395"/>
+              <a:ext cx="2974427" cy="6605021"/>
             </a:xfrm>
             <a:prstGeom prst="rect">
               <a:avLst/>
@@ -8379,34 +8383,34 @@
             <a:p>
               <a:pPr algn="ctr"/>
               <a:r>
-                <a:rPr lang="en-US" sz="1600" dirty="0" smtClean="0"/>
+                <a:rPr lang="en-US" sz="1200" dirty="0"/>
                 <a:t>Directory with </a:t>
               </a:r>
               <a:r>
-                <a:rPr lang="en-US" sz="1600" dirty="0" err="1" smtClean="0"/>
+                <a:rPr lang="en-US" sz="1200" dirty="0" err="1"/>
                 <a:t>ustack</a:t>
               </a:r>
               <a:r>
-                <a:rPr lang="en-US" sz="1600" dirty="0" smtClean="0"/>
+                <a:rPr lang="en-US" sz="1200" dirty="0"/>
                 <a:t>, </a:t>
               </a:r>
               <a:r>
-                <a:rPr lang="en-US" sz="1600" dirty="0" err="1" smtClean="0"/>
+                <a:rPr lang="en-US" sz="1200" dirty="0" err="1"/>
                 <a:t>cstacks</a:t>
               </a:r>
               <a:r>
-                <a:rPr lang="en-US" sz="1600" dirty="0" smtClean="0"/>
+                <a:rPr lang="en-US" sz="1200" dirty="0"/>
                 <a:t>, and </a:t>
               </a:r>
               <a:r>
-                <a:rPr lang="en-US" sz="1600" dirty="0" err="1" smtClean="0"/>
+                <a:rPr lang="en-US" sz="1200" dirty="0" err="1"/>
                 <a:t>sstacks</a:t>
               </a:r>
               <a:r>
-                <a:rPr lang="en-US" sz="1600" dirty="0" smtClean="0"/>
+                <a:rPr lang="en-US" sz="1200" dirty="0"/>
                 <a:t> outputs</a:t>
               </a:r>
-              <a:endParaRPr lang="en-US" sz="1600" dirty="0"/>
+              <a:endParaRPr lang="en-US" sz="1200" dirty="0"/>
             </a:p>
           </p:txBody>
         </p:sp>
@@ -8419,8 +8423,8 @@
         </p:nvCxnSpPr>
         <p:spPr>
           <a:xfrm>
-            <a:off x="8395697" y="703823"/>
-            <a:ext cx="0" cy="580689"/>
+            <a:off x="6296773" y="1385118"/>
+            <a:ext cx="0" cy="435517"/>
           </a:xfrm>
           <a:prstGeom prst="straightConnector1">
             <a:avLst/>
@@ -8455,10 +8459,10 @@
         </p:nvGrpSpPr>
         <p:grpSpPr>
           <a:xfrm>
-            <a:off x="8307771" y="1403141"/>
-            <a:ext cx="3054537" cy="843748"/>
+            <a:off x="6230829" y="1909606"/>
+            <a:ext cx="2290903" cy="646331"/>
             <a:chOff x="967990" y="197174"/>
-            <a:chExt cx="2974427" cy="6763792"/>
+            <a:chExt cx="2974427" cy="6908300"/>
           </a:xfrm>
           <a:solidFill>
             <a:schemeClr val="accent6">
@@ -8503,7 +8507,7 @@
             <a:lstStyle/>
             <a:p>
               <a:pPr algn="ctr"/>
-              <a:endParaRPr lang="en-US"/>
+              <a:endParaRPr lang="en-US" sz="1350"/>
             </a:p>
           </p:txBody>
         </p:sp>
@@ -8516,7 +8520,7 @@
           <p:spPr>
             <a:xfrm>
               <a:off x="967990" y="197174"/>
-              <a:ext cx="2974427" cy="6661575"/>
+              <a:ext cx="2974427" cy="6908300"/>
             </a:xfrm>
             <a:prstGeom prst="rect">
               <a:avLst/>
@@ -8531,7 +8535,7 @@
             <a:p>
               <a:pPr algn="ctr"/>
               <a:r>
-                <a:rPr lang="en-US" sz="1600" dirty="0" smtClean="0">
+                <a:rPr lang="en-US" sz="1200" dirty="0">
                   <a:solidFill>
                     <a:schemeClr val="bg1"/>
                   </a:solidFill>
@@ -8539,7 +8543,7 @@
                 <a:t>Directory  with tsv2bam output and </a:t>
               </a:r>
               <a:r>
-                <a:rPr lang="en-US" sz="1600" dirty="0" err="1" smtClean="0">
+                <a:rPr lang="en-US" sz="1200" dirty="0" err="1">
                   <a:solidFill>
                     <a:schemeClr val="bg1"/>
                   </a:solidFill>
@@ -8547,7 +8551,7 @@
                 <a:t>ustacks</a:t>
               </a:r>
               <a:r>
-                <a:rPr lang="en-US" sz="1600" dirty="0" smtClean="0">
+                <a:rPr lang="en-US" sz="1200" dirty="0">
                   <a:solidFill>
                     <a:schemeClr val="bg1"/>
                   </a:solidFill>
@@ -8555,7 +8559,7 @@
                 <a:t>, </a:t>
               </a:r>
               <a:r>
-                <a:rPr lang="en-US" sz="1600" dirty="0" err="1" smtClean="0">
+                <a:rPr lang="en-US" sz="1200" dirty="0" err="1">
                   <a:solidFill>
                     <a:schemeClr val="bg1"/>
                   </a:solidFill>
@@ -8563,7 +8567,7 @@
                 <a:t>cstacks</a:t>
               </a:r>
               <a:r>
-                <a:rPr lang="en-US" sz="1600" dirty="0" smtClean="0">
+                <a:rPr lang="en-US" sz="1200" dirty="0">
                   <a:solidFill>
                     <a:schemeClr val="bg1"/>
                   </a:solidFill>
@@ -8571,7 +8575,7 @@
                 <a:t>, and </a:t>
               </a:r>
               <a:r>
-                <a:rPr lang="en-US" sz="1600" dirty="0" err="1" smtClean="0">
+                <a:rPr lang="en-US" sz="1200" dirty="0" err="1">
                   <a:solidFill>
                     <a:schemeClr val="bg1"/>
                   </a:solidFill>
@@ -8579,7 +8583,7 @@
                 <a:t>cstacks</a:t>
               </a:r>
               <a:r>
-                <a:rPr lang="en-US" sz="1600" dirty="0" smtClean="0">
+                <a:rPr lang="en-US" sz="1200" dirty="0">
                   <a:solidFill>
                     <a:schemeClr val="bg1"/>
                   </a:solidFill>
@@ -8587,7 +8591,7 @@
                 <a:t> outputs (</a:t>
               </a:r>
               <a:r>
-                <a:rPr lang="en-US" sz="1600" dirty="0" err="1" smtClean="0">
+                <a:rPr lang="en-US" sz="1200" dirty="0" err="1">
                   <a:solidFill>
                     <a:schemeClr val="bg1"/>
                   </a:solidFill>
@@ -8595,14 +8599,14 @@
                 <a:t>name.matches.bam</a:t>
               </a:r>
               <a:r>
-                <a:rPr lang="en-US" sz="1600" dirty="0" smtClean="0">
+                <a:rPr lang="en-US" sz="1200" dirty="0">
                   <a:solidFill>
                     <a:schemeClr val="bg1"/>
                   </a:solidFill>
                 </a:rPr>
                 <a:t>)</a:t>
               </a:r>
-              <a:endParaRPr lang="en-US" sz="1600" dirty="0">
+              <a:endParaRPr lang="en-US" sz="1200" dirty="0">
                 <a:solidFill>
                   <a:schemeClr val="bg1"/>
                 </a:solidFill>
@@ -8619,8 +8623,8 @@
         </p:nvSpPr>
         <p:spPr>
           <a:xfrm>
-            <a:off x="8501278" y="2305415"/>
-            <a:ext cx="3737622" cy="338554"/>
+            <a:off x="6375958" y="2586312"/>
+            <a:ext cx="2803217" cy="276999"/>
           </a:xfrm>
           <a:prstGeom prst="rect">
             <a:avLst/>
@@ -8634,22 +8638,18 @@
           <a:lstStyle/>
           <a:p>
             <a:r>
-              <a:rPr lang="en-US" sz="1600" dirty="0" smtClean="0"/>
+              <a:rPr lang="en-US" sz="1200" dirty="0"/>
               <a:t>Run `</a:t>
             </a:r>
             <a:r>
-              <a:rPr lang="en-US" sz="1600" dirty="0" err="1" smtClean="0"/>
+              <a:rPr lang="en-US" sz="1200" dirty="0" err="1"/>
               <a:t>gstacks</a:t>
             </a:r>
             <a:r>
-              <a:rPr lang="en-US" sz="1600" dirty="0" smtClean="0"/>
-              <a:t>` to </a:t>
-            </a:r>
-            <a:r>
-              <a:rPr lang="en-US" sz="1600" dirty="0" smtClean="0"/>
-              <a:t>genotype </a:t>
-            </a:r>
-            <a:endParaRPr lang="en-US" sz="1600" dirty="0"/>
+              <a:rPr lang="en-US" sz="1200" dirty="0"/>
+              <a:t>` to genotype </a:t>
+            </a:r>
+            <a:endParaRPr lang="en-US" sz="1200" dirty="0"/>
           </a:p>
         </p:txBody>
       </p:sp>
@@ -8661,8 +8661,8 @@
         </p:nvCxnSpPr>
         <p:spPr>
           <a:xfrm>
-            <a:off x="8395697" y="2336244"/>
-            <a:ext cx="0" cy="580689"/>
+            <a:off x="6296773" y="2609433"/>
+            <a:ext cx="0" cy="435517"/>
           </a:xfrm>
           <a:prstGeom prst="straightConnector1">
             <a:avLst/>
@@ -8697,8 +8697,8 @@
         </p:nvGrpSpPr>
         <p:grpSpPr>
           <a:xfrm>
-            <a:off x="8318381" y="3015221"/>
-            <a:ext cx="3065147" cy="817005"/>
+            <a:off x="6238786" y="3118666"/>
+            <a:ext cx="2298860" cy="612754"/>
             <a:chOff x="967990" y="411556"/>
             <a:chExt cx="2984759" cy="6549410"/>
           </a:xfrm>
@@ -8745,7 +8745,7 @@
             <a:lstStyle/>
             <a:p>
               <a:pPr algn="ctr"/>
-              <a:endParaRPr lang="en-US"/>
+              <a:endParaRPr lang="en-US" sz="1350"/>
             </a:p>
           </p:txBody>
         </p:sp>
@@ -8757,8 +8757,8 @@
           </p:nvSpPr>
           <p:spPr>
             <a:xfrm>
-              <a:off x="978322" y="1844874"/>
-              <a:ext cx="2974427" cy="2713972"/>
+              <a:off x="978322" y="1844871"/>
+              <a:ext cx="2974427" cy="2960699"/>
             </a:xfrm>
             <a:prstGeom prst="rect">
               <a:avLst/>
@@ -8773,7 +8773,7 @@
             <a:p>
               <a:pPr algn="ctr"/>
               <a:r>
-                <a:rPr lang="en-US" sz="1600" dirty="0" smtClean="0">
+                <a:rPr lang="en-US" sz="1200" dirty="0">
                   <a:solidFill>
                     <a:schemeClr val="bg1"/>
                   </a:solidFill>
@@ -8781,7 +8781,7 @@
                 <a:t>Directory with </a:t>
               </a:r>
               <a:r>
-                <a:rPr lang="en-US" sz="1600" dirty="0" err="1" smtClean="0">
+                <a:rPr lang="en-US" sz="1200" dirty="0" err="1">
                   <a:solidFill>
                     <a:schemeClr val="bg1"/>
                   </a:solidFill>
@@ -8789,14 +8789,14 @@
                 <a:t>gstacks</a:t>
               </a:r>
               <a:r>
-                <a:rPr lang="en-US" sz="1600" dirty="0" smtClean="0">
+                <a:rPr lang="en-US" sz="1200" dirty="0">
                   <a:solidFill>
                     <a:schemeClr val="bg1"/>
                   </a:solidFill>
                 </a:rPr>
                 <a:t> outputs?</a:t>
               </a:r>
-              <a:endParaRPr lang="en-US" sz="1600" dirty="0">
+              <a:endParaRPr lang="en-US" sz="1200" dirty="0">
                 <a:solidFill>
                   <a:schemeClr val="bg1"/>
                 </a:solidFill>
@@ -8813,8 +8813,8 @@
         </p:nvSpPr>
         <p:spPr>
           <a:xfrm>
-            <a:off x="8511888" y="3890752"/>
-            <a:ext cx="3737622" cy="1077218"/>
+            <a:off x="6383916" y="3775315"/>
+            <a:ext cx="2803217" cy="830997"/>
           </a:xfrm>
           <a:prstGeom prst="rect">
             <a:avLst/>
@@ -8828,34 +8828,34 @@
           <a:lstStyle/>
           <a:p>
             <a:r>
-              <a:rPr lang="en-US" sz="1600" dirty="0" smtClean="0"/>
+              <a:rPr lang="en-US" sz="1200" dirty="0"/>
               <a:t>Run `populations` to get population summary statistics such as F</a:t>
             </a:r>
             <a:r>
-              <a:rPr lang="en-US" sz="1600" baseline="-25000" dirty="0" smtClean="0"/>
+              <a:rPr lang="en-US" sz="1200" baseline="-25000" dirty="0"/>
               <a:t>ST</a:t>
             </a:r>
             <a:r>
-              <a:rPr lang="en-US" sz="1600" dirty="0" smtClean="0"/>
+              <a:rPr lang="en-US" sz="1200" dirty="0"/>
               <a:t>  and output data into a </a:t>
             </a:r>
             <a:r>
-              <a:rPr lang="en-US" sz="1600" dirty="0" err="1" smtClean="0"/>
+              <a:rPr lang="en-US" sz="1200" dirty="0" err="1"/>
               <a:t>fasta</a:t>
             </a:r>
             <a:r>
-              <a:rPr lang="en-US" sz="1600" dirty="0" smtClean="0"/>
+              <a:rPr lang="en-US" sz="1200" dirty="0"/>
               <a:t> or </a:t>
             </a:r>
             <a:r>
-              <a:rPr lang="en-US" sz="1600" dirty="0" err="1" smtClean="0"/>
+              <a:rPr lang="en-US" sz="1200" dirty="0" err="1"/>
               <a:t>phylip</a:t>
             </a:r>
             <a:r>
-              <a:rPr lang="en-US" sz="1600" dirty="0" smtClean="0"/>
+              <a:rPr lang="en-US" sz="1200" dirty="0"/>
               <a:t> that can be used for analysis</a:t>
             </a:r>
-            <a:endParaRPr lang="en-US" sz="1600" dirty="0"/>
+            <a:endParaRPr lang="en-US" sz="1200" dirty="0"/>
           </a:p>
         </p:txBody>
       </p:sp>
@@ -8867,8 +8867,8 @@
         </p:nvCxnSpPr>
         <p:spPr>
           <a:xfrm>
-            <a:off x="8430415" y="3885006"/>
-            <a:ext cx="0" cy="580689"/>
+            <a:off x="6322811" y="3771005"/>
+            <a:ext cx="0" cy="435517"/>
           </a:xfrm>
           <a:prstGeom prst="straightConnector1">
             <a:avLst/>
@@ -8903,8 +8903,8 @@
         </p:nvSpPr>
         <p:spPr>
           <a:xfrm rot="647178">
-            <a:off x="7984135" y="4827444"/>
-            <a:ext cx="4076695" cy="2232203"/>
+            <a:off x="5988102" y="4477834"/>
+            <a:ext cx="3057521" cy="1674152"/>
           </a:xfrm>
           <a:prstGeom prst="irregularSeal2">
             <a:avLst/>
@@ -8934,7 +8934,7 @@
           <a:lstStyle/>
           <a:p>
             <a:pPr algn="ctr"/>
-            <a:endParaRPr lang="en-US"/>
+            <a:endParaRPr lang="en-US" sz="1350"/>
           </a:p>
         </p:txBody>
       </p:sp>
@@ -8946,8 +8946,8 @@
         </p:nvSpPr>
         <p:spPr>
           <a:xfrm>
-            <a:off x="8328991" y="5712478"/>
-            <a:ext cx="3054537" cy="584775"/>
+            <a:off x="6246744" y="5141609"/>
+            <a:ext cx="2290903" cy="461665"/>
           </a:xfrm>
           <a:prstGeom prst="rect">
             <a:avLst/>
@@ -8962,22 +8962,22 @@
           <a:p>
             <a:pPr algn="ctr"/>
             <a:r>
-              <a:rPr lang="en-US" sz="1600" dirty="0" err="1" smtClean="0"/>
+              <a:rPr lang="en-US" sz="1200" dirty="0" err="1"/>
               <a:t>Fasta</a:t>
             </a:r>
             <a:r>
-              <a:rPr lang="en-US" sz="1600" dirty="0" smtClean="0"/>
+              <a:rPr lang="en-US" sz="1200" dirty="0"/>
               <a:t> or </a:t>
             </a:r>
             <a:r>
-              <a:rPr lang="en-US" sz="1600" dirty="0" err="1" smtClean="0"/>
+              <a:rPr lang="en-US" sz="1200" dirty="0" err="1"/>
               <a:t>phylip</a:t>
             </a:r>
             <a:r>
-              <a:rPr lang="en-US" sz="1600" dirty="0" smtClean="0"/>
+              <a:rPr lang="en-US" sz="1200" dirty="0"/>
               <a:t> files that can now be used to make a tree!!</a:t>
             </a:r>
-            <a:endParaRPr lang="en-US" sz="1600" dirty="0"/>
+            <a:endParaRPr lang="en-US" sz="1200" dirty="0"/>
           </a:p>
         </p:txBody>
       </p:sp>
@@ -9034,8 +9034,8 @@
         </p:blipFill>
         <p:spPr>
           <a:xfrm>
-            <a:off x="3934630" y="1567249"/>
-            <a:ext cx="3478366" cy="2485463"/>
+            <a:off x="2950972" y="2032687"/>
+            <a:ext cx="2608775" cy="1864097"/>
           </a:xfrm>
           <a:prstGeom prst="rect">
             <a:avLst/>
@@ -9050,8 +9050,8 @@
         </p:nvGrpSpPr>
         <p:grpSpPr>
           <a:xfrm>
-            <a:off x="406611" y="16349"/>
-            <a:ext cx="2490117" cy="1013282"/>
+            <a:off x="304959" y="869512"/>
+            <a:ext cx="1867588" cy="759962"/>
             <a:chOff x="388882" y="705666"/>
             <a:chExt cx="3277480" cy="1135117"/>
           </a:xfrm>
@@ -9095,7 +9095,7 @@
             <a:lstStyle/>
             <a:p>
               <a:pPr algn="ctr"/>
-              <a:endParaRPr lang="en-US">
+              <a:endParaRPr lang="en-US" sz="1350">
                 <a:solidFill>
                   <a:schemeClr val="bg1"/>
                 </a:solidFill>
@@ -9111,8 +9111,8 @@
           </p:nvSpPr>
           <p:spPr>
             <a:xfrm>
-              <a:off x="388882" y="914400"/>
-              <a:ext cx="3277480" cy="413740"/>
+              <a:off x="388882" y="914401"/>
+              <a:ext cx="3277480" cy="448217"/>
             </a:xfrm>
             <a:prstGeom prst="rect">
               <a:avLst/>
@@ -9127,7 +9127,7 @@
             <a:p>
               <a:pPr algn="ctr"/>
               <a:r>
-                <a:rPr lang="en-US" dirty="0" smtClean="0">
+                <a:rPr lang="en-US" sz="1350" dirty="0">
                   <a:solidFill>
                     <a:schemeClr val="bg1"/>
                   </a:solidFill>
@@ -9135,7 +9135,7 @@
                 <a:t>Raw data (</a:t>
               </a:r>
               <a:r>
-                <a:rPr lang="en-US" sz="1400" dirty="0" smtClean="0">
+                <a:rPr lang="en-US" sz="1050" dirty="0">
                   <a:solidFill>
                     <a:schemeClr val="bg1"/>
                   </a:solidFill>
@@ -9143,7 +9143,7 @@
                 <a:t>37 </a:t>
               </a:r>
               <a:r>
-                <a:rPr lang="en-US" sz="1400" dirty="0" err="1" smtClean="0">
+                <a:rPr lang="en-US" sz="1050" dirty="0" err="1">
                   <a:solidFill>
                     <a:schemeClr val="bg1"/>
                   </a:solidFill>
@@ -9151,7 +9151,7 @@
                 <a:t>gb</a:t>
               </a:r>
               <a:r>
-                <a:rPr lang="en-US" sz="1400" dirty="0" smtClean="0">
+                <a:rPr lang="en-US" sz="1050" dirty="0">
                   <a:solidFill>
                     <a:schemeClr val="bg1"/>
                   </a:solidFill>
@@ -9159,14 +9159,14 @@
                 <a:t> fq.gz</a:t>
               </a:r>
               <a:r>
-                <a:rPr lang="en-US" dirty="0" smtClean="0">
+                <a:rPr lang="en-US" sz="1350" dirty="0">
                   <a:solidFill>
                     <a:schemeClr val="bg1"/>
                   </a:solidFill>
                 </a:rPr>
                 <a:t>)</a:t>
               </a:r>
-              <a:endParaRPr lang="en-US" dirty="0">
+              <a:endParaRPr lang="en-US" sz="1350" dirty="0">
                 <a:solidFill>
                   <a:schemeClr val="bg1"/>
                 </a:solidFill>
@@ -9182,8 +9182,8 @@
           </p:nvSpPr>
           <p:spPr>
             <a:xfrm>
-              <a:off x="693403" y="1273225"/>
-              <a:ext cx="2480441" cy="413740"/>
+              <a:off x="693402" y="1273225"/>
+              <a:ext cx="2480441" cy="448217"/>
             </a:xfrm>
             <a:prstGeom prst="rect">
               <a:avLst/>
@@ -9198,7 +9198,7 @@
             <a:p>
               <a:pPr algn="ctr"/>
               <a:r>
-                <a:rPr lang="en-US" dirty="0" smtClean="0">
+                <a:rPr lang="en-US" sz="1350" dirty="0">
                   <a:solidFill>
                     <a:schemeClr val="bg1"/>
                   </a:solidFill>
@@ -9206,7 +9206,7 @@
                 <a:t>Barcode file (</a:t>
               </a:r>
               <a:r>
-                <a:rPr lang="en-US" sz="1400" dirty="0" smtClean="0">
+                <a:rPr lang="en-US" sz="1050" dirty="0">
                   <a:solidFill>
                     <a:schemeClr val="bg1"/>
                   </a:solidFill>
@@ -9214,14 +9214,14 @@
                 <a:t>.txt</a:t>
               </a:r>
               <a:r>
-                <a:rPr lang="en-US" dirty="0" smtClean="0">
+                <a:rPr lang="en-US" sz="1350" dirty="0">
                   <a:solidFill>
                     <a:schemeClr val="bg1"/>
                   </a:solidFill>
                 </a:rPr>
                 <a:t>)</a:t>
               </a:r>
-              <a:endParaRPr lang="en-US" dirty="0">
+              <a:endParaRPr lang="en-US" sz="1350" dirty="0">
                 <a:solidFill>
                   <a:schemeClr val="bg1"/>
                 </a:solidFill>
@@ -9238,10 +9238,10 @@
         </p:nvGrpSpPr>
         <p:grpSpPr>
           <a:xfrm>
-            <a:off x="430996" y="3885006"/>
-            <a:ext cx="2307652" cy="536638"/>
+            <a:off x="323247" y="3771004"/>
+            <a:ext cx="1730739" cy="423067"/>
             <a:chOff x="1037283" y="790623"/>
-            <a:chExt cx="2982348" cy="2453089"/>
+            <a:chExt cx="2982348" cy="2578572"/>
           </a:xfrm>
         </p:grpSpPr>
         <p:sp>
@@ -9283,7 +9283,7 @@
             <a:lstStyle/>
             <a:p>
               <a:pPr algn="ctr"/>
-              <a:endParaRPr lang="en-US"/>
+              <a:endParaRPr lang="en-US" sz="1350"/>
             </a:p>
           </p:txBody>
         </p:sp>
@@ -9296,7 +9296,7 @@
           <p:spPr>
             <a:xfrm>
               <a:off x="1037283" y="836756"/>
-              <a:ext cx="2974427" cy="2391753"/>
+              <a:ext cx="2974427" cy="2532439"/>
             </a:xfrm>
             <a:prstGeom prst="rect">
               <a:avLst/>
@@ -9311,7 +9311,7 @@
             <a:p>
               <a:pPr algn="ctr"/>
               <a:r>
-                <a:rPr lang="en-US" sz="1400" dirty="0" smtClean="0">
+                <a:rPr lang="en-US" sz="1050" dirty="0">
                   <a:solidFill>
                     <a:schemeClr val="bg1"/>
                   </a:solidFill>
@@ -9322,14 +9322,14 @@
             <a:p>
               <a:pPr algn="ctr"/>
               <a:r>
-                <a:rPr lang="en-US" sz="1400" dirty="0" smtClean="0">
+                <a:rPr lang="en-US" sz="1050" dirty="0">
                   <a:solidFill>
                     <a:schemeClr val="bg1"/>
                   </a:solidFill>
                 </a:rPr>
                 <a:t> 1e5&lt;n-reads&lt;2e6</a:t>
               </a:r>
-              <a:endParaRPr lang="en-US" sz="1400" dirty="0">
+              <a:endParaRPr lang="en-US" sz="1050" dirty="0">
                 <a:solidFill>
                   <a:schemeClr val="bg1"/>
                 </a:solidFill>
@@ -9346,8 +9346,8 @@
         </p:nvSpPr>
         <p:spPr>
           <a:xfrm>
-            <a:off x="731769" y="1141204"/>
-            <a:ext cx="2089834" cy="584775"/>
+            <a:off x="548827" y="1713153"/>
+            <a:ext cx="1567376" cy="646331"/>
           </a:xfrm>
           <a:prstGeom prst="rect">
             <a:avLst/>
@@ -9361,22 +9361,22 @@
           <a:lstStyle/>
           <a:p>
             <a:r>
-              <a:rPr lang="en-US" sz="1600" dirty="0" err="1" smtClean="0"/>
+              <a:rPr lang="en-US" sz="1200" dirty="0" err="1"/>
               <a:t>Demultiplex</a:t>
             </a:r>
             <a:r>
-              <a:rPr lang="en-US" sz="1600" dirty="0" smtClean="0"/>
+              <a:rPr lang="en-US" sz="1200" dirty="0"/>
               <a:t> samples with `</a:t>
             </a:r>
             <a:r>
-              <a:rPr lang="en-US" sz="1600" dirty="0" err="1" smtClean="0"/>
+              <a:rPr lang="en-US" sz="1200" dirty="0" err="1"/>
               <a:t>process_radtags</a:t>
             </a:r>
             <a:r>
-              <a:rPr lang="en-US" sz="1600" dirty="0" smtClean="0"/>
+              <a:rPr lang="en-US" sz="1200" dirty="0"/>
               <a:t>`</a:t>
             </a:r>
-            <a:endParaRPr lang="en-US" sz="1600" dirty="0"/>
+            <a:endParaRPr lang="en-US" sz="1200" dirty="0"/>
           </a:p>
         </p:txBody>
       </p:sp>
@@ -9388,8 +9388,8 @@
         </p:nvSpPr>
         <p:spPr>
           <a:xfrm>
-            <a:off x="700778" y="2756110"/>
-            <a:ext cx="2105411" cy="830997"/>
+            <a:off x="525584" y="2924333"/>
+            <a:ext cx="1579058" cy="646331"/>
           </a:xfrm>
           <a:prstGeom prst="rect">
             <a:avLst/>
@@ -9403,7 +9403,7 @@
           <a:lstStyle/>
           <a:p>
             <a:r>
-              <a:rPr lang="en-US" sz="1600" dirty="0" smtClean="0"/>
+              <a:rPr lang="en-US" sz="1200" dirty="0"/>
               <a:t>Filter and cap samples by read number with my script</a:t>
             </a:r>
           </a:p>
@@ -9417,8 +9417,8 @@
         </p:nvCxnSpPr>
         <p:spPr>
           <a:xfrm flipH="1">
-            <a:off x="568985" y="1069609"/>
-            <a:ext cx="7421" cy="962010"/>
+            <a:off x="426739" y="1659457"/>
+            <a:ext cx="5566" cy="721508"/>
           </a:xfrm>
           <a:prstGeom prst="straightConnector1">
             <a:avLst/>
@@ -9453,8 +9453,8 @@
         </p:nvCxnSpPr>
         <p:spPr>
           <a:xfrm>
-            <a:off x="546302" y="2695862"/>
-            <a:ext cx="0" cy="1104959"/>
+            <a:off x="409727" y="2879147"/>
+            <a:ext cx="0" cy="828719"/>
           </a:xfrm>
           <a:prstGeom prst="straightConnector1">
             <a:avLst/>
@@ -9489,8 +9489,8 @@
         </p:nvGrpSpPr>
         <p:grpSpPr>
           <a:xfrm>
-            <a:off x="3102244" y="346841"/>
-            <a:ext cx="891687" cy="6148087"/>
+            <a:off x="2326684" y="1117381"/>
+            <a:ext cx="668765" cy="4611065"/>
             <a:chOff x="3607034" y="729501"/>
             <a:chExt cx="1437521" cy="5815643"/>
           </a:xfrm>
@@ -9625,8 +9625,8 @@
         </p:nvCxnSpPr>
         <p:spPr>
           <a:xfrm>
-            <a:off x="4249366" y="965382"/>
-            <a:ext cx="0" cy="580689"/>
+            <a:off x="3187025" y="1581287"/>
+            <a:ext cx="0" cy="435517"/>
           </a:xfrm>
           <a:prstGeom prst="straightConnector1">
             <a:avLst/>
@@ -9661,8 +9661,8 @@
         </p:nvSpPr>
         <p:spPr>
           <a:xfrm>
-            <a:off x="4376164" y="930708"/>
-            <a:ext cx="3198559" cy="584775"/>
+            <a:off x="3282124" y="1555281"/>
+            <a:ext cx="2398919" cy="646331"/>
           </a:xfrm>
           <a:prstGeom prst="rect">
             <a:avLst/>
@@ -9676,18 +9676,18 @@
           <a:lstStyle/>
           <a:p>
             <a:r>
-              <a:rPr lang="en-US" sz="1600" dirty="0" smtClean="0"/>
+              <a:rPr lang="en-US" sz="1200" dirty="0"/>
               <a:t>Run `</a:t>
             </a:r>
             <a:r>
-              <a:rPr lang="en-US" sz="1600" dirty="0" err="1" smtClean="0"/>
+              <a:rPr lang="en-US" sz="1200" dirty="0" err="1"/>
               <a:t>cstacks</a:t>
             </a:r>
             <a:r>
-              <a:rPr lang="en-US" sz="1600" dirty="0" smtClean="0"/>
+              <a:rPr lang="en-US" sz="1200" dirty="0"/>
               <a:t>` on all samples to build catalog of loci (de novo genome)</a:t>
             </a:r>
-            <a:endParaRPr lang="en-US" sz="1600" dirty="0"/>
+            <a:endParaRPr lang="en-US" sz="1200" dirty="0"/>
           </a:p>
         </p:txBody>
       </p:sp>
@@ -9699,8 +9699,8 @@
         </p:nvSpPr>
         <p:spPr>
           <a:xfrm>
-            <a:off x="4080361" y="3925434"/>
-            <a:ext cx="2869324" cy="215444"/>
+            <a:off x="3060271" y="3801325"/>
+            <a:ext cx="2151993" cy="184666"/>
           </a:xfrm>
           <a:prstGeom prst="rect">
             <a:avLst/>
@@ -9714,16 +9714,16 @@
           <a:lstStyle/>
           <a:p>
             <a:r>
-              <a:rPr lang="en-US" sz="800" dirty="0" smtClean="0"/>
+              <a:rPr lang="en-US" sz="600" dirty="0"/>
               <a:t>Figure  </a:t>
             </a:r>
             <a:r>
-              <a:rPr lang="en-US" sz="800" dirty="0" smtClean="0">
+              <a:rPr lang="en-US" sz="600" dirty="0">
                 <a:hlinkClick r:id="rId3"/>
               </a:rPr>
               <a:t>http://catchenlab.life.illinois.edu/stacks/param_tut.php</a:t>
             </a:r>
-            <a:endParaRPr lang="en-US" sz="800" dirty="0"/>
+            <a:endParaRPr lang="en-US" sz="600" dirty="0"/>
           </a:p>
         </p:txBody>
       </p:sp>
@@ -9735,8 +9735,8 @@
         </p:nvGrpSpPr>
         <p:grpSpPr>
           <a:xfrm>
-            <a:off x="4118314" y="4174495"/>
-            <a:ext cx="3061104" cy="872920"/>
+            <a:off x="3088736" y="3988121"/>
+            <a:ext cx="2295828" cy="654690"/>
             <a:chOff x="959803" y="737894"/>
             <a:chExt cx="2974427" cy="12409294"/>
           </a:xfrm>
@@ -9780,7 +9780,7 @@
             <a:lstStyle/>
             <a:p>
               <a:pPr algn="ctr"/>
-              <a:endParaRPr lang="en-US"/>
+              <a:endParaRPr lang="en-US" sz="1350"/>
             </a:p>
           </p:txBody>
         </p:sp>
@@ -9792,8 +9792,8 @@
           </p:nvSpPr>
           <p:spPr>
             <a:xfrm>
-              <a:off x="964345" y="1254640"/>
-              <a:ext cx="2865616" cy="11375788"/>
+              <a:off x="964345" y="1254649"/>
+              <a:ext cx="2865616" cy="11813328"/>
             </a:xfrm>
             <a:prstGeom prst="rect">
               <a:avLst/>
@@ -9808,41 +9808,41 @@
             <a:p>
               <a:pPr algn="ctr"/>
               <a:r>
-                <a:rPr lang="en-US" sz="1600" dirty="0" smtClean="0"/>
+                <a:rPr lang="en-US" sz="1200" dirty="0"/>
                 <a:t>Directory with </a:t>
               </a:r>
               <a:r>
-                <a:rPr lang="en-US" sz="1600" dirty="0" err="1" smtClean="0"/>
+                <a:rPr lang="en-US" sz="1200" dirty="0" err="1"/>
                 <a:t>ustacks</a:t>
               </a:r>
               <a:r>
-                <a:rPr lang="en-US" sz="1600" dirty="0" smtClean="0"/>
+                <a:rPr lang="en-US" sz="1200" dirty="0"/>
                 <a:t> and </a:t>
               </a:r>
               <a:r>
-                <a:rPr lang="en-US" sz="1600" dirty="0" err="1" smtClean="0"/>
+                <a:rPr lang="en-US" sz="1200" dirty="0" err="1"/>
                 <a:t>cstacks</a:t>
               </a:r>
               <a:r>
-                <a:rPr lang="en-US" sz="1600" dirty="0" smtClean="0"/>
+                <a:rPr lang="en-US" sz="1200" dirty="0"/>
                 <a:t> output data </a:t>
               </a:r>
             </a:p>
             <a:p>
               <a:pPr algn="ctr"/>
               <a:r>
-                <a:rPr lang="en-US" sz="1400" dirty="0" smtClean="0"/>
+                <a:rPr lang="en-US" sz="1050" dirty="0"/>
                 <a:t>(</a:t>
               </a:r>
               <a:r>
-                <a:rPr lang="en-US" sz="1400" dirty="0" err="1" smtClean="0"/>
+                <a:rPr lang="en-US" sz="1050" dirty="0" err="1"/>
                 <a:t>ustack</a:t>
               </a:r>
               <a:r>
-                <a:rPr lang="en-US" sz="1400" dirty="0" smtClean="0"/>
+                <a:rPr lang="en-US" sz="1050" dirty="0"/>
                 <a:t> files and catalog files)</a:t>
               </a:r>
-              <a:endParaRPr lang="en-US" sz="1400" dirty="0"/>
+              <a:endParaRPr lang="en-US" sz="1050" dirty="0"/>
             </a:p>
           </p:txBody>
         </p:sp>
@@ -9855,8 +9855,8 @@
         </p:nvSpPr>
         <p:spPr>
           <a:xfrm>
-            <a:off x="4451143" y="5135581"/>
-            <a:ext cx="2995854" cy="584775"/>
+            <a:off x="3338357" y="4708936"/>
+            <a:ext cx="2246891" cy="461665"/>
           </a:xfrm>
           <a:prstGeom prst="rect">
             <a:avLst/>
@@ -9870,18 +9870,18 @@
           <a:lstStyle/>
           <a:p>
             <a:r>
-              <a:rPr lang="en-US" sz="1600" dirty="0" smtClean="0"/>
+              <a:rPr lang="en-US" sz="1200" dirty="0"/>
               <a:t>Run `</a:t>
             </a:r>
             <a:r>
-              <a:rPr lang="en-US" sz="1600" dirty="0" err="1" smtClean="0"/>
+              <a:rPr lang="en-US" sz="1200" dirty="0" err="1"/>
               <a:t>sstacks</a:t>
             </a:r>
             <a:r>
-              <a:rPr lang="en-US" sz="1600" dirty="0" smtClean="0"/>
+              <a:rPr lang="en-US" sz="1200" dirty="0"/>
               <a:t>` on all samples to align against the catalog</a:t>
             </a:r>
-            <a:endParaRPr lang="en-US" sz="1600" dirty="0"/>
+            <a:endParaRPr lang="en-US" sz="1200" dirty="0"/>
           </a:p>
         </p:txBody>
       </p:sp>
@@ -9893,10 +9893,10 @@
         </p:nvGrpSpPr>
         <p:grpSpPr>
           <a:xfrm>
-            <a:off x="4114291" y="5964922"/>
-            <a:ext cx="3065127" cy="838303"/>
+            <a:off x="3085719" y="5330942"/>
+            <a:ext cx="2298845" cy="651811"/>
             <a:chOff x="967990" y="411556"/>
-            <a:chExt cx="2984740" cy="6720143"/>
+            <a:chExt cx="2984740" cy="6966870"/>
           </a:xfrm>
         </p:grpSpPr>
         <p:sp>
@@ -9938,7 +9938,7 @@
             <a:lstStyle/>
             <a:p>
               <a:pPr algn="ctr"/>
-              <a:endParaRPr lang="en-US"/>
+              <a:endParaRPr lang="en-US" sz="1350"/>
             </a:p>
           </p:txBody>
         </p:sp>
@@ -9950,8 +9950,8 @@
           </p:nvSpPr>
           <p:spPr>
             <a:xfrm>
-              <a:off x="978303" y="470124"/>
-              <a:ext cx="2974427" cy="6661575"/>
+              <a:off x="978303" y="470129"/>
+              <a:ext cx="2974427" cy="6908297"/>
             </a:xfrm>
             <a:prstGeom prst="rect">
               <a:avLst/>
@@ -9966,45 +9966,45 @@
             <a:p>
               <a:pPr algn="ctr"/>
               <a:r>
-                <a:rPr lang="en-US" sz="1600" dirty="0" smtClean="0"/>
+                <a:rPr lang="en-US" sz="1200" dirty="0"/>
                 <a:t>Directory with </a:t>
               </a:r>
               <a:r>
-                <a:rPr lang="en-US" sz="1600" dirty="0" err="1" smtClean="0"/>
+                <a:rPr lang="en-US" sz="1200" dirty="0" err="1"/>
                 <a:t>sstacks</a:t>
               </a:r>
               <a:r>
-                <a:rPr lang="en-US" sz="1600" dirty="0"/>
+                <a:rPr lang="en-US" sz="1200" dirty="0"/>
                 <a:t>,</a:t>
               </a:r>
               <a:r>
-                <a:rPr lang="en-US" sz="1600" dirty="0" smtClean="0"/>
+                <a:rPr lang="en-US" sz="1200" dirty="0"/>
                 <a:t> </a:t>
               </a:r>
               <a:r>
-                <a:rPr lang="en-US" sz="1600" dirty="0" err="1" smtClean="0"/>
+                <a:rPr lang="en-US" sz="1200" dirty="0" err="1"/>
                 <a:t>ustacks</a:t>
               </a:r>
               <a:r>
-                <a:rPr lang="en-US" sz="1600" dirty="0" smtClean="0"/>
+                <a:rPr lang="en-US" sz="1200" dirty="0"/>
                 <a:t> and </a:t>
               </a:r>
               <a:r>
-                <a:rPr lang="en-US" sz="1600" dirty="0" err="1" smtClean="0"/>
+                <a:rPr lang="en-US" sz="1200" dirty="0" err="1"/>
                 <a:t>ccstacks</a:t>
               </a:r>
               <a:r>
-                <a:rPr lang="en-US" sz="1600" dirty="0" smtClean="0"/>
+                <a:rPr lang="en-US" sz="1200" dirty="0"/>
                 <a:t> data </a:t>
               </a:r>
             </a:p>
             <a:p>
               <a:pPr algn="ctr"/>
               <a:r>
-                <a:rPr lang="en-US" sz="1600" dirty="0" smtClean="0"/>
+                <a:rPr lang="en-US" sz="1200" dirty="0"/>
                 <a:t>(name.matches.tsv.gz)</a:t>
               </a:r>
-              <a:endParaRPr lang="en-US" sz="1600" dirty="0"/>
+              <a:endParaRPr lang="en-US" sz="1200" dirty="0"/>
             </a:p>
           </p:txBody>
         </p:sp>
@@ -10017,8 +10017,8 @@
         </p:nvCxnSpPr>
         <p:spPr>
           <a:xfrm flipH="1">
-            <a:off x="4246372" y="5114040"/>
-            <a:ext cx="14611" cy="830536"/>
+            <a:off x="3184780" y="4692780"/>
+            <a:ext cx="10958" cy="622902"/>
           </a:xfrm>
           <a:prstGeom prst="straightConnector1">
             <a:avLst/>
@@ -10053,8 +10053,8 @@
         </p:nvSpPr>
         <p:spPr>
           <a:xfrm>
-            <a:off x="8501278" y="672994"/>
-            <a:ext cx="3737622" cy="584775"/>
+            <a:off x="6375958" y="1361996"/>
+            <a:ext cx="2803217" cy="461665"/>
           </a:xfrm>
           <a:prstGeom prst="rect">
             <a:avLst/>
@@ -10068,10 +10068,10 @@
           <a:lstStyle/>
           <a:p>
             <a:r>
-              <a:rPr lang="en-US" sz="1600" dirty="0" smtClean="0"/>
+              <a:rPr lang="en-US" sz="1200" dirty="0"/>
               <a:t>Run `tsv2bam` to transpose data to a bam alignment by loci instead of by specimen </a:t>
             </a:r>
-            <a:endParaRPr lang="en-US" sz="1600" dirty="0"/>
+            <a:endParaRPr lang="en-US" sz="1200" dirty="0"/>
           </a:p>
         </p:txBody>
       </p:sp>
@@ -10083,8 +10083,8 @@
         </p:nvSpPr>
         <p:spPr>
           <a:xfrm>
-            <a:off x="430943" y="2097558"/>
-            <a:ext cx="2313888" cy="546411"/>
+            <a:off x="323207" y="2430419"/>
+            <a:ext cx="1735416" cy="409808"/>
           </a:xfrm>
           <a:prstGeom prst="flowChartAlternateProcess">
             <a:avLst/>
@@ -10116,7 +10116,7 @@
           <a:lstStyle/>
           <a:p>
             <a:pPr algn="ctr"/>
-            <a:endParaRPr lang="en-US"/>
+            <a:endParaRPr lang="en-US" sz="1350"/>
           </a:p>
         </p:txBody>
       </p:sp>
@@ -10128,8 +10128,8 @@
         </p:nvSpPr>
         <p:spPr>
           <a:xfrm>
-            <a:off x="359019" y="2108403"/>
-            <a:ext cx="2442468" cy="584775"/>
+            <a:off x="269264" y="2438553"/>
+            <a:ext cx="1831851" cy="461665"/>
           </a:xfrm>
           <a:prstGeom prst="rect">
             <a:avLst/>
@@ -10144,14 +10144,14 @@
           <a:p>
             <a:pPr algn="ctr"/>
             <a:r>
-              <a:rPr lang="en-US" sz="1600" dirty="0" smtClean="0">
+              <a:rPr lang="en-US" sz="1200" dirty="0">
                 <a:solidFill>
                   <a:schemeClr val="bg1"/>
                 </a:solidFill>
               </a:rPr>
               <a:t>Directory with 48 fq.gz files, 1 per specimen</a:t>
             </a:r>
-            <a:endParaRPr lang="en-US" sz="1600" dirty="0">
+            <a:endParaRPr lang="en-US" sz="1200" dirty="0">
               <a:solidFill>
                 <a:schemeClr val="bg1"/>
               </a:solidFill>
@@ -10181,8 +10181,8 @@
         </p:blipFill>
         <p:spPr>
           <a:xfrm>
-            <a:off x="40411" y="4938212"/>
-            <a:ext cx="2988194" cy="1687776"/>
+            <a:off x="30308" y="4560909"/>
+            <a:ext cx="2241146" cy="1265832"/>
           </a:xfrm>
           <a:prstGeom prst="rect">
             <a:avLst/>
@@ -10197,8 +10197,8 @@
         </p:nvSpPr>
         <p:spPr>
           <a:xfrm>
-            <a:off x="770587" y="4515877"/>
-            <a:ext cx="2268609" cy="584775"/>
+            <a:off x="577941" y="4244158"/>
+            <a:ext cx="1701457" cy="461665"/>
           </a:xfrm>
           <a:prstGeom prst="rect">
             <a:avLst/>
@@ -10212,18 +10212,18 @@
           <a:lstStyle/>
           <a:p>
             <a:r>
-              <a:rPr lang="en-US" sz="1600" dirty="0" smtClean="0"/>
+              <a:rPr lang="en-US" sz="1200" dirty="0"/>
               <a:t>Run `</a:t>
             </a:r>
             <a:r>
-              <a:rPr lang="en-US" sz="1600" dirty="0" err="1" smtClean="0"/>
+              <a:rPr lang="en-US" sz="1200" dirty="0" err="1"/>
               <a:t>ustacks</a:t>
             </a:r>
             <a:r>
-              <a:rPr lang="en-US" sz="1600" dirty="0" smtClean="0"/>
+              <a:rPr lang="en-US" sz="1200" dirty="0"/>
               <a:t>` on each sample to find loci</a:t>
             </a:r>
-            <a:endParaRPr lang="en-US" sz="1600" dirty="0"/>
+            <a:endParaRPr lang="en-US" sz="1200" dirty="0"/>
           </a:p>
         </p:txBody>
       </p:sp>
@@ -10235,8 +10235,8 @@
         </p:nvSpPr>
         <p:spPr>
           <a:xfrm>
-            <a:off x="156208" y="6532227"/>
-            <a:ext cx="2869324" cy="215444"/>
+            <a:off x="117156" y="5756420"/>
+            <a:ext cx="2151993" cy="184666"/>
           </a:xfrm>
           <a:prstGeom prst="rect">
             <a:avLst/>
@@ -10250,16 +10250,16 @@
           <a:lstStyle/>
           <a:p>
             <a:r>
-              <a:rPr lang="en-US" sz="800" dirty="0" smtClean="0"/>
+              <a:rPr lang="en-US" sz="600" dirty="0"/>
               <a:t>Figure  </a:t>
             </a:r>
             <a:r>
-              <a:rPr lang="en-US" sz="800" dirty="0" smtClean="0">
+              <a:rPr lang="en-US" sz="600" dirty="0">
                 <a:hlinkClick r:id="rId3"/>
               </a:rPr>
               <a:t>http://catchenlab.life.illinois.edu/stacks/param_tut.php</a:t>
             </a:r>
-            <a:endParaRPr lang="en-US" sz="800" dirty="0"/>
+            <a:endParaRPr lang="en-US" sz="600" dirty="0"/>
           </a:p>
         </p:txBody>
       </p:sp>
@@ -10271,8 +10271,8 @@
         </p:nvCxnSpPr>
         <p:spPr>
           <a:xfrm>
-            <a:off x="568985" y="4498428"/>
-            <a:ext cx="7421" cy="491537"/>
+            <a:off x="426739" y="4231071"/>
+            <a:ext cx="5566" cy="368653"/>
           </a:xfrm>
           <a:prstGeom prst="straightConnector1">
             <a:avLst/>
@@ -10307,10 +10307,10 @@
         </p:nvGrpSpPr>
         <p:grpSpPr>
           <a:xfrm>
-            <a:off x="4080361" y="75494"/>
-            <a:ext cx="3099057" cy="841420"/>
+            <a:off x="3060271" y="913871"/>
+            <a:ext cx="2324293" cy="646750"/>
             <a:chOff x="959803" y="737894"/>
-            <a:chExt cx="3011305" cy="6549410"/>
+            <a:chExt cx="3011305" cy="6712195"/>
           </a:xfrm>
         </p:grpSpPr>
         <p:sp>
@@ -10352,7 +10352,7 @@
             <a:lstStyle/>
             <a:p>
               <a:pPr algn="ctr"/>
-              <a:endParaRPr lang="en-US"/>
+              <a:endParaRPr lang="en-US" sz="1350"/>
             </a:p>
           </p:txBody>
         </p:sp>
@@ -10364,8 +10364,8 @@
           </p:nvSpPr>
           <p:spPr>
             <a:xfrm>
-              <a:off x="996681" y="1221382"/>
-              <a:ext cx="2974427" cy="5989143"/>
+              <a:off x="996680" y="1221380"/>
+              <a:ext cx="2974428" cy="6228709"/>
             </a:xfrm>
             <a:prstGeom prst="rect">
               <a:avLst/>
@@ -10380,26 +10380,26 @@
             <a:p>
               <a:pPr algn="ctr"/>
               <a:r>
-                <a:rPr lang="en-US" sz="1600" dirty="0" smtClean="0"/>
+                <a:rPr lang="en-US" sz="1200" dirty="0"/>
                 <a:t>Directory with </a:t>
               </a:r>
               <a:r>
-                <a:rPr lang="en-US" sz="1600" dirty="0" err="1" smtClean="0"/>
+                <a:rPr lang="en-US" sz="1200" dirty="0" err="1"/>
                 <a:t>ustacks</a:t>
               </a:r>
               <a:r>
-                <a:rPr lang="en-US" sz="1600" dirty="0" smtClean="0"/>
+                <a:rPr lang="en-US" sz="1200" dirty="0"/>
                 <a:t> output </a:t>
               </a:r>
               <a:r>
-                <a:rPr lang="en-US" sz="1400" dirty="0" smtClean="0"/>
+                <a:rPr lang="en-US" sz="1050" dirty="0"/>
                 <a:t>(Name.tags.tsv.gz, Name.snps.tsv.gz,</a:t>
               </a:r>
             </a:p>
             <a:p>
               <a:pPr algn="ctr"/>
               <a:r>
-                <a:rPr lang="en-US" sz="1400" dirty="0" smtClean="0"/>
+                <a:rPr lang="en-US" sz="1050" dirty="0"/>
                 <a:t>Name.alleles.tsv.gz</a:t>
               </a:r>
             </a:p>
@@ -10414,8 +10414,8 @@
         </p:nvGrpSpPr>
         <p:grpSpPr>
           <a:xfrm>
-            <a:off x="7354156" y="240900"/>
-            <a:ext cx="891687" cy="5950380"/>
+            <a:off x="5515618" y="1037925"/>
+            <a:ext cx="668765" cy="4462785"/>
             <a:chOff x="3607034" y="729501"/>
             <a:chExt cx="1437521" cy="5815643"/>
           </a:xfrm>
@@ -10550,10 +10550,10 @@
         </p:nvGrpSpPr>
         <p:grpSpPr>
           <a:xfrm>
-            <a:off x="8256434" y="51781"/>
-            <a:ext cx="3075724" cy="628469"/>
+            <a:off x="6192326" y="896086"/>
+            <a:ext cx="2306793" cy="494435"/>
             <a:chOff x="947358" y="411556"/>
-            <a:chExt cx="2995059" cy="6743605"/>
+            <a:chExt cx="2995059" cy="7073860"/>
           </a:xfrm>
         </p:grpSpPr>
         <p:sp>
@@ -10595,7 +10595,7 @@
             <a:lstStyle/>
             <a:p>
               <a:pPr algn="ctr"/>
-              <a:endParaRPr lang="en-US"/>
+              <a:endParaRPr lang="en-US" sz="1350"/>
             </a:p>
           </p:txBody>
         </p:sp>
@@ -10607,8 +10607,8 @@
           </p:nvSpPr>
           <p:spPr>
             <a:xfrm>
-              <a:off x="947358" y="880402"/>
-              <a:ext cx="2974427" cy="6274759"/>
+              <a:off x="947358" y="880395"/>
+              <a:ext cx="2974427" cy="6605021"/>
             </a:xfrm>
             <a:prstGeom prst="rect">
               <a:avLst/>
@@ -10623,34 +10623,34 @@
             <a:p>
               <a:pPr algn="ctr"/>
               <a:r>
-                <a:rPr lang="en-US" sz="1600" dirty="0" smtClean="0"/>
+                <a:rPr lang="en-US" sz="1200" dirty="0"/>
                 <a:t>Directory with </a:t>
               </a:r>
               <a:r>
-                <a:rPr lang="en-US" sz="1600" dirty="0" err="1" smtClean="0"/>
+                <a:rPr lang="en-US" sz="1200" dirty="0" err="1"/>
                 <a:t>ustack</a:t>
               </a:r>
               <a:r>
-                <a:rPr lang="en-US" sz="1600" dirty="0" smtClean="0"/>
+                <a:rPr lang="en-US" sz="1200" dirty="0"/>
                 <a:t>, </a:t>
               </a:r>
               <a:r>
-                <a:rPr lang="en-US" sz="1600" dirty="0" err="1" smtClean="0"/>
+                <a:rPr lang="en-US" sz="1200" dirty="0" err="1"/>
                 <a:t>cstacks</a:t>
               </a:r>
               <a:r>
-                <a:rPr lang="en-US" sz="1600" dirty="0" smtClean="0"/>
+                <a:rPr lang="en-US" sz="1200" dirty="0"/>
                 <a:t>, and </a:t>
               </a:r>
               <a:r>
-                <a:rPr lang="en-US" sz="1600" dirty="0" err="1" smtClean="0"/>
+                <a:rPr lang="en-US" sz="1200" dirty="0" err="1"/>
                 <a:t>sstacks</a:t>
               </a:r>
               <a:r>
-                <a:rPr lang="en-US" sz="1600" dirty="0" smtClean="0"/>
+                <a:rPr lang="en-US" sz="1200" dirty="0"/>
                 <a:t> outputs</a:t>
               </a:r>
-              <a:endParaRPr lang="en-US" sz="1600" dirty="0"/>
+              <a:endParaRPr lang="en-US" sz="1200" dirty="0"/>
             </a:p>
           </p:txBody>
         </p:sp>
@@ -10663,8 +10663,8 @@
         </p:nvCxnSpPr>
         <p:spPr>
           <a:xfrm>
-            <a:off x="8395697" y="703823"/>
-            <a:ext cx="0" cy="580689"/>
+            <a:off x="6296773" y="1385118"/>
+            <a:ext cx="0" cy="435517"/>
           </a:xfrm>
           <a:prstGeom prst="straightConnector1">
             <a:avLst/>
@@ -10699,10 +10699,10 @@
         </p:nvGrpSpPr>
         <p:grpSpPr>
           <a:xfrm>
-            <a:off x="8307771" y="1403141"/>
-            <a:ext cx="3054537" cy="843748"/>
+            <a:off x="6230829" y="1909606"/>
+            <a:ext cx="2290903" cy="646331"/>
             <a:chOff x="967990" y="197174"/>
-            <a:chExt cx="2974427" cy="6763792"/>
+            <a:chExt cx="2974427" cy="6908300"/>
           </a:xfrm>
           <a:solidFill>
             <a:schemeClr val="accent6">
@@ -10747,7 +10747,7 @@
             <a:lstStyle/>
             <a:p>
               <a:pPr algn="ctr"/>
-              <a:endParaRPr lang="en-US"/>
+              <a:endParaRPr lang="en-US" sz="1350"/>
             </a:p>
           </p:txBody>
         </p:sp>
@@ -10760,7 +10760,7 @@
           <p:spPr>
             <a:xfrm>
               <a:off x="967990" y="197174"/>
-              <a:ext cx="2974427" cy="6661575"/>
+              <a:ext cx="2974427" cy="6908300"/>
             </a:xfrm>
             <a:prstGeom prst="rect">
               <a:avLst/>
@@ -10775,7 +10775,7 @@
             <a:p>
               <a:pPr algn="ctr"/>
               <a:r>
-                <a:rPr lang="en-US" sz="1600" dirty="0" smtClean="0">
+                <a:rPr lang="en-US" sz="1200" dirty="0">
                   <a:solidFill>
                     <a:schemeClr val="bg1"/>
                   </a:solidFill>
@@ -10783,7 +10783,7 @@
                 <a:t>Directory  with tsv2bam output and </a:t>
               </a:r>
               <a:r>
-                <a:rPr lang="en-US" sz="1600" dirty="0" err="1" smtClean="0">
+                <a:rPr lang="en-US" sz="1200" dirty="0" err="1">
                   <a:solidFill>
                     <a:schemeClr val="bg1"/>
                   </a:solidFill>
@@ -10791,7 +10791,7 @@
                 <a:t>ustacks</a:t>
               </a:r>
               <a:r>
-                <a:rPr lang="en-US" sz="1600" dirty="0" smtClean="0">
+                <a:rPr lang="en-US" sz="1200" dirty="0">
                   <a:solidFill>
                     <a:schemeClr val="bg1"/>
                   </a:solidFill>
@@ -10799,7 +10799,7 @@
                 <a:t>, </a:t>
               </a:r>
               <a:r>
-                <a:rPr lang="en-US" sz="1600" dirty="0" err="1" smtClean="0">
+                <a:rPr lang="en-US" sz="1200" dirty="0" err="1">
                   <a:solidFill>
                     <a:schemeClr val="bg1"/>
                   </a:solidFill>
@@ -10807,7 +10807,7 @@
                 <a:t>cstacks</a:t>
               </a:r>
               <a:r>
-                <a:rPr lang="en-US" sz="1600" dirty="0" smtClean="0">
+                <a:rPr lang="en-US" sz="1200" dirty="0">
                   <a:solidFill>
                     <a:schemeClr val="bg1"/>
                   </a:solidFill>
@@ -10815,7 +10815,7 @@
                 <a:t>, and </a:t>
               </a:r>
               <a:r>
-                <a:rPr lang="en-US" sz="1600" dirty="0" err="1" smtClean="0">
+                <a:rPr lang="en-US" sz="1200" dirty="0" err="1">
                   <a:solidFill>
                     <a:schemeClr val="bg1"/>
                   </a:solidFill>
@@ -10823,7 +10823,7 @@
                 <a:t>cstacks</a:t>
               </a:r>
               <a:r>
-                <a:rPr lang="en-US" sz="1600" dirty="0" smtClean="0">
+                <a:rPr lang="en-US" sz="1200" dirty="0">
                   <a:solidFill>
                     <a:schemeClr val="bg1"/>
                   </a:solidFill>
@@ -10831,7 +10831,7 @@
                 <a:t> outputs (</a:t>
               </a:r>
               <a:r>
-                <a:rPr lang="en-US" sz="1600" dirty="0" err="1" smtClean="0">
+                <a:rPr lang="en-US" sz="1200" dirty="0" err="1">
                   <a:solidFill>
                     <a:schemeClr val="bg1"/>
                   </a:solidFill>
@@ -10839,14 +10839,14 @@
                 <a:t>name.matches.bam</a:t>
               </a:r>
               <a:r>
-                <a:rPr lang="en-US" sz="1600" dirty="0" smtClean="0">
+                <a:rPr lang="en-US" sz="1200" dirty="0">
                   <a:solidFill>
                     <a:schemeClr val="bg1"/>
                   </a:solidFill>
                 </a:rPr>
                 <a:t>)</a:t>
               </a:r>
-              <a:endParaRPr lang="en-US" sz="1600" dirty="0">
+              <a:endParaRPr lang="en-US" sz="1200" dirty="0">
                 <a:solidFill>
                   <a:schemeClr val="bg1"/>
                 </a:solidFill>
@@ -10863,8 +10863,8 @@
         </p:nvSpPr>
         <p:spPr>
           <a:xfrm>
-            <a:off x="8501278" y="2305415"/>
-            <a:ext cx="3737622" cy="338554"/>
+            <a:off x="6375958" y="2586312"/>
+            <a:ext cx="2803217" cy="276999"/>
           </a:xfrm>
           <a:prstGeom prst="rect">
             <a:avLst/>
@@ -10878,22 +10878,18 @@
           <a:lstStyle/>
           <a:p>
             <a:r>
-              <a:rPr lang="en-US" sz="1600" dirty="0" smtClean="0"/>
+              <a:rPr lang="en-US" sz="1200" dirty="0"/>
               <a:t>Run `</a:t>
             </a:r>
             <a:r>
-              <a:rPr lang="en-US" sz="1600" dirty="0" err="1" smtClean="0"/>
+              <a:rPr lang="en-US" sz="1200" dirty="0" err="1"/>
               <a:t>gstacks</a:t>
             </a:r>
             <a:r>
-              <a:rPr lang="en-US" sz="1600" dirty="0" smtClean="0"/>
-              <a:t>` to </a:t>
-            </a:r>
-            <a:r>
-              <a:rPr lang="en-US" sz="1600" dirty="0" smtClean="0"/>
-              <a:t>genotype </a:t>
-            </a:r>
-            <a:endParaRPr lang="en-US" sz="1600" dirty="0"/>
+              <a:rPr lang="en-US" sz="1200" dirty="0"/>
+              <a:t>` to genotype </a:t>
+            </a:r>
+            <a:endParaRPr lang="en-US" sz="1200" dirty="0"/>
           </a:p>
         </p:txBody>
       </p:sp>
@@ -10905,8 +10901,8 @@
         </p:nvCxnSpPr>
         <p:spPr>
           <a:xfrm>
-            <a:off x="8395697" y="2336244"/>
-            <a:ext cx="0" cy="580689"/>
+            <a:off x="6296773" y="2609433"/>
+            <a:ext cx="0" cy="435517"/>
           </a:xfrm>
           <a:prstGeom prst="straightConnector1">
             <a:avLst/>
@@ -10941,8 +10937,8 @@
         </p:nvGrpSpPr>
         <p:grpSpPr>
           <a:xfrm>
-            <a:off x="8318381" y="3015221"/>
-            <a:ext cx="3065147" cy="817005"/>
+            <a:off x="6238786" y="3118666"/>
+            <a:ext cx="2298860" cy="612754"/>
             <a:chOff x="967990" y="411556"/>
             <a:chExt cx="2984759" cy="6549410"/>
           </a:xfrm>
@@ -10989,7 +10985,7 @@
             <a:lstStyle/>
             <a:p>
               <a:pPr algn="ctr"/>
-              <a:endParaRPr lang="en-US"/>
+              <a:endParaRPr lang="en-US" sz="1350"/>
             </a:p>
           </p:txBody>
         </p:sp>
@@ -11001,8 +10997,8 @@
           </p:nvSpPr>
           <p:spPr>
             <a:xfrm>
-              <a:off x="978322" y="1844874"/>
-              <a:ext cx="2974427" cy="2713972"/>
+              <a:off x="978322" y="1844871"/>
+              <a:ext cx="2974427" cy="2960699"/>
             </a:xfrm>
             <a:prstGeom prst="rect">
               <a:avLst/>
@@ -11017,7 +11013,7 @@
             <a:p>
               <a:pPr algn="ctr"/>
               <a:r>
-                <a:rPr lang="en-US" sz="1600" dirty="0" smtClean="0">
+                <a:rPr lang="en-US" sz="1200" dirty="0">
                   <a:solidFill>
                     <a:schemeClr val="bg1"/>
                   </a:solidFill>
@@ -11025,7 +11021,7 @@
                 <a:t>Directory with </a:t>
               </a:r>
               <a:r>
-                <a:rPr lang="en-US" sz="1600" dirty="0" err="1" smtClean="0">
+                <a:rPr lang="en-US" sz="1200" dirty="0" err="1">
                   <a:solidFill>
                     <a:schemeClr val="bg1"/>
                   </a:solidFill>
@@ -11033,14 +11029,14 @@
                 <a:t>gstacks</a:t>
               </a:r>
               <a:r>
-                <a:rPr lang="en-US" sz="1600" dirty="0" smtClean="0">
+                <a:rPr lang="en-US" sz="1200" dirty="0">
                   <a:solidFill>
                     <a:schemeClr val="bg1"/>
                   </a:solidFill>
                 </a:rPr>
                 <a:t> outputs?</a:t>
               </a:r>
-              <a:endParaRPr lang="en-US" sz="1600" dirty="0">
+              <a:endParaRPr lang="en-US" sz="1200" dirty="0">
                 <a:solidFill>
                   <a:schemeClr val="bg1"/>
                 </a:solidFill>
@@ -11057,8 +11053,8 @@
         </p:nvSpPr>
         <p:spPr>
           <a:xfrm>
-            <a:off x="8511888" y="3890752"/>
-            <a:ext cx="3737622" cy="1077218"/>
+            <a:off x="6383916" y="3775315"/>
+            <a:ext cx="2803217" cy="830997"/>
           </a:xfrm>
           <a:prstGeom prst="rect">
             <a:avLst/>
@@ -11072,34 +11068,34 @@
           <a:lstStyle/>
           <a:p>
             <a:r>
-              <a:rPr lang="en-US" sz="1600" dirty="0" smtClean="0"/>
+              <a:rPr lang="en-US" sz="1200" dirty="0"/>
               <a:t>Run `populations` to get population summary statistics such as F</a:t>
             </a:r>
             <a:r>
-              <a:rPr lang="en-US" sz="1600" baseline="-25000" dirty="0" smtClean="0"/>
+              <a:rPr lang="en-US" sz="1200" baseline="-25000" dirty="0"/>
               <a:t>ST</a:t>
             </a:r>
             <a:r>
-              <a:rPr lang="en-US" sz="1600" dirty="0" smtClean="0"/>
+              <a:rPr lang="en-US" sz="1200" dirty="0"/>
               <a:t>  and output data into a </a:t>
             </a:r>
             <a:r>
-              <a:rPr lang="en-US" sz="1600" dirty="0" err="1" smtClean="0"/>
+              <a:rPr lang="en-US" sz="1200" dirty="0" err="1"/>
               <a:t>fasta</a:t>
             </a:r>
             <a:r>
-              <a:rPr lang="en-US" sz="1600" dirty="0" smtClean="0"/>
+              <a:rPr lang="en-US" sz="1200" dirty="0"/>
               <a:t> or </a:t>
             </a:r>
             <a:r>
-              <a:rPr lang="en-US" sz="1600" dirty="0" err="1" smtClean="0"/>
+              <a:rPr lang="en-US" sz="1200" dirty="0" err="1"/>
               <a:t>phylip</a:t>
             </a:r>
             <a:r>
-              <a:rPr lang="en-US" sz="1600" dirty="0" smtClean="0"/>
+              <a:rPr lang="en-US" sz="1200" dirty="0"/>
               <a:t> that can be used for analysis</a:t>
             </a:r>
-            <a:endParaRPr lang="en-US" sz="1600" dirty="0"/>
+            <a:endParaRPr lang="en-US" sz="1200" dirty="0"/>
           </a:p>
         </p:txBody>
       </p:sp>
@@ -11111,8 +11107,8 @@
         </p:nvCxnSpPr>
         <p:spPr>
           <a:xfrm>
-            <a:off x="8430415" y="3885006"/>
-            <a:ext cx="0" cy="580689"/>
+            <a:off x="6322811" y="3771005"/>
+            <a:ext cx="0" cy="435517"/>
           </a:xfrm>
           <a:prstGeom prst="straightConnector1">
             <a:avLst/>
@@ -11147,8 +11143,8 @@
         </p:nvSpPr>
         <p:spPr>
           <a:xfrm rot="647178">
-            <a:off x="7984135" y="4827444"/>
-            <a:ext cx="4076695" cy="2232203"/>
+            <a:off x="5988102" y="4477834"/>
+            <a:ext cx="3057521" cy="1674152"/>
           </a:xfrm>
           <a:prstGeom prst="irregularSeal2">
             <a:avLst/>
@@ -11178,7 +11174,7 @@
           <a:lstStyle/>
           <a:p>
             <a:pPr algn="ctr"/>
-            <a:endParaRPr lang="en-US"/>
+            <a:endParaRPr lang="en-US" sz="1350"/>
           </a:p>
         </p:txBody>
       </p:sp>
@@ -11190,8 +11186,8 @@
         </p:nvSpPr>
         <p:spPr>
           <a:xfrm>
-            <a:off x="8328991" y="5712478"/>
-            <a:ext cx="3054537" cy="584775"/>
+            <a:off x="6246744" y="5141609"/>
+            <a:ext cx="2290903" cy="461665"/>
           </a:xfrm>
           <a:prstGeom prst="rect">
             <a:avLst/>
@@ -11206,22 +11202,22 @@
           <a:p>
             <a:pPr algn="ctr"/>
             <a:r>
-              <a:rPr lang="en-US" sz="1600" dirty="0" err="1" smtClean="0"/>
+              <a:rPr lang="en-US" sz="1200" dirty="0" err="1"/>
               <a:t>Fasta</a:t>
             </a:r>
             <a:r>
-              <a:rPr lang="en-US" sz="1600" dirty="0" smtClean="0"/>
+              <a:rPr lang="en-US" sz="1200" dirty="0"/>
               <a:t> or </a:t>
             </a:r>
             <a:r>
-              <a:rPr lang="en-US" sz="1600" dirty="0" err="1" smtClean="0"/>
+              <a:rPr lang="en-US" sz="1200" dirty="0" err="1"/>
               <a:t>phylip</a:t>
             </a:r>
             <a:r>
-              <a:rPr lang="en-US" sz="1600" dirty="0" smtClean="0"/>
+              <a:rPr lang="en-US" sz="1200" dirty="0"/>
               <a:t> files that can now be used to make a tree!!</a:t>
             </a:r>
-            <a:endParaRPr lang="en-US" sz="1600" dirty="0"/>
+            <a:endParaRPr lang="en-US" sz="1200" dirty="0"/>
           </a:p>
         </p:txBody>
       </p:sp>
@@ -11233,8 +11229,8 @@
         </p:nvSpPr>
         <p:spPr>
           <a:xfrm>
-            <a:off x="53788" y="71718"/>
-            <a:ext cx="12084424" cy="6696635"/>
+            <a:off x="40341" y="911039"/>
+            <a:ext cx="9063318" cy="5022476"/>
           </a:xfrm>
           <a:custGeom>
             <a:avLst/>
@@ -11339,7 +11335,7 @@
           <a:lstStyle/>
           <a:p>
             <a:pPr algn="ctr"/>
-            <a:endParaRPr lang="en-US"/>
+            <a:endParaRPr lang="en-US" sz="1350"/>
           </a:p>
         </p:txBody>
       </p:sp>
@@ -11351,8 +11347,8 @@
         </p:nvSpPr>
         <p:spPr>
           <a:xfrm>
-            <a:off x="6603901" y="2846758"/>
-            <a:ext cx="1739153" cy="369332"/>
+            <a:off x="4952926" y="2992318"/>
+            <a:ext cx="1304365" cy="300082"/>
           </a:xfrm>
           <a:prstGeom prst="rect">
             <a:avLst/>
@@ -11368,14 +11364,14 @@
           <a:lstStyle/>
           <a:p>
             <a:r>
-              <a:rPr lang="en-US" dirty="0"/>
+              <a:rPr lang="en-US" sz="1350" dirty="0"/>
               <a:t>d</a:t>
             </a:r>
             <a:r>
-              <a:rPr lang="en-US" dirty="0" smtClean="0"/>
+              <a:rPr lang="en-US" sz="1350" dirty="0"/>
               <a:t>enovo_map.pl</a:t>
             </a:r>
-            <a:endParaRPr lang="en-US" dirty="0"/>
+            <a:endParaRPr lang="en-US" sz="1350" dirty="0"/>
           </a:p>
         </p:txBody>
       </p:sp>
@@ -11416,6 +11412,36 @@
           <a:chExt cx="0" cy="0"/>
         </a:xfrm>
       </p:grpSpPr>
+      <p:sp>
+        <p:nvSpPr>
+          <p:cNvPr id="2" name="Title 1"/>
+          <p:cNvSpPr>
+            <a:spLocks noGrp="1"/>
+          </p:cNvSpPr>
+          <p:nvPr>
+            <p:ph type="title"/>
+          </p:nvPr>
+        </p:nvSpPr>
+        <p:spPr>
+          <a:xfrm>
+            <a:off x="88583" y="925354"/>
+            <a:ext cx="7886700" cy="557689"/>
+          </a:xfrm>
+        </p:spPr>
+        <p:txBody>
+          <a:bodyPr>
+            <a:normAutofit fontScale="90000"/>
+          </a:bodyPr>
+          <a:lstStyle/>
+          <a:p>
+            <a:r>
+              <a:rPr lang="en-US" dirty="0" smtClean="0"/>
+              <a:t>Visualization</a:t>
+            </a:r>
+            <a:endParaRPr lang="en-US" dirty="0"/>
+          </a:p>
+        </p:txBody>
+      </p:sp>
       <p:pic>
         <p:nvPicPr>
           <p:cNvPr id="4" name="Content Placeholder 3"/>
@@ -11440,39 +11466,11 @@
         </p:blipFill>
         <p:spPr>
           <a:xfrm>
-            <a:off x="583667" y="462597"/>
-            <a:ext cx="10537723" cy="6205549"/>
+            <a:off x="392927" y="1483043"/>
+            <a:ext cx="7903292" cy="4654162"/>
           </a:xfrm>
         </p:spPr>
       </p:pic>
-      <p:sp>
-        <p:nvSpPr>
-          <p:cNvPr id="2" name="Title 1"/>
-          <p:cNvSpPr>
-            <a:spLocks noGrp="1"/>
-          </p:cNvSpPr>
-          <p:nvPr>
-            <p:ph type="title"/>
-          </p:nvPr>
-        </p:nvSpPr>
-        <p:spPr>
-          <a:xfrm>
-            <a:off x="118110" y="90805"/>
-            <a:ext cx="10515600" cy="743585"/>
-          </a:xfrm>
-        </p:spPr>
-        <p:txBody>
-          <a:bodyPr/>
-          <a:lstStyle/>
-          <a:p>
-            <a:r>
-              <a:rPr lang="en-US" dirty="0" smtClean="0"/>
-              <a:t>Visualization</a:t>
-            </a:r>
-            <a:endParaRPr lang="en-US" dirty="0"/>
-          </a:p>
-        </p:txBody>
-      </p:sp>
     </p:spTree>
     <p:extLst>
       <p:ext uri="{BB962C8B-B14F-4D97-AF65-F5344CB8AC3E}">
@@ -11532,8 +11530,8 @@
         </p:blipFill>
         <p:spPr>
           <a:xfrm>
-            <a:off x="583667" y="462597"/>
-            <a:ext cx="10546554" cy="6205549"/>
+            <a:off x="410856" y="1365563"/>
+            <a:ext cx="7909916" cy="4654162"/>
           </a:xfrm>
           <a:prstGeom prst="rect">
             <a:avLst/>
@@ -11550,15 +11548,15 @@
         </p:nvSpPr>
         <p:spPr>
           <a:xfrm>
-            <a:off x="118110" y="90805"/>
-            <a:ext cx="10515600" cy="743585"/>
+            <a:off x="88583" y="925354"/>
+            <a:ext cx="7886700" cy="557689"/>
           </a:xfrm>
           <a:prstGeom prst="rect">
             <a:avLst/>
           </a:prstGeom>
         </p:spPr>
         <p:txBody>
-          <a:bodyPr vert="horz" lIns="91440" tIns="45720" rIns="91440" bIns="45720" rtlCol="0" anchor="ctr">
+          <a:bodyPr vert="horz" lIns="68580" tIns="34290" rIns="68580" bIns="34290" rtlCol="0" anchor="ctr">
             <a:normAutofit/>
           </a:bodyPr>
           <a:lstStyle>
@@ -11582,10 +11580,10 @@
           </a:lstStyle>
           <a:p>
             <a:r>
-              <a:rPr lang="en-US" dirty="0" smtClean="0"/>
+              <a:rPr lang="en-US" sz="3300" dirty="0"/>
               <a:t>Visualization</a:t>
             </a:r>
-            <a:endParaRPr lang="en-US" dirty="0"/>
+            <a:endParaRPr lang="en-US" sz="3300" dirty="0"/>
           </a:p>
         </p:txBody>
       </p:sp>
@@ -11612,7 +11610,7 @@
 <file path=ppt/theme/theme1.xml><?xml version="1.0" encoding="utf-8"?>
 <a:theme xmlns:a="http://schemas.openxmlformats.org/drawingml/2006/main" name="Office Theme">
   <a:themeElements>
-    <a:clrScheme name="Office">
+    <a:clrScheme name="Office Theme">
       <a:dk1>
         <a:sysClr val="windowText" lastClr="000000"/>
       </a:dk1>
@@ -11650,14 +11648,14 @@
         <a:srgbClr val="954F72"/>
       </a:folHlink>
     </a:clrScheme>
-    <a:fontScheme name="Office">
+    <a:fontScheme name="Office Theme">
       <a:majorFont>
         <a:latin typeface="Calibri Light" panose="020F0302020204030204"/>
         <a:ea typeface=""/>
         <a:cs typeface=""/>
-        <a:font script="Jpan" typeface="游ゴシック Light"/>
+        <a:font script="Jpan" typeface="ＭＳ Ｐゴシック"/>
         <a:font script="Hang" typeface="맑은 고딕"/>
-        <a:font script="Hans" typeface="等线 Light"/>
+        <a:font script="Hans" typeface="宋体"/>
         <a:font script="Hant" typeface="新細明體"/>
         <a:font script="Arab" typeface="Times New Roman"/>
         <a:font script="Hebr" typeface="Times New Roman"/>
@@ -11690,9 +11688,9 @@
         <a:latin typeface="Calibri" panose="020F0502020204030204"/>
         <a:ea typeface=""/>
         <a:cs typeface=""/>
-        <a:font script="Jpan" typeface="游ゴシック"/>
+        <a:font script="Jpan" typeface="ＭＳ Ｐゴシック"/>
         <a:font script="Hang" typeface="맑은 고딕"/>
-        <a:font script="Hans" typeface="等线"/>
+        <a:font script="Hans" typeface="宋体"/>
         <a:font script="Hant" typeface="新細明體"/>
         <a:font script="Arab" typeface="Arial"/>
         <a:font script="Hebr" typeface="Arial"/>
@@ -11722,7 +11720,7 @@
         <a:font script="Geor" typeface="Sylfaen"/>
       </a:minorFont>
     </a:fontScheme>
-    <a:fmtScheme name="Office">
+    <a:fmtScheme name="Office Theme">
       <a:fillStyleLst>
         <a:solidFill>
           <a:schemeClr val="phClr"/>
